--- a/documents/implementations/slide.pptx
+++ b/documents/implementations/slide.pptx
@@ -6,10 +6,10 @@
     <p:sldMasterId id="2147483660" r:id="rId2"/>
   </p:sldMasterIdLst>
   <p:notesMasterIdLst>
-    <p:notesMasterId r:id="rId16"/>
+    <p:notesMasterId r:id="rId22"/>
   </p:notesMasterIdLst>
   <p:handoutMasterIdLst>
-    <p:handoutMasterId r:id="rId17"/>
+    <p:handoutMasterId r:id="rId23"/>
   </p:handoutMasterIdLst>
   <p:sldIdLst>
     <p:sldId id="643" r:id="rId3"/>
@@ -24,7 +24,13 @@
     <p:sldId id="651" r:id="rId12"/>
     <p:sldId id="652" r:id="rId13"/>
     <p:sldId id="653" r:id="rId14"/>
-    <p:sldId id="375" r:id="rId15"/>
+    <p:sldId id="654" r:id="rId15"/>
+    <p:sldId id="655" r:id="rId16"/>
+    <p:sldId id="656" r:id="rId17"/>
+    <p:sldId id="657" r:id="rId18"/>
+    <p:sldId id="658" r:id="rId19"/>
+    <p:sldId id="659" r:id="rId20"/>
+    <p:sldId id="375" r:id="rId21"/>
   </p:sldIdLst>
   <p:sldSz cx="12192000" cy="6858000"/>
   <p:notesSz cx="6858000" cy="9144000"/>
@@ -232,7 +238,7 @@
           <a:p>
             <a:fld id="{B2C7E6CC-5E4C-41B2-A18A-C409A4EF0C6D}" type="datetimeFigureOut">
               <a:rPr lang="en-GB" smtClean="0"/>
-              <a:t>09/07/2021</a:t>
+              <a:t>10/07/2021</a:t>
             </a:fld>
             <a:endParaRPr lang="en-GB"/>
           </a:p>
@@ -397,7 +403,7 @@
           <a:p>
             <a:fld id="{E55DBDE7-167E-4028-A642-6B042A3B7493}" type="datetimeFigureOut">
               <a:rPr lang="en-GB" smtClean="0"/>
-              <a:t>09/07/2021</a:t>
+              <a:t>10/07/2021</a:t>
             </a:fld>
             <a:endParaRPr lang="en-GB"/>
           </a:p>
@@ -796,7 +802,7 @@
           <a:p>
             <a:fld id="{0D3A64B9-43C6-4740-9233-25FE31C93551}" type="datetime1">
               <a:rPr lang="en-GB" smtClean="0"/>
-              <a:t>09/07/2021</a:t>
+              <a:t>10/07/2021</a:t>
             </a:fld>
             <a:endParaRPr lang="en-GB"/>
           </a:p>
@@ -936,7 +942,7 @@
           <a:p>
             <a:fld id="{2991C76E-95A4-481C-B644-60C17165748C}" type="datetime1">
               <a:rPr lang="en-GB" smtClean="0"/>
-              <a:t>09/07/2021</a:t>
+              <a:t>10/07/2021</a:t>
             </a:fld>
             <a:endParaRPr lang="en-GB"/>
           </a:p>
@@ -1131,7 +1137,7 @@
           <a:p>
             <a:fld id="{DE9E49AE-0BAD-4977-890B-E9293724A2C9}" type="datetime1">
               <a:rPr lang="en-GB" smtClean="0"/>
-              <a:t>09/07/2021</a:t>
+              <a:t>10/07/2021</a:t>
             </a:fld>
             <a:endParaRPr lang="en-GB"/>
           </a:p>
@@ -2285,7 +2291,7 @@
           <a:p>
             <a:fld id="{0893F22B-7419-4E9E-BCAE-3AB991D34267}" type="datetime1">
               <a:rPr lang="en-GB" smtClean="0"/>
-              <a:t>09/07/2021</a:t>
+              <a:t>10/07/2021</a:t>
             </a:fld>
             <a:endParaRPr lang="en-GB"/>
           </a:p>
@@ -2744,7 +2750,7 @@
           <a:p>
             <a:fld id="{42C7AB29-8774-4541-AF25-26699B336B1B}" type="datetime1">
               <a:rPr lang="en-GB" smtClean="0"/>
-              <a:t>09/07/2021</a:t>
+              <a:t>10/07/2021</a:t>
             </a:fld>
             <a:endParaRPr lang="en-GB"/>
           </a:p>
@@ -2991,7 +2997,7 @@
           <a:p>
             <a:fld id="{51612E1E-7F9C-4990-86A0-C51623A594BB}" type="datetime1">
               <a:rPr lang="en-GB" smtClean="0"/>
-              <a:t>09/07/2021</a:t>
+              <a:t>10/07/2021</a:t>
             </a:fld>
             <a:endParaRPr lang="en-GB"/>
           </a:p>
@@ -4245,7 +4251,7 @@
           <a:p>
             <a:fld id="{C33BF2D8-D421-4A3E-B93F-18FE5B4B2913}" type="datetime1">
               <a:rPr lang="en-GB" smtClean="0"/>
-              <a:t>09/07/2021</a:t>
+              <a:t>10/07/2021</a:t>
             </a:fld>
             <a:endParaRPr lang="en-GB"/>
           </a:p>
@@ -4468,7 +4474,7 @@
           <a:p>
             <a:fld id="{93C39E0A-C4A0-4F06-A140-84534E6236ED}" type="datetime1">
               <a:rPr lang="en-GB" smtClean="0"/>
-              <a:t>09/07/2021</a:t>
+              <a:t>10/07/2021</a:t>
             </a:fld>
             <a:endParaRPr lang="en-GB"/>
           </a:p>
@@ -4665,7 +4671,7 @@
           <a:p>
             <a:fld id="{0C05F4B1-4D31-4E3A-ACB2-82E0718073DD}" type="datetime1">
               <a:rPr lang="en-GB" smtClean="0"/>
-              <a:t>09/07/2021</a:t>
+              <a:t>10/07/2021</a:t>
             </a:fld>
             <a:endParaRPr lang="en-GB"/>
           </a:p>
@@ -5724,7 +5730,7 @@
             </a:ln>
             <a:extLst>
               <a:ext uri="{91240B29-F687-4f45-9708-019B960494DF}">
-                <a14:hiddenLine xmlns="" xmlns:a14="http://schemas.microsoft.com/office/drawing/2010/main" w="9525">
+                <a14:hiddenLine xmlns:a14="http://schemas.microsoft.com/office/drawing/2010/main" xmlns="" w="9525">
                   <a:solidFill>
                     <a:srgbClr val="000000"/>
                   </a:solidFill>
@@ -6522,7 +6528,7 @@
               </a:ln>
               <a:extLst>
                 <a:ext uri="{91240B29-F687-4f45-9708-019B960494DF}">
-                  <a14:hiddenLine xmlns="" xmlns:a14="http://schemas.microsoft.com/office/drawing/2010/main" w="9525">
+                  <a14:hiddenLine xmlns:a14="http://schemas.microsoft.com/office/drawing/2010/main" xmlns="" w="9525">
                     <a:solidFill>
                       <a:srgbClr val="000000"/>
                     </a:solidFill>
@@ -6692,7 +6698,7 @@
               </a:ln>
               <a:extLst>
                 <a:ext uri="{91240B29-F687-4f45-9708-019B960494DF}">
-                  <a14:hiddenLine xmlns="" xmlns:a14="http://schemas.microsoft.com/office/drawing/2010/main" w="9525">
+                  <a14:hiddenLine xmlns:a14="http://schemas.microsoft.com/office/drawing/2010/main" xmlns="" w="9525">
                     <a:solidFill>
                       <a:srgbClr val="000000"/>
                     </a:solidFill>
@@ -7009,7 +7015,7 @@
               </a:ln>
               <a:extLst>
                 <a:ext uri="{91240B29-F687-4f45-9708-019B960494DF}">
-                  <a14:hiddenLine xmlns="" xmlns:a14="http://schemas.microsoft.com/office/drawing/2010/main" w="9525">
+                  <a14:hiddenLine xmlns:a14="http://schemas.microsoft.com/office/drawing/2010/main" xmlns="" w="9525">
                     <a:solidFill>
                       <a:srgbClr val="000000"/>
                     </a:solidFill>
@@ -7237,7 +7243,7 @@
               </a:ln>
               <a:extLst>
                 <a:ext uri="{91240B29-F687-4f45-9708-019B960494DF}">
-                  <a14:hiddenLine xmlns="" xmlns:a14="http://schemas.microsoft.com/office/drawing/2010/main" w="9525">
+                  <a14:hiddenLine xmlns:a14="http://schemas.microsoft.com/office/drawing/2010/main" xmlns="" w="9525">
                     <a:solidFill>
                       <a:srgbClr val="000000"/>
                     </a:solidFill>
@@ -7815,7 +7821,7 @@
               </a:ln>
               <a:extLst>
                 <a:ext uri="{91240B29-F687-4f45-9708-019B960494DF}">
-                  <a14:hiddenLine xmlns="" xmlns:a14="http://schemas.microsoft.com/office/drawing/2010/main" w="9525">
+                  <a14:hiddenLine xmlns:a14="http://schemas.microsoft.com/office/drawing/2010/main" xmlns="" w="9525">
                     <a:solidFill>
                       <a:srgbClr val="000000"/>
                     </a:solidFill>
@@ -8152,7 +8158,7 @@
               </a:ln>
               <a:extLst>
                 <a:ext uri="{91240B29-F687-4f45-9708-019B960494DF}">
-                  <a14:hiddenLine xmlns="" xmlns:a14="http://schemas.microsoft.com/office/drawing/2010/main" w="9525">
+                  <a14:hiddenLine xmlns:a14="http://schemas.microsoft.com/office/drawing/2010/main" xmlns="" w="9525">
                     <a:solidFill>
                       <a:srgbClr val="000000"/>
                     </a:solidFill>
@@ -9137,7 +9143,7 @@
             </a:ln>
             <a:extLst>
               <a:ext uri="{91240B29-F687-4f45-9708-019B960494DF}">
-                <a14:hiddenLine xmlns="" xmlns:a14="http://schemas.microsoft.com/office/drawing/2010/main" w="9525">
+                <a14:hiddenLine xmlns:a14="http://schemas.microsoft.com/office/drawing/2010/main" xmlns="" w="9525">
                   <a:solidFill>
                     <a:srgbClr val="000000"/>
                   </a:solidFill>
@@ -9467,7 +9473,7 @@
             </a:ln>
             <a:extLst>
               <a:ext uri="{91240B29-F687-4f45-9708-019B960494DF}">
-                <a14:hiddenLine xmlns="" xmlns:a14="http://schemas.microsoft.com/office/drawing/2010/main" w="9525">
+                <a14:hiddenLine xmlns:a14="http://schemas.microsoft.com/office/drawing/2010/main" xmlns="" w="9525">
                   <a:solidFill>
                     <a:srgbClr val="000000"/>
                   </a:solidFill>
@@ -9890,7 +9896,7 @@
             </a:ln>
             <a:extLst>
               <a:ext uri="{91240B29-F687-4f45-9708-019B960494DF}">
-                <a14:hiddenLine xmlns="" xmlns:a14="http://schemas.microsoft.com/office/drawing/2010/main" w="9525">
+                <a14:hiddenLine xmlns:a14="http://schemas.microsoft.com/office/drawing/2010/main" xmlns="" w="9525">
                   <a:solidFill>
                     <a:srgbClr val="000000"/>
                   </a:solidFill>
@@ -10115,7 +10121,7 @@
               </a:ln>
               <a:extLst>
                 <a:ext uri="{91240B29-F687-4f45-9708-019B960494DF}">
-                  <a14:hiddenLine xmlns="" xmlns:a14="http://schemas.microsoft.com/office/drawing/2010/main" w="9525">
+                  <a14:hiddenLine xmlns:a14="http://schemas.microsoft.com/office/drawing/2010/main" xmlns="" w="9525">
                     <a:solidFill>
                       <a:srgbClr val="000000"/>
                     </a:solidFill>
@@ -10166,7 +10172,7 @@
               </a:ln>
               <a:extLst>
                 <a:ext uri="{91240B29-F687-4f45-9708-019B960494DF}">
-                  <a14:hiddenLine xmlns="" xmlns:a14="http://schemas.microsoft.com/office/drawing/2010/main" w="9525">
+                  <a14:hiddenLine xmlns:a14="http://schemas.microsoft.com/office/drawing/2010/main" xmlns="" w="9525">
                     <a:solidFill>
                       <a:srgbClr val="000000"/>
                     </a:solidFill>
@@ -10462,7 +10468,7 @@
               </a:ln>
               <a:extLst>
                 <a:ext uri="{91240B29-F687-4f45-9708-019B960494DF}">
-                  <a14:hiddenLine xmlns="" xmlns:a14="http://schemas.microsoft.com/office/drawing/2010/main" w="9525">
+                  <a14:hiddenLine xmlns:a14="http://schemas.microsoft.com/office/drawing/2010/main" xmlns="" w="9525">
                     <a:solidFill>
                       <a:srgbClr val="000000"/>
                     </a:solidFill>
@@ -10564,7 +10570,7 @@
               </a:ln>
               <a:extLst>
                 <a:ext uri="{91240B29-F687-4f45-9708-019B960494DF}">
-                  <a14:hiddenLine xmlns="" xmlns:a14="http://schemas.microsoft.com/office/drawing/2010/main" w="9525">
+                  <a14:hiddenLine xmlns:a14="http://schemas.microsoft.com/office/drawing/2010/main" xmlns="" w="9525">
                     <a:solidFill>
                       <a:srgbClr val="000000"/>
                     </a:solidFill>
@@ -10902,7 +10908,7 @@
               </a:ln>
               <a:extLst>
                 <a:ext uri="{91240B29-F687-4f45-9708-019B960494DF}">
-                  <a14:hiddenLine xmlns="" xmlns:a14="http://schemas.microsoft.com/office/drawing/2010/main" w="9525">
+                  <a14:hiddenLine xmlns:a14="http://schemas.microsoft.com/office/drawing/2010/main" xmlns="" w="9525">
                     <a:solidFill>
                       <a:srgbClr val="000000"/>
                     </a:solidFill>
@@ -11283,7 +11289,7 @@
             </a:ln>
             <a:extLst>
               <a:ext uri="{91240B29-F687-4f45-9708-019B960494DF}">
-                <a14:hiddenLine xmlns="" xmlns:a14="http://schemas.microsoft.com/office/drawing/2010/main" w="9525">
+                <a14:hiddenLine xmlns:a14="http://schemas.microsoft.com/office/drawing/2010/main" xmlns="" w="9525">
                   <a:solidFill>
                     <a:srgbClr val="000000"/>
                   </a:solidFill>
@@ -11663,7 +11669,7 @@
             </a:ln>
             <a:extLst>
               <a:ext uri="{91240B29-F687-4f45-9708-019B960494DF}">
-                <a14:hiddenLine xmlns="" xmlns:a14="http://schemas.microsoft.com/office/drawing/2010/main" w="9525">
+                <a14:hiddenLine xmlns:a14="http://schemas.microsoft.com/office/drawing/2010/main" xmlns="" w="9525">
                   <a:solidFill>
                     <a:srgbClr val="000000"/>
                   </a:solidFill>
@@ -13370,7 +13376,7 @@
               </a:ln>
               <a:extLst>
                 <a:ext uri="{91240B29-F687-4f45-9708-019B960494DF}">
-                  <a14:hiddenLine xmlns="" xmlns:a14="http://schemas.microsoft.com/office/drawing/2010/main" w="9525">
+                  <a14:hiddenLine xmlns:a14="http://schemas.microsoft.com/office/drawing/2010/main" xmlns="" w="9525">
                     <a:solidFill>
                       <a:srgbClr val="000000"/>
                     </a:solidFill>
@@ -13600,7 +13606,7 @@
               </a:ln>
               <a:extLst>
                 <a:ext uri="{91240B29-F687-4f45-9708-019B960494DF}">
-                  <a14:hiddenLine xmlns="" xmlns:a14="http://schemas.microsoft.com/office/drawing/2010/main" w="9525">
+                  <a14:hiddenLine xmlns:a14="http://schemas.microsoft.com/office/drawing/2010/main" xmlns="" w="9525">
                     <a:solidFill>
                       <a:srgbClr val="000000"/>
                     </a:solidFill>
@@ -15703,7 +15709,7 @@
               <a:effectLst/>
               <a:extLst>
                 <a:ext uri="{91240B29-F687-4f45-9708-019B960494DF}">
-                  <a14:hiddenLine xmlns="" xmlns:a14="http://schemas.microsoft.com/office/drawing/2010/main" w="9525" cap="flat">
+                  <a14:hiddenLine xmlns:a14="http://schemas.microsoft.com/office/drawing/2010/main" xmlns="" w="9525" cap="flat">
                     <a:solidFill>
                       <a:srgbClr val="808080"/>
                     </a:solidFill>
@@ -15713,7 +15719,7 @@
                   </a14:hiddenLine>
                 </a:ext>
                 <a:ext uri="{AF507438-7753-43e0-B8FC-AC1667EBCBE1}">
-                  <a14:hiddenEffects xmlns="" xmlns:a14="http://schemas.microsoft.com/office/drawing/2010/main">
+                  <a14:hiddenEffects xmlns:a14="http://schemas.microsoft.com/office/drawing/2010/main" xmlns="">
                     <a:effectLst>
                       <a:outerShdw blurRad="63500" dist="38099" dir="2700000" algn="ctr" rotWithShape="0">
                         <a:srgbClr val="000000">
@@ -15841,7 +15847,7 @@
               <a:effectLst/>
               <a:extLst>
                 <a:ext uri="{91240B29-F687-4f45-9708-019B960494DF}">
-                  <a14:hiddenLine xmlns="" xmlns:a14="http://schemas.microsoft.com/office/drawing/2010/main" w="9525" cap="flat">
+                  <a14:hiddenLine xmlns:a14="http://schemas.microsoft.com/office/drawing/2010/main" xmlns="" w="9525" cap="flat">
                     <a:solidFill>
                       <a:srgbClr val="808080"/>
                     </a:solidFill>
@@ -15851,7 +15857,7 @@
                   </a14:hiddenLine>
                 </a:ext>
                 <a:ext uri="{AF507438-7753-43e0-B8FC-AC1667EBCBE1}">
-                  <a14:hiddenEffects xmlns="" xmlns:a14="http://schemas.microsoft.com/office/drawing/2010/main">
+                  <a14:hiddenEffects xmlns:a14="http://schemas.microsoft.com/office/drawing/2010/main" xmlns="">
                     <a:effectLst>
                       <a:outerShdw blurRad="63500" dist="38099" dir="2700000" algn="ctr" rotWithShape="0">
                         <a:srgbClr val="000000">
@@ -17423,13 +17429,13 @@
   <p:clrMapOvr>
     <a:masterClrMapping/>
   </p:clrMapOvr>
-  <mc:AlternateContent xmlns:mc="http://schemas.openxmlformats.org/markup-compatibility/2006">
-    <mc:Choice xmlns:p14="http://schemas.microsoft.com/office/powerpoint/2010/main" Requires="p14">
+  <mc:AlternateContent xmlns:mc="http://schemas.openxmlformats.org/markup-compatibility/2006" xmlns:p14="http://schemas.microsoft.com/office/powerpoint/2010/main">
+    <mc:Choice Requires="p14">
       <p:transition spd="med" p14:dur="700">
         <p:fade/>
       </p:transition>
     </mc:Choice>
-    <mc:Fallback>
+    <mc:Fallback xmlns="">
       <p:transition spd="med">
         <p:fade/>
       </p:transition>
@@ -18147,13 +18153,13 @@
   <p:clrMapOvr>
     <a:masterClrMapping/>
   </p:clrMapOvr>
-  <mc:AlternateContent xmlns:mc="http://schemas.openxmlformats.org/markup-compatibility/2006">
-    <mc:Choice xmlns:p14="http://schemas.microsoft.com/office/powerpoint/2010/main" Requires="p14">
+  <mc:AlternateContent xmlns:mc="http://schemas.openxmlformats.org/markup-compatibility/2006" xmlns:p14="http://schemas.microsoft.com/office/powerpoint/2010/main">
+    <mc:Choice Requires="p14">
       <p:transition spd="med" p14:dur="700">
         <p:fade/>
       </p:transition>
     </mc:Choice>
-    <mc:Fallback>
+    <mc:Fallback xmlns="">
       <p:transition spd="med">
         <p:fade/>
       </p:transition>
@@ -18718,13 +18724,13 @@
   <p:clrMapOvr>
     <a:masterClrMapping/>
   </p:clrMapOvr>
-  <mc:AlternateContent xmlns:mc="http://schemas.openxmlformats.org/markup-compatibility/2006">
-    <mc:Choice xmlns:p14="http://schemas.microsoft.com/office/powerpoint/2010/main" Requires="p14">
+  <mc:AlternateContent xmlns:mc="http://schemas.openxmlformats.org/markup-compatibility/2006" xmlns:p14="http://schemas.microsoft.com/office/powerpoint/2010/main">
+    <mc:Choice Requires="p14">
       <p:transition spd="med" p14:dur="700">
         <p:fade/>
       </p:transition>
     </mc:Choice>
-    <mc:Fallback>
+    <mc:Fallback xmlns="">
       <p:transition spd="med">
         <p:fade/>
       </p:transition>
@@ -18931,6 +18937,3812 @@
 </file>
 
 <file path=ppt/slides/slide13.xml><?xml version="1.0" encoding="utf-8"?>
+<p:sld xmlns:a="http://schemas.openxmlformats.org/drawingml/2006/main" xmlns:r="http://schemas.openxmlformats.org/officeDocument/2006/relationships" xmlns:p="http://schemas.openxmlformats.org/presentationml/2006/main">
+  <p:cSld>
+    <p:spTree>
+      <p:nvGrpSpPr>
+        <p:cNvPr id="1" name=""/>
+        <p:cNvGrpSpPr/>
+        <p:nvPr/>
+      </p:nvGrpSpPr>
+      <p:grpSpPr>
+        <a:xfrm>
+          <a:off x="0" y="0"/>
+          <a:ext cx="0" cy="0"/>
+          <a:chOff x="0" y="0"/>
+          <a:chExt cx="0" cy="0"/>
+        </a:xfrm>
+      </p:grpSpPr>
+      <p:sp>
+        <p:nvSpPr>
+          <p:cNvPr id="8" name="Rectangle 7"/>
+          <p:cNvSpPr/>
+          <p:nvPr/>
+        </p:nvSpPr>
+        <p:spPr>
+          <a:xfrm>
+            <a:off x="0" y="0"/>
+            <a:ext cx="12192000" cy="6857999"/>
+          </a:xfrm>
+          <a:prstGeom prst="rect">
+            <a:avLst/>
+          </a:prstGeom>
+          <a:solidFill>
+            <a:schemeClr val="tx1">
+              <a:lumMod val="75000"/>
+            </a:schemeClr>
+          </a:solidFill>
+          <a:ln>
+            <a:noFill/>
+          </a:ln>
+        </p:spPr>
+        <p:style>
+          <a:lnRef idx="2">
+            <a:schemeClr val="accent1">
+              <a:shade val="50000"/>
+            </a:schemeClr>
+          </a:lnRef>
+          <a:fillRef idx="1">
+            <a:schemeClr val="accent1"/>
+          </a:fillRef>
+          <a:effectRef idx="0">
+            <a:schemeClr val="accent1"/>
+          </a:effectRef>
+          <a:fontRef idx="minor">
+            <a:schemeClr val="lt1"/>
+          </a:fontRef>
+        </p:style>
+        <p:txBody>
+          <a:bodyPr rtlCol="0" anchor="ctr"/>
+          <a:lstStyle/>
+          <a:p>
+            <a:pPr algn="ctr"/>
+            <a:endParaRPr lang="en-GB"/>
+          </a:p>
+        </p:txBody>
+      </p:sp>
+      <p:sp>
+        <p:nvSpPr>
+          <p:cNvPr id="9" name="Rectangle 8"/>
+          <p:cNvSpPr/>
+          <p:nvPr/>
+        </p:nvSpPr>
+        <p:spPr>
+          <a:xfrm>
+            <a:off x="0" y="329650"/>
+            <a:ext cx="12192000" cy="6172198"/>
+          </a:xfrm>
+          <a:prstGeom prst="rect">
+            <a:avLst/>
+          </a:prstGeom>
+          <a:solidFill>
+            <a:schemeClr val="accent1">
+              <a:lumMod val="50000"/>
+              <a:alpha val="70000"/>
+            </a:schemeClr>
+          </a:solidFill>
+          <a:ln>
+            <a:noFill/>
+          </a:ln>
+        </p:spPr>
+        <p:style>
+          <a:lnRef idx="2">
+            <a:schemeClr val="accent1">
+              <a:shade val="50000"/>
+            </a:schemeClr>
+          </a:lnRef>
+          <a:fillRef idx="1">
+            <a:schemeClr val="accent1"/>
+          </a:fillRef>
+          <a:effectRef idx="0">
+            <a:schemeClr val="accent1"/>
+          </a:effectRef>
+          <a:fontRef idx="minor">
+            <a:schemeClr val="lt1"/>
+          </a:fontRef>
+        </p:style>
+        <p:txBody>
+          <a:bodyPr rtlCol="0" anchor="ctr"/>
+          <a:lstStyle/>
+          <a:p>
+            <a:pPr algn="ctr"/>
+            <a:endParaRPr lang="en-GB"/>
+          </a:p>
+        </p:txBody>
+      </p:sp>
+      <p:sp>
+        <p:nvSpPr>
+          <p:cNvPr id="49" name="TextBox 48">
+            <a:extLst>
+              <a:ext uri="{FF2B5EF4-FFF2-40B4-BE49-F238E27FC236}">
+                <a16:creationId xmlns:a16="http://schemas.microsoft.com/office/drawing/2014/main" id="{EF4DB629-BA9A-4201-A455-B0458C585E1F}"/>
+              </a:ext>
+            </a:extLst>
+          </p:cNvPr>
+          <p:cNvSpPr txBox="1"/>
+          <p:nvPr/>
+        </p:nvSpPr>
+        <p:spPr>
+          <a:xfrm>
+            <a:off x="410964" y="342900"/>
+            <a:ext cx="8878809" cy="523220"/>
+          </a:xfrm>
+          <a:prstGeom prst="rect">
+            <a:avLst/>
+          </a:prstGeom>
+          <a:noFill/>
+          <a:ln>
+            <a:solidFill>
+              <a:srgbClr val="163755"/>
+            </a:solidFill>
+          </a:ln>
+        </p:spPr>
+        <p:txBody>
+          <a:bodyPr wrap="square" rtlCol="0">
+            <a:spAutoFit/>
+          </a:bodyPr>
+          <a:lstStyle/>
+          <a:p>
+            <a:r>
+              <a:rPr lang="en-US" sz="2800">
+                <a:solidFill>
+                  <a:schemeClr val="bg1"/>
+                </a:solidFill>
+                <a:latin typeface="Lato" panose="020F0502020204030203" pitchFamily="34" charset="0"/>
+              </a:rPr>
+              <a:t>4. ABP Framework – ASP.NET Boilerplate Framework</a:t>
+            </a:r>
+            <a:endParaRPr lang="en-GB" sz="2800">
+              <a:solidFill>
+                <a:schemeClr val="bg1"/>
+              </a:solidFill>
+              <a:latin typeface="Lato" panose="020F0502020204030203" pitchFamily="34" charset="0"/>
+            </a:endParaRPr>
+          </a:p>
+        </p:txBody>
+      </p:sp>
+      <p:cxnSp>
+        <p:nvCxnSpPr>
+          <p:cNvPr id="4" name="Straight Connector 3">
+            <a:extLst>
+              <a:ext uri="{FF2B5EF4-FFF2-40B4-BE49-F238E27FC236}">
+                <a16:creationId xmlns:a16="http://schemas.microsoft.com/office/drawing/2014/main" id="{76AC370D-754E-45CF-B5E9-44869AF3FC5C}"/>
+              </a:ext>
+            </a:extLst>
+          </p:cNvPr>
+          <p:cNvCxnSpPr/>
+          <p:nvPr/>
+        </p:nvCxnSpPr>
+        <p:spPr>
+          <a:xfrm>
+            <a:off x="410965" y="866120"/>
+            <a:ext cx="11159849" cy="0"/>
+          </a:xfrm>
+          <a:prstGeom prst="line">
+            <a:avLst/>
+          </a:prstGeom>
+        </p:spPr>
+        <p:style>
+          <a:lnRef idx="1">
+            <a:schemeClr val="accent1"/>
+          </a:lnRef>
+          <a:fillRef idx="0">
+            <a:schemeClr val="accent1"/>
+          </a:fillRef>
+          <a:effectRef idx="0">
+            <a:schemeClr val="accent1"/>
+          </a:effectRef>
+          <a:fontRef idx="minor">
+            <a:schemeClr val="tx1"/>
+          </a:fontRef>
+        </p:style>
+      </p:cxnSp>
+      <p:sp>
+        <p:nvSpPr>
+          <p:cNvPr id="7" name="Rectangle 6">
+            <a:extLst>
+              <a:ext uri="{FF2B5EF4-FFF2-40B4-BE49-F238E27FC236}">
+                <a16:creationId xmlns:a16="http://schemas.microsoft.com/office/drawing/2014/main" id="{5078B5CA-F84A-40A2-BE71-8BAB249CEBD5}"/>
+              </a:ext>
+            </a:extLst>
+          </p:cNvPr>
+          <p:cNvSpPr/>
+          <p:nvPr/>
+        </p:nvSpPr>
+        <p:spPr>
+          <a:xfrm>
+            <a:off x="410964" y="973841"/>
+            <a:ext cx="4386322" cy="461665"/>
+          </a:xfrm>
+          <a:prstGeom prst="rect">
+            <a:avLst/>
+          </a:prstGeom>
+        </p:spPr>
+        <p:txBody>
+          <a:bodyPr wrap="square">
+            <a:spAutoFit/>
+          </a:bodyPr>
+          <a:lstStyle/>
+          <a:p>
+            <a:pPr indent="457200"/>
+            <a:endParaRPr lang="en-GB" sz="2400">
+              <a:solidFill>
+                <a:schemeClr val="bg1"/>
+              </a:solidFill>
+            </a:endParaRPr>
+          </a:p>
+        </p:txBody>
+      </p:sp>
+      <p:sp>
+        <p:nvSpPr>
+          <p:cNvPr id="11" name="Rectangle 10">
+            <a:extLst>
+              <a:ext uri="{FF2B5EF4-FFF2-40B4-BE49-F238E27FC236}">
+                <a16:creationId xmlns:a16="http://schemas.microsoft.com/office/drawing/2014/main" id="{7411345E-C26A-4C86-AA1F-ED336CC6547E}"/>
+              </a:ext>
+            </a:extLst>
+          </p:cNvPr>
+          <p:cNvSpPr/>
+          <p:nvPr/>
+        </p:nvSpPr>
+        <p:spPr>
+          <a:xfrm>
+            <a:off x="740457" y="4153638"/>
+            <a:ext cx="3646014" cy="461665"/>
+          </a:xfrm>
+          <a:prstGeom prst="rect">
+            <a:avLst/>
+          </a:prstGeom>
+        </p:spPr>
+        <p:txBody>
+          <a:bodyPr wrap="square">
+            <a:spAutoFit/>
+          </a:bodyPr>
+          <a:lstStyle/>
+          <a:p>
+            <a:pPr indent="457200"/>
+            <a:endParaRPr lang="en-GB" sz="2400"/>
+          </a:p>
+        </p:txBody>
+      </p:sp>
+      <p:pic>
+        <p:nvPicPr>
+          <p:cNvPr id="3" name="Picture 2" descr="A screenshot of a video game&#10;&#10;Description automatically generated with medium confidence">
+            <a:extLst>
+              <a:ext uri="{FF2B5EF4-FFF2-40B4-BE49-F238E27FC236}">
+                <a16:creationId xmlns:a16="http://schemas.microsoft.com/office/drawing/2014/main" id="{372BC652-CD46-4866-996B-3222A5EDB7E7}"/>
+              </a:ext>
+            </a:extLst>
+          </p:cNvPr>
+          <p:cNvPicPr>
+            <a:picLocks noChangeAspect="1"/>
+          </p:cNvPicPr>
+          <p:nvPr/>
+        </p:nvPicPr>
+        <p:blipFill>
+          <a:blip r:embed="rId2">
+            <a:extLst>
+              <a:ext uri="{28A0092B-C50C-407E-A947-70E740481C1C}">
+                <a14:useLocalDpi xmlns:a14="http://schemas.microsoft.com/office/drawing/2010/main" val="0"/>
+              </a:ext>
+            </a:extLst>
+          </a:blip>
+          <a:stretch>
+            <a:fillRect/>
+          </a:stretch>
+        </p:blipFill>
+        <p:spPr>
+          <a:xfrm>
+            <a:off x="505664" y="1065933"/>
+            <a:ext cx="4856088" cy="3320535"/>
+          </a:xfrm>
+          <a:prstGeom prst="rect">
+            <a:avLst/>
+          </a:prstGeom>
+          <a:solidFill>
+            <a:srgbClr val="FFFFFF">
+              <a:shade val="85000"/>
+            </a:srgbClr>
+          </a:solidFill>
+          <a:ln w="88900" cap="sq">
+            <a:solidFill>
+              <a:srgbClr val="FFFFFF"/>
+            </a:solidFill>
+            <a:miter lim="800000"/>
+          </a:ln>
+          <a:effectLst>
+            <a:outerShdw blurRad="55000" dist="18000" dir="5400000" algn="tl" rotWithShape="0">
+              <a:srgbClr val="000000">
+                <a:alpha val="40000"/>
+              </a:srgbClr>
+            </a:outerShdw>
+          </a:effectLst>
+          <a:scene3d>
+            <a:camera prst="orthographicFront"/>
+            <a:lightRig rig="twoPt" dir="t">
+              <a:rot lat="0" lon="0" rev="7200000"/>
+            </a:lightRig>
+          </a:scene3d>
+          <a:sp3d>
+            <a:bevelT w="25400" h="19050"/>
+            <a:contourClr>
+              <a:srgbClr val="FFFFFF"/>
+            </a:contourClr>
+          </a:sp3d>
+        </p:spPr>
+      </p:pic>
+      <p:sp>
+        <p:nvSpPr>
+          <p:cNvPr id="14" name="Rectangle 13">
+            <a:extLst>
+              <a:ext uri="{FF2B5EF4-FFF2-40B4-BE49-F238E27FC236}">
+                <a16:creationId xmlns:a16="http://schemas.microsoft.com/office/drawing/2014/main" id="{0DBE8704-76F9-4F0D-A5A1-DC7AD8B46815}"/>
+              </a:ext>
+            </a:extLst>
+          </p:cNvPr>
+          <p:cNvSpPr/>
+          <p:nvPr/>
+        </p:nvSpPr>
+        <p:spPr>
+          <a:xfrm>
+            <a:off x="5596574" y="987091"/>
+            <a:ext cx="5974240" cy="2677656"/>
+          </a:xfrm>
+          <a:prstGeom prst="rect">
+            <a:avLst/>
+          </a:prstGeom>
+        </p:spPr>
+        <p:txBody>
+          <a:bodyPr wrap="square">
+            <a:spAutoFit/>
+          </a:bodyPr>
+          <a:lstStyle/>
+          <a:p>
+            <a:pPr marL="342900" indent="-342900" algn="just">
+              <a:buFont typeface="Wingdings" panose="05000000000000000000" pitchFamily="2" charset="2"/>
+              <a:buChar char="Ø"/>
+            </a:pPr>
+            <a:r>
+              <a:rPr lang="en-GB" sz="2400">
+                <a:solidFill>
+                  <a:schemeClr val="bg1"/>
+                </a:solidFill>
+              </a:rPr>
+              <a:t>Tích hợp sẵn các tính năng: DI, Authorization, Validation, Logging, Exception Handling,…;</a:t>
+            </a:r>
+          </a:p>
+          <a:p>
+            <a:pPr marL="342900" indent="-342900" algn="just">
+              <a:buFont typeface="Wingdings" panose="05000000000000000000" pitchFamily="2" charset="2"/>
+              <a:buChar char="Ø"/>
+            </a:pPr>
+            <a:r>
+              <a:rPr lang="en-GB" sz="2400">
+                <a:solidFill>
+                  <a:schemeClr val="bg1"/>
+                </a:solidFill>
+              </a:rPr>
+              <a:t>ABP có thể tích hợp nhiều hệ quản trị CSDL như SQL Server, MongoDB, Dapper;</a:t>
+            </a:r>
+          </a:p>
+          <a:p>
+            <a:pPr marL="342900" indent="-342900" algn="just">
+              <a:buFont typeface="Wingdings" panose="05000000000000000000" pitchFamily="2" charset="2"/>
+              <a:buChar char="Ø"/>
+            </a:pPr>
+            <a:r>
+              <a:rPr lang="en-GB" sz="2400">
+                <a:solidFill>
+                  <a:schemeClr val="bg1"/>
+                </a:solidFill>
+              </a:rPr>
+              <a:t>Fontend có thể tích hợp Razor Page, Blazor, Angular.</a:t>
+            </a:r>
+          </a:p>
+        </p:txBody>
+      </p:sp>
+      <p:sp>
+        <p:nvSpPr>
+          <p:cNvPr id="15" name="Rectangle 14">
+            <a:extLst>
+              <a:ext uri="{FF2B5EF4-FFF2-40B4-BE49-F238E27FC236}">
+                <a16:creationId xmlns:a16="http://schemas.microsoft.com/office/drawing/2014/main" id="{8A1C481B-DAFC-472E-82BE-826F632622DC}"/>
+              </a:ext>
+            </a:extLst>
+          </p:cNvPr>
+          <p:cNvSpPr/>
+          <p:nvPr/>
+        </p:nvSpPr>
+        <p:spPr>
+          <a:xfrm>
+            <a:off x="410966" y="4629255"/>
+            <a:ext cx="11159848" cy="830997"/>
+          </a:xfrm>
+          <a:prstGeom prst="rect">
+            <a:avLst/>
+          </a:prstGeom>
+        </p:spPr>
+        <p:txBody>
+          <a:bodyPr wrap="square">
+            <a:spAutoFit/>
+          </a:bodyPr>
+          <a:lstStyle/>
+          <a:p>
+            <a:pPr marL="342900" indent="-342900" algn="just">
+              <a:buFont typeface="Wingdings" panose="05000000000000000000" pitchFamily="2" charset="2"/>
+              <a:buChar char="Ø"/>
+            </a:pPr>
+            <a:r>
+              <a:rPr lang="en-GB" sz="2400">
+                <a:solidFill>
+                  <a:schemeClr val="bg1"/>
+                </a:solidFill>
+              </a:rPr>
+              <a:t>Cơ chế của framework được tách theo từng module dễ quản lý, maintain, code mạch lạc, các chức năng có thể triển khai độc lập; thích hợp cho các dự án vừa và lớn.</a:t>
+            </a:r>
+          </a:p>
+        </p:txBody>
+      </p:sp>
+    </p:spTree>
+    <p:extLst>
+      <p:ext uri="{BB962C8B-B14F-4D97-AF65-F5344CB8AC3E}">
+        <p14:creationId xmlns:p14="http://schemas.microsoft.com/office/powerpoint/2010/main" val="2959227827"/>
+      </p:ext>
+    </p:extLst>
+  </p:cSld>
+  <p:clrMapOvr>
+    <a:masterClrMapping/>
+  </p:clrMapOvr>
+  <mc:AlternateContent xmlns:mc="http://schemas.openxmlformats.org/markup-compatibility/2006">
+    <mc:Choice xmlns:p14="http://schemas.microsoft.com/office/powerpoint/2010/main" Requires="p14">
+      <p:transition spd="med" p14:dur="700">
+        <p:fade/>
+      </p:transition>
+    </mc:Choice>
+    <mc:Fallback>
+      <p:transition spd="med">
+        <p:fade/>
+      </p:transition>
+    </mc:Fallback>
+  </mc:AlternateContent>
+  <p:timing>
+    <p:tnLst>
+      <p:par>
+        <p:cTn id="1" dur="indefinite" restart="never" nodeType="tmRoot">
+          <p:childTnLst>
+            <p:seq concurrent="1" nextAc="seek">
+              <p:cTn id="2" dur="indefinite" nodeType="mainSeq">
+                <p:childTnLst>
+                  <p:par>
+                    <p:cTn id="3" fill="hold">
+                      <p:stCondLst>
+                        <p:cond delay="indefinite"/>
+                        <p:cond evt="onBegin" delay="0">
+                          <p:tn val="2"/>
+                        </p:cond>
+                      </p:stCondLst>
+                      <p:childTnLst>
+                        <p:par>
+                          <p:cTn id="4" fill="hold">
+                            <p:stCondLst>
+                              <p:cond delay="0"/>
+                            </p:stCondLst>
+                            <p:childTnLst>
+                              <p:par>
+                                <p:cTn id="5" presetID="10" presetClass="entr" presetSubtype="0" fill="hold" grpId="0" nodeType="afterEffect" nodePh="1">
+                                  <p:stCondLst>
+                                    <p:cond delay="0"/>
+                                  </p:stCondLst>
+                                  <p:endCondLst>
+                                    <p:cond evt="begin" delay="0">
+                                      <p:tn val="5"/>
+                                    </p:cond>
+                                  </p:endCondLst>
+                                  <p:childTnLst>
+                                    <p:set>
+                                      <p:cBhvr>
+                                        <p:cTn id="6" dur="1" fill="hold">
+                                          <p:stCondLst>
+                                            <p:cond delay="0"/>
+                                          </p:stCondLst>
+                                        </p:cTn>
+                                        <p:tgtEl>
+                                          <p:spTgt spid="7"/>
+                                        </p:tgtEl>
+                                        <p:attrNameLst>
+                                          <p:attrName>style.visibility</p:attrName>
+                                        </p:attrNameLst>
+                                      </p:cBhvr>
+                                      <p:to>
+                                        <p:strVal val="visible"/>
+                                      </p:to>
+                                    </p:set>
+                                    <p:animEffect transition="in" filter="fade">
+                                      <p:cBhvr>
+                                        <p:cTn id="7" dur="500"/>
+                                        <p:tgtEl>
+                                          <p:spTgt spid="7"/>
+                                        </p:tgtEl>
+                                      </p:cBhvr>
+                                    </p:animEffect>
+                                  </p:childTnLst>
+                                </p:cTn>
+                              </p:par>
+                            </p:childTnLst>
+                          </p:cTn>
+                        </p:par>
+                      </p:childTnLst>
+                    </p:cTn>
+                  </p:par>
+                  <p:par>
+                    <p:cTn id="8" fill="hold">
+                      <p:stCondLst>
+                        <p:cond delay="indefinite"/>
+                      </p:stCondLst>
+                      <p:childTnLst>
+                        <p:par>
+                          <p:cTn id="9" fill="hold">
+                            <p:stCondLst>
+                              <p:cond delay="0"/>
+                            </p:stCondLst>
+                            <p:childTnLst>
+                              <p:par>
+                                <p:cTn id="10" presetID="10" presetClass="entr" presetSubtype="0" fill="hold" nodeType="clickEffect">
+                                  <p:stCondLst>
+                                    <p:cond delay="0"/>
+                                  </p:stCondLst>
+                                  <p:childTnLst>
+                                    <p:set>
+                                      <p:cBhvr>
+                                        <p:cTn id="11" dur="1" fill="hold">
+                                          <p:stCondLst>
+                                            <p:cond delay="0"/>
+                                          </p:stCondLst>
+                                        </p:cTn>
+                                        <p:tgtEl>
+                                          <p:spTgt spid="14">
+                                            <p:txEl>
+                                              <p:pRg st="0" end="0"/>
+                                            </p:txEl>
+                                          </p:spTgt>
+                                        </p:tgtEl>
+                                        <p:attrNameLst>
+                                          <p:attrName>style.visibility</p:attrName>
+                                        </p:attrNameLst>
+                                      </p:cBhvr>
+                                      <p:to>
+                                        <p:strVal val="visible"/>
+                                      </p:to>
+                                    </p:set>
+                                    <p:animEffect transition="in" filter="fade">
+                                      <p:cBhvr>
+                                        <p:cTn id="12" dur="500"/>
+                                        <p:tgtEl>
+                                          <p:spTgt spid="14">
+                                            <p:txEl>
+                                              <p:pRg st="0" end="0"/>
+                                            </p:txEl>
+                                          </p:spTgt>
+                                        </p:tgtEl>
+                                      </p:cBhvr>
+                                    </p:animEffect>
+                                  </p:childTnLst>
+                                </p:cTn>
+                              </p:par>
+                            </p:childTnLst>
+                          </p:cTn>
+                        </p:par>
+                      </p:childTnLst>
+                    </p:cTn>
+                  </p:par>
+                  <p:par>
+                    <p:cTn id="13" fill="hold">
+                      <p:stCondLst>
+                        <p:cond delay="indefinite"/>
+                      </p:stCondLst>
+                      <p:childTnLst>
+                        <p:par>
+                          <p:cTn id="14" fill="hold">
+                            <p:stCondLst>
+                              <p:cond delay="0"/>
+                            </p:stCondLst>
+                            <p:childTnLst>
+                              <p:par>
+                                <p:cTn id="15" presetID="10" presetClass="entr" presetSubtype="0" fill="hold" nodeType="clickEffect">
+                                  <p:stCondLst>
+                                    <p:cond delay="0"/>
+                                  </p:stCondLst>
+                                  <p:childTnLst>
+                                    <p:set>
+                                      <p:cBhvr>
+                                        <p:cTn id="16" dur="1" fill="hold">
+                                          <p:stCondLst>
+                                            <p:cond delay="0"/>
+                                          </p:stCondLst>
+                                        </p:cTn>
+                                        <p:tgtEl>
+                                          <p:spTgt spid="14">
+                                            <p:txEl>
+                                              <p:pRg st="1" end="1"/>
+                                            </p:txEl>
+                                          </p:spTgt>
+                                        </p:tgtEl>
+                                        <p:attrNameLst>
+                                          <p:attrName>style.visibility</p:attrName>
+                                        </p:attrNameLst>
+                                      </p:cBhvr>
+                                      <p:to>
+                                        <p:strVal val="visible"/>
+                                      </p:to>
+                                    </p:set>
+                                    <p:animEffect transition="in" filter="fade">
+                                      <p:cBhvr>
+                                        <p:cTn id="17" dur="500"/>
+                                        <p:tgtEl>
+                                          <p:spTgt spid="14">
+                                            <p:txEl>
+                                              <p:pRg st="1" end="1"/>
+                                            </p:txEl>
+                                          </p:spTgt>
+                                        </p:tgtEl>
+                                      </p:cBhvr>
+                                    </p:animEffect>
+                                  </p:childTnLst>
+                                </p:cTn>
+                              </p:par>
+                            </p:childTnLst>
+                          </p:cTn>
+                        </p:par>
+                      </p:childTnLst>
+                    </p:cTn>
+                  </p:par>
+                  <p:par>
+                    <p:cTn id="18" fill="hold">
+                      <p:stCondLst>
+                        <p:cond delay="indefinite"/>
+                      </p:stCondLst>
+                      <p:childTnLst>
+                        <p:par>
+                          <p:cTn id="19" fill="hold">
+                            <p:stCondLst>
+                              <p:cond delay="0"/>
+                            </p:stCondLst>
+                            <p:childTnLst>
+                              <p:par>
+                                <p:cTn id="20" presetID="10" presetClass="entr" presetSubtype="0" fill="hold" nodeType="clickEffect">
+                                  <p:stCondLst>
+                                    <p:cond delay="0"/>
+                                  </p:stCondLst>
+                                  <p:childTnLst>
+                                    <p:set>
+                                      <p:cBhvr>
+                                        <p:cTn id="21" dur="1" fill="hold">
+                                          <p:stCondLst>
+                                            <p:cond delay="0"/>
+                                          </p:stCondLst>
+                                        </p:cTn>
+                                        <p:tgtEl>
+                                          <p:spTgt spid="14">
+                                            <p:txEl>
+                                              <p:pRg st="2" end="2"/>
+                                            </p:txEl>
+                                          </p:spTgt>
+                                        </p:tgtEl>
+                                        <p:attrNameLst>
+                                          <p:attrName>style.visibility</p:attrName>
+                                        </p:attrNameLst>
+                                      </p:cBhvr>
+                                      <p:to>
+                                        <p:strVal val="visible"/>
+                                      </p:to>
+                                    </p:set>
+                                    <p:animEffect transition="in" filter="fade">
+                                      <p:cBhvr>
+                                        <p:cTn id="22" dur="500"/>
+                                        <p:tgtEl>
+                                          <p:spTgt spid="14">
+                                            <p:txEl>
+                                              <p:pRg st="2" end="2"/>
+                                            </p:txEl>
+                                          </p:spTgt>
+                                        </p:tgtEl>
+                                      </p:cBhvr>
+                                    </p:animEffect>
+                                  </p:childTnLst>
+                                </p:cTn>
+                              </p:par>
+                            </p:childTnLst>
+                          </p:cTn>
+                        </p:par>
+                      </p:childTnLst>
+                    </p:cTn>
+                  </p:par>
+                  <p:par>
+                    <p:cTn id="23" fill="hold">
+                      <p:stCondLst>
+                        <p:cond delay="indefinite"/>
+                      </p:stCondLst>
+                      <p:childTnLst>
+                        <p:par>
+                          <p:cTn id="24" fill="hold">
+                            <p:stCondLst>
+                              <p:cond delay="0"/>
+                            </p:stCondLst>
+                            <p:childTnLst>
+                              <p:par>
+                                <p:cTn id="25" presetID="10" presetClass="entr" presetSubtype="0" fill="hold" nodeType="clickEffect">
+                                  <p:stCondLst>
+                                    <p:cond delay="0"/>
+                                  </p:stCondLst>
+                                  <p:childTnLst>
+                                    <p:set>
+                                      <p:cBhvr>
+                                        <p:cTn id="26" dur="1" fill="hold">
+                                          <p:stCondLst>
+                                            <p:cond delay="0"/>
+                                          </p:stCondLst>
+                                        </p:cTn>
+                                        <p:tgtEl>
+                                          <p:spTgt spid="15">
+                                            <p:txEl>
+                                              <p:pRg st="0" end="0"/>
+                                            </p:txEl>
+                                          </p:spTgt>
+                                        </p:tgtEl>
+                                        <p:attrNameLst>
+                                          <p:attrName>style.visibility</p:attrName>
+                                        </p:attrNameLst>
+                                      </p:cBhvr>
+                                      <p:to>
+                                        <p:strVal val="visible"/>
+                                      </p:to>
+                                    </p:set>
+                                    <p:animEffect transition="in" filter="fade">
+                                      <p:cBhvr>
+                                        <p:cTn id="27" dur="500"/>
+                                        <p:tgtEl>
+                                          <p:spTgt spid="15">
+                                            <p:txEl>
+                                              <p:pRg st="0" end="0"/>
+                                            </p:txEl>
+                                          </p:spTgt>
+                                        </p:tgtEl>
+                                      </p:cBhvr>
+                                    </p:animEffect>
+                                  </p:childTnLst>
+                                </p:cTn>
+                              </p:par>
+                            </p:childTnLst>
+                          </p:cTn>
+                        </p:par>
+                      </p:childTnLst>
+                    </p:cTn>
+                  </p:par>
+                </p:childTnLst>
+              </p:cTn>
+              <p:prevCondLst>
+                <p:cond evt="onPrev" delay="0">
+                  <p:tgtEl>
+                    <p:sldTgt/>
+                  </p:tgtEl>
+                </p:cond>
+              </p:prevCondLst>
+              <p:nextCondLst>
+                <p:cond evt="onNext" delay="0">
+                  <p:tgtEl>
+                    <p:sldTgt/>
+                  </p:tgtEl>
+                </p:cond>
+              </p:nextCondLst>
+            </p:seq>
+          </p:childTnLst>
+        </p:cTn>
+      </p:par>
+    </p:tnLst>
+    <p:bldLst>
+      <p:bldP spid="7" grpId="0"/>
+    </p:bldLst>
+  </p:timing>
+</p:sld>
+</file>
+
+<file path=ppt/slides/slide14.xml><?xml version="1.0" encoding="utf-8"?>
+<p:sld xmlns:a="http://schemas.openxmlformats.org/drawingml/2006/main" xmlns:r="http://schemas.openxmlformats.org/officeDocument/2006/relationships" xmlns:p="http://schemas.openxmlformats.org/presentationml/2006/main">
+  <p:cSld>
+    <p:spTree>
+      <p:nvGrpSpPr>
+        <p:cNvPr id="1" name=""/>
+        <p:cNvGrpSpPr/>
+        <p:nvPr/>
+      </p:nvGrpSpPr>
+      <p:grpSpPr>
+        <a:xfrm>
+          <a:off x="0" y="0"/>
+          <a:ext cx="0" cy="0"/>
+          <a:chOff x="0" y="0"/>
+          <a:chExt cx="0" cy="0"/>
+        </a:xfrm>
+      </p:grpSpPr>
+      <p:sp>
+        <p:nvSpPr>
+          <p:cNvPr id="4" name="Rectangle 3">
+            <a:extLst>
+              <a:ext uri="{FF2B5EF4-FFF2-40B4-BE49-F238E27FC236}">
+                <a16:creationId xmlns:a16="http://schemas.microsoft.com/office/drawing/2014/main" id="{3F850CE1-ED2C-4784-BA9E-E42BA8F08671}"/>
+              </a:ext>
+            </a:extLst>
+          </p:cNvPr>
+          <p:cNvSpPr/>
+          <p:nvPr/>
+        </p:nvSpPr>
+        <p:spPr>
+          <a:xfrm>
+            <a:off x="8086725" y="0"/>
+            <a:ext cx="2958758" cy="6858000"/>
+          </a:xfrm>
+          <a:prstGeom prst="rect">
+            <a:avLst/>
+          </a:prstGeom>
+          <a:solidFill>
+            <a:schemeClr val="tx1">
+              <a:lumMod val="75000"/>
+            </a:schemeClr>
+          </a:solidFill>
+          <a:ln>
+            <a:noFill/>
+          </a:ln>
+        </p:spPr>
+        <p:style>
+          <a:lnRef idx="2">
+            <a:schemeClr val="accent1">
+              <a:shade val="50000"/>
+            </a:schemeClr>
+          </a:lnRef>
+          <a:fillRef idx="1">
+            <a:schemeClr val="accent1"/>
+          </a:fillRef>
+          <a:effectRef idx="0">
+            <a:schemeClr val="accent1"/>
+          </a:effectRef>
+          <a:fontRef idx="minor">
+            <a:schemeClr val="lt1"/>
+          </a:fontRef>
+        </p:style>
+        <p:txBody>
+          <a:bodyPr rtlCol="0" anchor="ctr"/>
+          <a:lstStyle/>
+          <a:p>
+            <a:pPr marL="0" marR="0" lvl="0" indent="0" algn="ctr" defTabSz="914400" rtl="0" eaLnBrk="1" fontAlgn="auto" latinLnBrk="0" hangingPunct="1">
+              <a:lnSpc>
+                <a:spcPct val="100000"/>
+              </a:lnSpc>
+              <a:spcBef>
+                <a:spcPts val="0"/>
+              </a:spcBef>
+              <a:spcAft>
+                <a:spcPts val="0"/>
+              </a:spcAft>
+              <a:buClrTx/>
+              <a:buSzTx/>
+              <a:buFontTx/>
+              <a:buNone/>
+              <a:tabLst/>
+              <a:defRPr/>
+            </a:pPr>
+            <a:endParaRPr kumimoji="0" lang="en-GB" sz="1800" b="0" i="0" u="none" strike="noStrike" kern="1200" cap="none" spc="0" normalizeH="0" baseline="0" noProof="0">
+              <a:ln>
+                <a:noFill/>
+              </a:ln>
+              <a:solidFill>
+                <a:prstClr val="white"/>
+              </a:solidFill>
+              <a:effectLst/>
+              <a:uLnTx/>
+              <a:uFillTx/>
+              <a:latin typeface="Calibri Light"/>
+              <a:ea typeface="+mn-ea"/>
+              <a:cs typeface="+mn-cs"/>
+            </a:endParaRPr>
+          </a:p>
+        </p:txBody>
+      </p:sp>
+      <p:sp>
+        <p:nvSpPr>
+          <p:cNvPr id="5" name="Rectangle 4">
+            <a:extLst>
+              <a:ext uri="{FF2B5EF4-FFF2-40B4-BE49-F238E27FC236}">
+                <a16:creationId xmlns:a16="http://schemas.microsoft.com/office/drawing/2014/main" id="{D3695E95-7EB7-4409-A91A-FD2244F10924}"/>
+              </a:ext>
+            </a:extLst>
+          </p:cNvPr>
+          <p:cNvSpPr/>
+          <p:nvPr/>
+        </p:nvSpPr>
+        <p:spPr>
+          <a:xfrm>
+            <a:off x="0" y="436098"/>
+            <a:ext cx="8086725" cy="914400"/>
+          </a:xfrm>
+          <a:prstGeom prst="rect">
+            <a:avLst/>
+          </a:prstGeom>
+          <a:solidFill>
+            <a:schemeClr val="accent1">
+              <a:lumMod val="50000"/>
+            </a:schemeClr>
+          </a:solidFill>
+          <a:ln>
+            <a:noFill/>
+          </a:ln>
+          <a:effectLst>
+            <a:outerShdw blurRad="50800" dist="38100" dir="5400000" algn="t" rotWithShape="0">
+              <a:prstClr val="black">
+                <a:alpha val="40000"/>
+              </a:prstClr>
+            </a:outerShdw>
+          </a:effectLst>
+        </p:spPr>
+        <p:style>
+          <a:lnRef idx="2">
+            <a:schemeClr val="accent1">
+              <a:shade val="50000"/>
+            </a:schemeClr>
+          </a:lnRef>
+          <a:fillRef idx="1">
+            <a:schemeClr val="accent1"/>
+          </a:fillRef>
+          <a:effectRef idx="0">
+            <a:schemeClr val="accent1"/>
+          </a:effectRef>
+          <a:fontRef idx="minor">
+            <a:schemeClr val="lt1"/>
+          </a:fontRef>
+        </p:style>
+        <p:txBody>
+          <a:bodyPr rtlCol="0" anchor="ctr"/>
+          <a:lstStyle/>
+          <a:p>
+            <a:pPr marL="0" marR="0" lvl="0" indent="0" algn="ctr" defTabSz="914400" rtl="0" eaLnBrk="1" fontAlgn="auto" latinLnBrk="0" hangingPunct="1">
+              <a:lnSpc>
+                <a:spcPct val="100000"/>
+              </a:lnSpc>
+              <a:spcBef>
+                <a:spcPts val="0"/>
+              </a:spcBef>
+              <a:spcAft>
+                <a:spcPts val="0"/>
+              </a:spcAft>
+              <a:buClrTx/>
+              <a:buSzTx/>
+              <a:buFontTx/>
+              <a:buNone/>
+              <a:tabLst/>
+              <a:defRPr/>
+            </a:pPr>
+            <a:endParaRPr kumimoji="0" lang="en-GB" sz="1800" b="0" i="0" u="none" strike="noStrike" kern="1200" cap="none" spc="0" normalizeH="0" baseline="0" noProof="0">
+              <a:ln>
+                <a:noFill/>
+              </a:ln>
+              <a:solidFill>
+                <a:prstClr val="white"/>
+              </a:solidFill>
+              <a:effectLst/>
+              <a:uLnTx/>
+              <a:uFillTx/>
+              <a:latin typeface="Calibri Light"/>
+              <a:ea typeface="+mn-ea"/>
+              <a:cs typeface="+mn-cs"/>
+            </a:endParaRPr>
+          </a:p>
+        </p:txBody>
+      </p:sp>
+      <p:sp>
+        <p:nvSpPr>
+          <p:cNvPr id="6" name="TextBox 5">
+            <a:extLst>
+              <a:ext uri="{FF2B5EF4-FFF2-40B4-BE49-F238E27FC236}">
+                <a16:creationId xmlns:a16="http://schemas.microsoft.com/office/drawing/2014/main" id="{C97ADF64-6C0E-450E-8ECC-3F84A7171C98}"/>
+              </a:ext>
+            </a:extLst>
+          </p:cNvPr>
+          <p:cNvSpPr txBox="1"/>
+          <p:nvPr/>
+        </p:nvSpPr>
+        <p:spPr>
+          <a:xfrm>
+            <a:off x="608458" y="565727"/>
+            <a:ext cx="6133410" cy="646331"/>
+          </a:xfrm>
+          <a:prstGeom prst="rect">
+            <a:avLst/>
+          </a:prstGeom>
+          <a:noFill/>
+        </p:spPr>
+        <p:txBody>
+          <a:bodyPr wrap="none" rtlCol="0">
+            <a:spAutoFit/>
+          </a:bodyPr>
+          <a:lstStyle/>
+          <a:p>
+            <a:pPr marR="0" lvl="0" algn="l" defTabSz="914400" rtl="0" eaLnBrk="1" fontAlgn="auto" latinLnBrk="0" hangingPunct="1">
+              <a:lnSpc>
+                <a:spcPct val="100000"/>
+              </a:lnSpc>
+              <a:spcBef>
+                <a:spcPts val="0"/>
+              </a:spcBef>
+              <a:spcAft>
+                <a:spcPts val="0"/>
+              </a:spcAft>
+              <a:buClrTx/>
+              <a:buSzTx/>
+              <a:tabLst/>
+              <a:defRPr/>
+            </a:pPr>
+            <a:r>
+              <a:rPr lang="en-GB" sz="3600" b="1">
+                <a:solidFill>
+                  <a:srgbClr val="E7E6E6"/>
+                </a:solidFill>
+                <a:latin typeface="Lato" panose="020F0502020204030203"/>
+              </a:rPr>
+              <a:t>III.	KIẾN TRÚC HỆ THỐNG </a:t>
+            </a:r>
+            <a:endParaRPr lang="en-GB" sz="3600" b="1" noProof="0">
+              <a:solidFill>
+                <a:srgbClr val="E7E6E6"/>
+              </a:solidFill>
+              <a:latin typeface="Lato" panose="020F0502020204030203"/>
+            </a:endParaRPr>
+          </a:p>
+        </p:txBody>
+      </p:sp>
+      <p:sp>
+        <p:nvSpPr>
+          <p:cNvPr id="7" name="Parallelogram 6">
+            <a:extLst>
+              <a:ext uri="{FF2B5EF4-FFF2-40B4-BE49-F238E27FC236}">
+                <a16:creationId xmlns:a16="http://schemas.microsoft.com/office/drawing/2014/main" id="{1FF5AB25-162F-4738-8E27-56C5A83CAA90}"/>
+              </a:ext>
+            </a:extLst>
+          </p:cNvPr>
+          <p:cNvSpPr/>
+          <p:nvPr/>
+        </p:nvSpPr>
+        <p:spPr>
+          <a:xfrm>
+            <a:off x="8086725" y="0"/>
+            <a:ext cx="2958758" cy="6858000"/>
+          </a:xfrm>
+          <a:prstGeom prst="parallelogram">
+            <a:avLst>
+              <a:gd name="adj" fmla="val 42065"/>
+            </a:avLst>
+          </a:prstGeom>
+          <a:solidFill>
+            <a:schemeClr val="accent5">
+              <a:alpha val="50000"/>
+            </a:schemeClr>
+          </a:solidFill>
+          <a:ln>
+            <a:noFill/>
+          </a:ln>
+        </p:spPr>
+        <p:style>
+          <a:lnRef idx="2">
+            <a:schemeClr val="accent1">
+              <a:shade val="50000"/>
+            </a:schemeClr>
+          </a:lnRef>
+          <a:fillRef idx="1">
+            <a:schemeClr val="accent1"/>
+          </a:fillRef>
+          <a:effectRef idx="0">
+            <a:schemeClr val="accent1"/>
+          </a:effectRef>
+          <a:fontRef idx="minor">
+            <a:schemeClr val="lt1"/>
+          </a:fontRef>
+        </p:style>
+        <p:txBody>
+          <a:bodyPr rtlCol="0" anchor="ctr"/>
+          <a:lstStyle/>
+          <a:p>
+            <a:pPr marL="0" marR="0" lvl="0" indent="0" algn="ctr" defTabSz="914400" rtl="0" eaLnBrk="1" fontAlgn="auto" latinLnBrk="0" hangingPunct="1">
+              <a:lnSpc>
+                <a:spcPct val="100000"/>
+              </a:lnSpc>
+              <a:spcBef>
+                <a:spcPts val="0"/>
+              </a:spcBef>
+              <a:spcAft>
+                <a:spcPts val="0"/>
+              </a:spcAft>
+              <a:buClrTx/>
+              <a:buSzTx/>
+              <a:buFontTx/>
+              <a:buNone/>
+              <a:tabLst/>
+              <a:defRPr/>
+            </a:pPr>
+            <a:endParaRPr kumimoji="0" lang="en-GB" sz="1800" b="0" i="0" u="none" strike="noStrike" kern="1200" cap="none" spc="0" normalizeH="0" baseline="0" noProof="0">
+              <a:ln>
+                <a:noFill/>
+              </a:ln>
+              <a:solidFill>
+                <a:prstClr val="white"/>
+              </a:solidFill>
+              <a:effectLst/>
+              <a:uLnTx/>
+              <a:uFillTx/>
+              <a:latin typeface="Calibri Light"/>
+              <a:ea typeface="+mn-ea"/>
+              <a:cs typeface="+mn-cs"/>
+            </a:endParaRPr>
+          </a:p>
+        </p:txBody>
+      </p:sp>
+    </p:spTree>
+    <p:extLst>
+      <p:ext uri="{BB962C8B-B14F-4D97-AF65-F5344CB8AC3E}">
+        <p14:creationId xmlns:p14="http://schemas.microsoft.com/office/powerpoint/2010/main" val="3260240750"/>
+      </p:ext>
+    </p:extLst>
+  </p:cSld>
+  <p:clrMapOvr>
+    <a:masterClrMapping/>
+  </p:clrMapOvr>
+  <mc:AlternateContent xmlns:mc="http://schemas.openxmlformats.org/markup-compatibility/2006">
+    <mc:Choice xmlns:p14="http://schemas.microsoft.com/office/powerpoint/2010/main" Requires="p14">
+      <p:transition spd="med" p14:dur="700">
+        <p:fade/>
+      </p:transition>
+    </mc:Choice>
+    <mc:Fallback>
+      <p:transition spd="med">
+        <p:fade/>
+      </p:transition>
+    </mc:Fallback>
+  </mc:AlternateContent>
+  <p:timing>
+    <p:tnLst>
+      <p:par>
+        <p:cTn id="1" dur="indefinite" restart="never" nodeType="tmRoot">
+          <p:childTnLst>
+            <p:seq concurrent="1" nextAc="seek">
+              <p:cTn id="2" dur="indefinite" nodeType="mainSeq">
+                <p:childTnLst>
+                  <p:par>
+                    <p:cTn id="3" fill="hold">
+                      <p:stCondLst>
+                        <p:cond delay="indefinite"/>
+                        <p:cond evt="onBegin" delay="0">
+                          <p:tn val="2"/>
+                        </p:cond>
+                      </p:stCondLst>
+                      <p:childTnLst>
+                        <p:par>
+                          <p:cTn id="4" fill="hold">
+                            <p:stCondLst>
+                              <p:cond delay="0"/>
+                            </p:stCondLst>
+                            <p:childTnLst>
+                              <p:par>
+                                <p:cTn id="5" presetID="2" presetClass="entr" presetSubtype="8" fill="hold" grpId="0" nodeType="afterEffect">
+                                  <p:stCondLst>
+                                    <p:cond delay="0"/>
+                                  </p:stCondLst>
+                                  <p:childTnLst>
+                                    <p:set>
+                                      <p:cBhvr>
+                                        <p:cTn id="6" dur="1" fill="hold">
+                                          <p:stCondLst>
+                                            <p:cond delay="0"/>
+                                          </p:stCondLst>
+                                        </p:cTn>
+                                        <p:tgtEl>
+                                          <p:spTgt spid="5"/>
+                                        </p:tgtEl>
+                                        <p:attrNameLst>
+                                          <p:attrName>style.visibility</p:attrName>
+                                        </p:attrNameLst>
+                                      </p:cBhvr>
+                                      <p:to>
+                                        <p:strVal val="visible"/>
+                                      </p:to>
+                                    </p:set>
+                                    <p:anim calcmode="lin" valueType="num">
+                                      <p:cBhvr additive="base">
+                                        <p:cTn id="7" dur="500" fill="hold"/>
+                                        <p:tgtEl>
+                                          <p:spTgt spid="5"/>
+                                        </p:tgtEl>
+                                        <p:attrNameLst>
+                                          <p:attrName>ppt_x</p:attrName>
+                                        </p:attrNameLst>
+                                      </p:cBhvr>
+                                      <p:tavLst>
+                                        <p:tav tm="0">
+                                          <p:val>
+                                            <p:strVal val="0-#ppt_w/2"/>
+                                          </p:val>
+                                        </p:tav>
+                                        <p:tav tm="100000">
+                                          <p:val>
+                                            <p:strVal val="#ppt_x"/>
+                                          </p:val>
+                                        </p:tav>
+                                      </p:tavLst>
+                                    </p:anim>
+                                    <p:anim calcmode="lin" valueType="num">
+                                      <p:cBhvr additive="base">
+                                        <p:cTn id="8" dur="500" fill="hold"/>
+                                        <p:tgtEl>
+                                          <p:spTgt spid="5"/>
+                                        </p:tgtEl>
+                                        <p:attrNameLst>
+                                          <p:attrName>ppt_y</p:attrName>
+                                        </p:attrNameLst>
+                                      </p:cBhvr>
+                                      <p:tavLst>
+                                        <p:tav tm="0">
+                                          <p:val>
+                                            <p:strVal val="#ppt_y"/>
+                                          </p:val>
+                                        </p:tav>
+                                        <p:tav tm="100000">
+                                          <p:val>
+                                            <p:strVal val="#ppt_y"/>
+                                          </p:val>
+                                        </p:tav>
+                                      </p:tavLst>
+                                    </p:anim>
+                                  </p:childTnLst>
+                                </p:cTn>
+                              </p:par>
+                            </p:childTnLst>
+                          </p:cTn>
+                        </p:par>
+                        <p:par>
+                          <p:cTn id="9" fill="hold">
+                            <p:stCondLst>
+                              <p:cond delay="500"/>
+                            </p:stCondLst>
+                            <p:childTnLst>
+                              <p:par>
+                                <p:cTn id="10" presetID="2" presetClass="entr" presetSubtype="8" fill="hold" grpId="0" nodeType="afterEffect">
+                                  <p:stCondLst>
+                                    <p:cond delay="0"/>
+                                  </p:stCondLst>
+                                  <p:childTnLst>
+                                    <p:set>
+                                      <p:cBhvr>
+                                        <p:cTn id="11" dur="1" fill="hold">
+                                          <p:stCondLst>
+                                            <p:cond delay="0"/>
+                                          </p:stCondLst>
+                                        </p:cTn>
+                                        <p:tgtEl>
+                                          <p:spTgt spid="6"/>
+                                        </p:tgtEl>
+                                        <p:attrNameLst>
+                                          <p:attrName>style.visibility</p:attrName>
+                                        </p:attrNameLst>
+                                      </p:cBhvr>
+                                      <p:to>
+                                        <p:strVal val="visible"/>
+                                      </p:to>
+                                    </p:set>
+                                    <p:anim calcmode="lin" valueType="num">
+                                      <p:cBhvr additive="base">
+                                        <p:cTn id="12" dur="500" fill="hold"/>
+                                        <p:tgtEl>
+                                          <p:spTgt spid="6"/>
+                                        </p:tgtEl>
+                                        <p:attrNameLst>
+                                          <p:attrName>ppt_x</p:attrName>
+                                        </p:attrNameLst>
+                                      </p:cBhvr>
+                                      <p:tavLst>
+                                        <p:tav tm="0">
+                                          <p:val>
+                                            <p:strVal val="0-#ppt_w/2"/>
+                                          </p:val>
+                                        </p:tav>
+                                        <p:tav tm="100000">
+                                          <p:val>
+                                            <p:strVal val="#ppt_x"/>
+                                          </p:val>
+                                        </p:tav>
+                                      </p:tavLst>
+                                    </p:anim>
+                                    <p:anim calcmode="lin" valueType="num">
+                                      <p:cBhvr additive="base">
+                                        <p:cTn id="13" dur="500" fill="hold"/>
+                                        <p:tgtEl>
+                                          <p:spTgt spid="6"/>
+                                        </p:tgtEl>
+                                        <p:attrNameLst>
+                                          <p:attrName>ppt_y</p:attrName>
+                                        </p:attrNameLst>
+                                      </p:cBhvr>
+                                      <p:tavLst>
+                                        <p:tav tm="0">
+                                          <p:val>
+                                            <p:strVal val="#ppt_y"/>
+                                          </p:val>
+                                        </p:tav>
+                                        <p:tav tm="100000">
+                                          <p:val>
+                                            <p:strVal val="#ppt_y"/>
+                                          </p:val>
+                                        </p:tav>
+                                      </p:tavLst>
+                                    </p:anim>
+                                  </p:childTnLst>
+                                </p:cTn>
+                              </p:par>
+                            </p:childTnLst>
+                          </p:cTn>
+                        </p:par>
+                      </p:childTnLst>
+                    </p:cTn>
+                  </p:par>
+                </p:childTnLst>
+              </p:cTn>
+              <p:prevCondLst>
+                <p:cond evt="onPrev" delay="0">
+                  <p:tgtEl>
+                    <p:sldTgt/>
+                  </p:tgtEl>
+                </p:cond>
+              </p:prevCondLst>
+              <p:nextCondLst>
+                <p:cond evt="onNext" delay="0">
+                  <p:tgtEl>
+                    <p:sldTgt/>
+                  </p:tgtEl>
+                </p:cond>
+              </p:nextCondLst>
+            </p:seq>
+          </p:childTnLst>
+        </p:cTn>
+      </p:par>
+    </p:tnLst>
+    <p:bldLst>
+      <p:bldP spid="5" grpId="0" animBg="1"/>
+      <p:bldP spid="6" grpId="0"/>
+    </p:bldLst>
+  </p:timing>
+</p:sld>
+</file>
+
+<file path=ppt/slides/slide15.xml><?xml version="1.0" encoding="utf-8"?>
+<p:sld xmlns:a="http://schemas.openxmlformats.org/drawingml/2006/main" xmlns:r="http://schemas.openxmlformats.org/officeDocument/2006/relationships" xmlns:p="http://schemas.openxmlformats.org/presentationml/2006/main">
+  <p:cSld>
+    <p:spTree>
+      <p:nvGrpSpPr>
+        <p:cNvPr id="1" name=""/>
+        <p:cNvGrpSpPr/>
+        <p:nvPr/>
+      </p:nvGrpSpPr>
+      <p:grpSpPr>
+        <a:xfrm>
+          <a:off x="0" y="0"/>
+          <a:ext cx="0" cy="0"/>
+          <a:chOff x="0" y="0"/>
+          <a:chExt cx="0" cy="0"/>
+        </a:xfrm>
+      </p:grpSpPr>
+      <p:sp>
+        <p:nvSpPr>
+          <p:cNvPr id="8" name="Rectangle 7"/>
+          <p:cNvSpPr/>
+          <p:nvPr/>
+        </p:nvSpPr>
+        <p:spPr>
+          <a:xfrm>
+            <a:off x="0" y="0"/>
+            <a:ext cx="12192000" cy="6857999"/>
+          </a:xfrm>
+          <a:prstGeom prst="rect">
+            <a:avLst/>
+          </a:prstGeom>
+          <a:solidFill>
+            <a:schemeClr val="tx1">
+              <a:lumMod val="75000"/>
+            </a:schemeClr>
+          </a:solidFill>
+          <a:ln>
+            <a:noFill/>
+          </a:ln>
+        </p:spPr>
+        <p:style>
+          <a:lnRef idx="2">
+            <a:schemeClr val="accent1">
+              <a:shade val="50000"/>
+            </a:schemeClr>
+          </a:lnRef>
+          <a:fillRef idx="1">
+            <a:schemeClr val="accent1"/>
+          </a:fillRef>
+          <a:effectRef idx="0">
+            <a:schemeClr val="accent1"/>
+          </a:effectRef>
+          <a:fontRef idx="minor">
+            <a:schemeClr val="lt1"/>
+          </a:fontRef>
+        </p:style>
+        <p:txBody>
+          <a:bodyPr rtlCol="0" anchor="ctr"/>
+          <a:lstStyle/>
+          <a:p>
+            <a:pPr algn="ctr"/>
+            <a:endParaRPr lang="en-GB"/>
+          </a:p>
+        </p:txBody>
+      </p:sp>
+      <p:sp>
+        <p:nvSpPr>
+          <p:cNvPr id="9" name="Rectangle 8"/>
+          <p:cNvSpPr/>
+          <p:nvPr/>
+        </p:nvSpPr>
+        <p:spPr>
+          <a:xfrm>
+            <a:off x="0" y="329650"/>
+            <a:ext cx="12192000" cy="6172198"/>
+          </a:xfrm>
+          <a:prstGeom prst="rect">
+            <a:avLst/>
+          </a:prstGeom>
+          <a:solidFill>
+            <a:schemeClr val="accent1">
+              <a:lumMod val="50000"/>
+              <a:alpha val="70000"/>
+            </a:schemeClr>
+          </a:solidFill>
+          <a:ln>
+            <a:noFill/>
+          </a:ln>
+        </p:spPr>
+        <p:style>
+          <a:lnRef idx="2">
+            <a:schemeClr val="accent1">
+              <a:shade val="50000"/>
+            </a:schemeClr>
+          </a:lnRef>
+          <a:fillRef idx="1">
+            <a:schemeClr val="accent1"/>
+          </a:fillRef>
+          <a:effectRef idx="0">
+            <a:schemeClr val="accent1"/>
+          </a:effectRef>
+          <a:fontRef idx="minor">
+            <a:schemeClr val="lt1"/>
+          </a:fontRef>
+        </p:style>
+        <p:txBody>
+          <a:bodyPr rtlCol="0" anchor="ctr"/>
+          <a:lstStyle/>
+          <a:p>
+            <a:pPr algn="ctr"/>
+            <a:endParaRPr lang="en-GB"/>
+          </a:p>
+        </p:txBody>
+      </p:sp>
+      <p:sp>
+        <p:nvSpPr>
+          <p:cNvPr id="49" name="TextBox 48">
+            <a:extLst>
+              <a:ext uri="{FF2B5EF4-FFF2-40B4-BE49-F238E27FC236}">
+                <a16:creationId xmlns:a16="http://schemas.microsoft.com/office/drawing/2014/main" id="{EF4DB629-BA9A-4201-A455-B0458C585E1F}"/>
+              </a:ext>
+            </a:extLst>
+          </p:cNvPr>
+          <p:cNvSpPr txBox="1"/>
+          <p:nvPr/>
+        </p:nvSpPr>
+        <p:spPr>
+          <a:xfrm>
+            <a:off x="410964" y="342900"/>
+            <a:ext cx="8878809" cy="523220"/>
+          </a:xfrm>
+          <a:prstGeom prst="rect">
+            <a:avLst/>
+          </a:prstGeom>
+          <a:noFill/>
+          <a:ln>
+            <a:solidFill>
+              <a:srgbClr val="163755"/>
+            </a:solidFill>
+          </a:ln>
+        </p:spPr>
+        <p:txBody>
+          <a:bodyPr wrap="square" rtlCol="0">
+            <a:spAutoFit/>
+          </a:bodyPr>
+          <a:lstStyle/>
+          <a:p>
+            <a:r>
+              <a:rPr lang="en-US" sz="2800">
+                <a:solidFill>
+                  <a:schemeClr val="bg1"/>
+                </a:solidFill>
+                <a:latin typeface="Lato" panose="020F0502020204030203" pitchFamily="34" charset="0"/>
+              </a:rPr>
+              <a:t>1. Mô tả tổng quan</a:t>
+            </a:r>
+            <a:endParaRPr lang="en-GB" sz="2800">
+              <a:solidFill>
+                <a:schemeClr val="bg1"/>
+              </a:solidFill>
+              <a:latin typeface="Lato" panose="020F0502020204030203" pitchFamily="34" charset="0"/>
+            </a:endParaRPr>
+          </a:p>
+        </p:txBody>
+      </p:sp>
+      <p:cxnSp>
+        <p:nvCxnSpPr>
+          <p:cNvPr id="4" name="Straight Connector 3">
+            <a:extLst>
+              <a:ext uri="{FF2B5EF4-FFF2-40B4-BE49-F238E27FC236}">
+                <a16:creationId xmlns:a16="http://schemas.microsoft.com/office/drawing/2014/main" id="{76AC370D-754E-45CF-B5E9-44869AF3FC5C}"/>
+              </a:ext>
+            </a:extLst>
+          </p:cNvPr>
+          <p:cNvCxnSpPr/>
+          <p:nvPr/>
+        </p:nvCxnSpPr>
+        <p:spPr>
+          <a:xfrm>
+            <a:off x="410965" y="866120"/>
+            <a:ext cx="11159849" cy="0"/>
+          </a:xfrm>
+          <a:prstGeom prst="line">
+            <a:avLst/>
+          </a:prstGeom>
+        </p:spPr>
+        <p:style>
+          <a:lnRef idx="1">
+            <a:schemeClr val="accent1"/>
+          </a:lnRef>
+          <a:fillRef idx="0">
+            <a:schemeClr val="accent1"/>
+          </a:fillRef>
+          <a:effectRef idx="0">
+            <a:schemeClr val="accent1"/>
+          </a:effectRef>
+          <a:fontRef idx="minor">
+            <a:schemeClr val="tx1"/>
+          </a:fontRef>
+        </p:style>
+      </p:cxnSp>
+      <p:sp>
+        <p:nvSpPr>
+          <p:cNvPr id="7" name="Rectangle 6">
+            <a:extLst>
+              <a:ext uri="{FF2B5EF4-FFF2-40B4-BE49-F238E27FC236}">
+                <a16:creationId xmlns:a16="http://schemas.microsoft.com/office/drawing/2014/main" id="{5078B5CA-F84A-40A2-BE71-8BAB249CEBD5}"/>
+              </a:ext>
+            </a:extLst>
+          </p:cNvPr>
+          <p:cNvSpPr/>
+          <p:nvPr/>
+        </p:nvSpPr>
+        <p:spPr>
+          <a:xfrm>
+            <a:off x="410964" y="973841"/>
+            <a:ext cx="4386322" cy="461665"/>
+          </a:xfrm>
+          <a:prstGeom prst="rect">
+            <a:avLst/>
+          </a:prstGeom>
+        </p:spPr>
+        <p:txBody>
+          <a:bodyPr wrap="square">
+            <a:spAutoFit/>
+          </a:bodyPr>
+          <a:lstStyle/>
+          <a:p>
+            <a:pPr indent="457200"/>
+            <a:endParaRPr lang="en-GB" sz="2400">
+              <a:solidFill>
+                <a:schemeClr val="bg1"/>
+              </a:solidFill>
+            </a:endParaRPr>
+          </a:p>
+        </p:txBody>
+      </p:sp>
+      <p:sp>
+        <p:nvSpPr>
+          <p:cNvPr id="11" name="Rectangle 10">
+            <a:extLst>
+              <a:ext uri="{FF2B5EF4-FFF2-40B4-BE49-F238E27FC236}">
+                <a16:creationId xmlns:a16="http://schemas.microsoft.com/office/drawing/2014/main" id="{7411345E-C26A-4C86-AA1F-ED336CC6547E}"/>
+              </a:ext>
+            </a:extLst>
+          </p:cNvPr>
+          <p:cNvSpPr/>
+          <p:nvPr/>
+        </p:nvSpPr>
+        <p:spPr>
+          <a:xfrm>
+            <a:off x="740457" y="4153638"/>
+            <a:ext cx="3646014" cy="461665"/>
+          </a:xfrm>
+          <a:prstGeom prst="rect">
+            <a:avLst/>
+          </a:prstGeom>
+        </p:spPr>
+        <p:txBody>
+          <a:bodyPr wrap="square">
+            <a:spAutoFit/>
+          </a:bodyPr>
+          <a:lstStyle/>
+          <a:p>
+            <a:pPr indent="457200"/>
+            <a:endParaRPr lang="en-GB" sz="2400"/>
+          </a:p>
+        </p:txBody>
+      </p:sp>
+      <p:pic>
+        <p:nvPicPr>
+          <p:cNvPr id="12" name="Picture 11" descr="Diagram&#10;&#10;Description automatically generated">
+            <a:extLst>
+              <a:ext uri="{FF2B5EF4-FFF2-40B4-BE49-F238E27FC236}">
+                <a16:creationId xmlns:a16="http://schemas.microsoft.com/office/drawing/2014/main" id="{7FE21470-1F54-47BA-BA61-7E95E487A933}"/>
+              </a:ext>
+            </a:extLst>
+          </p:cNvPr>
+          <p:cNvPicPr/>
+          <p:nvPr/>
+        </p:nvPicPr>
+        <p:blipFill>
+          <a:blip r:embed="rId2">
+            <a:extLst>
+              <a:ext uri="{28A0092B-C50C-407E-A947-70E740481C1C}">
+                <a14:useLocalDpi xmlns:a14="http://schemas.microsoft.com/office/drawing/2010/main" val="0"/>
+              </a:ext>
+            </a:extLst>
+          </a:blip>
+          <a:stretch>
+            <a:fillRect/>
+          </a:stretch>
+        </p:blipFill>
+        <p:spPr>
+          <a:xfrm>
+            <a:off x="1727248" y="1645143"/>
+            <a:ext cx="8737504" cy="4538653"/>
+          </a:xfrm>
+          <a:prstGeom prst="rect">
+            <a:avLst/>
+          </a:prstGeom>
+          <a:ln>
+            <a:noFill/>
+          </a:ln>
+          <a:effectLst>
+            <a:outerShdw blurRad="190500" algn="tl" rotWithShape="0">
+              <a:srgbClr val="000000">
+                <a:alpha val="70000"/>
+              </a:srgbClr>
+            </a:outerShdw>
+          </a:effectLst>
+        </p:spPr>
+      </p:pic>
+      <p:sp>
+        <p:nvSpPr>
+          <p:cNvPr id="13" name="Rectangle 12">
+            <a:extLst>
+              <a:ext uri="{FF2B5EF4-FFF2-40B4-BE49-F238E27FC236}">
+                <a16:creationId xmlns:a16="http://schemas.microsoft.com/office/drawing/2014/main" id="{B791F502-76BE-48A8-94D2-1F39D66200D1}"/>
+              </a:ext>
+            </a:extLst>
+          </p:cNvPr>
+          <p:cNvSpPr/>
+          <p:nvPr/>
+        </p:nvSpPr>
+        <p:spPr>
+          <a:xfrm>
+            <a:off x="-105871" y="1018653"/>
+            <a:ext cx="6347645" cy="461665"/>
+          </a:xfrm>
+          <a:prstGeom prst="rect">
+            <a:avLst/>
+          </a:prstGeom>
+        </p:spPr>
+        <p:txBody>
+          <a:bodyPr wrap="square">
+            <a:spAutoFit/>
+          </a:bodyPr>
+          <a:lstStyle/>
+          <a:p>
+            <a:pPr indent="457200" algn="just"/>
+            <a:r>
+              <a:rPr lang="en-GB" sz="2400">
+                <a:solidFill>
+                  <a:schemeClr val="bg1"/>
+                </a:solidFill>
+              </a:rPr>
+              <a:t>Sơ đồ trạng thái sự tương tác của hệ thống:</a:t>
+            </a:r>
+          </a:p>
+        </p:txBody>
+      </p:sp>
+    </p:spTree>
+    <p:extLst>
+      <p:ext uri="{BB962C8B-B14F-4D97-AF65-F5344CB8AC3E}">
+        <p14:creationId xmlns:p14="http://schemas.microsoft.com/office/powerpoint/2010/main" val="145112974"/>
+      </p:ext>
+    </p:extLst>
+  </p:cSld>
+  <p:clrMapOvr>
+    <a:masterClrMapping/>
+  </p:clrMapOvr>
+  <mc:AlternateContent xmlns:mc="http://schemas.openxmlformats.org/markup-compatibility/2006">
+    <mc:Choice xmlns:p14="http://schemas.microsoft.com/office/powerpoint/2010/main" Requires="p14">
+      <p:transition spd="med" p14:dur="700">
+        <p:fade/>
+      </p:transition>
+    </mc:Choice>
+    <mc:Fallback>
+      <p:transition spd="med">
+        <p:fade/>
+      </p:transition>
+    </mc:Fallback>
+  </mc:AlternateContent>
+  <p:timing>
+    <p:tnLst>
+      <p:par>
+        <p:cTn id="1" dur="indefinite" restart="never" nodeType="tmRoot">
+          <p:childTnLst>
+            <p:seq concurrent="1" nextAc="seek">
+              <p:cTn id="2" dur="indefinite" nodeType="mainSeq">
+                <p:childTnLst>
+                  <p:par>
+                    <p:cTn id="3" fill="hold">
+                      <p:stCondLst>
+                        <p:cond delay="indefinite"/>
+                        <p:cond evt="onBegin" delay="0">
+                          <p:tn val="2"/>
+                        </p:cond>
+                      </p:stCondLst>
+                      <p:childTnLst>
+                        <p:par>
+                          <p:cTn id="4" fill="hold">
+                            <p:stCondLst>
+                              <p:cond delay="0"/>
+                            </p:stCondLst>
+                            <p:childTnLst>
+                              <p:par>
+                                <p:cTn id="5" presetID="10" presetClass="entr" presetSubtype="0" fill="hold" grpId="0" nodeType="afterEffect" nodePh="1">
+                                  <p:stCondLst>
+                                    <p:cond delay="0"/>
+                                  </p:stCondLst>
+                                  <p:endCondLst>
+                                    <p:cond evt="begin" delay="0">
+                                      <p:tn val="5"/>
+                                    </p:cond>
+                                  </p:endCondLst>
+                                  <p:childTnLst>
+                                    <p:set>
+                                      <p:cBhvr>
+                                        <p:cTn id="6" dur="1" fill="hold">
+                                          <p:stCondLst>
+                                            <p:cond delay="0"/>
+                                          </p:stCondLst>
+                                        </p:cTn>
+                                        <p:tgtEl>
+                                          <p:spTgt spid="7"/>
+                                        </p:tgtEl>
+                                        <p:attrNameLst>
+                                          <p:attrName>style.visibility</p:attrName>
+                                        </p:attrNameLst>
+                                      </p:cBhvr>
+                                      <p:to>
+                                        <p:strVal val="visible"/>
+                                      </p:to>
+                                    </p:set>
+                                    <p:animEffect transition="in" filter="fade">
+                                      <p:cBhvr>
+                                        <p:cTn id="7" dur="500"/>
+                                        <p:tgtEl>
+                                          <p:spTgt spid="7"/>
+                                        </p:tgtEl>
+                                      </p:cBhvr>
+                                    </p:animEffect>
+                                  </p:childTnLst>
+                                </p:cTn>
+                              </p:par>
+                            </p:childTnLst>
+                          </p:cTn>
+                        </p:par>
+                        <p:par>
+                          <p:cTn id="8" fill="hold">
+                            <p:stCondLst>
+                              <p:cond delay="500"/>
+                            </p:stCondLst>
+                            <p:childTnLst>
+                              <p:par>
+                                <p:cTn id="9" presetID="10" presetClass="entr" presetSubtype="0" fill="hold" grpId="0" nodeType="afterEffect">
+                                  <p:stCondLst>
+                                    <p:cond delay="0"/>
+                                  </p:stCondLst>
+                                  <p:childTnLst>
+                                    <p:set>
+                                      <p:cBhvr>
+                                        <p:cTn id="10" dur="1" fill="hold">
+                                          <p:stCondLst>
+                                            <p:cond delay="0"/>
+                                          </p:stCondLst>
+                                        </p:cTn>
+                                        <p:tgtEl>
+                                          <p:spTgt spid="13"/>
+                                        </p:tgtEl>
+                                        <p:attrNameLst>
+                                          <p:attrName>style.visibility</p:attrName>
+                                        </p:attrNameLst>
+                                      </p:cBhvr>
+                                      <p:to>
+                                        <p:strVal val="visible"/>
+                                      </p:to>
+                                    </p:set>
+                                    <p:animEffect transition="in" filter="fade">
+                                      <p:cBhvr>
+                                        <p:cTn id="11" dur="500"/>
+                                        <p:tgtEl>
+                                          <p:spTgt spid="13"/>
+                                        </p:tgtEl>
+                                      </p:cBhvr>
+                                    </p:animEffect>
+                                  </p:childTnLst>
+                                </p:cTn>
+                              </p:par>
+                            </p:childTnLst>
+                          </p:cTn>
+                        </p:par>
+                      </p:childTnLst>
+                    </p:cTn>
+                  </p:par>
+                </p:childTnLst>
+              </p:cTn>
+              <p:prevCondLst>
+                <p:cond evt="onPrev" delay="0">
+                  <p:tgtEl>
+                    <p:sldTgt/>
+                  </p:tgtEl>
+                </p:cond>
+              </p:prevCondLst>
+              <p:nextCondLst>
+                <p:cond evt="onNext" delay="0">
+                  <p:tgtEl>
+                    <p:sldTgt/>
+                  </p:tgtEl>
+                </p:cond>
+              </p:nextCondLst>
+            </p:seq>
+          </p:childTnLst>
+        </p:cTn>
+      </p:par>
+    </p:tnLst>
+    <p:bldLst>
+      <p:bldP spid="7" grpId="0"/>
+      <p:bldP spid="13" grpId="0"/>
+    </p:bldLst>
+  </p:timing>
+</p:sld>
+</file>
+
+<file path=ppt/slides/slide16.xml><?xml version="1.0" encoding="utf-8"?>
+<p:sld xmlns:a="http://schemas.openxmlformats.org/drawingml/2006/main" xmlns:r="http://schemas.openxmlformats.org/officeDocument/2006/relationships" xmlns:p="http://schemas.openxmlformats.org/presentationml/2006/main">
+  <p:cSld>
+    <p:spTree>
+      <p:nvGrpSpPr>
+        <p:cNvPr id="1" name=""/>
+        <p:cNvGrpSpPr/>
+        <p:nvPr/>
+      </p:nvGrpSpPr>
+      <p:grpSpPr>
+        <a:xfrm>
+          <a:off x="0" y="0"/>
+          <a:ext cx="0" cy="0"/>
+          <a:chOff x="0" y="0"/>
+          <a:chExt cx="0" cy="0"/>
+        </a:xfrm>
+      </p:grpSpPr>
+      <p:sp>
+        <p:nvSpPr>
+          <p:cNvPr id="8" name="Rectangle 7"/>
+          <p:cNvSpPr/>
+          <p:nvPr/>
+        </p:nvSpPr>
+        <p:spPr>
+          <a:xfrm>
+            <a:off x="0" y="0"/>
+            <a:ext cx="12192000" cy="6857999"/>
+          </a:xfrm>
+          <a:prstGeom prst="rect">
+            <a:avLst/>
+          </a:prstGeom>
+          <a:solidFill>
+            <a:schemeClr val="tx1">
+              <a:lumMod val="75000"/>
+            </a:schemeClr>
+          </a:solidFill>
+          <a:ln>
+            <a:noFill/>
+          </a:ln>
+        </p:spPr>
+        <p:style>
+          <a:lnRef idx="2">
+            <a:schemeClr val="accent1">
+              <a:shade val="50000"/>
+            </a:schemeClr>
+          </a:lnRef>
+          <a:fillRef idx="1">
+            <a:schemeClr val="accent1"/>
+          </a:fillRef>
+          <a:effectRef idx="0">
+            <a:schemeClr val="accent1"/>
+          </a:effectRef>
+          <a:fontRef idx="minor">
+            <a:schemeClr val="lt1"/>
+          </a:fontRef>
+        </p:style>
+        <p:txBody>
+          <a:bodyPr rtlCol="0" anchor="ctr"/>
+          <a:lstStyle/>
+          <a:p>
+            <a:pPr algn="ctr"/>
+            <a:endParaRPr lang="en-GB"/>
+          </a:p>
+        </p:txBody>
+      </p:sp>
+      <p:sp>
+        <p:nvSpPr>
+          <p:cNvPr id="9" name="Rectangle 8"/>
+          <p:cNvSpPr/>
+          <p:nvPr/>
+        </p:nvSpPr>
+        <p:spPr>
+          <a:xfrm>
+            <a:off x="0" y="329650"/>
+            <a:ext cx="12192000" cy="6172198"/>
+          </a:xfrm>
+          <a:prstGeom prst="rect">
+            <a:avLst/>
+          </a:prstGeom>
+          <a:solidFill>
+            <a:schemeClr val="accent1">
+              <a:lumMod val="50000"/>
+              <a:alpha val="70000"/>
+            </a:schemeClr>
+          </a:solidFill>
+          <a:ln>
+            <a:noFill/>
+          </a:ln>
+        </p:spPr>
+        <p:style>
+          <a:lnRef idx="2">
+            <a:schemeClr val="accent1">
+              <a:shade val="50000"/>
+            </a:schemeClr>
+          </a:lnRef>
+          <a:fillRef idx="1">
+            <a:schemeClr val="accent1"/>
+          </a:fillRef>
+          <a:effectRef idx="0">
+            <a:schemeClr val="accent1"/>
+          </a:effectRef>
+          <a:fontRef idx="minor">
+            <a:schemeClr val="lt1"/>
+          </a:fontRef>
+        </p:style>
+        <p:txBody>
+          <a:bodyPr rtlCol="0" anchor="ctr"/>
+          <a:lstStyle/>
+          <a:p>
+            <a:pPr algn="ctr"/>
+            <a:endParaRPr lang="en-GB"/>
+          </a:p>
+        </p:txBody>
+      </p:sp>
+      <p:sp>
+        <p:nvSpPr>
+          <p:cNvPr id="49" name="TextBox 48">
+            <a:extLst>
+              <a:ext uri="{FF2B5EF4-FFF2-40B4-BE49-F238E27FC236}">
+                <a16:creationId xmlns:a16="http://schemas.microsoft.com/office/drawing/2014/main" id="{EF4DB629-BA9A-4201-A455-B0458C585E1F}"/>
+              </a:ext>
+            </a:extLst>
+          </p:cNvPr>
+          <p:cNvSpPr txBox="1"/>
+          <p:nvPr/>
+        </p:nvSpPr>
+        <p:spPr>
+          <a:xfrm>
+            <a:off x="410964" y="342900"/>
+            <a:ext cx="8878809" cy="523220"/>
+          </a:xfrm>
+          <a:prstGeom prst="rect">
+            <a:avLst/>
+          </a:prstGeom>
+          <a:noFill/>
+          <a:ln>
+            <a:solidFill>
+              <a:srgbClr val="163755"/>
+            </a:solidFill>
+          </a:ln>
+        </p:spPr>
+        <p:txBody>
+          <a:bodyPr wrap="square" rtlCol="0">
+            <a:spAutoFit/>
+          </a:bodyPr>
+          <a:lstStyle/>
+          <a:p>
+            <a:r>
+              <a:rPr lang="en-US" sz="2800">
+                <a:solidFill>
+                  <a:schemeClr val="bg1"/>
+                </a:solidFill>
+                <a:latin typeface="Lato" panose="020F0502020204030203" pitchFamily="34" charset="0"/>
+              </a:rPr>
+              <a:t>2. Domain Driven Design</a:t>
+            </a:r>
+            <a:endParaRPr lang="en-GB" sz="2800">
+              <a:solidFill>
+                <a:schemeClr val="bg1"/>
+              </a:solidFill>
+              <a:latin typeface="Lato" panose="020F0502020204030203" pitchFamily="34" charset="0"/>
+            </a:endParaRPr>
+          </a:p>
+        </p:txBody>
+      </p:sp>
+      <p:cxnSp>
+        <p:nvCxnSpPr>
+          <p:cNvPr id="4" name="Straight Connector 3">
+            <a:extLst>
+              <a:ext uri="{FF2B5EF4-FFF2-40B4-BE49-F238E27FC236}">
+                <a16:creationId xmlns:a16="http://schemas.microsoft.com/office/drawing/2014/main" id="{76AC370D-754E-45CF-B5E9-44869AF3FC5C}"/>
+              </a:ext>
+            </a:extLst>
+          </p:cNvPr>
+          <p:cNvCxnSpPr/>
+          <p:nvPr/>
+        </p:nvCxnSpPr>
+        <p:spPr>
+          <a:xfrm>
+            <a:off x="410965" y="866120"/>
+            <a:ext cx="11159849" cy="0"/>
+          </a:xfrm>
+          <a:prstGeom prst="line">
+            <a:avLst/>
+          </a:prstGeom>
+        </p:spPr>
+        <p:style>
+          <a:lnRef idx="1">
+            <a:schemeClr val="accent1"/>
+          </a:lnRef>
+          <a:fillRef idx="0">
+            <a:schemeClr val="accent1"/>
+          </a:fillRef>
+          <a:effectRef idx="0">
+            <a:schemeClr val="accent1"/>
+          </a:effectRef>
+          <a:fontRef idx="minor">
+            <a:schemeClr val="tx1"/>
+          </a:fontRef>
+        </p:style>
+      </p:cxnSp>
+      <p:sp>
+        <p:nvSpPr>
+          <p:cNvPr id="7" name="Rectangle 6">
+            <a:extLst>
+              <a:ext uri="{FF2B5EF4-FFF2-40B4-BE49-F238E27FC236}">
+                <a16:creationId xmlns:a16="http://schemas.microsoft.com/office/drawing/2014/main" id="{5078B5CA-F84A-40A2-BE71-8BAB249CEBD5}"/>
+              </a:ext>
+            </a:extLst>
+          </p:cNvPr>
+          <p:cNvSpPr/>
+          <p:nvPr/>
+        </p:nvSpPr>
+        <p:spPr>
+          <a:xfrm>
+            <a:off x="410964" y="973841"/>
+            <a:ext cx="4386322" cy="461665"/>
+          </a:xfrm>
+          <a:prstGeom prst="rect">
+            <a:avLst/>
+          </a:prstGeom>
+        </p:spPr>
+        <p:txBody>
+          <a:bodyPr wrap="square">
+            <a:spAutoFit/>
+          </a:bodyPr>
+          <a:lstStyle/>
+          <a:p>
+            <a:pPr indent="457200"/>
+            <a:endParaRPr lang="en-GB" sz="2400">
+              <a:solidFill>
+                <a:schemeClr val="bg1"/>
+              </a:solidFill>
+            </a:endParaRPr>
+          </a:p>
+        </p:txBody>
+      </p:sp>
+      <p:sp>
+        <p:nvSpPr>
+          <p:cNvPr id="11" name="Rectangle 10">
+            <a:extLst>
+              <a:ext uri="{FF2B5EF4-FFF2-40B4-BE49-F238E27FC236}">
+                <a16:creationId xmlns:a16="http://schemas.microsoft.com/office/drawing/2014/main" id="{7411345E-C26A-4C86-AA1F-ED336CC6547E}"/>
+              </a:ext>
+            </a:extLst>
+          </p:cNvPr>
+          <p:cNvSpPr/>
+          <p:nvPr/>
+        </p:nvSpPr>
+        <p:spPr>
+          <a:xfrm>
+            <a:off x="740457" y="4153638"/>
+            <a:ext cx="3646014" cy="461665"/>
+          </a:xfrm>
+          <a:prstGeom prst="rect">
+            <a:avLst/>
+          </a:prstGeom>
+        </p:spPr>
+        <p:txBody>
+          <a:bodyPr wrap="square">
+            <a:spAutoFit/>
+          </a:bodyPr>
+          <a:lstStyle/>
+          <a:p>
+            <a:pPr indent="457200"/>
+            <a:endParaRPr lang="en-GB" sz="2400"/>
+          </a:p>
+        </p:txBody>
+      </p:sp>
+      <p:sp>
+        <p:nvSpPr>
+          <p:cNvPr id="13" name="Rectangle 12">
+            <a:extLst>
+              <a:ext uri="{FF2B5EF4-FFF2-40B4-BE49-F238E27FC236}">
+                <a16:creationId xmlns:a16="http://schemas.microsoft.com/office/drawing/2014/main" id="{B791F502-76BE-48A8-94D2-1F39D66200D1}"/>
+              </a:ext>
+            </a:extLst>
+          </p:cNvPr>
+          <p:cNvSpPr/>
+          <p:nvPr/>
+        </p:nvSpPr>
+        <p:spPr>
+          <a:xfrm>
+            <a:off x="410964" y="1034984"/>
+            <a:ext cx="11159849" cy="1938992"/>
+          </a:xfrm>
+          <a:prstGeom prst="rect">
+            <a:avLst/>
+          </a:prstGeom>
+        </p:spPr>
+        <p:txBody>
+          <a:bodyPr wrap="square">
+            <a:spAutoFit/>
+          </a:bodyPr>
+          <a:lstStyle/>
+          <a:p>
+            <a:pPr indent="457200" algn="just"/>
+            <a:r>
+              <a:rPr lang="en-GB" sz="2400">
+                <a:solidFill>
+                  <a:schemeClr val="bg1"/>
+                </a:solidFill>
+              </a:rPr>
+              <a:t>Domain Driven Design là một cách tiếp cận cho phát triển phần mềm giúp giải quyết vấn đề xây dựng các hệ thống phức tạp.</a:t>
+            </a:r>
+          </a:p>
+          <a:p>
+            <a:pPr indent="457200" algn="just"/>
+            <a:r>
+              <a:rPr lang="en-GB" sz="2400">
+                <a:solidFill>
+                  <a:schemeClr val="bg1"/>
+                </a:solidFill>
+              </a:rPr>
+              <a:t>DDD tập trung vào các khái niệm nghiệp vụ và bóc tách bài toán dựa trên nghiệp vụ của nó.</a:t>
+            </a:r>
+          </a:p>
+          <a:p>
+            <a:pPr indent="457200" algn="just"/>
+            <a:endParaRPr lang="en-GB" sz="2400">
+              <a:solidFill>
+                <a:schemeClr val="bg1"/>
+              </a:solidFill>
+            </a:endParaRPr>
+          </a:p>
+        </p:txBody>
+      </p:sp>
+    </p:spTree>
+    <p:extLst>
+      <p:ext uri="{BB962C8B-B14F-4D97-AF65-F5344CB8AC3E}">
+        <p14:creationId xmlns:p14="http://schemas.microsoft.com/office/powerpoint/2010/main" val="4106827982"/>
+      </p:ext>
+    </p:extLst>
+  </p:cSld>
+  <p:clrMapOvr>
+    <a:masterClrMapping/>
+  </p:clrMapOvr>
+  <mc:AlternateContent xmlns:mc="http://schemas.openxmlformats.org/markup-compatibility/2006">
+    <mc:Choice xmlns:p14="http://schemas.microsoft.com/office/powerpoint/2010/main" Requires="p14">
+      <p:transition spd="med" p14:dur="700">
+        <p:fade/>
+      </p:transition>
+    </mc:Choice>
+    <mc:Fallback>
+      <p:transition spd="med">
+        <p:fade/>
+      </p:transition>
+    </mc:Fallback>
+  </mc:AlternateContent>
+  <p:timing>
+    <p:tnLst>
+      <p:par>
+        <p:cTn id="1" dur="indefinite" restart="never" nodeType="tmRoot">
+          <p:childTnLst>
+            <p:seq concurrent="1" nextAc="seek">
+              <p:cTn id="2" dur="indefinite" nodeType="mainSeq">
+                <p:childTnLst>
+                  <p:par>
+                    <p:cTn id="3" fill="hold">
+                      <p:stCondLst>
+                        <p:cond delay="indefinite"/>
+                      </p:stCondLst>
+                      <p:childTnLst>
+                        <p:par>
+                          <p:cTn id="4" fill="hold">
+                            <p:stCondLst>
+                              <p:cond delay="0"/>
+                            </p:stCondLst>
+                            <p:childTnLst>
+                              <p:par>
+                                <p:cTn id="5" presetID="10" presetClass="entr" presetSubtype="0" fill="hold" nodeType="clickEffect">
+                                  <p:stCondLst>
+                                    <p:cond delay="0"/>
+                                  </p:stCondLst>
+                                  <p:childTnLst>
+                                    <p:set>
+                                      <p:cBhvr>
+                                        <p:cTn id="6" dur="1" fill="hold">
+                                          <p:stCondLst>
+                                            <p:cond delay="0"/>
+                                          </p:stCondLst>
+                                        </p:cTn>
+                                        <p:tgtEl>
+                                          <p:spTgt spid="13">
+                                            <p:txEl>
+                                              <p:pRg st="0" end="0"/>
+                                            </p:txEl>
+                                          </p:spTgt>
+                                        </p:tgtEl>
+                                        <p:attrNameLst>
+                                          <p:attrName>style.visibility</p:attrName>
+                                        </p:attrNameLst>
+                                      </p:cBhvr>
+                                      <p:to>
+                                        <p:strVal val="visible"/>
+                                      </p:to>
+                                    </p:set>
+                                    <p:animEffect transition="in" filter="fade">
+                                      <p:cBhvr>
+                                        <p:cTn id="7" dur="500"/>
+                                        <p:tgtEl>
+                                          <p:spTgt spid="13">
+                                            <p:txEl>
+                                              <p:pRg st="0" end="0"/>
+                                            </p:txEl>
+                                          </p:spTgt>
+                                        </p:tgtEl>
+                                      </p:cBhvr>
+                                    </p:animEffect>
+                                  </p:childTnLst>
+                                </p:cTn>
+                              </p:par>
+                            </p:childTnLst>
+                          </p:cTn>
+                        </p:par>
+                      </p:childTnLst>
+                    </p:cTn>
+                  </p:par>
+                  <p:par>
+                    <p:cTn id="8" fill="hold">
+                      <p:stCondLst>
+                        <p:cond delay="indefinite"/>
+                      </p:stCondLst>
+                      <p:childTnLst>
+                        <p:par>
+                          <p:cTn id="9" fill="hold">
+                            <p:stCondLst>
+                              <p:cond delay="0"/>
+                            </p:stCondLst>
+                            <p:childTnLst>
+                              <p:par>
+                                <p:cTn id="10" presetID="10" presetClass="entr" presetSubtype="0" fill="hold" nodeType="clickEffect">
+                                  <p:stCondLst>
+                                    <p:cond delay="0"/>
+                                  </p:stCondLst>
+                                  <p:childTnLst>
+                                    <p:set>
+                                      <p:cBhvr>
+                                        <p:cTn id="11" dur="1" fill="hold">
+                                          <p:stCondLst>
+                                            <p:cond delay="0"/>
+                                          </p:stCondLst>
+                                        </p:cTn>
+                                        <p:tgtEl>
+                                          <p:spTgt spid="13">
+                                            <p:txEl>
+                                              <p:pRg st="1" end="1"/>
+                                            </p:txEl>
+                                          </p:spTgt>
+                                        </p:tgtEl>
+                                        <p:attrNameLst>
+                                          <p:attrName>style.visibility</p:attrName>
+                                        </p:attrNameLst>
+                                      </p:cBhvr>
+                                      <p:to>
+                                        <p:strVal val="visible"/>
+                                      </p:to>
+                                    </p:set>
+                                    <p:animEffect transition="in" filter="fade">
+                                      <p:cBhvr>
+                                        <p:cTn id="12" dur="500"/>
+                                        <p:tgtEl>
+                                          <p:spTgt spid="13">
+                                            <p:txEl>
+                                              <p:pRg st="1" end="1"/>
+                                            </p:txEl>
+                                          </p:spTgt>
+                                        </p:tgtEl>
+                                      </p:cBhvr>
+                                    </p:animEffect>
+                                  </p:childTnLst>
+                                </p:cTn>
+                              </p:par>
+                            </p:childTnLst>
+                          </p:cTn>
+                        </p:par>
+                      </p:childTnLst>
+                    </p:cTn>
+                  </p:par>
+                  <p:par>
+                    <p:cTn id="13" fill="hold">
+                      <p:stCondLst>
+                        <p:cond delay="indefinite"/>
+                      </p:stCondLst>
+                      <p:childTnLst>
+                        <p:par>
+                          <p:cTn id="14" fill="hold">
+                            <p:stCondLst>
+                              <p:cond delay="0"/>
+                            </p:stCondLst>
+                            <p:childTnLst>
+                              <p:par>
+                                <p:cTn id="15" presetID="10" presetClass="exit" presetSubtype="0" fill="hold" grpId="0" nodeType="clickEffect">
+                                  <p:stCondLst>
+                                    <p:cond delay="0"/>
+                                  </p:stCondLst>
+                                  <p:childTnLst>
+                                    <p:animEffect transition="out" filter="fade">
+                                      <p:cBhvr>
+                                        <p:cTn id="16" dur="500"/>
+                                        <p:tgtEl>
+                                          <p:spTgt spid="13">
+                                            <p:txEl>
+                                              <p:pRg st="0" end="0"/>
+                                            </p:txEl>
+                                          </p:spTgt>
+                                        </p:tgtEl>
+                                      </p:cBhvr>
+                                    </p:animEffect>
+                                    <p:set>
+                                      <p:cBhvr>
+                                        <p:cTn id="17" dur="1" fill="hold">
+                                          <p:stCondLst>
+                                            <p:cond delay="499"/>
+                                          </p:stCondLst>
+                                        </p:cTn>
+                                        <p:tgtEl>
+                                          <p:spTgt spid="13">
+                                            <p:txEl>
+                                              <p:pRg st="0" end="0"/>
+                                            </p:txEl>
+                                          </p:spTgt>
+                                        </p:tgtEl>
+                                        <p:attrNameLst>
+                                          <p:attrName>style.visibility</p:attrName>
+                                        </p:attrNameLst>
+                                      </p:cBhvr>
+                                      <p:to>
+                                        <p:strVal val="hidden"/>
+                                      </p:to>
+                                    </p:set>
+                                  </p:childTnLst>
+                                </p:cTn>
+                              </p:par>
+                              <p:par>
+                                <p:cTn id="18" presetID="10" presetClass="exit" presetSubtype="0" fill="hold" grpId="0" nodeType="withEffect">
+                                  <p:stCondLst>
+                                    <p:cond delay="0"/>
+                                  </p:stCondLst>
+                                  <p:childTnLst>
+                                    <p:animEffect transition="out" filter="fade">
+                                      <p:cBhvr>
+                                        <p:cTn id="19" dur="500"/>
+                                        <p:tgtEl>
+                                          <p:spTgt spid="13">
+                                            <p:txEl>
+                                              <p:pRg st="1" end="1"/>
+                                            </p:txEl>
+                                          </p:spTgt>
+                                        </p:tgtEl>
+                                      </p:cBhvr>
+                                    </p:animEffect>
+                                    <p:set>
+                                      <p:cBhvr>
+                                        <p:cTn id="20" dur="1" fill="hold">
+                                          <p:stCondLst>
+                                            <p:cond delay="499"/>
+                                          </p:stCondLst>
+                                        </p:cTn>
+                                        <p:tgtEl>
+                                          <p:spTgt spid="13">
+                                            <p:txEl>
+                                              <p:pRg st="1" end="1"/>
+                                            </p:txEl>
+                                          </p:spTgt>
+                                        </p:tgtEl>
+                                        <p:attrNameLst>
+                                          <p:attrName>style.visibility</p:attrName>
+                                        </p:attrNameLst>
+                                      </p:cBhvr>
+                                      <p:to>
+                                        <p:strVal val="hidden"/>
+                                      </p:to>
+                                    </p:set>
+                                  </p:childTnLst>
+                                </p:cTn>
+                              </p:par>
+                            </p:childTnLst>
+                          </p:cTn>
+                        </p:par>
+                      </p:childTnLst>
+                    </p:cTn>
+                  </p:par>
+                </p:childTnLst>
+              </p:cTn>
+              <p:prevCondLst>
+                <p:cond evt="onPrev" delay="0">
+                  <p:tgtEl>
+                    <p:sldTgt/>
+                  </p:tgtEl>
+                </p:cond>
+              </p:prevCondLst>
+              <p:nextCondLst>
+                <p:cond evt="onNext" delay="0">
+                  <p:tgtEl>
+                    <p:sldTgt/>
+                  </p:tgtEl>
+                </p:cond>
+              </p:nextCondLst>
+            </p:seq>
+          </p:childTnLst>
+        </p:cTn>
+      </p:par>
+    </p:tnLst>
+    <p:bldLst>
+      <p:bldP spid="13" grpId="0" build="allAtOnce"/>
+    </p:bldLst>
+  </p:timing>
+</p:sld>
+</file>
+
+<file path=ppt/slides/slide17.xml><?xml version="1.0" encoding="utf-8"?>
+<p:sld xmlns:a="http://schemas.openxmlformats.org/drawingml/2006/main" xmlns:r="http://schemas.openxmlformats.org/officeDocument/2006/relationships" xmlns:p="http://schemas.openxmlformats.org/presentationml/2006/main">
+  <p:cSld>
+    <p:spTree>
+      <p:nvGrpSpPr>
+        <p:cNvPr id="1" name=""/>
+        <p:cNvGrpSpPr/>
+        <p:nvPr/>
+      </p:nvGrpSpPr>
+      <p:grpSpPr>
+        <a:xfrm>
+          <a:off x="0" y="0"/>
+          <a:ext cx="0" cy="0"/>
+          <a:chOff x="0" y="0"/>
+          <a:chExt cx="0" cy="0"/>
+        </a:xfrm>
+      </p:grpSpPr>
+      <p:sp>
+        <p:nvSpPr>
+          <p:cNvPr id="8" name="Rectangle 7"/>
+          <p:cNvSpPr/>
+          <p:nvPr/>
+        </p:nvSpPr>
+        <p:spPr>
+          <a:xfrm>
+            <a:off x="0" y="0"/>
+            <a:ext cx="12192000" cy="6857999"/>
+          </a:xfrm>
+          <a:prstGeom prst="rect">
+            <a:avLst/>
+          </a:prstGeom>
+          <a:solidFill>
+            <a:schemeClr val="tx1">
+              <a:lumMod val="75000"/>
+            </a:schemeClr>
+          </a:solidFill>
+          <a:ln>
+            <a:noFill/>
+          </a:ln>
+        </p:spPr>
+        <p:style>
+          <a:lnRef idx="2">
+            <a:schemeClr val="accent1">
+              <a:shade val="50000"/>
+            </a:schemeClr>
+          </a:lnRef>
+          <a:fillRef idx="1">
+            <a:schemeClr val="accent1"/>
+          </a:fillRef>
+          <a:effectRef idx="0">
+            <a:schemeClr val="accent1"/>
+          </a:effectRef>
+          <a:fontRef idx="minor">
+            <a:schemeClr val="lt1"/>
+          </a:fontRef>
+        </p:style>
+        <p:txBody>
+          <a:bodyPr rtlCol="0" anchor="ctr"/>
+          <a:lstStyle/>
+          <a:p>
+            <a:pPr algn="ctr"/>
+            <a:endParaRPr lang="en-GB"/>
+          </a:p>
+        </p:txBody>
+      </p:sp>
+      <p:sp>
+        <p:nvSpPr>
+          <p:cNvPr id="9" name="Rectangle 8"/>
+          <p:cNvSpPr/>
+          <p:nvPr/>
+        </p:nvSpPr>
+        <p:spPr>
+          <a:xfrm>
+            <a:off x="0" y="329650"/>
+            <a:ext cx="12192000" cy="6172198"/>
+          </a:xfrm>
+          <a:prstGeom prst="rect">
+            <a:avLst/>
+          </a:prstGeom>
+          <a:solidFill>
+            <a:schemeClr val="accent1">
+              <a:lumMod val="50000"/>
+              <a:alpha val="70000"/>
+            </a:schemeClr>
+          </a:solidFill>
+          <a:ln>
+            <a:noFill/>
+          </a:ln>
+        </p:spPr>
+        <p:style>
+          <a:lnRef idx="2">
+            <a:schemeClr val="accent1">
+              <a:shade val="50000"/>
+            </a:schemeClr>
+          </a:lnRef>
+          <a:fillRef idx="1">
+            <a:schemeClr val="accent1"/>
+          </a:fillRef>
+          <a:effectRef idx="0">
+            <a:schemeClr val="accent1"/>
+          </a:effectRef>
+          <a:fontRef idx="minor">
+            <a:schemeClr val="lt1"/>
+          </a:fontRef>
+        </p:style>
+        <p:txBody>
+          <a:bodyPr rtlCol="0" anchor="ctr"/>
+          <a:lstStyle/>
+          <a:p>
+            <a:pPr algn="ctr"/>
+            <a:endParaRPr lang="en-GB"/>
+          </a:p>
+        </p:txBody>
+      </p:sp>
+      <p:sp>
+        <p:nvSpPr>
+          <p:cNvPr id="49" name="TextBox 48">
+            <a:extLst>
+              <a:ext uri="{FF2B5EF4-FFF2-40B4-BE49-F238E27FC236}">
+                <a16:creationId xmlns:a16="http://schemas.microsoft.com/office/drawing/2014/main" id="{EF4DB629-BA9A-4201-A455-B0458C585E1F}"/>
+              </a:ext>
+            </a:extLst>
+          </p:cNvPr>
+          <p:cNvSpPr txBox="1"/>
+          <p:nvPr/>
+        </p:nvSpPr>
+        <p:spPr>
+          <a:xfrm>
+            <a:off x="410964" y="342900"/>
+            <a:ext cx="8878809" cy="523220"/>
+          </a:xfrm>
+          <a:prstGeom prst="rect">
+            <a:avLst/>
+          </a:prstGeom>
+          <a:noFill/>
+          <a:ln>
+            <a:solidFill>
+              <a:srgbClr val="163755"/>
+            </a:solidFill>
+          </a:ln>
+        </p:spPr>
+        <p:txBody>
+          <a:bodyPr wrap="square" rtlCol="0">
+            <a:spAutoFit/>
+          </a:bodyPr>
+          <a:lstStyle/>
+          <a:p>
+            <a:r>
+              <a:rPr lang="en-US" sz="2800">
+                <a:solidFill>
+                  <a:schemeClr val="bg1"/>
+                </a:solidFill>
+                <a:latin typeface="Lato" panose="020F0502020204030203" pitchFamily="34" charset="0"/>
+              </a:rPr>
+              <a:t>3. Kiến trúc hệ thống theo DDD</a:t>
+            </a:r>
+            <a:endParaRPr lang="en-GB" sz="2800">
+              <a:solidFill>
+                <a:schemeClr val="bg1"/>
+              </a:solidFill>
+              <a:latin typeface="Lato" panose="020F0502020204030203" pitchFamily="34" charset="0"/>
+            </a:endParaRPr>
+          </a:p>
+        </p:txBody>
+      </p:sp>
+      <p:cxnSp>
+        <p:nvCxnSpPr>
+          <p:cNvPr id="4" name="Straight Connector 3">
+            <a:extLst>
+              <a:ext uri="{FF2B5EF4-FFF2-40B4-BE49-F238E27FC236}">
+                <a16:creationId xmlns:a16="http://schemas.microsoft.com/office/drawing/2014/main" id="{76AC370D-754E-45CF-B5E9-44869AF3FC5C}"/>
+              </a:ext>
+            </a:extLst>
+          </p:cNvPr>
+          <p:cNvCxnSpPr/>
+          <p:nvPr/>
+        </p:nvCxnSpPr>
+        <p:spPr>
+          <a:xfrm>
+            <a:off x="410965" y="866120"/>
+            <a:ext cx="11159849" cy="0"/>
+          </a:xfrm>
+          <a:prstGeom prst="line">
+            <a:avLst/>
+          </a:prstGeom>
+        </p:spPr>
+        <p:style>
+          <a:lnRef idx="1">
+            <a:schemeClr val="accent1"/>
+          </a:lnRef>
+          <a:fillRef idx="0">
+            <a:schemeClr val="accent1"/>
+          </a:fillRef>
+          <a:effectRef idx="0">
+            <a:schemeClr val="accent1"/>
+          </a:effectRef>
+          <a:fontRef idx="minor">
+            <a:schemeClr val="tx1"/>
+          </a:fontRef>
+        </p:style>
+      </p:cxnSp>
+      <p:sp>
+        <p:nvSpPr>
+          <p:cNvPr id="7" name="Rectangle 6">
+            <a:extLst>
+              <a:ext uri="{FF2B5EF4-FFF2-40B4-BE49-F238E27FC236}">
+                <a16:creationId xmlns:a16="http://schemas.microsoft.com/office/drawing/2014/main" id="{5078B5CA-F84A-40A2-BE71-8BAB249CEBD5}"/>
+              </a:ext>
+            </a:extLst>
+          </p:cNvPr>
+          <p:cNvSpPr/>
+          <p:nvPr/>
+        </p:nvSpPr>
+        <p:spPr>
+          <a:xfrm>
+            <a:off x="410964" y="973841"/>
+            <a:ext cx="4386322" cy="461665"/>
+          </a:xfrm>
+          <a:prstGeom prst="rect">
+            <a:avLst/>
+          </a:prstGeom>
+        </p:spPr>
+        <p:txBody>
+          <a:bodyPr wrap="square">
+            <a:spAutoFit/>
+          </a:bodyPr>
+          <a:lstStyle/>
+          <a:p>
+            <a:pPr indent="457200"/>
+            <a:endParaRPr lang="en-GB" sz="2400">
+              <a:solidFill>
+                <a:schemeClr val="bg1"/>
+              </a:solidFill>
+            </a:endParaRPr>
+          </a:p>
+        </p:txBody>
+      </p:sp>
+      <p:sp>
+        <p:nvSpPr>
+          <p:cNvPr id="11" name="Rectangle 10">
+            <a:extLst>
+              <a:ext uri="{FF2B5EF4-FFF2-40B4-BE49-F238E27FC236}">
+                <a16:creationId xmlns:a16="http://schemas.microsoft.com/office/drawing/2014/main" id="{7411345E-C26A-4C86-AA1F-ED336CC6547E}"/>
+              </a:ext>
+            </a:extLst>
+          </p:cNvPr>
+          <p:cNvSpPr/>
+          <p:nvPr/>
+        </p:nvSpPr>
+        <p:spPr>
+          <a:xfrm>
+            <a:off x="740457" y="4153638"/>
+            <a:ext cx="3646014" cy="461665"/>
+          </a:xfrm>
+          <a:prstGeom prst="rect">
+            <a:avLst/>
+          </a:prstGeom>
+        </p:spPr>
+        <p:txBody>
+          <a:bodyPr wrap="square">
+            <a:spAutoFit/>
+          </a:bodyPr>
+          <a:lstStyle/>
+          <a:p>
+            <a:pPr indent="457200"/>
+            <a:endParaRPr lang="en-GB" sz="2400"/>
+          </a:p>
+        </p:txBody>
+      </p:sp>
+      <p:sp>
+        <p:nvSpPr>
+          <p:cNvPr id="10" name="Rectangle 9">
+            <a:extLst>
+              <a:ext uri="{FF2B5EF4-FFF2-40B4-BE49-F238E27FC236}">
+                <a16:creationId xmlns:a16="http://schemas.microsoft.com/office/drawing/2014/main" id="{7BD603B8-9380-4495-874F-3243919CFC17}"/>
+              </a:ext>
+            </a:extLst>
+          </p:cNvPr>
+          <p:cNvSpPr/>
+          <p:nvPr/>
+        </p:nvSpPr>
+        <p:spPr>
+          <a:xfrm>
+            <a:off x="410964" y="1034984"/>
+            <a:ext cx="11159849" cy="461665"/>
+          </a:xfrm>
+          <a:prstGeom prst="rect">
+            <a:avLst/>
+          </a:prstGeom>
+        </p:spPr>
+        <p:txBody>
+          <a:bodyPr wrap="square">
+            <a:spAutoFit/>
+          </a:bodyPr>
+          <a:lstStyle/>
+          <a:p>
+            <a:pPr algn="just"/>
+            <a:r>
+              <a:rPr lang="en-GB" sz="2400">
+                <a:solidFill>
+                  <a:schemeClr val="bg1"/>
+                </a:solidFill>
+              </a:rPr>
+              <a:t>Kiến trúc layer theo hướng tiếp cận Domain Driven Design:</a:t>
+            </a:r>
+          </a:p>
+        </p:txBody>
+      </p:sp>
+      <p:pic>
+        <p:nvPicPr>
+          <p:cNvPr id="12" name="Picture 11" descr="A picture containing timeline&#10;&#10;Description automatically generated">
+            <a:extLst>
+              <a:ext uri="{FF2B5EF4-FFF2-40B4-BE49-F238E27FC236}">
+                <a16:creationId xmlns:a16="http://schemas.microsoft.com/office/drawing/2014/main" id="{6B6C9B51-641B-4D84-AD57-EF7371655FF3}"/>
+              </a:ext>
+            </a:extLst>
+          </p:cNvPr>
+          <p:cNvPicPr/>
+          <p:nvPr/>
+        </p:nvPicPr>
+        <p:blipFill>
+          <a:blip r:embed="rId2"/>
+          <a:stretch>
+            <a:fillRect/>
+          </a:stretch>
+        </p:blipFill>
+        <p:spPr bwMode="auto">
+          <a:xfrm>
+            <a:off x="520146" y="1495919"/>
+            <a:ext cx="7189415" cy="4347460"/>
+          </a:xfrm>
+          <a:prstGeom prst="rect">
+            <a:avLst/>
+          </a:prstGeom>
+        </p:spPr>
+      </p:pic>
+      <p:sp>
+        <p:nvSpPr>
+          <p:cNvPr id="14" name="Rectangle 13">
+            <a:extLst>
+              <a:ext uri="{FF2B5EF4-FFF2-40B4-BE49-F238E27FC236}">
+                <a16:creationId xmlns:a16="http://schemas.microsoft.com/office/drawing/2014/main" id="{F3AB910C-3579-4FFF-95C5-8472BA891F6C}"/>
+              </a:ext>
+            </a:extLst>
+          </p:cNvPr>
+          <p:cNvSpPr/>
+          <p:nvPr/>
+        </p:nvSpPr>
+        <p:spPr>
+          <a:xfrm>
+            <a:off x="410964" y="1034983"/>
+            <a:ext cx="11159849" cy="461665"/>
+          </a:xfrm>
+          <a:prstGeom prst="rect">
+            <a:avLst/>
+          </a:prstGeom>
+        </p:spPr>
+        <p:txBody>
+          <a:bodyPr wrap="square">
+            <a:spAutoFit/>
+          </a:bodyPr>
+          <a:lstStyle/>
+          <a:p>
+            <a:pPr algn="just"/>
+            <a:r>
+              <a:rPr lang="en-GB" sz="2400">
+                <a:solidFill>
+                  <a:schemeClr val="bg1"/>
+                </a:solidFill>
+              </a:rPr>
+              <a:t>Kiến trúc module của hệ thống:</a:t>
+            </a:r>
+          </a:p>
+        </p:txBody>
+      </p:sp>
+      <p:pic>
+        <p:nvPicPr>
+          <p:cNvPr id="15" name="Picture 14" descr="Diagram&#10;&#10;Description automatically generated">
+            <a:extLst>
+              <a:ext uri="{FF2B5EF4-FFF2-40B4-BE49-F238E27FC236}">
+                <a16:creationId xmlns:a16="http://schemas.microsoft.com/office/drawing/2014/main" id="{057B20C6-D0A6-4883-BC78-F38C1B0DB50D}"/>
+              </a:ext>
+            </a:extLst>
+          </p:cNvPr>
+          <p:cNvPicPr/>
+          <p:nvPr/>
+        </p:nvPicPr>
+        <p:blipFill>
+          <a:blip r:embed="rId3"/>
+          <a:stretch>
+            <a:fillRect/>
+          </a:stretch>
+        </p:blipFill>
+        <p:spPr bwMode="auto">
+          <a:xfrm>
+            <a:off x="528211" y="1495918"/>
+            <a:ext cx="7189415" cy="4340933"/>
+          </a:xfrm>
+          <a:prstGeom prst="rect">
+            <a:avLst/>
+          </a:prstGeom>
+        </p:spPr>
+      </p:pic>
+    </p:spTree>
+    <p:extLst>
+      <p:ext uri="{BB962C8B-B14F-4D97-AF65-F5344CB8AC3E}">
+        <p14:creationId xmlns:p14="http://schemas.microsoft.com/office/powerpoint/2010/main" val="940432702"/>
+      </p:ext>
+    </p:extLst>
+  </p:cSld>
+  <p:clrMapOvr>
+    <a:masterClrMapping/>
+  </p:clrMapOvr>
+  <mc:AlternateContent xmlns:mc="http://schemas.openxmlformats.org/markup-compatibility/2006">
+    <mc:Choice xmlns:p14="http://schemas.microsoft.com/office/powerpoint/2010/main" Requires="p14">
+      <p:transition spd="med" p14:dur="700">
+        <p:fade/>
+      </p:transition>
+    </mc:Choice>
+    <mc:Fallback>
+      <p:transition spd="med">
+        <p:fade/>
+      </p:transition>
+    </mc:Fallback>
+  </mc:AlternateContent>
+  <p:timing>
+    <p:tnLst>
+      <p:par>
+        <p:cTn id="1" dur="indefinite" restart="never" nodeType="tmRoot">
+          <p:childTnLst>
+            <p:seq concurrent="1" nextAc="seek">
+              <p:cTn id="2" dur="indefinite" nodeType="mainSeq">
+                <p:childTnLst>
+                  <p:par>
+                    <p:cTn id="3" fill="hold">
+                      <p:stCondLst>
+                        <p:cond delay="indefinite"/>
+                      </p:stCondLst>
+                      <p:childTnLst>
+                        <p:par>
+                          <p:cTn id="4" fill="hold">
+                            <p:stCondLst>
+                              <p:cond delay="0"/>
+                            </p:stCondLst>
+                            <p:childTnLst>
+                              <p:par>
+                                <p:cTn id="5" presetID="10" presetClass="entr" presetSubtype="0" fill="hold" nodeType="clickEffect">
+                                  <p:stCondLst>
+                                    <p:cond delay="0"/>
+                                  </p:stCondLst>
+                                  <p:childTnLst>
+                                    <p:set>
+                                      <p:cBhvr>
+                                        <p:cTn id="6" dur="1" fill="hold">
+                                          <p:stCondLst>
+                                            <p:cond delay="0"/>
+                                          </p:stCondLst>
+                                        </p:cTn>
+                                        <p:tgtEl>
+                                          <p:spTgt spid="12"/>
+                                        </p:tgtEl>
+                                        <p:attrNameLst>
+                                          <p:attrName>style.visibility</p:attrName>
+                                        </p:attrNameLst>
+                                      </p:cBhvr>
+                                      <p:to>
+                                        <p:strVal val="visible"/>
+                                      </p:to>
+                                    </p:set>
+                                    <p:animEffect transition="in" filter="fade">
+                                      <p:cBhvr>
+                                        <p:cTn id="7" dur="500"/>
+                                        <p:tgtEl>
+                                          <p:spTgt spid="12"/>
+                                        </p:tgtEl>
+                                      </p:cBhvr>
+                                    </p:animEffect>
+                                  </p:childTnLst>
+                                </p:cTn>
+                              </p:par>
+                              <p:par>
+                                <p:cTn id="8" presetID="10" presetClass="entr" presetSubtype="0" fill="hold" grpId="0" nodeType="withEffect">
+                                  <p:stCondLst>
+                                    <p:cond delay="0"/>
+                                  </p:stCondLst>
+                                  <p:childTnLst>
+                                    <p:set>
+                                      <p:cBhvr>
+                                        <p:cTn id="9" dur="1" fill="hold">
+                                          <p:stCondLst>
+                                            <p:cond delay="0"/>
+                                          </p:stCondLst>
+                                        </p:cTn>
+                                        <p:tgtEl>
+                                          <p:spTgt spid="10"/>
+                                        </p:tgtEl>
+                                        <p:attrNameLst>
+                                          <p:attrName>style.visibility</p:attrName>
+                                        </p:attrNameLst>
+                                      </p:cBhvr>
+                                      <p:to>
+                                        <p:strVal val="visible"/>
+                                      </p:to>
+                                    </p:set>
+                                    <p:animEffect transition="in" filter="fade">
+                                      <p:cBhvr>
+                                        <p:cTn id="10" dur="500"/>
+                                        <p:tgtEl>
+                                          <p:spTgt spid="10"/>
+                                        </p:tgtEl>
+                                      </p:cBhvr>
+                                    </p:animEffect>
+                                  </p:childTnLst>
+                                </p:cTn>
+                              </p:par>
+                            </p:childTnLst>
+                          </p:cTn>
+                        </p:par>
+                      </p:childTnLst>
+                    </p:cTn>
+                  </p:par>
+                  <p:par>
+                    <p:cTn id="11" fill="hold">
+                      <p:stCondLst>
+                        <p:cond delay="indefinite"/>
+                      </p:stCondLst>
+                      <p:childTnLst>
+                        <p:par>
+                          <p:cTn id="12" fill="hold">
+                            <p:stCondLst>
+                              <p:cond delay="0"/>
+                            </p:stCondLst>
+                            <p:childTnLst>
+                              <p:par>
+                                <p:cTn id="13" presetID="10" presetClass="exit" presetSubtype="0" fill="hold" nodeType="clickEffect">
+                                  <p:stCondLst>
+                                    <p:cond delay="0"/>
+                                  </p:stCondLst>
+                                  <p:childTnLst>
+                                    <p:animEffect transition="out" filter="fade">
+                                      <p:cBhvr>
+                                        <p:cTn id="14" dur="500"/>
+                                        <p:tgtEl>
+                                          <p:spTgt spid="12"/>
+                                        </p:tgtEl>
+                                      </p:cBhvr>
+                                    </p:animEffect>
+                                    <p:set>
+                                      <p:cBhvr>
+                                        <p:cTn id="15" dur="1" fill="hold">
+                                          <p:stCondLst>
+                                            <p:cond delay="499"/>
+                                          </p:stCondLst>
+                                        </p:cTn>
+                                        <p:tgtEl>
+                                          <p:spTgt spid="12"/>
+                                        </p:tgtEl>
+                                        <p:attrNameLst>
+                                          <p:attrName>style.visibility</p:attrName>
+                                        </p:attrNameLst>
+                                      </p:cBhvr>
+                                      <p:to>
+                                        <p:strVal val="hidden"/>
+                                      </p:to>
+                                    </p:set>
+                                  </p:childTnLst>
+                                </p:cTn>
+                              </p:par>
+                              <p:par>
+                                <p:cTn id="16" presetID="10" presetClass="exit" presetSubtype="0" fill="hold" grpId="1" nodeType="withEffect">
+                                  <p:stCondLst>
+                                    <p:cond delay="0"/>
+                                  </p:stCondLst>
+                                  <p:childTnLst>
+                                    <p:animEffect transition="out" filter="fade">
+                                      <p:cBhvr>
+                                        <p:cTn id="17" dur="500"/>
+                                        <p:tgtEl>
+                                          <p:spTgt spid="10"/>
+                                        </p:tgtEl>
+                                      </p:cBhvr>
+                                    </p:animEffect>
+                                    <p:set>
+                                      <p:cBhvr>
+                                        <p:cTn id="18" dur="1" fill="hold">
+                                          <p:stCondLst>
+                                            <p:cond delay="499"/>
+                                          </p:stCondLst>
+                                        </p:cTn>
+                                        <p:tgtEl>
+                                          <p:spTgt spid="10"/>
+                                        </p:tgtEl>
+                                        <p:attrNameLst>
+                                          <p:attrName>style.visibility</p:attrName>
+                                        </p:attrNameLst>
+                                      </p:cBhvr>
+                                      <p:to>
+                                        <p:strVal val="hidden"/>
+                                      </p:to>
+                                    </p:set>
+                                  </p:childTnLst>
+                                </p:cTn>
+                              </p:par>
+                            </p:childTnLst>
+                          </p:cTn>
+                        </p:par>
+                        <p:par>
+                          <p:cTn id="19" fill="hold">
+                            <p:stCondLst>
+                              <p:cond delay="500"/>
+                            </p:stCondLst>
+                            <p:childTnLst>
+                              <p:par>
+                                <p:cTn id="20" presetID="10" presetClass="entr" presetSubtype="0" fill="hold" nodeType="afterEffect">
+                                  <p:stCondLst>
+                                    <p:cond delay="0"/>
+                                  </p:stCondLst>
+                                  <p:childTnLst>
+                                    <p:set>
+                                      <p:cBhvr>
+                                        <p:cTn id="21" dur="1" fill="hold">
+                                          <p:stCondLst>
+                                            <p:cond delay="0"/>
+                                          </p:stCondLst>
+                                        </p:cTn>
+                                        <p:tgtEl>
+                                          <p:spTgt spid="15"/>
+                                        </p:tgtEl>
+                                        <p:attrNameLst>
+                                          <p:attrName>style.visibility</p:attrName>
+                                        </p:attrNameLst>
+                                      </p:cBhvr>
+                                      <p:to>
+                                        <p:strVal val="visible"/>
+                                      </p:to>
+                                    </p:set>
+                                    <p:animEffect transition="in" filter="fade">
+                                      <p:cBhvr>
+                                        <p:cTn id="22" dur="500"/>
+                                        <p:tgtEl>
+                                          <p:spTgt spid="15"/>
+                                        </p:tgtEl>
+                                      </p:cBhvr>
+                                    </p:animEffect>
+                                  </p:childTnLst>
+                                </p:cTn>
+                              </p:par>
+                            </p:childTnLst>
+                          </p:cTn>
+                        </p:par>
+                        <p:par>
+                          <p:cTn id="23" fill="hold">
+                            <p:stCondLst>
+                              <p:cond delay="1000"/>
+                            </p:stCondLst>
+                            <p:childTnLst>
+                              <p:par>
+                                <p:cTn id="24" presetID="10" presetClass="entr" presetSubtype="0" fill="hold" grpId="0" nodeType="afterEffect">
+                                  <p:stCondLst>
+                                    <p:cond delay="0"/>
+                                  </p:stCondLst>
+                                  <p:childTnLst>
+                                    <p:set>
+                                      <p:cBhvr>
+                                        <p:cTn id="25" dur="1" fill="hold">
+                                          <p:stCondLst>
+                                            <p:cond delay="0"/>
+                                          </p:stCondLst>
+                                        </p:cTn>
+                                        <p:tgtEl>
+                                          <p:spTgt spid="14"/>
+                                        </p:tgtEl>
+                                        <p:attrNameLst>
+                                          <p:attrName>style.visibility</p:attrName>
+                                        </p:attrNameLst>
+                                      </p:cBhvr>
+                                      <p:to>
+                                        <p:strVal val="visible"/>
+                                      </p:to>
+                                    </p:set>
+                                    <p:animEffect transition="in" filter="fade">
+                                      <p:cBhvr>
+                                        <p:cTn id="26" dur="500"/>
+                                        <p:tgtEl>
+                                          <p:spTgt spid="14"/>
+                                        </p:tgtEl>
+                                      </p:cBhvr>
+                                    </p:animEffect>
+                                  </p:childTnLst>
+                                </p:cTn>
+                              </p:par>
+                            </p:childTnLst>
+                          </p:cTn>
+                        </p:par>
+                      </p:childTnLst>
+                    </p:cTn>
+                  </p:par>
+                </p:childTnLst>
+              </p:cTn>
+              <p:prevCondLst>
+                <p:cond evt="onPrev" delay="0">
+                  <p:tgtEl>
+                    <p:sldTgt/>
+                  </p:tgtEl>
+                </p:cond>
+              </p:prevCondLst>
+              <p:nextCondLst>
+                <p:cond evt="onNext" delay="0">
+                  <p:tgtEl>
+                    <p:sldTgt/>
+                  </p:tgtEl>
+                </p:cond>
+              </p:nextCondLst>
+            </p:seq>
+          </p:childTnLst>
+        </p:cTn>
+      </p:par>
+    </p:tnLst>
+    <p:bldLst>
+      <p:bldP spid="10" grpId="0"/>
+      <p:bldP spid="10" grpId="1"/>
+      <p:bldP spid="14" grpId="0"/>
+    </p:bldLst>
+  </p:timing>
+</p:sld>
+</file>
+
+<file path=ppt/slides/slide18.xml><?xml version="1.0" encoding="utf-8"?>
+<p:sld xmlns:a="http://schemas.openxmlformats.org/drawingml/2006/main" xmlns:r="http://schemas.openxmlformats.org/officeDocument/2006/relationships" xmlns:p="http://schemas.openxmlformats.org/presentationml/2006/main">
+  <p:cSld>
+    <p:spTree>
+      <p:nvGrpSpPr>
+        <p:cNvPr id="1" name=""/>
+        <p:cNvGrpSpPr/>
+        <p:nvPr/>
+      </p:nvGrpSpPr>
+      <p:grpSpPr>
+        <a:xfrm>
+          <a:off x="0" y="0"/>
+          <a:ext cx="0" cy="0"/>
+          <a:chOff x="0" y="0"/>
+          <a:chExt cx="0" cy="0"/>
+        </a:xfrm>
+      </p:grpSpPr>
+      <p:sp>
+        <p:nvSpPr>
+          <p:cNvPr id="4" name="Rectangle 3">
+            <a:extLst>
+              <a:ext uri="{FF2B5EF4-FFF2-40B4-BE49-F238E27FC236}">
+                <a16:creationId xmlns:a16="http://schemas.microsoft.com/office/drawing/2014/main" id="{3F850CE1-ED2C-4784-BA9E-E42BA8F08671}"/>
+              </a:ext>
+            </a:extLst>
+          </p:cNvPr>
+          <p:cNvSpPr/>
+          <p:nvPr/>
+        </p:nvSpPr>
+        <p:spPr>
+          <a:xfrm>
+            <a:off x="8086725" y="0"/>
+            <a:ext cx="2958758" cy="6858000"/>
+          </a:xfrm>
+          <a:prstGeom prst="rect">
+            <a:avLst/>
+          </a:prstGeom>
+          <a:solidFill>
+            <a:schemeClr val="tx1">
+              <a:lumMod val="75000"/>
+            </a:schemeClr>
+          </a:solidFill>
+          <a:ln>
+            <a:noFill/>
+          </a:ln>
+        </p:spPr>
+        <p:style>
+          <a:lnRef idx="2">
+            <a:schemeClr val="accent1">
+              <a:shade val="50000"/>
+            </a:schemeClr>
+          </a:lnRef>
+          <a:fillRef idx="1">
+            <a:schemeClr val="accent1"/>
+          </a:fillRef>
+          <a:effectRef idx="0">
+            <a:schemeClr val="accent1"/>
+          </a:effectRef>
+          <a:fontRef idx="minor">
+            <a:schemeClr val="lt1"/>
+          </a:fontRef>
+        </p:style>
+        <p:txBody>
+          <a:bodyPr rtlCol="0" anchor="ctr"/>
+          <a:lstStyle/>
+          <a:p>
+            <a:pPr marL="0" marR="0" lvl="0" indent="0" algn="ctr" defTabSz="914400" rtl="0" eaLnBrk="1" fontAlgn="auto" latinLnBrk="0" hangingPunct="1">
+              <a:lnSpc>
+                <a:spcPct val="100000"/>
+              </a:lnSpc>
+              <a:spcBef>
+                <a:spcPts val="0"/>
+              </a:spcBef>
+              <a:spcAft>
+                <a:spcPts val="0"/>
+              </a:spcAft>
+              <a:buClrTx/>
+              <a:buSzTx/>
+              <a:buFontTx/>
+              <a:buNone/>
+              <a:tabLst/>
+              <a:defRPr/>
+            </a:pPr>
+            <a:endParaRPr kumimoji="0" lang="en-GB" sz="1800" b="0" i="0" u="none" strike="noStrike" kern="1200" cap="none" spc="0" normalizeH="0" baseline="0" noProof="0">
+              <a:ln>
+                <a:noFill/>
+              </a:ln>
+              <a:solidFill>
+                <a:prstClr val="white"/>
+              </a:solidFill>
+              <a:effectLst/>
+              <a:uLnTx/>
+              <a:uFillTx/>
+              <a:latin typeface="Calibri Light"/>
+              <a:ea typeface="+mn-ea"/>
+              <a:cs typeface="+mn-cs"/>
+            </a:endParaRPr>
+          </a:p>
+        </p:txBody>
+      </p:sp>
+      <p:sp>
+        <p:nvSpPr>
+          <p:cNvPr id="5" name="Rectangle 4">
+            <a:extLst>
+              <a:ext uri="{FF2B5EF4-FFF2-40B4-BE49-F238E27FC236}">
+                <a16:creationId xmlns:a16="http://schemas.microsoft.com/office/drawing/2014/main" id="{D3695E95-7EB7-4409-A91A-FD2244F10924}"/>
+              </a:ext>
+            </a:extLst>
+          </p:cNvPr>
+          <p:cNvSpPr/>
+          <p:nvPr/>
+        </p:nvSpPr>
+        <p:spPr>
+          <a:xfrm>
+            <a:off x="0" y="436098"/>
+            <a:ext cx="8086725" cy="914400"/>
+          </a:xfrm>
+          <a:prstGeom prst="rect">
+            <a:avLst/>
+          </a:prstGeom>
+          <a:solidFill>
+            <a:schemeClr val="accent1">
+              <a:lumMod val="50000"/>
+            </a:schemeClr>
+          </a:solidFill>
+          <a:ln>
+            <a:noFill/>
+          </a:ln>
+          <a:effectLst>
+            <a:outerShdw blurRad="50800" dist="38100" dir="5400000" algn="t" rotWithShape="0">
+              <a:prstClr val="black">
+                <a:alpha val="40000"/>
+              </a:prstClr>
+            </a:outerShdw>
+          </a:effectLst>
+        </p:spPr>
+        <p:style>
+          <a:lnRef idx="2">
+            <a:schemeClr val="accent1">
+              <a:shade val="50000"/>
+            </a:schemeClr>
+          </a:lnRef>
+          <a:fillRef idx="1">
+            <a:schemeClr val="accent1"/>
+          </a:fillRef>
+          <a:effectRef idx="0">
+            <a:schemeClr val="accent1"/>
+          </a:effectRef>
+          <a:fontRef idx="minor">
+            <a:schemeClr val="lt1"/>
+          </a:fontRef>
+        </p:style>
+        <p:txBody>
+          <a:bodyPr rtlCol="0" anchor="ctr"/>
+          <a:lstStyle/>
+          <a:p>
+            <a:pPr marL="0" marR="0" lvl="0" indent="0" algn="ctr" defTabSz="914400" rtl="0" eaLnBrk="1" fontAlgn="auto" latinLnBrk="0" hangingPunct="1">
+              <a:lnSpc>
+                <a:spcPct val="100000"/>
+              </a:lnSpc>
+              <a:spcBef>
+                <a:spcPts val="0"/>
+              </a:spcBef>
+              <a:spcAft>
+                <a:spcPts val="0"/>
+              </a:spcAft>
+              <a:buClrTx/>
+              <a:buSzTx/>
+              <a:buFontTx/>
+              <a:buNone/>
+              <a:tabLst/>
+              <a:defRPr/>
+            </a:pPr>
+            <a:endParaRPr kumimoji="0" lang="en-GB" sz="1800" b="0" i="0" u="none" strike="noStrike" kern="1200" cap="none" spc="0" normalizeH="0" baseline="0" noProof="0">
+              <a:ln>
+                <a:noFill/>
+              </a:ln>
+              <a:solidFill>
+                <a:prstClr val="white"/>
+              </a:solidFill>
+              <a:effectLst/>
+              <a:uLnTx/>
+              <a:uFillTx/>
+              <a:latin typeface="Calibri Light"/>
+              <a:ea typeface="+mn-ea"/>
+              <a:cs typeface="+mn-cs"/>
+            </a:endParaRPr>
+          </a:p>
+        </p:txBody>
+      </p:sp>
+      <p:sp>
+        <p:nvSpPr>
+          <p:cNvPr id="6" name="TextBox 5">
+            <a:extLst>
+              <a:ext uri="{FF2B5EF4-FFF2-40B4-BE49-F238E27FC236}">
+                <a16:creationId xmlns:a16="http://schemas.microsoft.com/office/drawing/2014/main" id="{C97ADF64-6C0E-450E-8ECC-3F84A7171C98}"/>
+              </a:ext>
+            </a:extLst>
+          </p:cNvPr>
+          <p:cNvSpPr txBox="1"/>
+          <p:nvPr/>
+        </p:nvSpPr>
+        <p:spPr>
+          <a:xfrm>
+            <a:off x="608458" y="565727"/>
+            <a:ext cx="6125395" cy="646331"/>
+          </a:xfrm>
+          <a:prstGeom prst="rect">
+            <a:avLst/>
+          </a:prstGeom>
+          <a:noFill/>
+        </p:spPr>
+        <p:txBody>
+          <a:bodyPr wrap="none" rtlCol="0">
+            <a:spAutoFit/>
+          </a:bodyPr>
+          <a:lstStyle/>
+          <a:p>
+            <a:pPr marR="0" lvl="0" algn="l" defTabSz="914400" rtl="0" eaLnBrk="1" fontAlgn="auto" latinLnBrk="0" hangingPunct="1">
+              <a:lnSpc>
+                <a:spcPct val="100000"/>
+              </a:lnSpc>
+              <a:spcBef>
+                <a:spcPts val="0"/>
+              </a:spcBef>
+              <a:spcAft>
+                <a:spcPts val="0"/>
+              </a:spcAft>
+              <a:buClrTx/>
+              <a:buSzTx/>
+              <a:tabLst/>
+              <a:defRPr/>
+            </a:pPr>
+            <a:r>
+              <a:rPr lang="en-GB" sz="3600" b="1">
+                <a:solidFill>
+                  <a:srgbClr val="E7E6E6"/>
+                </a:solidFill>
+                <a:latin typeface="Lato" panose="020F0502020204030203"/>
+              </a:rPr>
+              <a:t>IV.	THIẾT KẾ CHỨC NĂNG </a:t>
+            </a:r>
+            <a:endParaRPr lang="en-GB" sz="3600" b="1" noProof="0">
+              <a:solidFill>
+                <a:srgbClr val="E7E6E6"/>
+              </a:solidFill>
+              <a:latin typeface="Lato" panose="020F0502020204030203"/>
+            </a:endParaRPr>
+          </a:p>
+        </p:txBody>
+      </p:sp>
+      <p:sp>
+        <p:nvSpPr>
+          <p:cNvPr id="7" name="Parallelogram 6">
+            <a:extLst>
+              <a:ext uri="{FF2B5EF4-FFF2-40B4-BE49-F238E27FC236}">
+                <a16:creationId xmlns:a16="http://schemas.microsoft.com/office/drawing/2014/main" id="{1FF5AB25-162F-4738-8E27-56C5A83CAA90}"/>
+              </a:ext>
+            </a:extLst>
+          </p:cNvPr>
+          <p:cNvSpPr/>
+          <p:nvPr/>
+        </p:nvSpPr>
+        <p:spPr>
+          <a:xfrm>
+            <a:off x="8086725" y="0"/>
+            <a:ext cx="2958758" cy="6858000"/>
+          </a:xfrm>
+          <a:prstGeom prst="parallelogram">
+            <a:avLst>
+              <a:gd name="adj" fmla="val 42065"/>
+            </a:avLst>
+          </a:prstGeom>
+          <a:solidFill>
+            <a:schemeClr val="accent5">
+              <a:alpha val="50000"/>
+            </a:schemeClr>
+          </a:solidFill>
+          <a:ln>
+            <a:noFill/>
+          </a:ln>
+        </p:spPr>
+        <p:style>
+          <a:lnRef idx="2">
+            <a:schemeClr val="accent1">
+              <a:shade val="50000"/>
+            </a:schemeClr>
+          </a:lnRef>
+          <a:fillRef idx="1">
+            <a:schemeClr val="accent1"/>
+          </a:fillRef>
+          <a:effectRef idx="0">
+            <a:schemeClr val="accent1"/>
+          </a:effectRef>
+          <a:fontRef idx="minor">
+            <a:schemeClr val="lt1"/>
+          </a:fontRef>
+        </p:style>
+        <p:txBody>
+          <a:bodyPr rtlCol="0" anchor="ctr"/>
+          <a:lstStyle/>
+          <a:p>
+            <a:pPr marL="0" marR="0" lvl="0" indent="0" algn="ctr" defTabSz="914400" rtl="0" eaLnBrk="1" fontAlgn="auto" latinLnBrk="0" hangingPunct="1">
+              <a:lnSpc>
+                <a:spcPct val="100000"/>
+              </a:lnSpc>
+              <a:spcBef>
+                <a:spcPts val="0"/>
+              </a:spcBef>
+              <a:spcAft>
+                <a:spcPts val="0"/>
+              </a:spcAft>
+              <a:buClrTx/>
+              <a:buSzTx/>
+              <a:buFontTx/>
+              <a:buNone/>
+              <a:tabLst/>
+              <a:defRPr/>
+            </a:pPr>
+            <a:endParaRPr kumimoji="0" lang="en-GB" sz="1800" b="0" i="0" u="none" strike="noStrike" kern="1200" cap="none" spc="0" normalizeH="0" baseline="0" noProof="0">
+              <a:ln>
+                <a:noFill/>
+              </a:ln>
+              <a:solidFill>
+                <a:prstClr val="white"/>
+              </a:solidFill>
+              <a:effectLst/>
+              <a:uLnTx/>
+              <a:uFillTx/>
+              <a:latin typeface="Calibri Light"/>
+              <a:ea typeface="+mn-ea"/>
+              <a:cs typeface="+mn-cs"/>
+            </a:endParaRPr>
+          </a:p>
+        </p:txBody>
+      </p:sp>
+    </p:spTree>
+    <p:extLst>
+      <p:ext uri="{BB962C8B-B14F-4D97-AF65-F5344CB8AC3E}">
+        <p14:creationId xmlns:p14="http://schemas.microsoft.com/office/powerpoint/2010/main" val="3631232201"/>
+      </p:ext>
+    </p:extLst>
+  </p:cSld>
+  <p:clrMapOvr>
+    <a:masterClrMapping/>
+  </p:clrMapOvr>
+  <mc:AlternateContent xmlns:mc="http://schemas.openxmlformats.org/markup-compatibility/2006">
+    <mc:Choice xmlns:p14="http://schemas.microsoft.com/office/powerpoint/2010/main" Requires="p14">
+      <p:transition spd="med" p14:dur="700">
+        <p:fade/>
+      </p:transition>
+    </mc:Choice>
+    <mc:Fallback>
+      <p:transition spd="med">
+        <p:fade/>
+      </p:transition>
+    </mc:Fallback>
+  </mc:AlternateContent>
+  <p:timing>
+    <p:tnLst>
+      <p:par>
+        <p:cTn id="1" dur="indefinite" restart="never" nodeType="tmRoot">
+          <p:childTnLst>
+            <p:seq concurrent="1" nextAc="seek">
+              <p:cTn id="2" dur="indefinite" nodeType="mainSeq">
+                <p:childTnLst>
+                  <p:par>
+                    <p:cTn id="3" fill="hold">
+                      <p:stCondLst>
+                        <p:cond delay="indefinite"/>
+                        <p:cond evt="onBegin" delay="0">
+                          <p:tn val="2"/>
+                        </p:cond>
+                      </p:stCondLst>
+                      <p:childTnLst>
+                        <p:par>
+                          <p:cTn id="4" fill="hold">
+                            <p:stCondLst>
+                              <p:cond delay="0"/>
+                            </p:stCondLst>
+                            <p:childTnLst>
+                              <p:par>
+                                <p:cTn id="5" presetID="2" presetClass="entr" presetSubtype="8" fill="hold" grpId="0" nodeType="afterEffect">
+                                  <p:stCondLst>
+                                    <p:cond delay="0"/>
+                                  </p:stCondLst>
+                                  <p:childTnLst>
+                                    <p:set>
+                                      <p:cBhvr>
+                                        <p:cTn id="6" dur="1" fill="hold">
+                                          <p:stCondLst>
+                                            <p:cond delay="0"/>
+                                          </p:stCondLst>
+                                        </p:cTn>
+                                        <p:tgtEl>
+                                          <p:spTgt spid="5"/>
+                                        </p:tgtEl>
+                                        <p:attrNameLst>
+                                          <p:attrName>style.visibility</p:attrName>
+                                        </p:attrNameLst>
+                                      </p:cBhvr>
+                                      <p:to>
+                                        <p:strVal val="visible"/>
+                                      </p:to>
+                                    </p:set>
+                                    <p:anim calcmode="lin" valueType="num">
+                                      <p:cBhvr additive="base">
+                                        <p:cTn id="7" dur="500" fill="hold"/>
+                                        <p:tgtEl>
+                                          <p:spTgt spid="5"/>
+                                        </p:tgtEl>
+                                        <p:attrNameLst>
+                                          <p:attrName>ppt_x</p:attrName>
+                                        </p:attrNameLst>
+                                      </p:cBhvr>
+                                      <p:tavLst>
+                                        <p:tav tm="0">
+                                          <p:val>
+                                            <p:strVal val="0-#ppt_w/2"/>
+                                          </p:val>
+                                        </p:tav>
+                                        <p:tav tm="100000">
+                                          <p:val>
+                                            <p:strVal val="#ppt_x"/>
+                                          </p:val>
+                                        </p:tav>
+                                      </p:tavLst>
+                                    </p:anim>
+                                    <p:anim calcmode="lin" valueType="num">
+                                      <p:cBhvr additive="base">
+                                        <p:cTn id="8" dur="500" fill="hold"/>
+                                        <p:tgtEl>
+                                          <p:spTgt spid="5"/>
+                                        </p:tgtEl>
+                                        <p:attrNameLst>
+                                          <p:attrName>ppt_y</p:attrName>
+                                        </p:attrNameLst>
+                                      </p:cBhvr>
+                                      <p:tavLst>
+                                        <p:tav tm="0">
+                                          <p:val>
+                                            <p:strVal val="#ppt_y"/>
+                                          </p:val>
+                                        </p:tav>
+                                        <p:tav tm="100000">
+                                          <p:val>
+                                            <p:strVal val="#ppt_y"/>
+                                          </p:val>
+                                        </p:tav>
+                                      </p:tavLst>
+                                    </p:anim>
+                                  </p:childTnLst>
+                                </p:cTn>
+                              </p:par>
+                            </p:childTnLst>
+                          </p:cTn>
+                        </p:par>
+                        <p:par>
+                          <p:cTn id="9" fill="hold">
+                            <p:stCondLst>
+                              <p:cond delay="500"/>
+                            </p:stCondLst>
+                            <p:childTnLst>
+                              <p:par>
+                                <p:cTn id="10" presetID="2" presetClass="entr" presetSubtype="8" fill="hold" grpId="0" nodeType="afterEffect">
+                                  <p:stCondLst>
+                                    <p:cond delay="0"/>
+                                  </p:stCondLst>
+                                  <p:childTnLst>
+                                    <p:set>
+                                      <p:cBhvr>
+                                        <p:cTn id="11" dur="1" fill="hold">
+                                          <p:stCondLst>
+                                            <p:cond delay="0"/>
+                                          </p:stCondLst>
+                                        </p:cTn>
+                                        <p:tgtEl>
+                                          <p:spTgt spid="6"/>
+                                        </p:tgtEl>
+                                        <p:attrNameLst>
+                                          <p:attrName>style.visibility</p:attrName>
+                                        </p:attrNameLst>
+                                      </p:cBhvr>
+                                      <p:to>
+                                        <p:strVal val="visible"/>
+                                      </p:to>
+                                    </p:set>
+                                    <p:anim calcmode="lin" valueType="num">
+                                      <p:cBhvr additive="base">
+                                        <p:cTn id="12" dur="500" fill="hold"/>
+                                        <p:tgtEl>
+                                          <p:spTgt spid="6"/>
+                                        </p:tgtEl>
+                                        <p:attrNameLst>
+                                          <p:attrName>ppt_x</p:attrName>
+                                        </p:attrNameLst>
+                                      </p:cBhvr>
+                                      <p:tavLst>
+                                        <p:tav tm="0">
+                                          <p:val>
+                                            <p:strVal val="0-#ppt_w/2"/>
+                                          </p:val>
+                                        </p:tav>
+                                        <p:tav tm="100000">
+                                          <p:val>
+                                            <p:strVal val="#ppt_x"/>
+                                          </p:val>
+                                        </p:tav>
+                                      </p:tavLst>
+                                    </p:anim>
+                                    <p:anim calcmode="lin" valueType="num">
+                                      <p:cBhvr additive="base">
+                                        <p:cTn id="13" dur="500" fill="hold"/>
+                                        <p:tgtEl>
+                                          <p:spTgt spid="6"/>
+                                        </p:tgtEl>
+                                        <p:attrNameLst>
+                                          <p:attrName>ppt_y</p:attrName>
+                                        </p:attrNameLst>
+                                      </p:cBhvr>
+                                      <p:tavLst>
+                                        <p:tav tm="0">
+                                          <p:val>
+                                            <p:strVal val="#ppt_y"/>
+                                          </p:val>
+                                        </p:tav>
+                                        <p:tav tm="100000">
+                                          <p:val>
+                                            <p:strVal val="#ppt_y"/>
+                                          </p:val>
+                                        </p:tav>
+                                      </p:tavLst>
+                                    </p:anim>
+                                  </p:childTnLst>
+                                </p:cTn>
+                              </p:par>
+                            </p:childTnLst>
+                          </p:cTn>
+                        </p:par>
+                      </p:childTnLst>
+                    </p:cTn>
+                  </p:par>
+                </p:childTnLst>
+              </p:cTn>
+              <p:prevCondLst>
+                <p:cond evt="onPrev" delay="0">
+                  <p:tgtEl>
+                    <p:sldTgt/>
+                  </p:tgtEl>
+                </p:cond>
+              </p:prevCondLst>
+              <p:nextCondLst>
+                <p:cond evt="onNext" delay="0">
+                  <p:tgtEl>
+                    <p:sldTgt/>
+                  </p:tgtEl>
+                </p:cond>
+              </p:nextCondLst>
+            </p:seq>
+          </p:childTnLst>
+        </p:cTn>
+      </p:par>
+    </p:tnLst>
+    <p:bldLst>
+      <p:bldP spid="5" grpId="0" animBg="1"/>
+      <p:bldP spid="6" grpId="0"/>
+    </p:bldLst>
+  </p:timing>
+</p:sld>
+</file>
+
+<file path=ppt/slides/slide19.xml><?xml version="1.0" encoding="utf-8"?>
 <p:sld xmlns:a="http://schemas.openxmlformats.org/drawingml/2006/main" xmlns:r="http://schemas.openxmlformats.org/officeDocument/2006/relationships" xmlns:p="http://schemas.openxmlformats.org/presentationml/2006/main">
   <p:cSld>
     <p:spTree>
@@ -22576,6 +26388,44 @@
           </a:p>
         </p:txBody>
       </p:sp>
+      <p:sp>
+        <p:nvSpPr>
+          <p:cNvPr id="19" name="Rectangle 18">
+            <a:extLst>
+              <a:ext uri="{FF2B5EF4-FFF2-40B4-BE49-F238E27FC236}">
+                <a16:creationId xmlns:a16="http://schemas.microsoft.com/office/drawing/2014/main" id="{8404D145-FD22-4DA0-A350-D4A7F64940BC}"/>
+              </a:ext>
+            </a:extLst>
+          </p:cNvPr>
+          <p:cNvSpPr/>
+          <p:nvPr/>
+        </p:nvSpPr>
+        <p:spPr>
+          <a:xfrm>
+            <a:off x="435212" y="1109979"/>
+            <a:ext cx="1222182" cy="461665"/>
+          </a:xfrm>
+          <a:prstGeom prst="rect">
+            <a:avLst/>
+          </a:prstGeom>
+        </p:spPr>
+        <p:txBody>
+          <a:bodyPr wrap="square">
+            <a:spAutoFit/>
+          </a:bodyPr>
+          <a:lstStyle/>
+          <a:p>
+            <a:r>
+              <a:rPr lang="en-GB" sz="2400">
+                <a:solidFill>
+                  <a:schemeClr val="bg2"/>
+                </a:solidFill>
+              </a:rPr>
+              <a:t>Vấn đề:</a:t>
+            </a:r>
+          </a:p>
+        </p:txBody>
+      </p:sp>
     </p:spTree>
     <p:extLst>
       <p:ext uri="{BB962C8B-B14F-4D97-AF65-F5344CB8AC3E}">
@@ -26542,13 +30392,13 @@
   <p:clrMapOvr>
     <a:masterClrMapping/>
   </p:clrMapOvr>
-  <mc:AlternateContent xmlns:mc="http://schemas.openxmlformats.org/markup-compatibility/2006">
-    <mc:Choice xmlns:p14="http://schemas.microsoft.com/office/powerpoint/2010/main" Requires="p14">
+  <mc:AlternateContent xmlns:mc="http://schemas.openxmlformats.org/markup-compatibility/2006" xmlns:p14="http://schemas.microsoft.com/office/powerpoint/2010/main">
+    <mc:Choice Requires="p14">
       <p:transition spd="med" p14:dur="700">
         <p:fade/>
       </p:transition>
     </mc:Choice>
-    <mc:Fallback>
+    <mc:Fallback xmlns="">
       <p:transition spd="med">
         <p:fade/>
       </p:transition>
@@ -26897,13 +30747,13 @@
   <p:clrMapOvr>
     <a:masterClrMapping/>
   </p:clrMapOvr>
-  <mc:AlternateContent xmlns:mc="http://schemas.openxmlformats.org/markup-compatibility/2006">
-    <mc:Choice xmlns:p14="http://schemas.microsoft.com/office/powerpoint/2010/main" Requires="p14">
+  <mc:AlternateContent xmlns:mc="http://schemas.openxmlformats.org/markup-compatibility/2006" xmlns:p14="http://schemas.microsoft.com/office/powerpoint/2010/main">
+    <mc:Choice Requires="p14">
       <p:transition spd="med" p14:dur="700">
         <p:fade/>
       </p:transition>
     </mc:Choice>
-    <mc:Fallback>
+    <mc:Fallback xmlns="">
       <p:transition spd="med">
         <p:fade/>
       </p:transition>
@@ -27572,13 +31422,13 @@
   <p:clrMapOvr>
     <a:masterClrMapping/>
   </p:clrMapOvr>
-  <mc:AlternateContent xmlns:mc="http://schemas.openxmlformats.org/markup-compatibility/2006">
-    <mc:Choice xmlns:p14="http://schemas.microsoft.com/office/powerpoint/2010/main" Requires="p14">
+  <mc:AlternateContent xmlns:mc="http://schemas.openxmlformats.org/markup-compatibility/2006" xmlns:p14="http://schemas.microsoft.com/office/powerpoint/2010/main">
+    <mc:Choice Requires="p14">
       <p:transition spd="med" p14:dur="700">
         <p:fade/>
       </p:transition>
     </mc:Choice>
-    <mc:Fallback>
+    <mc:Fallback xmlns="">
       <p:transition spd="med">
         <p:fade/>
       </p:transition>

--- a/documents/implementations/slide.pptx
+++ b/documents/implementations/slide.pptx
@@ -6,10 +6,10 @@
     <p:sldMasterId id="2147483660" r:id="rId2"/>
   </p:sldMasterIdLst>
   <p:notesMasterIdLst>
-    <p:notesMasterId r:id="rId22"/>
+    <p:notesMasterId r:id="rId31"/>
   </p:notesMasterIdLst>
   <p:handoutMasterIdLst>
-    <p:handoutMasterId r:id="rId23"/>
+    <p:handoutMasterId r:id="rId32"/>
   </p:handoutMasterIdLst>
   <p:sldIdLst>
     <p:sldId id="643" r:id="rId3"/>
@@ -30,7 +30,16 @@
     <p:sldId id="657" r:id="rId18"/>
     <p:sldId id="658" r:id="rId19"/>
     <p:sldId id="659" r:id="rId20"/>
-    <p:sldId id="375" r:id="rId21"/>
+    <p:sldId id="660" r:id="rId21"/>
+    <p:sldId id="661" r:id="rId22"/>
+    <p:sldId id="662" r:id="rId23"/>
+    <p:sldId id="663" r:id="rId24"/>
+    <p:sldId id="664" r:id="rId25"/>
+    <p:sldId id="665" r:id="rId26"/>
+    <p:sldId id="666" r:id="rId27"/>
+    <p:sldId id="667" r:id="rId28"/>
+    <p:sldId id="668" r:id="rId29"/>
+    <p:sldId id="669" r:id="rId30"/>
   </p:sldIdLst>
   <p:sldSz cx="12192000" cy="6858000"/>
   <p:notesSz cx="6858000" cy="9144000"/>
@@ -238,7 +247,7 @@
           <a:p>
             <a:fld id="{B2C7E6CC-5E4C-41B2-A18A-C409A4EF0C6D}" type="datetimeFigureOut">
               <a:rPr lang="en-GB" smtClean="0"/>
-              <a:t>10/07/2021</a:t>
+              <a:t>21/07/2021</a:t>
             </a:fld>
             <a:endParaRPr lang="en-GB"/>
           </a:p>
@@ -403,7 +412,7 @@
           <a:p>
             <a:fld id="{E55DBDE7-167E-4028-A642-6B042A3B7493}" type="datetimeFigureOut">
               <a:rPr lang="en-GB" smtClean="0"/>
-              <a:t>10/07/2021</a:t>
+              <a:t>21/07/2021</a:t>
             </a:fld>
             <a:endParaRPr lang="en-GB"/>
           </a:p>
@@ -802,7 +811,7 @@
           <a:p>
             <a:fld id="{0D3A64B9-43C6-4740-9233-25FE31C93551}" type="datetime1">
               <a:rPr lang="en-GB" smtClean="0"/>
-              <a:t>10/07/2021</a:t>
+              <a:t>21/07/2021</a:t>
             </a:fld>
             <a:endParaRPr lang="en-GB"/>
           </a:p>
@@ -942,7 +951,7 @@
           <a:p>
             <a:fld id="{2991C76E-95A4-481C-B644-60C17165748C}" type="datetime1">
               <a:rPr lang="en-GB" smtClean="0"/>
-              <a:t>10/07/2021</a:t>
+              <a:t>21/07/2021</a:t>
             </a:fld>
             <a:endParaRPr lang="en-GB"/>
           </a:p>
@@ -1137,7 +1146,7 @@
           <a:p>
             <a:fld id="{DE9E49AE-0BAD-4977-890B-E9293724A2C9}" type="datetime1">
               <a:rPr lang="en-GB" smtClean="0"/>
-              <a:t>10/07/2021</a:t>
+              <a:t>21/07/2021</a:t>
             </a:fld>
             <a:endParaRPr lang="en-GB"/>
           </a:p>
@@ -2291,7 +2300,7 @@
           <a:p>
             <a:fld id="{0893F22B-7419-4E9E-BCAE-3AB991D34267}" type="datetime1">
               <a:rPr lang="en-GB" smtClean="0"/>
-              <a:t>10/07/2021</a:t>
+              <a:t>21/07/2021</a:t>
             </a:fld>
             <a:endParaRPr lang="en-GB"/>
           </a:p>
@@ -2750,7 +2759,7 @@
           <a:p>
             <a:fld id="{42C7AB29-8774-4541-AF25-26699B336B1B}" type="datetime1">
               <a:rPr lang="en-GB" smtClean="0"/>
-              <a:t>10/07/2021</a:t>
+              <a:t>21/07/2021</a:t>
             </a:fld>
             <a:endParaRPr lang="en-GB"/>
           </a:p>
@@ -2997,7 +3006,7 @@
           <a:p>
             <a:fld id="{51612E1E-7F9C-4990-86A0-C51623A594BB}" type="datetime1">
               <a:rPr lang="en-GB" smtClean="0"/>
-              <a:t>10/07/2021</a:t>
+              <a:t>21/07/2021</a:t>
             </a:fld>
             <a:endParaRPr lang="en-GB"/>
           </a:p>
@@ -4251,7 +4260,7 @@
           <a:p>
             <a:fld id="{C33BF2D8-D421-4A3E-B93F-18FE5B4B2913}" type="datetime1">
               <a:rPr lang="en-GB" smtClean="0"/>
-              <a:t>10/07/2021</a:t>
+              <a:t>21/07/2021</a:t>
             </a:fld>
             <a:endParaRPr lang="en-GB"/>
           </a:p>
@@ -4474,7 +4483,7 @@
           <a:p>
             <a:fld id="{93C39E0A-C4A0-4F06-A140-84534E6236ED}" type="datetime1">
               <a:rPr lang="en-GB" smtClean="0"/>
-              <a:t>10/07/2021</a:t>
+              <a:t>21/07/2021</a:t>
             </a:fld>
             <a:endParaRPr lang="en-GB"/>
           </a:p>
@@ -4671,7 +4680,7 @@
           <a:p>
             <a:fld id="{0C05F4B1-4D31-4E3A-ACB2-82E0718073DD}" type="datetime1">
               <a:rPr lang="en-GB" smtClean="0"/>
-              <a:t>10/07/2021</a:t>
+              <a:t>21/07/2021</a:t>
             </a:fld>
             <a:endParaRPr lang="en-GB"/>
           </a:p>
@@ -5730,7 +5739,7 @@
             </a:ln>
             <a:extLst>
               <a:ext uri="{91240B29-F687-4f45-9708-019B960494DF}">
-                <a14:hiddenLine xmlns:a14="http://schemas.microsoft.com/office/drawing/2010/main" xmlns="" w="9525">
+                <a14:hiddenLine xmlns="" xmlns:a14="http://schemas.microsoft.com/office/drawing/2010/main" w="9525">
                   <a:solidFill>
                     <a:srgbClr val="000000"/>
                   </a:solidFill>
@@ -6528,7 +6537,7 @@
               </a:ln>
               <a:extLst>
                 <a:ext uri="{91240B29-F687-4f45-9708-019B960494DF}">
-                  <a14:hiddenLine xmlns:a14="http://schemas.microsoft.com/office/drawing/2010/main" xmlns="" w="9525">
+                  <a14:hiddenLine xmlns="" xmlns:a14="http://schemas.microsoft.com/office/drawing/2010/main" w="9525">
                     <a:solidFill>
                       <a:srgbClr val="000000"/>
                     </a:solidFill>
@@ -6698,7 +6707,7 @@
               </a:ln>
               <a:extLst>
                 <a:ext uri="{91240B29-F687-4f45-9708-019B960494DF}">
-                  <a14:hiddenLine xmlns:a14="http://schemas.microsoft.com/office/drawing/2010/main" xmlns="" w="9525">
+                  <a14:hiddenLine xmlns="" xmlns:a14="http://schemas.microsoft.com/office/drawing/2010/main" w="9525">
                     <a:solidFill>
                       <a:srgbClr val="000000"/>
                     </a:solidFill>
@@ -7015,7 +7024,7 @@
               </a:ln>
               <a:extLst>
                 <a:ext uri="{91240B29-F687-4f45-9708-019B960494DF}">
-                  <a14:hiddenLine xmlns:a14="http://schemas.microsoft.com/office/drawing/2010/main" xmlns="" w="9525">
+                  <a14:hiddenLine xmlns="" xmlns:a14="http://schemas.microsoft.com/office/drawing/2010/main" w="9525">
                     <a:solidFill>
                       <a:srgbClr val="000000"/>
                     </a:solidFill>
@@ -7243,7 +7252,7 @@
               </a:ln>
               <a:extLst>
                 <a:ext uri="{91240B29-F687-4f45-9708-019B960494DF}">
-                  <a14:hiddenLine xmlns:a14="http://schemas.microsoft.com/office/drawing/2010/main" xmlns="" w="9525">
+                  <a14:hiddenLine xmlns="" xmlns:a14="http://schemas.microsoft.com/office/drawing/2010/main" w="9525">
                     <a:solidFill>
                       <a:srgbClr val="000000"/>
                     </a:solidFill>
@@ -7821,7 +7830,7 @@
               </a:ln>
               <a:extLst>
                 <a:ext uri="{91240B29-F687-4f45-9708-019B960494DF}">
-                  <a14:hiddenLine xmlns:a14="http://schemas.microsoft.com/office/drawing/2010/main" xmlns="" w="9525">
+                  <a14:hiddenLine xmlns="" xmlns:a14="http://schemas.microsoft.com/office/drawing/2010/main" w="9525">
                     <a:solidFill>
                       <a:srgbClr val="000000"/>
                     </a:solidFill>
@@ -8158,7 +8167,7 @@
               </a:ln>
               <a:extLst>
                 <a:ext uri="{91240B29-F687-4f45-9708-019B960494DF}">
-                  <a14:hiddenLine xmlns:a14="http://schemas.microsoft.com/office/drawing/2010/main" xmlns="" w="9525">
+                  <a14:hiddenLine xmlns="" xmlns:a14="http://schemas.microsoft.com/office/drawing/2010/main" w="9525">
                     <a:solidFill>
                       <a:srgbClr val="000000"/>
                     </a:solidFill>
@@ -9143,7 +9152,7 @@
             </a:ln>
             <a:extLst>
               <a:ext uri="{91240B29-F687-4f45-9708-019B960494DF}">
-                <a14:hiddenLine xmlns:a14="http://schemas.microsoft.com/office/drawing/2010/main" xmlns="" w="9525">
+                <a14:hiddenLine xmlns="" xmlns:a14="http://schemas.microsoft.com/office/drawing/2010/main" w="9525">
                   <a:solidFill>
                     <a:srgbClr val="000000"/>
                   </a:solidFill>
@@ -9473,7 +9482,7 @@
             </a:ln>
             <a:extLst>
               <a:ext uri="{91240B29-F687-4f45-9708-019B960494DF}">
-                <a14:hiddenLine xmlns:a14="http://schemas.microsoft.com/office/drawing/2010/main" xmlns="" w="9525">
+                <a14:hiddenLine xmlns="" xmlns:a14="http://schemas.microsoft.com/office/drawing/2010/main" w="9525">
                   <a:solidFill>
                     <a:srgbClr val="000000"/>
                   </a:solidFill>
@@ -9896,7 +9905,7 @@
             </a:ln>
             <a:extLst>
               <a:ext uri="{91240B29-F687-4f45-9708-019B960494DF}">
-                <a14:hiddenLine xmlns:a14="http://schemas.microsoft.com/office/drawing/2010/main" xmlns="" w="9525">
+                <a14:hiddenLine xmlns="" xmlns:a14="http://schemas.microsoft.com/office/drawing/2010/main" w="9525">
                   <a:solidFill>
                     <a:srgbClr val="000000"/>
                   </a:solidFill>
@@ -10121,7 +10130,7 @@
               </a:ln>
               <a:extLst>
                 <a:ext uri="{91240B29-F687-4f45-9708-019B960494DF}">
-                  <a14:hiddenLine xmlns:a14="http://schemas.microsoft.com/office/drawing/2010/main" xmlns="" w="9525">
+                  <a14:hiddenLine xmlns="" xmlns:a14="http://schemas.microsoft.com/office/drawing/2010/main" w="9525">
                     <a:solidFill>
                       <a:srgbClr val="000000"/>
                     </a:solidFill>
@@ -10172,7 +10181,7 @@
               </a:ln>
               <a:extLst>
                 <a:ext uri="{91240B29-F687-4f45-9708-019B960494DF}">
-                  <a14:hiddenLine xmlns:a14="http://schemas.microsoft.com/office/drawing/2010/main" xmlns="" w="9525">
+                  <a14:hiddenLine xmlns="" xmlns:a14="http://schemas.microsoft.com/office/drawing/2010/main" w="9525">
                     <a:solidFill>
                       <a:srgbClr val="000000"/>
                     </a:solidFill>
@@ -10468,7 +10477,7 @@
               </a:ln>
               <a:extLst>
                 <a:ext uri="{91240B29-F687-4f45-9708-019B960494DF}">
-                  <a14:hiddenLine xmlns:a14="http://schemas.microsoft.com/office/drawing/2010/main" xmlns="" w="9525">
+                  <a14:hiddenLine xmlns="" xmlns:a14="http://schemas.microsoft.com/office/drawing/2010/main" w="9525">
                     <a:solidFill>
                       <a:srgbClr val="000000"/>
                     </a:solidFill>
@@ -10570,7 +10579,7 @@
               </a:ln>
               <a:extLst>
                 <a:ext uri="{91240B29-F687-4f45-9708-019B960494DF}">
-                  <a14:hiddenLine xmlns:a14="http://schemas.microsoft.com/office/drawing/2010/main" xmlns="" w="9525">
+                  <a14:hiddenLine xmlns="" xmlns:a14="http://schemas.microsoft.com/office/drawing/2010/main" w="9525">
                     <a:solidFill>
                       <a:srgbClr val="000000"/>
                     </a:solidFill>
@@ -10908,7 +10917,7 @@
               </a:ln>
               <a:extLst>
                 <a:ext uri="{91240B29-F687-4f45-9708-019B960494DF}">
-                  <a14:hiddenLine xmlns:a14="http://schemas.microsoft.com/office/drawing/2010/main" xmlns="" w="9525">
+                  <a14:hiddenLine xmlns="" xmlns:a14="http://schemas.microsoft.com/office/drawing/2010/main" w="9525">
                     <a:solidFill>
                       <a:srgbClr val="000000"/>
                     </a:solidFill>
@@ -11289,7 +11298,7 @@
             </a:ln>
             <a:extLst>
               <a:ext uri="{91240B29-F687-4f45-9708-019B960494DF}">
-                <a14:hiddenLine xmlns:a14="http://schemas.microsoft.com/office/drawing/2010/main" xmlns="" w="9525">
+                <a14:hiddenLine xmlns="" xmlns:a14="http://schemas.microsoft.com/office/drawing/2010/main" w="9525">
                   <a:solidFill>
                     <a:srgbClr val="000000"/>
                   </a:solidFill>
@@ -11669,7 +11678,7 @@
             </a:ln>
             <a:extLst>
               <a:ext uri="{91240B29-F687-4f45-9708-019B960494DF}">
-                <a14:hiddenLine xmlns:a14="http://schemas.microsoft.com/office/drawing/2010/main" xmlns="" w="9525">
+                <a14:hiddenLine xmlns="" xmlns:a14="http://schemas.microsoft.com/office/drawing/2010/main" w="9525">
                   <a:solidFill>
                     <a:srgbClr val="000000"/>
                   </a:solidFill>
@@ -13376,7 +13385,7 @@
               </a:ln>
               <a:extLst>
                 <a:ext uri="{91240B29-F687-4f45-9708-019B960494DF}">
-                  <a14:hiddenLine xmlns:a14="http://schemas.microsoft.com/office/drawing/2010/main" xmlns="" w="9525">
+                  <a14:hiddenLine xmlns="" xmlns:a14="http://schemas.microsoft.com/office/drawing/2010/main" w="9525">
                     <a:solidFill>
                       <a:srgbClr val="000000"/>
                     </a:solidFill>
@@ -13606,7 +13615,7 @@
               </a:ln>
               <a:extLst>
                 <a:ext uri="{91240B29-F687-4f45-9708-019B960494DF}">
-                  <a14:hiddenLine xmlns:a14="http://schemas.microsoft.com/office/drawing/2010/main" xmlns="" w="9525">
+                  <a14:hiddenLine xmlns="" xmlns:a14="http://schemas.microsoft.com/office/drawing/2010/main" w="9525">
                     <a:solidFill>
                       <a:srgbClr val="000000"/>
                     </a:solidFill>
@@ -15709,7 +15718,7 @@
               <a:effectLst/>
               <a:extLst>
                 <a:ext uri="{91240B29-F687-4f45-9708-019B960494DF}">
-                  <a14:hiddenLine xmlns:a14="http://schemas.microsoft.com/office/drawing/2010/main" xmlns="" w="9525" cap="flat">
+                  <a14:hiddenLine xmlns="" xmlns:a14="http://schemas.microsoft.com/office/drawing/2010/main" w="9525" cap="flat">
                     <a:solidFill>
                       <a:srgbClr val="808080"/>
                     </a:solidFill>
@@ -15719,7 +15728,7 @@
                   </a14:hiddenLine>
                 </a:ext>
                 <a:ext uri="{AF507438-7753-43e0-B8FC-AC1667EBCBE1}">
-                  <a14:hiddenEffects xmlns:a14="http://schemas.microsoft.com/office/drawing/2010/main" xmlns="">
+                  <a14:hiddenEffects xmlns="" xmlns:a14="http://schemas.microsoft.com/office/drawing/2010/main">
                     <a:effectLst>
                       <a:outerShdw blurRad="63500" dist="38099" dir="2700000" algn="ctr" rotWithShape="0">
                         <a:srgbClr val="000000">
@@ -15847,7 +15856,7 @@
               <a:effectLst/>
               <a:extLst>
                 <a:ext uri="{91240B29-F687-4f45-9708-019B960494DF}">
-                  <a14:hiddenLine xmlns:a14="http://schemas.microsoft.com/office/drawing/2010/main" xmlns="" w="9525" cap="flat">
+                  <a14:hiddenLine xmlns="" xmlns:a14="http://schemas.microsoft.com/office/drawing/2010/main" w="9525" cap="flat">
                     <a:solidFill>
                       <a:srgbClr val="808080"/>
                     </a:solidFill>
@@ -15857,7 +15866,7 @@
                   </a14:hiddenLine>
                 </a:ext>
                 <a:ext uri="{AF507438-7753-43e0-B8FC-AC1667EBCBE1}">
-                  <a14:hiddenEffects xmlns:a14="http://schemas.microsoft.com/office/drawing/2010/main" xmlns="">
+                  <a14:hiddenEffects xmlns="" xmlns:a14="http://schemas.microsoft.com/office/drawing/2010/main">
                     <a:effectLst>
                       <a:outerShdw blurRad="63500" dist="38099" dir="2700000" algn="ctr" rotWithShape="0">
                         <a:srgbClr val="000000">
@@ -19393,13 +19402,13 @@
   <p:clrMapOvr>
     <a:masterClrMapping/>
   </p:clrMapOvr>
-  <mc:AlternateContent xmlns:mc="http://schemas.openxmlformats.org/markup-compatibility/2006">
-    <mc:Choice xmlns:p14="http://schemas.microsoft.com/office/powerpoint/2010/main" Requires="p14">
+  <mc:AlternateContent xmlns:mc="http://schemas.openxmlformats.org/markup-compatibility/2006" xmlns:p14="http://schemas.microsoft.com/office/powerpoint/2010/main">
+    <mc:Choice Requires="p14">
       <p:transition spd="med" p14:dur="700">
         <p:fade/>
       </p:transition>
     </mc:Choice>
-    <mc:Fallback>
+    <mc:Fallback xmlns="">
       <p:transition spd="med">
         <p:fade/>
       </p:transition>
@@ -20092,13 +20101,13 @@
   <p:clrMapOvr>
     <a:masterClrMapping/>
   </p:clrMapOvr>
-  <mc:AlternateContent xmlns:mc="http://schemas.openxmlformats.org/markup-compatibility/2006">
-    <mc:Choice xmlns:p14="http://schemas.microsoft.com/office/powerpoint/2010/main" Requires="p14">
+  <mc:AlternateContent xmlns:mc="http://schemas.openxmlformats.org/markup-compatibility/2006" xmlns:p14="http://schemas.microsoft.com/office/powerpoint/2010/main">
+    <mc:Choice Requires="p14">
       <p:transition spd="med" p14:dur="700">
         <p:fade/>
       </p:transition>
     </mc:Choice>
-    <mc:Fallback>
+    <mc:Fallback xmlns="">
       <p:transition spd="med">
         <p:fade/>
       </p:transition>
@@ -20679,13 +20688,13 @@
   <p:clrMapOvr>
     <a:masterClrMapping/>
   </p:clrMapOvr>
-  <mc:AlternateContent xmlns:mc="http://schemas.openxmlformats.org/markup-compatibility/2006">
-    <mc:Choice xmlns:p14="http://schemas.microsoft.com/office/powerpoint/2010/main" Requires="p14">
+  <mc:AlternateContent xmlns:mc="http://schemas.openxmlformats.org/markup-compatibility/2006" xmlns:p14="http://schemas.microsoft.com/office/powerpoint/2010/main">
+    <mc:Choice Requires="p14">
       <p:transition spd="med" p14:dur="700">
         <p:fade/>
       </p:transition>
     </mc:Choice>
-    <mc:Fallback>
+    <mc:Fallback xmlns="">
       <p:transition spd="med">
         <p:fade/>
       </p:transition>
@@ -21170,13 +21179,13 @@
   <p:clrMapOvr>
     <a:masterClrMapping/>
   </p:clrMapOvr>
-  <mc:AlternateContent xmlns:mc="http://schemas.openxmlformats.org/markup-compatibility/2006">
-    <mc:Choice xmlns:p14="http://schemas.microsoft.com/office/powerpoint/2010/main" Requires="p14">
+  <mc:AlternateContent xmlns:mc="http://schemas.openxmlformats.org/markup-compatibility/2006" xmlns:p14="http://schemas.microsoft.com/office/powerpoint/2010/main">
+    <mc:Choice Requires="p14">
       <p:transition spd="med" p14:dur="700">
         <p:fade/>
       </p:transition>
     </mc:Choice>
-    <mc:Fallback>
+    <mc:Fallback xmlns="">
       <p:transition spd="med">
         <p:fade/>
       </p:transition>
@@ -21857,13 +21866,13 @@
   <p:clrMapOvr>
     <a:masterClrMapping/>
   </p:clrMapOvr>
-  <mc:AlternateContent xmlns:mc="http://schemas.openxmlformats.org/markup-compatibility/2006">
-    <mc:Choice xmlns:p14="http://schemas.microsoft.com/office/powerpoint/2010/main" Requires="p14">
+  <mc:AlternateContent xmlns:mc="http://schemas.openxmlformats.org/markup-compatibility/2006" xmlns:p14="http://schemas.microsoft.com/office/powerpoint/2010/main">
+    <mc:Choice Requires="p14">
       <p:transition spd="med" p14:dur="700">
         <p:fade/>
       </p:transition>
     </mc:Choice>
-    <mc:Fallback>
+    <mc:Fallback xmlns="">
       <p:transition spd="med">
         <p:fade/>
       </p:transition>
@@ -22517,13 +22526,13 @@
   <p:clrMapOvr>
     <a:masterClrMapping/>
   </p:clrMapOvr>
-  <mc:AlternateContent xmlns:mc="http://schemas.openxmlformats.org/markup-compatibility/2006">
-    <mc:Choice xmlns:p14="http://schemas.microsoft.com/office/powerpoint/2010/main" Requires="p14">
+  <mc:AlternateContent xmlns:mc="http://schemas.openxmlformats.org/markup-compatibility/2006" xmlns:p14="http://schemas.microsoft.com/office/powerpoint/2010/main">
+    <mc:Choice Requires="p14">
       <p:transition spd="med" p14:dur="700">
         <p:fade/>
       </p:transition>
     </mc:Choice>
-    <mc:Fallback>
+    <mc:Fallback xmlns="">
       <p:transition spd="med">
         <p:fade/>
       </p:transition>
@@ -22761,7 +22770,7 @@
       </p:grpSpPr>
       <p:sp>
         <p:nvSpPr>
-          <p:cNvPr id="3" name="Rectangle 2"/>
+          <p:cNvPr id="8" name="Rectangle 7"/>
           <p:cNvSpPr/>
           <p:nvPr/>
         </p:nvSpPr>
@@ -22809,66 +22818,82 @@
       </p:sp>
       <p:sp>
         <p:nvSpPr>
-          <p:cNvPr id="4" name="TextBox 3"/>
+          <p:cNvPr id="9" name="Rectangle 8"/>
+          <p:cNvSpPr/>
+          <p:nvPr/>
+        </p:nvSpPr>
+        <p:spPr>
+          <a:xfrm>
+            <a:off x="0" y="329650"/>
+            <a:ext cx="12192000" cy="6172198"/>
+          </a:xfrm>
+          <a:prstGeom prst="rect">
+            <a:avLst/>
+          </a:prstGeom>
+          <a:solidFill>
+            <a:schemeClr val="accent1">
+              <a:lumMod val="50000"/>
+              <a:alpha val="70000"/>
+            </a:schemeClr>
+          </a:solidFill>
+          <a:ln>
+            <a:noFill/>
+          </a:ln>
+        </p:spPr>
+        <p:style>
+          <a:lnRef idx="2">
+            <a:schemeClr val="accent1">
+              <a:shade val="50000"/>
+            </a:schemeClr>
+          </a:lnRef>
+          <a:fillRef idx="1">
+            <a:schemeClr val="accent1"/>
+          </a:fillRef>
+          <a:effectRef idx="0">
+            <a:schemeClr val="accent1"/>
+          </a:effectRef>
+          <a:fontRef idx="minor">
+            <a:schemeClr val="lt1"/>
+          </a:fontRef>
+        </p:style>
+        <p:txBody>
+          <a:bodyPr rtlCol="0" anchor="ctr"/>
+          <a:lstStyle/>
+          <a:p>
+            <a:pPr algn="ctr"/>
+            <a:endParaRPr lang="en-GB"/>
+          </a:p>
+        </p:txBody>
+      </p:sp>
+      <p:sp>
+        <p:nvSpPr>
+          <p:cNvPr id="49" name="TextBox 48">
+            <a:extLst>
+              <a:ext uri="{FF2B5EF4-FFF2-40B4-BE49-F238E27FC236}">
+                <a16:creationId xmlns:a16="http://schemas.microsoft.com/office/drawing/2014/main" id="{EF4DB629-BA9A-4201-A455-B0458C585E1F}"/>
+              </a:ext>
+            </a:extLst>
+          </p:cNvPr>
           <p:cNvSpPr txBox="1"/>
           <p:nvPr/>
         </p:nvSpPr>
         <p:spPr>
           <a:xfrm>
-            <a:off x="1627084" y="2643777"/>
-            <a:ext cx="8937832" cy="923330"/>
+            <a:off x="410964" y="342900"/>
+            <a:ext cx="8878809" cy="523220"/>
           </a:xfrm>
           <a:prstGeom prst="rect">
             <a:avLst/>
           </a:prstGeom>
           <a:noFill/>
+          <a:ln>
+            <a:solidFill>
+              <a:srgbClr val="163755"/>
+            </a:solidFill>
+          </a:ln>
         </p:spPr>
         <p:txBody>
-          <a:bodyPr wrap="none" rtlCol="0">
-            <a:spAutoFit/>
-          </a:bodyPr>
-          <a:lstStyle/>
-          <a:p>
-            <a:pPr algn="ctr"/>
-            <a:r>
-              <a:rPr lang="en-US" sz="5400" b="1">
-                <a:solidFill>
-                  <a:schemeClr val="bg2"/>
-                </a:solidFill>
-                <a:latin typeface="+mj-lt"/>
-              </a:rPr>
-              <a:t>THANKS YOU </a:t>
-            </a:r>
-            <a:r>
-              <a:rPr lang="en-US" sz="5400" b="1">
-                <a:solidFill>
-                  <a:schemeClr val="accent2"/>
-                </a:solidFill>
-                <a:latin typeface="+mj-lt"/>
-              </a:rPr>
-              <a:t>FOR WATCHING</a:t>
-            </a:r>
-          </a:p>
-        </p:txBody>
-      </p:sp>
-      <p:sp>
-        <p:nvSpPr>
-          <p:cNvPr id="5" name="TextBox 4"/>
-          <p:cNvSpPr txBox="1"/>
-          <p:nvPr/>
-        </p:nvSpPr>
-        <p:spPr>
-          <a:xfrm>
-            <a:off x="4748835" y="3446584"/>
-            <a:ext cx="2694327" cy="523220"/>
-          </a:xfrm>
-          <a:prstGeom prst="rect">
-            <a:avLst/>
-          </a:prstGeom>
-          <a:noFill/>
-        </p:spPr>
-        <p:txBody>
-          <a:bodyPr wrap="none" rtlCol="0">
+          <a:bodyPr wrap="square" rtlCol="0">
             <a:spAutoFit/>
           </a:bodyPr>
           <a:lstStyle/>
@@ -22876,41 +22901,573 @@
             <a:r>
               <a:rPr lang="en-US" sz="2800">
                 <a:solidFill>
-                  <a:schemeClr val="bg2"/>
+                  <a:schemeClr val="bg1"/>
                 </a:solidFill>
+                <a:latin typeface="Lato" panose="020F0502020204030203" pitchFamily="34" charset="0"/>
               </a:rPr>
-              <a:t>HAVE A NICE DAY</a:t>
+              <a:t>1. Quản lý ứng dụng</a:t>
             </a:r>
             <a:endParaRPr lang="en-GB" sz="2800">
               <a:solidFill>
-                <a:schemeClr val="bg2"/>
+                <a:schemeClr val="bg1"/>
+              </a:solidFill>
+              <a:latin typeface="Lato" panose="020F0502020204030203" pitchFamily="34" charset="0"/>
+            </a:endParaRPr>
+          </a:p>
+        </p:txBody>
+      </p:sp>
+      <p:cxnSp>
+        <p:nvCxnSpPr>
+          <p:cNvPr id="4" name="Straight Connector 3">
+            <a:extLst>
+              <a:ext uri="{FF2B5EF4-FFF2-40B4-BE49-F238E27FC236}">
+                <a16:creationId xmlns:a16="http://schemas.microsoft.com/office/drawing/2014/main" id="{76AC370D-754E-45CF-B5E9-44869AF3FC5C}"/>
+              </a:ext>
+            </a:extLst>
+          </p:cNvPr>
+          <p:cNvCxnSpPr/>
+          <p:nvPr/>
+        </p:nvCxnSpPr>
+        <p:spPr>
+          <a:xfrm>
+            <a:off x="410965" y="866120"/>
+            <a:ext cx="11159849" cy="0"/>
+          </a:xfrm>
+          <a:prstGeom prst="line">
+            <a:avLst/>
+          </a:prstGeom>
+        </p:spPr>
+        <p:style>
+          <a:lnRef idx="1">
+            <a:schemeClr val="accent1"/>
+          </a:lnRef>
+          <a:fillRef idx="0">
+            <a:schemeClr val="accent1"/>
+          </a:fillRef>
+          <a:effectRef idx="0">
+            <a:schemeClr val="accent1"/>
+          </a:effectRef>
+          <a:fontRef idx="minor">
+            <a:schemeClr val="tx1"/>
+          </a:fontRef>
+        </p:style>
+      </p:cxnSp>
+      <p:sp>
+        <p:nvSpPr>
+          <p:cNvPr id="7" name="Rectangle 6">
+            <a:extLst>
+              <a:ext uri="{FF2B5EF4-FFF2-40B4-BE49-F238E27FC236}">
+                <a16:creationId xmlns:a16="http://schemas.microsoft.com/office/drawing/2014/main" id="{5078B5CA-F84A-40A2-BE71-8BAB249CEBD5}"/>
+              </a:ext>
+            </a:extLst>
+          </p:cNvPr>
+          <p:cNvSpPr/>
+          <p:nvPr/>
+        </p:nvSpPr>
+        <p:spPr>
+          <a:xfrm>
+            <a:off x="410964" y="973841"/>
+            <a:ext cx="4386322" cy="461665"/>
+          </a:xfrm>
+          <a:prstGeom prst="rect">
+            <a:avLst/>
+          </a:prstGeom>
+        </p:spPr>
+        <p:txBody>
+          <a:bodyPr wrap="square">
+            <a:spAutoFit/>
+          </a:bodyPr>
+          <a:lstStyle/>
+          <a:p>
+            <a:pPr indent="457200"/>
+            <a:endParaRPr lang="en-GB" sz="2400">
+              <a:solidFill>
+                <a:schemeClr val="bg1"/>
               </a:solidFill>
             </a:endParaRPr>
+          </a:p>
+        </p:txBody>
+      </p:sp>
+      <p:sp>
+        <p:nvSpPr>
+          <p:cNvPr id="11" name="Rectangle 10">
+            <a:extLst>
+              <a:ext uri="{FF2B5EF4-FFF2-40B4-BE49-F238E27FC236}">
+                <a16:creationId xmlns:a16="http://schemas.microsoft.com/office/drawing/2014/main" id="{7411345E-C26A-4C86-AA1F-ED336CC6547E}"/>
+              </a:ext>
+            </a:extLst>
+          </p:cNvPr>
+          <p:cNvSpPr/>
+          <p:nvPr/>
+        </p:nvSpPr>
+        <p:spPr>
+          <a:xfrm>
+            <a:off x="740457" y="4153638"/>
+            <a:ext cx="3646014" cy="461665"/>
+          </a:xfrm>
+          <a:prstGeom prst="rect">
+            <a:avLst/>
+          </a:prstGeom>
+        </p:spPr>
+        <p:txBody>
+          <a:bodyPr wrap="square">
+            <a:spAutoFit/>
+          </a:bodyPr>
+          <a:lstStyle/>
+          <a:p>
+            <a:pPr indent="457200"/>
+            <a:endParaRPr lang="en-GB" sz="2400"/>
+          </a:p>
+        </p:txBody>
+      </p:sp>
+      <p:pic>
+        <p:nvPicPr>
+          <p:cNvPr id="3" name="Picture 2">
+            <a:extLst>
+              <a:ext uri="{FF2B5EF4-FFF2-40B4-BE49-F238E27FC236}">
+                <a16:creationId xmlns:a16="http://schemas.microsoft.com/office/drawing/2014/main" id="{F25389F6-D152-448D-B834-6EA91A4A5084}"/>
+              </a:ext>
+            </a:extLst>
+          </p:cNvPr>
+          <p:cNvPicPr>
+            <a:picLocks noChangeAspect="1"/>
+          </p:cNvPicPr>
+          <p:nvPr/>
+        </p:nvPicPr>
+        <p:blipFill>
+          <a:blip r:embed="rId2">
+            <a:extLst>
+              <a:ext uri="{28A0092B-C50C-407E-A947-70E740481C1C}">
+                <a14:useLocalDpi xmlns:a14="http://schemas.microsoft.com/office/drawing/2010/main" val="0"/>
+              </a:ext>
+            </a:extLst>
+          </a:blip>
+          <a:stretch>
+            <a:fillRect/>
+          </a:stretch>
+        </p:blipFill>
+        <p:spPr>
+          <a:xfrm>
+            <a:off x="410964" y="1435506"/>
+            <a:ext cx="11159849" cy="3091869"/>
+          </a:xfrm>
+          <a:prstGeom prst="rect">
+            <a:avLst/>
+          </a:prstGeom>
+        </p:spPr>
+      </p:pic>
+      <p:sp>
+        <p:nvSpPr>
+          <p:cNvPr id="16" name="Rectangle 15">
+            <a:extLst>
+              <a:ext uri="{FF2B5EF4-FFF2-40B4-BE49-F238E27FC236}">
+                <a16:creationId xmlns:a16="http://schemas.microsoft.com/office/drawing/2014/main" id="{12EF737A-15CC-45B7-AB68-0C3373DCBB25}"/>
+              </a:ext>
+            </a:extLst>
+          </p:cNvPr>
+          <p:cNvSpPr/>
+          <p:nvPr/>
+        </p:nvSpPr>
+        <p:spPr>
+          <a:xfrm>
+            <a:off x="410964" y="918597"/>
+            <a:ext cx="11159849" cy="461665"/>
+          </a:xfrm>
+          <a:prstGeom prst="rect">
+            <a:avLst/>
+          </a:prstGeom>
+        </p:spPr>
+        <p:txBody>
+          <a:bodyPr wrap="square">
+            <a:spAutoFit/>
+          </a:bodyPr>
+          <a:lstStyle/>
+          <a:p>
+            <a:pPr algn="just"/>
+            <a:r>
+              <a:rPr lang="en-GB" sz="2400">
+                <a:solidFill>
+                  <a:schemeClr val="bg1"/>
+                </a:solidFill>
+              </a:rPr>
+              <a:t>Giao diện màn hình quản lý ứng dụng</a:t>
+            </a:r>
+          </a:p>
+        </p:txBody>
+      </p:sp>
+      <p:sp>
+        <p:nvSpPr>
+          <p:cNvPr id="17" name="Rectangle 16">
+            <a:extLst>
+              <a:ext uri="{FF2B5EF4-FFF2-40B4-BE49-F238E27FC236}">
+                <a16:creationId xmlns:a16="http://schemas.microsoft.com/office/drawing/2014/main" id="{9788EE7D-C73C-47C1-A6F6-36C66E6693C8}"/>
+              </a:ext>
+            </a:extLst>
+          </p:cNvPr>
+          <p:cNvSpPr/>
+          <p:nvPr/>
+        </p:nvSpPr>
+        <p:spPr>
+          <a:xfrm>
+            <a:off x="410965" y="4621232"/>
+            <a:ext cx="9832966" cy="830997"/>
+          </a:xfrm>
+          <a:prstGeom prst="rect">
+            <a:avLst/>
+          </a:prstGeom>
+        </p:spPr>
+        <p:txBody>
+          <a:bodyPr wrap="square">
+            <a:spAutoFit/>
+          </a:bodyPr>
+          <a:lstStyle/>
+          <a:p>
+            <a:pPr algn="just"/>
+            <a:r>
+              <a:rPr lang="en-GB" sz="2400">
+                <a:solidFill>
+                  <a:schemeClr val="bg1"/>
+                </a:solidFill>
+              </a:rPr>
+              <a:t>Danh sách sự kiện: Hiển thị ban đầu, thay đổi điều kiện tìm kiếm, click nút Delete, click nút On, click nút Off.</a:t>
+            </a:r>
           </a:p>
         </p:txBody>
       </p:sp>
     </p:spTree>
     <p:extLst>
       <p:ext uri="{BB962C8B-B14F-4D97-AF65-F5344CB8AC3E}">
-        <p14:creationId xmlns:p14="http://schemas.microsoft.com/office/powerpoint/2010/main" val="2056539345"/>
+        <p14:creationId xmlns:p14="http://schemas.microsoft.com/office/powerpoint/2010/main" val="4086575581"/>
       </p:ext>
     </p:extLst>
   </p:cSld>
   <p:clrMapOvr>
     <a:masterClrMapping/>
   </p:clrMapOvr>
-  <mc:AlternateContent xmlns:mc="http://schemas.openxmlformats.org/markup-compatibility/2006" xmlns:p14="http://schemas.microsoft.com/office/powerpoint/2010/main">
-    <mc:Choice Requires="p14">
+  <mc:AlternateContent xmlns:mc="http://schemas.openxmlformats.org/markup-compatibility/2006">
+    <mc:Choice xmlns:p14="http://schemas.microsoft.com/office/powerpoint/2010/main" Requires="p14">
       <p:transition spd="med" p14:dur="700">
         <p:fade/>
       </p:transition>
     </mc:Choice>
-    <mc:Fallback xmlns="">
+    <mc:Fallback>
       <p:transition spd="med">
         <p:fade/>
       </p:transition>
     </mc:Fallback>
   </mc:AlternateContent>
+  <p:timing>
+    <p:tnLst>
+      <p:par>
+        <p:cTn id="1" dur="indefinite" restart="never" nodeType="tmRoot">
+          <p:childTnLst>
+            <p:seq concurrent="1" nextAc="seek">
+              <p:cTn id="2" dur="indefinite" nodeType="mainSeq">
+                <p:childTnLst>
+                  <p:par>
+                    <p:cTn id="3" fill="hold">
+                      <p:stCondLst>
+                        <p:cond delay="indefinite"/>
+                        <p:cond evt="onBegin" delay="0">
+                          <p:tn val="2"/>
+                        </p:cond>
+                      </p:stCondLst>
+                      <p:childTnLst>
+                        <p:par>
+                          <p:cTn id="4" fill="hold">
+                            <p:stCondLst>
+                              <p:cond delay="0"/>
+                            </p:stCondLst>
+                            <p:childTnLst>
+                              <p:par>
+                                <p:cTn id="5" presetID="10" presetClass="entr" presetSubtype="0" fill="hold" grpId="0" nodeType="afterEffect">
+                                  <p:stCondLst>
+                                    <p:cond delay="0"/>
+                                  </p:stCondLst>
+                                  <p:childTnLst>
+                                    <p:set>
+                                      <p:cBhvr>
+                                        <p:cTn id="6" dur="1" fill="hold">
+                                          <p:stCondLst>
+                                            <p:cond delay="0"/>
+                                          </p:stCondLst>
+                                        </p:cTn>
+                                        <p:tgtEl>
+                                          <p:spTgt spid="16"/>
+                                        </p:tgtEl>
+                                        <p:attrNameLst>
+                                          <p:attrName>style.visibility</p:attrName>
+                                        </p:attrNameLst>
+                                      </p:cBhvr>
+                                      <p:to>
+                                        <p:strVal val="visible"/>
+                                      </p:to>
+                                    </p:set>
+                                    <p:animEffect transition="in" filter="fade">
+                                      <p:cBhvr>
+                                        <p:cTn id="7" dur="500"/>
+                                        <p:tgtEl>
+                                          <p:spTgt spid="16"/>
+                                        </p:tgtEl>
+                                      </p:cBhvr>
+                                    </p:animEffect>
+                                  </p:childTnLst>
+                                </p:cTn>
+                              </p:par>
+                            </p:childTnLst>
+                          </p:cTn>
+                        </p:par>
+                        <p:par>
+                          <p:cTn id="8" fill="hold">
+                            <p:stCondLst>
+                              <p:cond delay="500"/>
+                            </p:stCondLst>
+                            <p:childTnLst>
+                              <p:par>
+                                <p:cTn id="9" presetID="10" presetClass="entr" presetSubtype="0" fill="hold" nodeType="afterEffect">
+                                  <p:stCondLst>
+                                    <p:cond delay="0"/>
+                                  </p:stCondLst>
+                                  <p:childTnLst>
+                                    <p:set>
+                                      <p:cBhvr>
+                                        <p:cTn id="10" dur="1" fill="hold">
+                                          <p:stCondLst>
+                                            <p:cond delay="0"/>
+                                          </p:stCondLst>
+                                        </p:cTn>
+                                        <p:tgtEl>
+                                          <p:spTgt spid="3"/>
+                                        </p:tgtEl>
+                                        <p:attrNameLst>
+                                          <p:attrName>style.visibility</p:attrName>
+                                        </p:attrNameLst>
+                                      </p:cBhvr>
+                                      <p:to>
+                                        <p:strVal val="visible"/>
+                                      </p:to>
+                                    </p:set>
+                                    <p:animEffect transition="in" filter="fade">
+                                      <p:cBhvr>
+                                        <p:cTn id="11" dur="500"/>
+                                        <p:tgtEl>
+                                          <p:spTgt spid="3"/>
+                                        </p:tgtEl>
+                                      </p:cBhvr>
+                                    </p:animEffect>
+                                  </p:childTnLst>
+                                </p:cTn>
+                              </p:par>
+                            </p:childTnLst>
+                          </p:cTn>
+                        </p:par>
+                        <p:par>
+                          <p:cTn id="12" fill="hold">
+                            <p:stCondLst>
+                              <p:cond delay="1000"/>
+                            </p:stCondLst>
+                            <p:childTnLst>
+                              <p:par>
+                                <p:cTn id="13" presetID="10" presetClass="entr" presetSubtype="0" fill="hold" grpId="0" nodeType="afterEffect">
+                                  <p:stCondLst>
+                                    <p:cond delay="0"/>
+                                  </p:stCondLst>
+                                  <p:childTnLst>
+                                    <p:set>
+                                      <p:cBhvr>
+                                        <p:cTn id="14" dur="1" fill="hold">
+                                          <p:stCondLst>
+                                            <p:cond delay="0"/>
+                                          </p:stCondLst>
+                                        </p:cTn>
+                                        <p:tgtEl>
+                                          <p:spTgt spid="17"/>
+                                        </p:tgtEl>
+                                        <p:attrNameLst>
+                                          <p:attrName>style.visibility</p:attrName>
+                                        </p:attrNameLst>
+                                      </p:cBhvr>
+                                      <p:to>
+                                        <p:strVal val="visible"/>
+                                      </p:to>
+                                    </p:set>
+                                    <p:animEffect transition="in" filter="fade">
+                                      <p:cBhvr>
+                                        <p:cTn id="15" dur="500"/>
+                                        <p:tgtEl>
+                                          <p:spTgt spid="17"/>
+                                        </p:tgtEl>
+                                      </p:cBhvr>
+                                    </p:animEffect>
+                                  </p:childTnLst>
+                                </p:cTn>
+                              </p:par>
+                            </p:childTnLst>
+                          </p:cTn>
+                        </p:par>
+                      </p:childTnLst>
+                    </p:cTn>
+                  </p:par>
+                  <p:par>
+                    <p:cTn id="16" fill="hold">
+                      <p:stCondLst>
+                        <p:cond delay="indefinite"/>
+                      </p:stCondLst>
+                      <p:childTnLst>
+                        <p:par>
+                          <p:cTn id="17" fill="hold">
+                            <p:stCondLst>
+                              <p:cond delay="0"/>
+                            </p:stCondLst>
+                            <p:childTnLst>
+                              <p:par>
+                                <p:cTn id="18" presetID="10" presetClass="exit" presetSubtype="0" fill="hold" grpId="1" nodeType="clickEffect">
+                                  <p:stCondLst>
+                                    <p:cond delay="0"/>
+                                  </p:stCondLst>
+                                  <p:childTnLst>
+                                    <p:animEffect transition="out" filter="fade">
+                                      <p:cBhvr>
+                                        <p:cTn id="19" dur="500"/>
+                                        <p:tgtEl>
+                                          <p:spTgt spid="16"/>
+                                        </p:tgtEl>
+                                      </p:cBhvr>
+                                    </p:animEffect>
+                                    <p:set>
+                                      <p:cBhvr>
+                                        <p:cTn id="20" dur="1" fill="hold">
+                                          <p:stCondLst>
+                                            <p:cond delay="499"/>
+                                          </p:stCondLst>
+                                        </p:cTn>
+                                        <p:tgtEl>
+                                          <p:spTgt spid="16"/>
+                                        </p:tgtEl>
+                                        <p:attrNameLst>
+                                          <p:attrName>style.visibility</p:attrName>
+                                        </p:attrNameLst>
+                                      </p:cBhvr>
+                                      <p:to>
+                                        <p:strVal val="hidden"/>
+                                      </p:to>
+                                    </p:set>
+                                  </p:childTnLst>
+                                </p:cTn>
+                              </p:par>
+                              <p:par>
+                                <p:cTn id="21" presetID="10" presetClass="exit" presetSubtype="0" fill="hold" nodeType="withEffect">
+                                  <p:stCondLst>
+                                    <p:cond delay="0"/>
+                                  </p:stCondLst>
+                                  <p:childTnLst>
+                                    <p:animEffect transition="out" filter="fade">
+                                      <p:cBhvr>
+                                        <p:cTn id="22" dur="500"/>
+                                        <p:tgtEl>
+                                          <p:spTgt spid="3"/>
+                                        </p:tgtEl>
+                                      </p:cBhvr>
+                                    </p:animEffect>
+                                    <p:set>
+                                      <p:cBhvr>
+                                        <p:cTn id="23" dur="1" fill="hold">
+                                          <p:stCondLst>
+                                            <p:cond delay="499"/>
+                                          </p:stCondLst>
+                                        </p:cTn>
+                                        <p:tgtEl>
+                                          <p:spTgt spid="3"/>
+                                        </p:tgtEl>
+                                        <p:attrNameLst>
+                                          <p:attrName>style.visibility</p:attrName>
+                                        </p:attrNameLst>
+                                      </p:cBhvr>
+                                      <p:to>
+                                        <p:strVal val="hidden"/>
+                                      </p:to>
+                                    </p:set>
+                                  </p:childTnLst>
+                                </p:cTn>
+                              </p:par>
+                            </p:childTnLst>
+                          </p:cTn>
+                        </p:par>
+                        <p:par>
+                          <p:cTn id="24" fill="hold">
+                            <p:stCondLst>
+                              <p:cond delay="500"/>
+                            </p:stCondLst>
+                            <p:childTnLst>
+                              <p:par>
+                                <p:cTn id="25" presetID="10" presetClass="exit" presetSubtype="0" fill="hold" grpId="1" nodeType="afterEffect">
+                                  <p:stCondLst>
+                                    <p:cond delay="0"/>
+                                  </p:stCondLst>
+                                  <p:childTnLst>
+                                    <p:animEffect transition="out" filter="fade">
+                                      <p:cBhvr>
+                                        <p:cTn id="26" dur="500"/>
+                                        <p:tgtEl>
+                                          <p:spTgt spid="17"/>
+                                        </p:tgtEl>
+                                      </p:cBhvr>
+                                    </p:animEffect>
+                                    <p:set>
+                                      <p:cBhvr>
+                                        <p:cTn id="27" dur="1" fill="hold">
+                                          <p:stCondLst>
+                                            <p:cond delay="499"/>
+                                          </p:stCondLst>
+                                        </p:cTn>
+                                        <p:tgtEl>
+                                          <p:spTgt spid="17"/>
+                                        </p:tgtEl>
+                                        <p:attrNameLst>
+                                          <p:attrName>style.visibility</p:attrName>
+                                        </p:attrNameLst>
+                                      </p:cBhvr>
+                                      <p:to>
+                                        <p:strVal val="hidden"/>
+                                      </p:to>
+                                    </p:set>
+                                  </p:childTnLst>
+                                </p:cTn>
+                              </p:par>
+                            </p:childTnLst>
+                          </p:cTn>
+                        </p:par>
+                      </p:childTnLst>
+                    </p:cTn>
+                  </p:par>
+                </p:childTnLst>
+              </p:cTn>
+              <p:prevCondLst>
+                <p:cond evt="onPrev" delay="0">
+                  <p:tgtEl>
+                    <p:sldTgt/>
+                  </p:tgtEl>
+                </p:cond>
+              </p:prevCondLst>
+              <p:nextCondLst>
+                <p:cond evt="onNext" delay="0">
+                  <p:tgtEl>
+                    <p:sldTgt/>
+                  </p:tgtEl>
+                </p:cond>
+              </p:nextCondLst>
+            </p:seq>
+          </p:childTnLst>
+        </p:cTn>
+      </p:par>
+    </p:tnLst>
+    <p:bldLst>
+      <p:bldP spid="16" grpId="0"/>
+      <p:bldP spid="16" grpId="1"/>
+      <p:bldP spid="17" grpId="0"/>
+      <p:bldP spid="17" grpId="1"/>
+    </p:bldLst>
+  </p:timing>
 </p:sld>
 </file>
 
@@ -23936,6 +24493,4934 @@
       <p:bldP spid="23" grpId="0"/>
     </p:bldLst>
   </p:timing>
+</p:sld>
+</file>
+
+<file path=ppt/slides/slide20.xml><?xml version="1.0" encoding="utf-8"?>
+<p:sld xmlns:a="http://schemas.openxmlformats.org/drawingml/2006/main" xmlns:r="http://schemas.openxmlformats.org/officeDocument/2006/relationships" xmlns:p="http://schemas.openxmlformats.org/presentationml/2006/main">
+  <p:cSld>
+    <p:spTree>
+      <p:nvGrpSpPr>
+        <p:cNvPr id="1" name=""/>
+        <p:cNvGrpSpPr/>
+        <p:nvPr/>
+      </p:nvGrpSpPr>
+      <p:grpSpPr>
+        <a:xfrm>
+          <a:off x="0" y="0"/>
+          <a:ext cx="0" cy="0"/>
+          <a:chOff x="0" y="0"/>
+          <a:chExt cx="0" cy="0"/>
+        </a:xfrm>
+      </p:grpSpPr>
+      <p:sp>
+        <p:nvSpPr>
+          <p:cNvPr id="8" name="Rectangle 7"/>
+          <p:cNvSpPr/>
+          <p:nvPr/>
+        </p:nvSpPr>
+        <p:spPr>
+          <a:xfrm>
+            <a:off x="0" y="0"/>
+            <a:ext cx="12192000" cy="6857999"/>
+          </a:xfrm>
+          <a:prstGeom prst="rect">
+            <a:avLst/>
+          </a:prstGeom>
+          <a:solidFill>
+            <a:schemeClr val="tx1">
+              <a:lumMod val="75000"/>
+            </a:schemeClr>
+          </a:solidFill>
+          <a:ln>
+            <a:noFill/>
+          </a:ln>
+        </p:spPr>
+        <p:style>
+          <a:lnRef idx="2">
+            <a:schemeClr val="accent1">
+              <a:shade val="50000"/>
+            </a:schemeClr>
+          </a:lnRef>
+          <a:fillRef idx="1">
+            <a:schemeClr val="accent1"/>
+          </a:fillRef>
+          <a:effectRef idx="0">
+            <a:schemeClr val="accent1"/>
+          </a:effectRef>
+          <a:fontRef idx="minor">
+            <a:schemeClr val="lt1"/>
+          </a:fontRef>
+        </p:style>
+        <p:txBody>
+          <a:bodyPr rtlCol="0" anchor="ctr"/>
+          <a:lstStyle/>
+          <a:p>
+            <a:pPr algn="ctr"/>
+            <a:endParaRPr lang="en-GB"/>
+          </a:p>
+        </p:txBody>
+      </p:sp>
+      <p:sp>
+        <p:nvSpPr>
+          <p:cNvPr id="9" name="Rectangle 8"/>
+          <p:cNvSpPr/>
+          <p:nvPr/>
+        </p:nvSpPr>
+        <p:spPr>
+          <a:xfrm>
+            <a:off x="0" y="329650"/>
+            <a:ext cx="12192000" cy="6172198"/>
+          </a:xfrm>
+          <a:prstGeom prst="rect">
+            <a:avLst/>
+          </a:prstGeom>
+          <a:solidFill>
+            <a:schemeClr val="accent1">
+              <a:lumMod val="50000"/>
+              <a:alpha val="70000"/>
+            </a:schemeClr>
+          </a:solidFill>
+          <a:ln>
+            <a:noFill/>
+          </a:ln>
+        </p:spPr>
+        <p:style>
+          <a:lnRef idx="2">
+            <a:schemeClr val="accent1">
+              <a:shade val="50000"/>
+            </a:schemeClr>
+          </a:lnRef>
+          <a:fillRef idx="1">
+            <a:schemeClr val="accent1"/>
+          </a:fillRef>
+          <a:effectRef idx="0">
+            <a:schemeClr val="accent1"/>
+          </a:effectRef>
+          <a:fontRef idx="minor">
+            <a:schemeClr val="lt1"/>
+          </a:fontRef>
+        </p:style>
+        <p:txBody>
+          <a:bodyPr rtlCol="0" anchor="ctr"/>
+          <a:lstStyle/>
+          <a:p>
+            <a:pPr algn="ctr"/>
+            <a:endParaRPr lang="en-GB"/>
+          </a:p>
+        </p:txBody>
+      </p:sp>
+      <p:sp>
+        <p:nvSpPr>
+          <p:cNvPr id="49" name="TextBox 48">
+            <a:extLst>
+              <a:ext uri="{FF2B5EF4-FFF2-40B4-BE49-F238E27FC236}">
+                <a16:creationId xmlns:a16="http://schemas.microsoft.com/office/drawing/2014/main" id="{EF4DB629-BA9A-4201-A455-B0458C585E1F}"/>
+              </a:ext>
+            </a:extLst>
+          </p:cNvPr>
+          <p:cNvSpPr txBox="1"/>
+          <p:nvPr/>
+        </p:nvSpPr>
+        <p:spPr>
+          <a:xfrm>
+            <a:off x="410964" y="342900"/>
+            <a:ext cx="8878809" cy="523220"/>
+          </a:xfrm>
+          <a:prstGeom prst="rect">
+            <a:avLst/>
+          </a:prstGeom>
+          <a:noFill/>
+          <a:ln>
+            <a:solidFill>
+              <a:srgbClr val="163755"/>
+            </a:solidFill>
+          </a:ln>
+        </p:spPr>
+        <p:txBody>
+          <a:bodyPr wrap="square" rtlCol="0">
+            <a:spAutoFit/>
+          </a:bodyPr>
+          <a:lstStyle/>
+          <a:p>
+            <a:r>
+              <a:rPr lang="en-US" sz="2800">
+                <a:solidFill>
+                  <a:schemeClr val="bg1"/>
+                </a:solidFill>
+                <a:latin typeface="Lato" panose="020F0502020204030203" pitchFamily="34" charset="0"/>
+              </a:rPr>
+              <a:t>1. Quản lý ứng dụng</a:t>
+            </a:r>
+            <a:endParaRPr lang="en-GB" sz="2800">
+              <a:solidFill>
+                <a:schemeClr val="bg1"/>
+              </a:solidFill>
+              <a:latin typeface="Lato" panose="020F0502020204030203" pitchFamily="34" charset="0"/>
+            </a:endParaRPr>
+          </a:p>
+        </p:txBody>
+      </p:sp>
+      <p:cxnSp>
+        <p:nvCxnSpPr>
+          <p:cNvPr id="4" name="Straight Connector 3">
+            <a:extLst>
+              <a:ext uri="{FF2B5EF4-FFF2-40B4-BE49-F238E27FC236}">
+                <a16:creationId xmlns:a16="http://schemas.microsoft.com/office/drawing/2014/main" id="{76AC370D-754E-45CF-B5E9-44869AF3FC5C}"/>
+              </a:ext>
+            </a:extLst>
+          </p:cNvPr>
+          <p:cNvCxnSpPr/>
+          <p:nvPr/>
+        </p:nvCxnSpPr>
+        <p:spPr>
+          <a:xfrm>
+            <a:off x="410965" y="866120"/>
+            <a:ext cx="11159849" cy="0"/>
+          </a:xfrm>
+          <a:prstGeom prst="line">
+            <a:avLst/>
+          </a:prstGeom>
+        </p:spPr>
+        <p:style>
+          <a:lnRef idx="1">
+            <a:schemeClr val="accent1"/>
+          </a:lnRef>
+          <a:fillRef idx="0">
+            <a:schemeClr val="accent1"/>
+          </a:fillRef>
+          <a:effectRef idx="0">
+            <a:schemeClr val="accent1"/>
+          </a:effectRef>
+          <a:fontRef idx="minor">
+            <a:schemeClr val="tx1"/>
+          </a:fontRef>
+        </p:style>
+      </p:cxnSp>
+      <p:sp>
+        <p:nvSpPr>
+          <p:cNvPr id="7" name="Rectangle 6">
+            <a:extLst>
+              <a:ext uri="{FF2B5EF4-FFF2-40B4-BE49-F238E27FC236}">
+                <a16:creationId xmlns:a16="http://schemas.microsoft.com/office/drawing/2014/main" id="{5078B5CA-F84A-40A2-BE71-8BAB249CEBD5}"/>
+              </a:ext>
+            </a:extLst>
+          </p:cNvPr>
+          <p:cNvSpPr/>
+          <p:nvPr/>
+        </p:nvSpPr>
+        <p:spPr>
+          <a:xfrm>
+            <a:off x="410964" y="973841"/>
+            <a:ext cx="4386322" cy="461665"/>
+          </a:xfrm>
+          <a:prstGeom prst="rect">
+            <a:avLst/>
+          </a:prstGeom>
+        </p:spPr>
+        <p:txBody>
+          <a:bodyPr wrap="square">
+            <a:spAutoFit/>
+          </a:bodyPr>
+          <a:lstStyle/>
+          <a:p>
+            <a:pPr indent="457200"/>
+            <a:endParaRPr lang="en-GB" sz="2400">
+              <a:solidFill>
+                <a:schemeClr val="bg1"/>
+              </a:solidFill>
+            </a:endParaRPr>
+          </a:p>
+        </p:txBody>
+      </p:sp>
+      <p:sp>
+        <p:nvSpPr>
+          <p:cNvPr id="11" name="Rectangle 10">
+            <a:extLst>
+              <a:ext uri="{FF2B5EF4-FFF2-40B4-BE49-F238E27FC236}">
+                <a16:creationId xmlns:a16="http://schemas.microsoft.com/office/drawing/2014/main" id="{7411345E-C26A-4C86-AA1F-ED336CC6547E}"/>
+              </a:ext>
+            </a:extLst>
+          </p:cNvPr>
+          <p:cNvSpPr/>
+          <p:nvPr/>
+        </p:nvSpPr>
+        <p:spPr>
+          <a:xfrm>
+            <a:off x="740457" y="4153638"/>
+            <a:ext cx="3646014" cy="461665"/>
+          </a:xfrm>
+          <a:prstGeom prst="rect">
+            <a:avLst/>
+          </a:prstGeom>
+        </p:spPr>
+        <p:txBody>
+          <a:bodyPr wrap="square">
+            <a:spAutoFit/>
+          </a:bodyPr>
+          <a:lstStyle/>
+          <a:p>
+            <a:pPr indent="457200"/>
+            <a:endParaRPr lang="en-GB" sz="2400"/>
+          </a:p>
+        </p:txBody>
+      </p:sp>
+      <p:sp>
+        <p:nvSpPr>
+          <p:cNvPr id="16" name="Rectangle 15">
+            <a:extLst>
+              <a:ext uri="{FF2B5EF4-FFF2-40B4-BE49-F238E27FC236}">
+                <a16:creationId xmlns:a16="http://schemas.microsoft.com/office/drawing/2014/main" id="{12EF737A-15CC-45B7-AB68-0C3373DCBB25}"/>
+              </a:ext>
+            </a:extLst>
+          </p:cNvPr>
+          <p:cNvSpPr/>
+          <p:nvPr/>
+        </p:nvSpPr>
+        <p:spPr>
+          <a:xfrm>
+            <a:off x="410964" y="918597"/>
+            <a:ext cx="11159849" cy="461665"/>
+          </a:xfrm>
+          <a:prstGeom prst="rect">
+            <a:avLst/>
+          </a:prstGeom>
+        </p:spPr>
+        <p:txBody>
+          <a:bodyPr wrap="square">
+            <a:spAutoFit/>
+          </a:bodyPr>
+          <a:lstStyle/>
+          <a:p>
+            <a:pPr algn="just"/>
+            <a:r>
+              <a:rPr lang="en-GB" sz="2400">
+                <a:solidFill>
+                  <a:schemeClr val="bg1"/>
+                </a:solidFill>
+              </a:rPr>
+              <a:t>Sơ đồ trình tự của sự kiện hiển thị ban đầu, thay đổi điều kiện tìm kiếm, click nút Delete:</a:t>
+            </a:r>
+          </a:p>
+        </p:txBody>
+      </p:sp>
+      <p:pic>
+        <p:nvPicPr>
+          <p:cNvPr id="13" name="Picture 12" descr="Table&#10;&#10;Description automatically generated">
+            <a:extLst>
+              <a:ext uri="{FF2B5EF4-FFF2-40B4-BE49-F238E27FC236}">
+                <a16:creationId xmlns:a16="http://schemas.microsoft.com/office/drawing/2014/main" id="{4CE9A001-C716-4791-B915-E92E3F34CC7C}"/>
+              </a:ext>
+            </a:extLst>
+          </p:cNvPr>
+          <p:cNvPicPr>
+            <a:picLocks noChangeAspect="1"/>
+          </p:cNvPicPr>
+          <p:nvPr/>
+        </p:nvPicPr>
+        <p:blipFill>
+          <a:blip r:embed="rId2">
+            <a:extLst>
+              <a:ext uri="{28A0092B-C50C-407E-A947-70E740481C1C}">
+                <a14:useLocalDpi xmlns:a14="http://schemas.microsoft.com/office/drawing/2010/main" val="0"/>
+              </a:ext>
+            </a:extLst>
+          </a:blip>
+          <a:stretch>
+            <a:fillRect/>
+          </a:stretch>
+        </p:blipFill>
+        <p:spPr>
+          <a:xfrm>
+            <a:off x="410964" y="1432738"/>
+            <a:ext cx="11159849" cy="5051113"/>
+          </a:xfrm>
+          <a:prstGeom prst="rect">
+            <a:avLst/>
+          </a:prstGeom>
+        </p:spPr>
+      </p:pic>
+      <p:sp>
+        <p:nvSpPr>
+          <p:cNvPr id="18" name="Rectangle 17">
+            <a:extLst>
+              <a:ext uri="{FF2B5EF4-FFF2-40B4-BE49-F238E27FC236}">
+                <a16:creationId xmlns:a16="http://schemas.microsoft.com/office/drawing/2014/main" id="{56F8030A-96EF-44F2-A810-8639A211A3AF}"/>
+              </a:ext>
+            </a:extLst>
+          </p:cNvPr>
+          <p:cNvSpPr/>
+          <p:nvPr/>
+        </p:nvSpPr>
+        <p:spPr>
+          <a:xfrm>
+            <a:off x="410963" y="902005"/>
+            <a:ext cx="11159849" cy="461665"/>
+          </a:xfrm>
+          <a:prstGeom prst="rect">
+            <a:avLst/>
+          </a:prstGeom>
+        </p:spPr>
+        <p:txBody>
+          <a:bodyPr wrap="square">
+            <a:spAutoFit/>
+          </a:bodyPr>
+          <a:lstStyle/>
+          <a:p>
+            <a:pPr algn="just"/>
+            <a:r>
+              <a:rPr lang="en-GB" sz="2400">
+                <a:solidFill>
+                  <a:schemeClr val="bg1"/>
+                </a:solidFill>
+              </a:rPr>
+              <a:t>Sơ đồ trình tự của sự kiện click nút On, click nút Off:</a:t>
+            </a:r>
+          </a:p>
+        </p:txBody>
+      </p:sp>
+      <p:pic>
+        <p:nvPicPr>
+          <p:cNvPr id="15" name="Picture 14" descr="Diagram&#10;&#10;Description automatically generated">
+            <a:extLst>
+              <a:ext uri="{FF2B5EF4-FFF2-40B4-BE49-F238E27FC236}">
+                <a16:creationId xmlns:a16="http://schemas.microsoft.com/office/drawing/2014/main" id="{3DD58DE9-52FC-45B0-9F35-976E91B9F024}"/>
+              </a:ext>
+            </a:extLst>
+          </p:cNvPr>
+          <p:cNvPicPr>
+            <a:picLocks noChangeAspect="1"/>
+          </p:cNvPicPr>
+          <p:nvPr/>
+        </p:nvPicPr>
+        <p:blipFill>
+          <a:blip r:embed="rId3">
+            <a:extLst>
+              <a:ext uri="{28A0092B-C50C-407E-A947-70E740481C1C}">
+                <a14:useLocalDpi xmlns:a14="http://schemas.microsoft.com/office/drawing/2010/main" val="0"/>
+              </a:ext>
+            </a:extLst>
+          </a:blip>
+          <a:stretch>
+            <a:fillRect/>
+          </a:stretch>
+        </p:blipFill>
+        <p:spPr>
+          <a:xfrm>
+            <a:off x="410962" y="1432738"/>
+            <a:ext cx="11159849" cy="5042029"/>
+          </a:xfrm>
+          <a:prstGeom prst="rect">
+            <a:avLst/>
+          </a:prstGeom>
+        </p:spPr>
+      </p:pic>
+    </p:spTree>
+    <p:extLst>
+      <p:ext uri="{BB962C8B-B14F-4D97-AF65-F5344CB8AC3E}">
+        <p14:creationId xmlns:p14="http://schemas.microsoft.com/office/powerpoint/2010/main" val="1748727900"/>
+      </p:ext>
+    </p:extLst>
+  </p:cSld>
+  <p:clrMapOvr>
+    <a:masterClrMapping/>
+  </p:clrMapOvr>
+  <mc:AlternateContent xmlns:mc="http://schemas.openxmlformats.org/markup-compatibility/2006">
+    <mc:Choice xmlns:p14="http://schemas.microsoft.com/office/powerpoint/2010/main" Requires="p14">
+      <p:transition spd="med" p14:dur="700">
+        <p:fade/>
+      </p:transition>
+    </mc:Choice>
+    <mc:Fallback>
+      <p:transition spd="med">
+        <p:fade/>
+      </p:transition>
+    </mc:Fallback>
+  </mc:AlternateContent>
+  <p:timing>
+    <p:tnLst>
+      <p:par>
+        <p:cTn id="1" dur="indefinite" restart="never" nodeType="tmRoot">
+          <p:childTnLst>
+            <p:seq concurrent="1" nextAc="seek">
+              <p:cTn id="2" dur="indefinite" nodeType="mainSeq">
+                <p:childTnLst>
+                  <p:par>
+                    <p:cTn id="3" fill="hold">
+                      <p:stCondLst>
+                        <p:cond delay="indefinite"/>
+                        <p:cond evt="onBegin" delay="0">
+                          <p:tn val="2"/>
+                        </p:cond>
+                      </p:stCondLst>
+                      <p:childTnLst>
+                        <p:par>
+                          <p:cTn id="4" fill="hold">
+                            <p:stCondLst>
+                              <p:cond delay="0"/>
+                            </p:stCondLst>
+                            <p:childTnLst>
+                              <p:par>
+                                <p:cTn id="5" presetID="10" presetClass="entr" presetSubtype="0" fill="hold" grpId="0" nodeType="afterEffect">
+                                  <p:stCondLst>
+                                    <p:cond delay="0"/>
+                                  </p:stCondLst>
+                                  <p:childTnLst>
+                                    <p:set>
+                                      <p:cBhvr>
+                                        <p:cTn id="6" dur="1" fill="hold">
+                                          <p:stCondLst>
+                                            <p:cond delay="0"/>
+                                          </p:stCondLst>
+                                        </p:cTn>
+                                        <p:tgtEl>
+                                          <p:spTgt spid="16"/>
+                                        </p:tgtEl>
+                                        <p:attrNameLst>
+                                          <p:attrName>style.visibility</p:attrName>
+                                        </p:attrNameLst>
+                                      </p:cBhvr>
+                                      <p:to>
+                                        <p:strVal val="visible"/>
+                                      </p:to>
+                                    </p:set>
+                                    <p:animEffect transition="in" filter="fade">
+                                      <p:cBhvr>
+                                        <p:cTn id="7" dur="500"/>
+                                        <p:tgtEl>
+                                          <p:spTgt spid="16"/>
+                                        </p:tgtEl>
+                                      </p:cBhvr>
+                                    </p:animEffect>
+                                  </p:childTnLst>
+                                </p:cTn>
+                              </p:par>
+                            </p:childTnLst>
+                          </p:cTn>
+                        </p:par>
+                      </p:childTnLst>
+                    </p:cTn>
+                  </p:par>
+                  <p:par>
+                    <p:cTn id="8" fill="hold">
+                      <p:stCondLst>
+                        <p:cond delay="indefinite"/>
+                      </p:stCondLst>
+                      <p:childTnLst>
+                        <p:par>
+                          <p:cTn id="9" fill="hold">
+                            <p:stCondLst>
+                              <p:cond delay="0"/>
+                            </p:stCondLst>
+                            <p:childTnLst>
+                              <p:par>
+                                <p:cTn id="10" presetID="10" presetClass="entr" presetSubtype="0" fill="hold" nodeType="clickEffect">
+                                  <p:stCondLst>
+                                    <p:cond delay="0"/>
+                                  </p:stCondLst>
+                                  <p:childTnLst>
+                                    <p:set>
+                                      <p:cBhvr>
+                                        <p:cTn id="11" dur="1" fill="hold">
+                                          <p:stCondLst>
+                                            <p:cond delay="0"/>
+                                          </p:stCondLst>
+                                        </p:cTn>
+                                        <p:tgtEl>
+                                          <p:spTgt spid="13"/>
+                                        </p:tgtEl>
+                                        <p:attrNameLst>
+                                          <p:attrName>style.visibility</p:attrName>
+                                        </p:attrNameLst>
+                                      </p:cBhvr>
+                                      <p:to>
+                                        <p:strVal val="visible"/>
+                                      </p:to>
+                                    </p:set>
+                                    <p:animEffect transition="in" filter="fade">
+                                      <p:cBhvr>
+                                        <p:cTn id="12" dur="500"/>
+                                        <p:tgtEl>
+                                          <p:spTgt spid="13"/>
+                                        </p:tgtEl>
+                                      </p:cBhvr>
+                                    </p:animEffect>
+                                  </p:childTnLst>
+                                </p:cTn>
+                              </p:par>
+                            </p:childTnLst>
+                          </p:cTn>
+                        </p:par>
+                      </p:childTnLst>
+                    </p:cTn>
+                  </p:par>
+                  <p:par>
+                    <p:cTn id="13" fill="hold">
+                      <p:stCondLst>
+                        <p:cond delay="indefinite"/>
+                      </p:stCondLst>
+                      <p:childTnLst>
+                        <p:par>
+                          <p:cTn id="14" fill="hold">
+                            <p:stCondLst>
+                              <p:cond delay="0"/>
+                            </p:stCondLst>
+                            <p:childTnLst>
+                              <p:par>
+                                <p:cTn id="15" presetID="10" presetClass="exit" presetSubtype="0" fill="hold" nodeType="clickEffect">
+                                  <p:stCondLst>
+                                    <p:cond delay="0"/>
+                                  </p:stCondLst>
+                                  <p:childTnLst>
+                                    <p:animEffect transition="out" filter="fade">
+                                      <p:cBhvr>
+                                        <p:cTn id="16" dur="500"/>
+                                        <p:tgtEl>
+                                          <p:spTgt spid="13"/>
+                                        </p:tgtEl>
+                                      </p:cBhvr>
+                                    </p:animEffect>
+                                    <p:set>
+                                      <p:cBhvr>
+                                        <p:cTn id="17" dur="1" fill="hold">
+                                          <p:stCondLst>
+                                            <p:cond delay="499"/>
+                                          </p:stCondLst>
+                                        </p:cTn>
+                                        <p:tgtEl>
+                                          <p:spTgt spid="13"/>
+                                        </p:tgtEl>
+                                        <p:attrNameLst>
+                                          <p:attrName>style.visibility</p:attrName>
+                                        </p:attrNameLst>
+                                      </p:cBhvr>
+                                      <p:to>
+                                        <p:strVal val="hidden"/>
+                                      </p:to>
+                                    </p:set>
+                                  </p:childTnLst>
+                                </p:cTn>
+                              </p:par>
+                            </p:childTnLst>
+                          </p:cTn>
+                        </p:par>
+                        <p:par>
+                          <p:cTn id="18" fill="hold">
+                            <p:stCondLst>
+                              <p:cond delay="500"/>
+                            </p:stCondLst>
+                            <p:childTnLst>
+                              <p:par>
+                                <p:cTn id="19" presetID="10" presetClass="exit" presetSubtype="0" fill="hold" grpId="1" nodeType="afterEffect">
+                                  <p:stCondLst>
+                                    <p:cond delay="0"/>
+                                  </p:stCondLst>
+                                  <p:childTnLst>
+                                    <p:animEffect transition="out" filter="fade">
+                                      <p:cBhvr>
+                                        <p:cTn id="20" dur="500"/>
+                                        <p:tgtEl>
+                                          <p:spTgt spid="16"/>
+                                        </p:tgtEl>
+                                      </p:cBhvr>
+                                    </p:animEffect>
+                                    <p:set>
+                                      <p:cBhvr>
+                                        <p:cTn id="21" dur="1" fill="hold">
+                                          <p:stCondLst>
+                                            <p:cond delay="499"/>
+                                          </p:stCondLst>
+                                        </p:cTn>
+                                        <p:tgtEl>
+                                          <p:spTgt spid="16"/>
+                                        </p:tgtEl>
+                                        <p:attrNameLst>
+                                          <p:attrName>style.visibility</p:attrName>
+                                        </p:attrNameLst>
+                                      </p:cBhvr>
+                                      <p:to>
+                                        <p:strVal val="hidden"/>
+                                      </p:to>
+                                    </p:set>
+                                  </p:childTnLst>
+                                </p:cTn>
+                              </p:par>
+                            </p:childTnLst>
+                          </p:cTn>
+                        </p:par>
+                      </p:childTnLst>
+                    </p:cTn>
+                  </p:par>
+                  <p:par>
+                    <p:cTn id="22" fill="hold">
+                      <p:stCondLst>
+                        <p:cond delay="indefinite"/>
+                      </p:stCondLst>
+                      <p:childTnLst>
+                        <p:par>
+                          <p:cTn id="23" fill="hold">
+                            <p:stCondLst>
+                              <p:cond delay="0"/>
+                            </p:stCondLst>
+                            <p:childTnLst>
+                              <p:par>
+                                <p:cTn id="24" presetID="10" presetClass="entr" presetSubtype="0" fill="hold" grpId="0" nodeType="clickEffect">
+                                  <p:stCondLst>
+                                    <p:cond delay="0"/>
+                                  </p:stCondLst>
+                                  <p:childTnLst>
+                                    <p:set>
+                                      <p:cBhvr>
+                                        <p:cTn id="25" dur="1" fill="hold">
+                                          <p:stCondLst>
+                                            <p:cond delay="0"/>
+                                          </p:stCondLst>
+                                        </p:cTn>
+                                        <p:tgtEl>
+                                          <p:spTgt spid="18"/>
+                                        </p:tgtEl>
+                                        <p:attrNameLst>
+                                          <p:attrName>style.visibility</p:attrName>
+                                        </p:attrNameLst>
+                                      </p:cBhvr>
+                                      <p:to>
+                                        <p:strVal val="visible"/>
+                                      </p:to>
+                                    </p:set>
+                                    <p:animEffect transition="in" filter="fade">
+                                      <p:cBhvr>
+                                        <p:cTn id="26" dur="500"/>
+                                        <p:tgtEl>
+                                          <p:spTgt spid="18"/>
+                                        </p:tgtEl>
+                                      </p:cBhvr>
+                                    </p:animEffect>
+                                  </p:childTnLst>
+                                </p:cTn>
+                              </p:par>
+                            </p:childTnLst>
+                          </p:cTn>
+                        </p:par>
+                        <p:par>
+                          <p:cTn id="27" fill="hold">
+                            <p:stCondLst>
+                              <p:cond delay="500"/>
+                            </p:stCondLst>
+                            <p:childTnLst>
+                              <p:par>
+                                <p:cTn id="28" presetID="10" presetClass="entr" presetSubtype="0" fill="hold" nodeType="afterEffect">
+                                  <p:stCondLst>
+                                    <p:cond delay="0"/>
+                                  </p:stCondLst>
+                                  <p:childTnLst>
+                                    <p:set>
+                                      <p:cBhvr>
+                                        <p:cTn id="29" dur="1" fill="hold">
+                                          <p:stCondLst>
+                                            <p:cond delay="0"/>
+                                          </p:stCondLst>
+                                        </p:cTn>
+                                        <p:tgtEl>
+                                          <p:spTgt spid="15"/>
+                                        </p:tgtEl>
+                                        <p:attrNameLst>
+                                          <p:attrName>style.visibility</p:attrName>
+                                        </p:attrNameLst>
+                                      </p:cBhvr>
+                                      <p:to>
+                                        <p:strVal val="visible"/>
+                                      </p:to>
+                                    </p:set>
+                                    <p:animEffect transition="in" filter="fade">
+                                      <p:cBhvr>
+                                        <p:cTn id="30" dur="500"/>
+                                        <p:tgtEl>
+                                          <p:spTgt spid="15"/>
+                                        </p:tgtEl>
+                                      </p:cBhvr>
+                                    </p:animEffect>
+                                  </p:childTnLst>
+                                </p:cTn>
+                              </p:par>
+                            </p:childTnLst>
+                          </p:cTn>
+                        </p:par>
+                      </p:childTnLst>
+                    </p:cTn>
+                  </p:par>
+                </p:childTnLst>
+              </p:cTn>
+              <p:prevCondLst>
+                <p:cond evt="onPrev" delay="0">
+                  <p:tgtEl>
+                    <p:sldTgt/>
+                  </p:tgtEl>
+                </p:cond>
+              </p:prevCondLst>
+              <p:nextCondLst>
+                <p:cond evt="onNext" delay="0">
+                  <p:tgtEl>
+                    <p:sldTgt/>
+                  </p:tgtEl>
+                </p:cond>
+              </p:nextCondLst>
+            </p:seq>
+          </p:childTnLst>
+        </p:cTn>
+      </p:par>
+    </p:tnLst>
+    <p:bldLst>
+      <p:bldP spid="16" grpId="0"/>
+      <p:bldP spid="16" grpId="1"/>
+      <p:bldP spid="18" grpId="0"/>
+    </p:bldLst>
+  </p:timing>
+</p:sld>
+</file>
+
+<file path=ppt/slides/slide21.xml><?xml version="1.0" encoding="utf-8"?>
+<p:sld xmlns:a="http://schemas.openxmlformats.org/drawingml/2006/main" xmlns:r="http://schemas.openxmlformats.org/officeDocument/2006/relationships" xmlns:p="http://schemas.openxmlformats.org/presentationml/2006/main">
+  <p:cSld>
+    <p:spTree>
+      <p:nvGrpSpPr>
+        <p:cNvPr id="1" name=""/>
+        <p:cNvGrpSpPr/>
+        <p:nvPr/>
+      </p:nvGrpSpPr>
+      <p:grpSpPr>
+        <a:xfrm>
+          <a:off x="0" y="0"/>
+          <a:ext cx="0" cy="0"/>
+          <a:chOff x="0" y="0"/>
+          <a:chExt cx="0" cy="0"/>
+        </a:xfrm>
+      </p:grpSpPr>
+      <p:sp>
+        <p:nvSpPr>
+          <p:cNvPr id="8" name="Rectangle 7"/>
+          <p:cNvSpPr/>
+          <p:nvPr/>
+        </p:nvSpPr>
+        <p:spPr>
+          <a:xfrm>
+            <a:off x="0" y="0"/>
+            <a:ext cx="12192000" cy="6857999"/>
+          </a:xfrm>
+          <a:prstGeom prst="rect">
+            <a:avLst/>
+          </a:prstGeom>
+          <a:solidFill>
+            <a:schemeClr val="tx1">
+              <a:lumMod val="75000"/>
+            </a:schemeClr>
+          </a:solidFill>
+          <a:ln>
+            <a:noFill/>
+          </a:ln>
+        </p:spPr>
+        <p:style>
+          <a:lnRef idx="2">
+            <a:schemeClr val="accent1">
+              <a:shade val="50000"/>
+            </a:schemeClr>
+          </a:lnRef>
+          <a:fillRef idx="1">
+            <a:schemeClr val="accent1"/>
+          </a:fillRef>
+          <a:effectRef idx="0">
+            <a:schemeClr val="accent1"/>
+          </a:effectRef>
+          <a:fontRef idx="minor">
+            <a:schemeClr val="lt1"/>
+          </a:fontRef>
+        </p:style>
+        <p:txBody>
+          <a:bodyPr rtlCol="0" anchor="ctr"/>
+          <a:lstStyle/>
+          <a:p>
+            <a:pPr algn="ctr"/>
+            <a:endParaRPr lang="en-GB"/>
+          </a:p>
+        </p:txBody>
+      </p:sp>
+      <p:sp>
+        <p:nvSpPr>
+          <p:cNvPr id="9" name="Rectangle 8"/>
+          <p:cNvSpPr/>
+          <p:nvPr/>
+        </p:nvSpPr>
+        <p:spPr>
+          <a:xfrm>
+            <a:off x="0" y="329650"/>
+            <a:ext cx="12192000" cy="6172198"/>
+          </a:xfrm>
+          <a:prstGeom prst="rect">
+            <a:avLst/>
+          </a:prstGeom>
+          <a:solidFill>
+            <a:schemeClr val="accent1">
+              <a:lumMod val="50000"/>
+              <a:alpha val="70000"/>
+            </a:schemeClr>
+          </a:solidFill>
+          <a:ln>
+            <a:noFill/>
+          </a:ln>
+        </p:spPr>
+        <p:style>
+          <a:lnRef idx="2">
+            <a:schemeClr val="accent1">
+              <a:shade val="50000"/>
+            </a:schemeClr>
+          </a:lnRef>
+          <a:fillRef idx="1">
+            <a:schemeClr val="accent1"/>
+          </a:fillRef>
+          <a:effectRef idx="0">
+            <a:schemeClr val="accent1"/>
+          </a:effectRef>
+          <a:fontRef idx="minor">
+            <a:schemeClr val="lt1"/>
+          </a:fontRef>
+        </p:style>
+        <p:txBody>
+          <a:bodyPr rtlCol="0" anchor="ctr"/>
+          <a:lstStyle/>
+          <a:p>
+            <a:pPr algn="ctr"/>
+            <a:endParaRPr lang="en-GB"/>
+          </a:p>
+        </p:txBody>
+      </p:sp>
+      <p:sp>
+        <p:nvSpPr>
+          <p:cNvPr id="49" name="TextBox 48">
+            <a:extLst>
+              <a:ext uri="{FF2B5EF4-FFF2-40B4-BE49-F238E27FC236}">
+                <a16:creationId xmlns:a16="http://schemas.microsoft.com/office/drawing/2014/main" id="{EF4DB629-BA9A-4201-A455-B0458C585E1F}"/>
+              </a:ext>
+            </a:extLst>
+          </p:cNvPr>
+          <p:cNvSpPr txBox="1"/>
+          <p:nvPr/>
+        </p:nvSpPr>
+        <p:spPr>
+          <a:xfrm>
+            <a:off x="410964" y="342900"/>
+            <a:ext cx="8878809" cy="523220"/>
+          </a:xfrm>
+          <a:prstGeom prst="rect">
+            <a:avLst/>
+          </a:prstGeom>
+          <a:noFill/>
+          <a:ln>
+            <a:solidFill>
+              <a:srgbClr val="163755"/>
+            </a:solidFill>
+          </a:ln>
+        </p:spPr>
+        <p:txBody>
+          <a:bodyPr wrap="square" rtlCol="0">
+            <a:spAutoFit/>
+          </a:bodyPr>
+          <a:lstStyle/>
+          <a:p>
+            <a:r>
+              <a:rPr lang="en-US" sz="2800">
+                <a:solidFill>
+                  <a:schemeClr val="bg1"/>
+                </a:solidFill>
+                <a:latin typeface="Lato" panose="020F0502020204030203" pitchFamily="34" charset="0"/>
+              </a:rPr>
+              <a:t>2. Cập nhật ứng dụng</a:t>
+            </a:r>
+            <a:endParaRPr lang="en-GB" sz="2800">
+              <a:solidFill>
+                <a:schemeClr val="bg1"/>
+              </a:solidFill>
+              <a:latin typeface="Lato" panose="020F0502020204030203" pitchFamily="34" charset="0"/>
+            </a:endParaRPr>
+          </a:p>
+        </p:txBody>
+      </p:sp>
+      <p:cxnSp>
+        <p:nvCxnSpPr>
+          <p:cNvPr id="4" name="Straight Connector 3">
+            <a:extLst>
+              <a:ext uri="{FF2B5EF4-FFF2-40B4-BE49-F238E27FC236}">
+                <a16:creationId xmlns:a16="http://schemas.microsoft.com/office/drawing/2014/main" id="{76AC370D-754E-45CF-B5E9-44869AF3FC5C}"/>
+              </a:ext>
+            </a:extLst>
+          </p:cNvPr>
+          <p:cNvCxnSpPr/>
+          <p:nvPr/>
+        </p:nvCxnSpPr>
+        <p:spPr>
+          <a:xfrm>
+            <a:off x="410965" y="866120"/>
+            <a:ext cx="11159849" cy="0"/>
+          </a:xfrm>
+          <a:prstGeom prst="line">
+            <a:avLst/>
+          </a:prstGeom>
+        </p:spPr>
+        <p:style>
+          <a:lnRef idx="1">
+            <a:schemeClr val="accent1"/>
+          </a:lnRef>
+          <a:fillRef idx="0">
+            <a:schemeClr val="accent1"/>
+          </a:fillRef>
+          <a:effectRef idx="0">
+            <a:schemeClr val="accent1"/>
+          </a:effectRef>
+          <a:fontRef idx="minor">
+            <a:schemeClr val="tx1"/>
+          </a:fontRef>
+        </p:style>
+      </p:cxnSp>
+      <p:sp>
+        <p:nvSpPr>
+          <p:cNvPr id="7" name="Rectangle 6">
+            <a:extLst>
+              <a:ext uri="{FF2B5EF4-FFF2-40B4-BE49-F238E27FC236}">
+                <a16:creationId xmlns:a16="http://schemas.microsoft.com/office/drawing/2014/main" id="{5078B5CA-F84A-40A2-BE71-8BAB249CEBD5}"/>
+              </a:ext>
+            </a:extLst>
+          </p:cNvPr>
+          <p:cNvSpPr/>
+          <p:nvPr/>
+        </p:nvSpPr>
+        <p:spPr>
+          <a:xfrm>
+            <a:off x="410964" y="973841"/>
+            <a:ext cx="4386322" cy="461665"/>
+          </a:xfrm>
+          <a:prstGeom prst="rect">
+            <a:avLst/>
+          </a:prstGeom>
+        </p:spPr>
+        <p:txBody>
+          <a:bodyPr wrap="square">
+            <a:spAutoFit/>
+          </a:bodyPr>
+          <a:lstStyle/>
+          <a:p>
+            <a:pPr indent="457200"/>
+            <a:endParaRPr lang="en-GB" sz="2400">
+              <a:solidFill>
+                <a:schemeClr val="bg1"/>
+              </a:solidFill>
+            </a:endParaRPr>
+          </a:p>
+        </p:txBody>
+      </p:sp>
+      <p:sp>
+        <p:nvSpPr>
+          <p:cNvPr id="11" name="Rectangle 10">
+            <a:extLst>
+              <a:ext uri="{FF2B5EF4-FFF2-40B4-BE49-F238E27FC236}">
+                <a16:creationId xmlns:a16="http://schemas.microsoft.com/office/drawing/2014/main" id="{7411345E-C26A-4C86-AA1F-ED336CC6547E}"/>
+              </a:ext>
+            </a:extLst>
+          </p:cNvPr>
+          <p:cNvSpPr/>
+          <p:nvPr/>
+        </p:nvSpPr>
+        <p:spPr>
+          <a:xfrm>
+            <a:off x="740457" y="4153638"/>
+            <a:ext cx="3646014" cy="461665"/>
+          </a:xfrm>
+          <a:prstGeom prst="rect">
+            <a:avLst/>
+          </a:prstGeom>
+        </p:spPr>
+        <p:txBody>
+          <a:bodyPr wrap="square">
+            <a:spAutoFit/>
+          </a:bodyPr>
+          <a:lstStyle/>
+          <a:p>
+            <a:pPr indent="457200"/>
+            <a:endParaRPr lang="en-GB" sz="2400"/>
+          </a:p>
+        </p:txBody>
+      </p:sp>
+      <p:pic>
+        <p:nvPicPr>
+          <p:cNvPr id="3" name="Picture 2" descr="Diagram&#10;&#10;Description automatically generated">
+            <a:extLst>
+              <a:ext uri="{FF2B5EF4-FFF2-40B4-BE49-F238E27FC236}">
+                <a16:creationId xmlns:a16="http://schemas.microsoft.com/office/drawing/2014/main" id="{ED267124-1C47-497D-A455-05CE1C38F51F}"/>
+              </a:ext>
+            </a:extLst>
+          </p:cNvPr>
+          <p:cNvPicPr>
+            <a:picLocks noChangeAspect="1"/>
+          </p:cNvPicPr>
+          <p:nvPr/>
+        </p:nvPicPr>
+        <p:blipFill>
+          <a:blip r:embed="rId2">
+            <a:extLst>
+              <a:ext uri="{28A0092B-C50C-407E-A947-70E740481C1C}">
+                <a14:useLocalDpi xmlns:a14="http://schemas.microsoft.com/office/drawing/2010/main" val="0"/>
+              </a:ext>
+            </a:extLst>
+          </a:blip>
+          <a:stretch>
+            <a:fillRect/>
+          </a:stretch>
+        </p:blipFill>
+        <p:spPr>
+          <a:xfrm>
+            <a:off x="410964" y="879369"/>
+            <a:ext cx="11159850" cy="5622473"/>
+          </a:xfrm>
+          <a:prstGeom prst="rect">
+            <a:avLst/>
+          </a:prstGeom>
+        </p:spPr>
+      </p:pic>
+    </p:spTree>
+    <p:extLst>
+      <p:ext uri="{BB962C8B-B14F-4D97-AF65-F5344CB8AC3E}">
+        <p14:creationId xmlns:p14="http://schemas.microsoft.com/office/powerpoint/2010/main" val="2370169899"/>
+      </p:ext>
+    </p:extLst>
+  </p:cSld>
+  <p:clrMapOvr>
+    <a:masterClrMapping/>
+  </p:clrMapOvr>
+  <mc:AlternateContent xmlns:mc="http://schemas.openxmlformats.org/markup-compatibility/2006">
+    <mc:Choice xmlns:p14="http://schemas.microsoft.com/office/powerpoint/2010/main" Requires="p14">
+      <p:transition spd="med" p14:dur="700">
+        <p:fade/>
+      </p:transition>
+    </mc:Choice>
+    <mc:Fallback>
+      <p:transition spd="med">
+        <p:fade/>
+      </p:transition>
+    </mc:Fallback>
+  </mc:AlternateContent>
+</p:sld>
+</file>
+
+<file path=ppt/slides/slide22.xml><?xml version="1.0" encoding="utf-8"?>
+<p:sld xmlns:a="http://schemas.openxmlformats.org/drawingml/2006/main" xmlns:r="http://schemas.openxmlformats.org/officeDocument/2006/relationships" xmlns:p="http://schemas.openxmlformats.org/presentationml/2006/main">
+  <p:cSld>
+    <p:spTree>
+      <p:nvGrpSpPr>
+        <p:cNvPr id="1" name=""/>
+        <p:cNvGrpSpPr/>
+        <p:nvPr/>
+      </p:nvGrpSpPr>
+      <p:grpSpPr>
+        <a:xfrm>
+          <a:off x="0" y="0"/>
+          <a:ext cx="0" cy="0"/>
+          <a:chOff x="0" y="0"/>
+          <a:chExt cx="0" cy="0"/>
+        </a:xfrm>
+      </p:grpSpPr>
+      <p:sp>
+        <p:nvSpPr>
+          <p:cNvPr id="8" name="Rectangle 7"/>
+          <p:cNvSpPr/>
+          <p:nvPr/>
+        </p:nvSpPr>
+        <p:spPr>
+          <a:xfrm>
+            <a:off x="0" y="0"/>
+            <a:ext cx="12192000" cy="6857999"/>
+          </a:xfrm>
+          <a:prstGeom prst="rect">
+            <a:avLst/>
+          </a:prstGeom>
+          <a:solidFill>
+            <a:schemeClr val="tx1">
+              <a:lumMod val="75000"/>
+            </a:schemeClr>
+          </a:solidFill>
+          <a:ln>
+            <a:noFill/>
+          </a:ln>
+        </p:spPr>
+        <p:style>
+          <a:lnRef idx="2">
+            <a:schemeClr val="accent1">
+              <a:shade val="50000"/>
+            </a:schemeClr>
+          </a:lnRef>
+          <a:fillRef idx="1">
+            <a:schemeClr val="accent1"/>
+          </a:fillRef>
+          <a:effectRef idx="0">
+            <a:schemeClr val="accent1"/>
+          </a:effectRef>
+          <a:fontRef idx="minor">
+            <a:schemeClr val="lt1"/>
+          </a:fontRef>
+        </p:style>
+        <p:txBody>
+          <a:bodyPr rtlCol="0" anchor="ctr"/>
+          <a:lstStyle/>
+          <a:p>
+            <a:pPr algn="ctr"/>
+            <a:endParaRPr lang="en-GB"/>
+          </a:p>
+        </p:txBody>
+      </p:sp>
+      <p:sp>
+        <p:nvSpPr>
+          <p:cNvPr id="9" name="Rectangle 8"/>
+          <p:cNvSpPr/>
+          <p:nvPr/>
+        </p:nvSpPr>
+        <p:spPr>
+          <a:xfrm>
+            <a:off x="0" y="329650"/>
+            <a:ext cx="12192000" cy="6172198"/>
+          </a:xfrm>
+          <a:prstGeom prst="rect">
+            <a:avLst/>
+          </a:prstGeom>
+          <a:solidFill>
+            <a:schemeClr val="accent1">
+              <a:lumMod val="50000"/>
+              <a:alpha val="70000"/>
+            </a:schemeClr>
+          </a:solidFill>
+          <a:ln>
+            <a:noFill/>
+          </a:ln>
+        </p:spPr>
+        <p:style>
+          <a:lnRef idx="2">
+            <a:schemeClr val="accent1">
+              <a:shade val="50000"/>
+            </a:schemeClr>
+          </a:lnRef>
+          <a:fillRef idx="1">
+            <a:schemeClr val="accent1"/>
+          </a:fillRef>
+          <a:effectRef idx="0">
+            <a:schemeClr val="accent1"/>
+          </a:effectRef>
+          <a:fontRef idx="minor">
+            <a:schemeClr val="lt1"/>
+          </a:fontRef>
+        </p:style>
+        <p:txBody>
+          <a:bodyPr rtlCol="0" anchor="ctr"/>
+          <a:lstStyle/>
+          <a:p>
+            <a:pPr algn="ctr"/>
+            <a:endParaRPr lang="en-GB"/>
+          </a:p>
+        </p:txBody>
+      </p:sp>
+      <p:sp>
+        <p:nvSpPr>
+          <p:cNvPr id="49" name="TextBox 48">
+            <a:extLst>
+              <a:ext uri="{FF2B5EF4-FFF2-40B4-BE49-F238E27FC236}">
+                <a16:creationId xmlns:a16="http://schemas.microsoft.com/office/drawing/2014/main" id="{EF4DB629-BA9A-4201-A455-B0458C585E1F}"/>
+              </a:ext>
+            </a:extLst>
+          </p:cNvPr>
+          <p:cNvSpPr txBox="1"/>
+          <p:nvPr/>
+        </p:nvSpPr>
+        <p:spPr>
+          <a:xfrm>
+            <a:off x="410964" y="342900"/>
+            <a:ext cx="8878809" cy="523220"/>
+          </a:xfrm>
+          <a:prstGeom prst="rect">
+            <a:avLst/>
+          </a:prstGeom>
+          <a:noFill/>
+          <a:ln>
+            <a:solidFill>
+              <a:srgbClr val="163755"/>
+            </a:solidFill>
+          </a:ln>
+        </p:spPr>
+        <p:txBody>
+          <a:bodyPr wrap="square" rtlCol="0">
+            <a:spAutoFit/>
+          </a:bodyPr>
+          <a:lstStyle/>
+          <a:p>
+            <a:r>
+              <a:rPr lang="en-US" sz="2800">
+                <a:solidFill>
+                  <a:schemeClr val="bg1"/>
+                </a:solidFill>
+                <a:latin typeface="Lato" panose="020F0502020204030203" pitchFamily="34" charset="0"/>
+              </a:rPr>
+              <a:t>3. Quản lý script</a:t>
+            </a:r>
+            <a:endParaRPr lang="en-GB" sz="2800">
+              <a:solidFill>
+                <a:schemeClr val="bg1"/>
+              </a:solidFill>
+              <a:latin typeface="Lato" panose="020F0502020204030203" pitchFamily="34" charset="0"/>
+            </a:endParaRPr>
+          </a:p>
+        </p:txBody>
+      </p:sp>
+      <p:cxnSp>
+        <p:nvCxnSpPr>
+          <p:cNvPr id="4" name="Straight Connector 3">
+            <a:extLst>
+              <a:ext uri="{FF2B5EF4-FFF2-40B4-BE49-F238E27FC236}">
+                <a16:creationId xmlns:a16="http://schemas.microsoft.com/office/drawing/2014/main" id="{76AC370D-754E-45CF-B5E9-44869AF3FC5C}"/>
+              </a:ext>
+            </a:extLst>
+          </p:cNvPr>
+          <p:cNvCxnSpPr/>
+          <p:nvPr/>
+        </p:nvCxnSpPr>
+        <p:spPr>
+          <a:xfrm>
+            <a:off x="410965" y="866120"/>
+            <a:ext cx="11159849" cy="0"/>
+          </a:xfrm>
+          <a:prstGeom prst="line">
+            <a:avLst/>
+          </a:prstGeom>
+        </p:spPr>
+        <p:style>
+          <a:lnRef idx="1">
+            <a:schemeClr val="accent1"/>
+          </a:lnRef>
+          <a:fillRef idx="0">
+            <a:schemeClr val="accent1"/>
+          </a:fillRef>
+          <a:effectRef idx="0">
+            <a:schemeClr val="accent1"/>
+          </a:effectRef>
+          <a:fontRef idx="minor">
+            <a:schemeClr val="tx1"/>
+          </a:fontRef>
+        </p:style>
+      </p:cxnSp>
+      <p:sp>
+        <p:nvSpPr>
+          <p:cNvPr id="7" name="Rectangle 6">
+            <a:extLst>
+              <a:ext uri="{FF2B5EF4-FFF2-40B4-BE49-F238E27FC236}">
+                <a16:creationId xmlns:a16="http://schemas.microsoft.com/office/drawing/2014/main" id="{5078B5CA-F84A-40A2-BE71-8BAB249CEBD5}"/>
+              </a:ext>
+            </a:extLst>
+          </p:cNvPr>
+          <p:cNvSpPr/>
+          <p:nvPr/>
+        </p:nvSpPr>
+        <p:spPr>
+          <a:xfrm>
+            <a:off x="410964" y="973841"/>
+            <a:ext cx="4386322" cy="461665"/>
+          </a:xfrm>
+          <a:prstGeom prst="rect">
+            <a:avLst/>
+          </a:prstGeom>
+        </p:spPr>
+        <p:txBody>
+          <a:bodyPr wrap="square">
+            <a:spAutoFit/>
+          </a:bodyPr>
+          <a:lstStyle/>
+          <a:p>
+            <a:pPr indent="457200"/>
+            <a:endParaRPr lang="en-GB" sz="2400">
+              <a:solidFill>
+                <a:schemeClr val="bg1"/>
+              </a:solidFill>
+            </a:endParaRPr>
+          </a:p>
+        </p:txBody>
+      </p:sp>
+      <p:sp>
+        <p:nvSpPr>
+          <p:cNvPr id="11" name="Rectangle 10">
+            <a:extLst>
+              <a:ext uri="{FF2B5EF4-FFF2-40B4-BE49-F238E27FC236}">
+                <a16:creationId xmlns:a16="http://schemas.microsoft.com/office/drawing/2014/main" id="{7411345E-C26A-4C86-AA1F-ED336CC6547E}"/>
+              </a:ext>
+            </a:extLst>
+          </p:cNvPr>
+          <p:cNvSpPr/>
+          <p:nvPr/>
+        </p:nvSpPr>
+        <p:spPr>
+          <a:xfrm>
+            <a:off x="740457" y="4153638"/>
+            <a:ext cx="3646014" cy="461665"/>
+          </a:xfrm>
+          <a:prstGeom prst="rect">
+            <a:avLst/>
+          </a:prstGeom>
+        </p:spPr>
+        <p:txBody>
+          <a:bodyPr wrap="square">
+            <a:spAutoFit/>
+          </a:bodyPr>
+          <a:lstStyle/>
+          <a:p>
+            <a:pPr indent="457200"/>
+            <a:endParaRPr lang="en-GB" sz="2400"/>
+          </a:p>
+        </p:txBody>
+      </p:sp>
+      <p:sp>
+        <p:nvSpPr>
+          <p:cNvPr id="16" name="Rectangle 15">
+            <a:extLst>
+              <a:ext uri="{FF2B5EF4-FFF2-40B4-BE49-F238E27FC236}">
+                <a16:creationId xmlns:a16="http://schemas.microsoft.com/office/drawing/2014/main" id="{12EF737A-15CC-45B7-AB68-0C3373DCBB25}"/>
+              </a:ext>
+            </a:extLst>
+          </p:cNvPr>
+          <p:cNvSpPr/>
+          <p:nvPr/>
+        </p:nvSpPr>
+        <p:spPr>
+          <a:xfrm>
+            <a:off x="410964" y="918597"/>
+            <a:ext cx="11159849" cy="461665"/>
+          </a:xfrm>
+          <a:prstGeom prst="rect">
+            <a:avLst/>
+          </a:prstGeom>
+        </p:spPr>
+        <p:txBody>
+          <a:bodyPr wrap="square">
+            <a:spAutoFit/>
+          </a:bodyPr>
+          <a:lstStyle/>
+          <a:p>
+            <a:pPr algn="just"/>
+            <a:r>
+              <a:rPr lang="en-GB" sz="2400">
+                <a:solidFill>
+                  <a:schemeClr val="bg1"/>
+                </a:solidFill>
+              </a:rPr>
+              <a:t>Giao diện màn hình quản lý script</a:t>
+            </a:r>
+          </a:p>
+        </p:txBody>
+      </p:sp>
+      <p:sp>
+        <p:nvSpPr>
+          <p:cNvPr id="17" name="Rectangle 16">
+            <a:extLst>
+              <a:ext uri="{FF2B5EF4-FFF2-40B4-BE49-F238E27FC236}">
+                <a16:creationId xmlns:a16="http://schemas.microsoft.com/office/drawing/2014/main" id="{9788EE7D-C73C-47C1-A6F6-36C66E6693C8}"/>
+              </a:ext>
+            </a:extLst>
+          </p:cNvPr>
+          <p:cNvSpPr/>
+          <p:nvPr/>
+        </p:nvSpPr>
+        <p:spPr>
+          <a:xfrm>
+            <a:off x="410965" y="4621232"/>
+            <a:ext cx="9832966" cy="830997"/>
+          </a:xfrm>
+          <a:prstGeom prst="rect">
+            <a:avLst/>
+          </a:prstGeom>
+        </p:spPr>
+        <p:txBody>
+          <a:bodyPr wrap="square">
+            <a:spAutoFit/>
+          </a:bodyPr>
+          <a:lstStyle/>
+          <a:p>
+            <a:pPr algn="just"/>
+            <a:r>
+              <a:rPr lang="en-GB" sz="2400">
+                <a:solidFill>
+                  <a:schemeClr val="bg1"/>
+                </a:solidFill>
+              </a:rPr>
+              <a:t>Danh sách sự kiện: Hiển thị ban đầu, thay đổi điều kiện tìm kiếm, click nút Create, click nút Edit, click nút Delete</a:t>
+            </a:r>
+          </a:p>
+        </p:txBody>
+      </p:sp>
+      <p:pic>
+        <p:nvPicPr>
+          <p:cNvPr id="10" name="Picture 9" descr="Graphical user interface, text, application, email&#10;&#10;Description automatically generated">
+            <a:extLst>
+              <a:ext uri="{FF2B5EF4-FFF2-40B4-BE49-F238E27FC236}">
+                <a16:creationId xmlns:a16="http://schemas.microsoft.com/office/drawing/2014/main" id="{9D0D6BB9-3C3A-4983-8D30-F84F4C72C3AF}"/>
+              </a:ext>
+            </a:extLst>
+          </p:cNvPr>
+          <p:cNvPicPr>
+            <a:picLocks noChangeAspect="1"/>
+          </p:cNvPicPr>
+          <p:nvPr/>
+        </p:nvPicPr>
+        <p:blipFill>
+          <a:blip r:embed="rId2">
+            <a:extLst>
+              <a:ext uri="{28A0092B-C50C-407E-A947-70E740481C1C}">
+                <a14:useLocalDpi xmlns:a14="http://schemas.microsoft.com/office/drawing/2010/main" val="0"/>
+              </a:ext>
+            </a:extLst>
+          </a:blip>
+          <a:stretch>
+            <a:fillRect/>
+          </a:stretch>
+        </p:blipFill>
+        <p:spPr>
+          <a:xfrm>
+            <a:off x="410964" y="1403517"/>
+            <a:ext cx="11159849" cy="3235041"/>
+          </a:xfrm>
+          <a:prstGeom prst="rect">
+            <a:avLst/>
+          </a:prstGeom>
+        </p:spPr>
+      </p:pic>
+      <p:pic>
+        <p:nvPicPr>
+          <p:cNvPr id="13" name="Picture 12" descr="Text&#10;&#10;Description automatically generated">
+            <a:extLst>
+              <a:ext uri="{FF2B5EF4-FFF2-40B4-BE49-F238E27FC236}">
+                <a16:creationId xmlns:a16="http://schemas.microsoft.com/office/drawing/2014/main" id="{27FE43B1-330E-46CA-B6B6-792109644603}"/>
+              </a:ext>
+            </a:extLst>
+          </p:cNvPr>
+          <p:cNvPicPr>
+            <a:picLocks noChangeAspect="1"/>
+          </p:cNvPicPr>
+          <p:nvPr/>
+        </p:nvPicPr>
+        <p:blipFill>
+          <a:blip r:embed="rId3">
+            <a:extLst>
+              <a:ext uri="{28A0092B-C50C-407E-A947-70E740481C1C}">
+                <a14:useLocalDpi xmlns:a14="http://schemas.microsoft.com/office/drawing/2010/main" val="0"/>
+              </a:ext>
+            </a:extLst>
+          </a:blip>
+          <a:stretch>
+            <a:fillRect/>
+          </a:stretch>
+        </p:blipFill>
+        <p:spPr>
+          <a:xfrm>
+            <a:off x="410964" y="1389340"/>
+            <a:ext cx="11159849" cy="4733018"/>
+          </a:xfrm>
+          <a:prstGeom prst="rect">
+            <a:avLst/>
+          </a:prstGeom>
+        </p:spPr>
+      </p:pic>
+    </p:spTree>
+    <p:extLst>
+      <p:ext uri="{BB962C8B-B14F-4D97-AF65-F5344CB8AC3E}">
+        <p14:creationId xmlns:p14="http://schemas.microsoft.com/office/powerpoint/2010/main" val="3964405317"/>
+      </p:ext>
+    </p:extLst>
+  </p:cSld>
+  <p:clrMapOvr>
+    <a:masterClrMapping/>
+  </p:clrMapOvr>
+  <mc:AlternateContent xmlns:mc="http://schemas.openxmlformats.org/markup-compatibility/2006">
+    <mc:Choice xmlns:p14="http://schemas.microsoft.com/office/powerpoint/2010/main" Requires="p14">
+      <p:transition spd="med" p14:dur="700">
+        <p:fade/>
+      </p:transition>
+    </mc:Choice>
+    <mc:Fallback>
+      <p:transition spd="med">
+        <p:fade/>
+      </p:transition>
+    </mc:Fallback>
+  </mc:AlternateContent>
+  <p:timing>
+    <p:tnLst>
+      <p:par>
+        <p:cTn id="1" dur="indefinite" restart="never" nodeType="tmRoot">
+          <p:childTnLst>
+            <p:seq concurrent="1" nextAc="seek">
+              <p:cTn id="2" dur="indefinite" nodeType="mainSeq">
+                <p:childTnLst>
+                  <p:par>
+                    <p:cTn id="3" fill="hold">
+                      <p:stCondLst>
+                        <p:cond delay="indefinite"/>
+                        <p:cond evt="onBegin" delay="0">
+                          <p:tn val="2"/>
+                        </p:cond>
+                      </p:stCondLst>
+                      <p:childTnLst>
+                        <p:par>
+                          <p:cTn id="4" fill="hold">
+                            <p:stCondLst>
+                              <p:cond delay="0"/>
+                            </p:stCondLst>
+                            <p:childTnLst>
+                              <p:par>
+                                <p:cTn id="5" presetID="10" presetClass="entr" presetSubtype="0" fill="hold" grpId="0" nodeType="afterEffect">
+                                  <p:stCondLst>
+                                    <p:cond delay="0"/>
+                                  </p:stCondLst>
+                                  <p:childTnLst>
+                                    <p:set>
+                                      <p:cBhvr>
+                                        <p:cTn id="6" dur="1" fill="hold">
+                                          <p:stCondLst>
+                                            <p:cond delay="0"/>
+                                          </p:stCondLst>
+                                        </p:cTn>
+                                        <p:tgtEl>
+                                          <p:spTgt spid="16"/>
+                                        </p:tgtEl>
+                                        <p:attrNameLst>
+                                          <p:attrName>style.visibility</p:attrName>
+                                        </p:attrNameLst>
+                                      </p:cBhvr>
+                                      <p:to>
+                                        <p:strVal val="visible"/>
+                                      </p:to>
+                                    </p:set>
+                                    <p:animEffect transition="in" filter="fade">
+                                      <p:cBhvr>
+                                        <p:cTn id="7" dur="500"/>
+                                        <p:tgtEl>
+                                          <p:spTgt spid="16"/>
+                                        </p:tgtEl>
+                                      </p:cBhvr>
+                                    </p:animEffect>
+                                  </p:childTnLst>
+                                </p:cTn>
+                              </p:par>
+                            </p:childTnLst>
+                          </p:cTn>
+                        </p:par>
+                      </p:childTnLst>
+                    </p:cTn>
+                  </p:par>
+                  <p:par>
+                    <p:cTn id="8" fill="hold">
+                      <p:stCondLst>
+                        <p:cond delay="indefinite"/>
+                      </p:stCondLst>
+                      <p:childTnLst>
+                        <p:par>
+                          <p:cTn id="9" fill="hold">
+                            <p:stCondLst>
+                              <p:cond delay="0"/>
+                            </p:stCondLst>
+                            <p:childTnLst>
+                              <p:par>
+                                <p:cTn id="10" presetID="10" presetClass="entr" presetSubtype="0" fill="hold" nodeType="clickEffect">
+                                  <p:stCondLst>
+                                    <p:cond delay="0"/>
+                                  </p:stCondLst>
+                                  <p:childTnLst>
+                                    <p:set>
+                                      <p:cBhvr>
+                                        <p:cTn id="11" dur="1" fill="hold">
+                                          <p:stCondLst>
+                                            <p:cond delay="0"/>
+                                          </p:stCondLst>
+                                        </p:cTn>
+                                        <p:tgtEl>
+                                          <p:spTgt spid="10"/>
+                                        </p:tgtEl>
+                                        <p:attrNameLst>
+                                          <p:attrName>style.visibility</p:attrName>
+                                        </p:attrNameLst>
+                                      </p:cBhvr>
+                                      <p:to>
+                                        <p:strVal val="visible"/>
+                                      </p:to>
+                                    </p:set>
+                                    <p:animEffect transition="in" filter="fade">
+                                      <p:cBhvr>
+                                        <p:cTn id="12" dur="500"/>
+                                        <p:tgtEl>
+                                          <p:spTgt spid="10"/>
+                                        </p:tgtEl>
+                                      </p:cBhvr>
+                                    </p:animEffect>
+                                  </p:childTnLst>
+                                </p:cTn>
+                              </p:par>
+                            </p:childTnLst>
+                          </p:cTn>
+                        </p:par>
+                        <p:par>
+                          <p:cTn id="13" fill="hold">
+                            <p:stCondLst>
+                              <p:cond delay="500"/>
+                            </p:stCondLst>
+                            <p:childTnLst>
+                              <p:par>
+                                <p:cTn id="14" presetID="10" presetClass="entr" presetSubtype="0" fill="hold" grpId="0" nodeType="afterEffect">
+                                  <p:stCondLst>
+                                    <p:cond delay="0"/>
+                                  </p:stCondLst>
+                                  <p:childTnLst>
+                                    <p:set>
+                                      <p:cBhvr>
+                                        <p:cTn id="15" dur="1" fill="hold">
+                                          <p:stCondLst>
+                                            <p:cond delay="0"/>
+                                          </p:stCondLst>
+                                        </p:cTn>
+                                        <p:tgtEl>
+                                          <p:spTgt spid="17"/>
+                                        </p:tgtEl>
+                                        <p:attrNameLst>
+                                          <p:attrName>style.visibility</p:attrName>
+                                        </p:attrNameLst>
+                                      </p:cBhvr>
+                                      <p:to>
+                                        <p:strVal val="visible"/>
+                                      </p:to>
+                                    </p:set>
+                                    <p:animEffect transition="in" filter="fade">
+                                      <p:cBhvr>
+                                        <p:cTn id="16" dur="500"/>
+                                        <p:tgtEl>
+                                          <p:spTgt spid="17"/>
+                                        </p:tgtEl>
+                                      </p:cBhvr>
+                                    </p:animEffect>
+                                  </p:childTnLst>
+                                </p:cTn>
+                              </p:par>
+                            </p:childTnLst>
+                          </p:cTn>
+                        </p:par>
+                      </p:childTnLst>
+                    </p:cTn>
+                  </p:par>
+                  <p:par>
+                    <p:cTn id="17" fill="hold">
+                      <p:stCondLst>
+                        <p:cond delay="indefinite"/>
+                      </p:stCondLst>
+                      <p:childTnLst>
+                        <p:par>
+                          <p:cTn id="18" fill="hold">
+                            <p:stCondLst>
+                              <p:cond delay="0"/>
+                            </p:stCondLst>
+                            <p:childTnLst>
+                              <p:par>
+                                <p:cTn id="19" presetID="10" presetClass="exit" presetSubtype="0" fill="hold" nodeType="clickEffect">
+                                  <p:stCondLst>
+                                    <p:cond delay="0"/>
+                                  </p:stCondLst>
+                                  <p:childTnLst>
+                                    <p:animEffect transition="out" filter="fade">
+                                      <p:cBhvr>
+                                        <p:cTn id="20" dur="500"/>
+                                        <p:tgtEl>
+                                          <p:spTgt spid="10"/>
+                                        </p:tgtEl>
+                                      </p:cBhvr>
+                                    </p:animEffect>
+                                    <p:set>
+                                      <p:cBhvr>
+                                        <p:cTn id="21" dur="1" fill="hold">
+                                          <p:stCondLst>
+                                            <p:cond delay="499"/>
+                                          </p:stCondLst>
+                                        </p:cTn>
+                                        <p:tgtEl>
+                                          <p:spTgt spid="10"/>
+                                        </p:tgtEl>
+                                        <p:attrNameLst>
+                                          <p:attrName>style.visibility</p:attrName>
+                                        </p:attrNameLst>
+                                      </p:cBhvr>
+                                      <p:to>
+                                        <p:strVal val="hidden"/>
+                                      </p:to>
+                                    </p:set>
+                                  </p:childTnLst>
+                                </p:cTn>
+                              </p:par>
+                              <p:par>
+                                <p:cTn id="22" presetID="10" presetClass="exit" presetSubtype="0" fill="hold" grpId="1" nodeType="withEffect">
+                                  <p:stCondLst>
+                                    <p:cond delay="0"/>
+                                  </p:stCondLst>
+                                  <p:childTnLst>
+                                    <p:animEffect transition="out" filter="fade">
+                                      <p:cBhvr>
+                                        <p:cTn id="23" dur="500"/>
+                                        <p:tgtEl>
+                                          <p:spTgt spid="17"/>
+                                        </p:tgtEl>
+                                      </p:cBhvr>
+                                    </p:animEffect>
+                                    <p:set>
+                                      <p:cBhvr>
+                                        <p:cTn id="24" dur="1" fill="hold">
+                                          <p:stCondLst>
+                                            <p:cond delay="499"/>
+                                          </p:stCondLst>
+                                        </p:cTn>
+                                        <p:tgtEl>
+                                          <p:spTgt spid="17"/>
+                                        </p:tgtEl>
+                                        <p:attrNameLst>
+                                          <p:attrName>style.visibility</p:attrName>
+                                        </p:attrNameLst>
+                                      </p:cBhvr>
+                                      <p:to>
+                                        <p:strVal val="hidden"/>
+                                      </p:to>
+                                    </p:set>
+                                  </p:childTnLst>
+                                </p:cTn>
+                              </p:par>
+                            </p:childTnLst>
+                          </p:cTn>
+                        </p:par>
+                      </p:childTnLst>
+                    </p:cTn>
+                  </p:par>
+                  <p:par>
+                    <p:cTn id="25" fill="hold">
+                      <p:stCondLst>
+                        <p:cond delay="indefinite"/>
+                      </p:stCondLst>
+                      <p:childTnLst>
+                        <p:par>
+                          <p:cTn id="26" fill="hold">
+                            <p:stCondLst>
+                              <p:cond delay="0"/>
+                            </p:stCondLst>
+                            <p:childTnLst>
+                              <p:par>
+                                <p:cTn id="27" presetID="10" presetClass="entr" presetSubtype="0" fill="hold" nodeType="clickEffect">
+                                  <p:stCondLst>
+                                    <p:cond delay="0"/>
+                                  </p:stCondLst>
+                                  <p:childTnLst>
+                                    <p:set>
+                                      <p:cBhvr>
+                                        <p:cTn id="28" dur="1" fill="hold">
+                                          <p:stCondLst>
+                                            <p:cond delay="0"/>
+                                          </p:stCondLst>
+                                        </p:cTn>
+                                        <p:tgtEl>
+                                          <p:spTgt spid="13"/>
+                                        </p:tgtEl>
+                                        <p:attrNameLst>
+                                          <p:attrName>style.visibility</p:attrName>
+                                        </p:attrNameLst>
+                                      </p:cBhvr>
+                                      <p:to>
+                                        <p:strVal val="visible"/>
+                                      </p:to>
+                                    </p:set>
+                                    <p:animEffect transition="in" filter="fade">
+                                      <p:cBhvr>
+                                        <p:cTn id="29" dur="500"/>
+                                        <p:tgtEl>
+                                          <p:spTgt spid="13"/>
+                                        </p:tgtEl>
+                                      </p:cBhvr>
+                                    </p:animEffect>
+                                  </p:childTnLst>
+                                </p:cTn>
+                              </p:par>
+                            </p:childTnLst>
+                          </p:cTn>
+                        </p:par>
+                      </p:childTnLst>
+                    </p:cTn>
+                  </p:par>
+                </p:childTnLst>
+              </p:cTn>
+              <p:prevCondLst>
+                <p:cond evt="onPrev" delay="0">
+                  <p:tgtEl>
+                    <p:sldTgt/>
+                  </p:tgtEl>
+                </p:cond>
+              </p:prevCondLst>
+              <p:nextCondLst>
+                <p:cond evt="onNext" delay="0">
+                  <p:tgtEl>
+                    <p:sldTgt/>
+                  </p:tgtEl>
+                </p:cond>
+              </p:nextCondLst>
+            </p:seq>
+          </p:childTnLst>
+        </p:cTn>
+      </p:par>
+    </p:tnLst>
+    <p:bldLst>
+      <p:bldP spid="16" grpId="0"/>
+      <p:bldP spid="17" grpId="0"/>
+      <p:bldP spid="17" grpId="1"/>
+    </p:bldLst>
+  </p:timing>
+</p:sld>
+</file>
+
+<file path=ppt/slides/slide23.xml><?xml version="1.0" encoding="utf-8"?>
+<p:sld xmlns:a="http://schemas.openxmlformats.org/drawingml/2006/main" xmlns:r="http://schemas.openxmlformats.org/officeDocument/2006/relationships" xmlns:p="http://schemas.openxmlformats.org/presentationml/2006/main">
+  <p:cSld>
+    <p:spTree>
+      <p:nvGrpSpPr>
+        <p:cNvPr id="1" name=""/>
+        <p:cNvGrpSpPr/>
+        <p:nvPr/>
+      </p:nvGrpSpPr>
+      <p:grpSpPr>
+        <a:xfrm>
+          <a:off x="0" y="0"/>
+          <a:ext cx="0" cy="0"/>
+          <a:chOff x="0" y="0"/>
+          <a:chExt cx="0" cy="0"/>
+        </a:xfrm>
+      </p:grpSpPr>
+      <p:sp>
+        <p:nvSpPr>
+          <p:cNvPr id="8" name="Rectangle 7"/>
+          <p:cNvSpPr/>
+          <p:nvPr/>
+        </p:nvSpPr>
+        <p:spPr>
+          <a:xfrm>
+            <a:off x="0" y="0"/>
+            <a:ext cx="12192000" cy="6857999"/>
+          </a:xfrm>
+          <a:prstGeom prst="rect">
+            <a:avLst/>
+          </a:prstGeom>
+          <a:solidFill>
+            <a:schemeClr val="tx1">
+              <a:lumMod val="75000"/>
+            </a:schemeClr>
+          </a:solidFill>
+          <a:ln>
+            <a:noFill/>
+          </a:ln>
+        </p:spPr>
+        <p:style>
+          <a:lnRef idx="2">
+            <a:schemeClr val="accent1">
+              <a:shade val="50000"/>
+            </a:schemeClr>
+          </a:lnRef>
+          <a:fillRef idx="1">
+            <a:schemeClr val="accent1"/>
+          </a:fillRef>
+          <a:effectRef idx="0">
+            <a:schemeClr val="accent1"/>
+          </a:effectRef>
+          <a:fontRef idx="minor">
+            <a:schemeClr val="lt1"/>
+          </a:fontRef>
+        </p:style>
+        <p:txBody>
+          <a:bodyPr rtlCol="0" anchor="ctr"/>
+          <a:lstStyle/>
+          <a:p>
+            <a:pPr algn="ctr"/>
+            <a:endParaRPr lang="en-GB"/>
+          </a:p>
+        </p:txBody>
+      </p:sp>
+      <p:sp>
+        <p:nvSpPr>
+          <p:cNvPr id="9" name="Rectangle 8"/>
+          <p:cNvSpPr/>
+          <p:nvPr/>
+        </p:nvSpPr>
+        <p:spPr>
+          <a:xfrm>
+            <a:off x="0" y="329650"/>
+            <a:ext cx="12192000" cy="6172198"/>
+          </a:xfrm>
+          <a:prstGeom prst="rect">
+            <a:avLst/>
+          </a:prstGeom>
+          <a:solidFill>
+            <a:schemeClr val="accent1">
+              <a:lumMod val="50000"/>
+              <a:alpha val="70000"/>
+            </a:schemeClr>
+          </a:solidFill>
+          <a:ln>
+            <a:noFill/>
+          </a:ln>
+        </p:spPr>
+        <p:style>
+          <a:lnRef idx="2">
+            <a:schemeClr val="accent1">
+              <a:shade val="50000"/>
+            </a:schemeClr>
+          </a:lnRef>
+          <a:fillRef idx="1">
+            <a:schemeClr val="accent1"/>
+          </a:fillRef>
+          <a:effectRef idx="0">
+            <a:schemeClr val="accent1"/>
+          </a:effectRef>
+          <a:fontRef idx="minor">
+            <a:schemeClr val="lt1"/>
+          </a:fontRef>
+        </p:style>
+        <p:txBody>
+          <a:bodyPr rtlCol="0" anchor="ctr"/>
+          <a:lstStyle/>
+          <a:p>
+            <a:pPr algn="ctr"/>
+            <a:endParaRPr lang="en-GB"/>
+          </a:p>
+        </p:txBody>
+      </p:sp>
+      <p:sp>
+        <p:nvSpPr>
+          <p:cNvPr id="49" name="TextBox 48">
+            <a:extLst>
+              <a:ext uri="{FF2B5EF4-FFF2-40B4-BE49-F238E27FC236}">
+                <a16:creationId xmlns:a16="http://schemas.microsoft.com/office/drawing/2014/main" id="{EF4DB629-BA9A-4201-A455-B0458C585E1F}"/>
+              </a:ext>
+            </a:extLst>
+          </p:cNvPr>
+          <p:cNvSpPr txBox="1"/>
+          <p:nvPr/>
+        </p:nvSpPr>
+        <p:spPr>
+          <a:xfrm>
+            <a:off x="410964" y="342900"/>
+            <a:ext cx="8878809" cy="523220"/>
+          </a:xfrm>
+          <a:prstGeom prst="rect">
+            <a:avLst/>
+          </a:prstGeom>
+          <a:noFill/>
+          <a:ln>
+            <a:solidFill>
+              <a:srgbClr val="163755"/>
+            </a:solidFill>
+          </a:ln>
+        </p:spPr>
+        <p:txBody>
+          <a:bodyPr wrap="square" rtlCol="0">
+            <a:spAutoFit/>
+          </a:bodyPr>
+          <a:lstStyle/>
+          <a:p>
+            <a:r>
+              <a:rPr lang="en-US" sz="2800">
+                <a:solidFill>
+                  <a:schemeClr val="bg1"/>
+                </a:solidFill>
+                <a:latin typeface="Lato" panose="020F0502020204030203" pitchFamily="34" charset="0"/>
+              </a:rPr>
+              <a:t>3. Quản lý script</a:t>
+            </a:r>
+            <a:endParaRPr lang="en-GB" sz="2800">
+              <a:solidFill>
+                <a:schemeClr val="bg1"/>
+              </a:solidFill>
+              <a:latin typeface="Lato" panose="020F0502020204030203" pitchFamily="34" charset="0"/>
+            </a:endParaRPr>
+          </a:p>
+        </p:txBody>
+      </p:sp>
+      <p:cxnSp>
+        <p:nvCxnSpPr>
+          <p:cNvPr id="4" name="Straight Connector 3">
+            <a:extLst>
+              <a:ext uri="{FF2B5EF4-FFF2-40B4-BE49-F238E27FC236}">
+                <a16:creationId xmlns:a16="http://schemas.microsoft.com/office/drawing/2014/main" id="{76AC370D-754E-45CF-B5E9-44869AF3FC5C}"/>
+              </a:ext>
+            </a:extLst>
+          </p:cNvPr>
+          <p:cNvCxnSpPr/>
+          <p:nvPr/>
+        </p:nvCxnSpPr>
+        <p:spPr>
+          <a:xfrm>
+            <a:off x="410965" y="866120"/>
+            <a:ext cx="11159849" cy="0"/>
+          </a:xfrm>
+          <a:prstGeom prst="line">
+            <a:avLst/>
+          </a:prstGeom>
+        </p:spPr>
+        <p:style>
+          <a:lnRef idx="1">
+            <a:schemeClr val="accent1"/>
+          </a:lnRef>
+          <a:fillRef idx="0">
+            <a:schemeClr val="accent1"/>
+          </a:fillRef>
+          <a:effectRef idx="0">
+            <a:schemeClr val="accent1"/>
+          </a:effectRef>
+          <a:fontRef idx="minor">
+            <a:schemeClr val="tx1"/>
+          </a:fontRef>
+        </p:style>
+      </p:cxnSp>
+      <p:sp>
+        <p:nvSpPr>
+          <p:cNvPr id="7" name="Rectangle 6">
+            <a:extLst>
+              <a:ext uri="{FF2B5EF4-FFF2-40B4-BE49-F238E27FC236}">
+                <a16:creationId xmlns:a16="http://schemas.microsoft.com/office/drawing/2014/main" id="{5078B5CA-F84A-40A2-BE71-8BAB249CEBD5}"/>
+              </a:ext>
+            </a:extLst>
+          </p:cNvPr>
+          <p:cNvSpPr/>
+          <p:nvPr/>
+        </p:nvSpPr>
+        <p:spPr>
+          <a:xfrm>
+            <a:off x="410964" y="973841"/>
+            <a:ext cx="4386322" cy="461665"/>
+          </a:xfrm>
+          <a:prstGeom prst="rect">
+            <a:avLst/>
+          </a:prstGeom>
+        </p:spPr>
+        <p:txBody>
+          <a:bodyPr wrap="square">
+            <a:spAutoFit/>
+          </a:bodyPr>
+          <a:lstStyle/>
+          <a:p>
+            <a:pPr indent="457200"/>
+            <a:endParaRPr lang="en-GB" sz="2400">
+              <a:solidFill>
+                <a:schemeClr val="bg1"/>
+              </a:solidFill>
+            </a:endParaRPr>
+          </a:p>
+        </p:txBody>
+      </p:sp>
+      <p:sp>
+        <p:nvSpPr>
+          <p:cNvPr id="11" name="Rectangle 10">
+            <a:extLst>
+              <a:ext uri="{FF2B5EF4-FFF2-40B4-BE49-F238E27FC236}">
+                <a16:creationId xmlns:a16="http://schemas.microsoft.com/office/drawing/2014/main" id="{7411345E-C26A-4C86-AA1F-ED336CC6547E}"/>
+              </a:ext>
+            </a:extLst>
+          </p:cNvPr>
+          <p:cNvSpPr/>
+          <p:nvPr/>
+        </p:nvSpPr>
+        <p:spPr>
+          <a:xfrm>
+            <a:off x="740457" y="4153638"/>
+            <a:ext cx="3646014" cy="461665"/>
+          </a:xfrm>
+          <a:prstGeom prst="rect">
+            <a:avLst/>
+          </a:prstGeom>
+        </p:spPr>
+        <p:txBody>
+          <a:bodyPr wrap="square">
+            <a:spAutoFit/>
+          </a:bodyPr>
+          <a:lstStyle/>
+          <a:p>
+            <a:pPr indent="457200"/>
+            <a:endParaRPr lang="en-GB" sz="2400"/>
+          </a:p>
+        </p:txBody>
+      </p:sp>
+      <p:sp>
+        <p:nvSpPr>
+          <p:cNvPr id="16" name="Rectangle 15">
+            <a:extLst>
+              <a:ext uri="{FF2B5EF4-FFF2-40B4-BE49-F238E27FC236}">
+                <a16:creationId xmlns:a16="http://schemas.microsoft.com/office/drawing/2014/main" id="{12EF737A-15CC-45B7-AB68-0C3373DCBB25}"/>
+              </a:ext>
+            </a:extLst>
+          </p:cNvPr>
+          <p:cNvSpPr/>
+          <p:nvPr/>
+        </p:nvSpPr>
+        <p:spPr>
+          <a:xfrm>
+            <a:off x="410964" y="918597"/>
+            <a:ext cx="11159849" cy="461665"/>
+          </a:xfrm>
+          <a:prstGeom prst="rect">
+            <a:avLst/>
+          </a:prstGeom>
+        </p:spPr>
+        <p:txBody>
+          <a:bodyPr wrap="square">
+            <a:spAutoFit/>
+          </a:bodyPr>
+          <a:lstStyle/>
+          <a:p>
+            <a:pPr algn="just"/>
+            <a:r>
+              <a:rPr lang="en-GB" sz="2400">
+                <a:solidFill>
+                  <a:schemeClr val="bg1"/>
+                </a:solidFill>
+              </a:rPr>
+              <a:t>Sơ đồ trình tự của chức năng thêm mới:</a:t>
+            </a:r>
+          </a:p>
+        </p:txBody>
+      </p:sp>
+      <p:pic>
+        <p:nvPicPr>
+          <p:cNvPr id="3" name="Picture 2" descr="A picture containing table&#10;&#10;Description automatically generated">
+            <a:extLst>
+              <a:ext uri="{FF2B5EF4-FFF2-40B4-BE49-F238E27FC236}">
+                <a16:creationId xmlns:a16="http://schemas.microsoft.com/office/drawing/2014/main" id="{1DA9BFAE-FF42-4283-9F45-7FC44EF6A2CB}"/>
+              </a:ext>
+            </a:extLst>
+          </p:cNvPr>
+          <p:cNvPicPr>
+            <a:picLocks noChangeAspect="1"/>
+          </p:cNvPicPr>
+          <p:nvPr/>
+        </p:nvPicPr>
+        <p:blipFill>
+          <a:blip r:embed="rId2">
+            <a:extLst>
+              <a:ext uri="{28A0092B-C50C-407E-A947-70E740481C1C}">
+                <a14:useLocalDpi xmlns:a14="http://schemas.microsoft.com/office/drawing/2010/main" val="0"/>
+              </a:ext>
+            </a:extLst>
+          </a:blip>
+          <a:stretch>
+            <a:fillRect/>
+          </a:stretch>
+        </p:blipFill>
+        <p:spPr>
+          <a:xfrm>
+            <a:off x="410965" y="1373370"/>
+            <a:ext cx="11159848" cy="5128478"/>
+          </a:xfrm>
+          <a:prstGeom prst="rect">
+            <a:avLst/>
+          </a:prstGeom>
+        </p:spPr>
+      </p:pic>
+      <p:sp>
+        <p:nvSpPr>
+          <p:cNvPr id="13" name="Rectangle 12">
+            <a:extLst>
+              <a:ext uri="{FF2B5EF4-FFF2-40B4-BE49-F238E27FC236}">
+                <a16:creationId xmlns:a16="http://schemas.microsoft.com/office/drawing/2014/main" id="{F1185638-4C29-4753-94EB-69A7DA687FD8}"/>
+              </a:ext>
+            </a:extLst>
+          </p:cNvPr>
+          <p:cNvSpPr/>
+          <p:nvPr/>
+        </p:nvSpPr>
+        <p:spPr>
+          <a:xfrm>
+            <a:off x="410963" y="911705"/>
+            <a:ext cx="11159849" cy="461665"/>
+          </a:xfrm>
+          <a:prstGeom prst="rect">
+            <a:avLst/>
+          </a:prstGeom>
+        </p:spPr>
+        <p:txBody>
+          <a:bodyPr wrap="square">
+            <a:spAutoFit/>
+          </a:bodyPr>
+          <a:lstStyle/>
+          <a:p>
+            <a:pPr algn="just"/>
+            <a:r>
+              <a:rPr lang="en-GB" sz="2400">
+                <a:solidFill>
+                  <a:schemeClr val="bg1"/>
+                </a:solidFill>
+              </a:rPr>
+              <a:t>Sơ đồ trình tự của chức năng cập nhật:</a:t>
+            </a:r>
+          </a:p>
+        </p:txBody>
+      </p:sp>
+      <p:pic>
+        <p:nvPicPr>
+          <p:cNvPr id="6" name="Picture 5" descr="Diagram&#10;&#10;Description automatically generated">
+            <a:extLst>
+              <a:ext uri="{FF2B5EF4-FFF2-40B4-BE49-F238E27FC236}">
+                <a16:creationId xmlns:a16="http://schemas.microsoft.com/office/drawing/2014/main" id="{AC787788-40C0-49EB-A6CA-CD964C2789BC}"/>
+              </a:ext>
+            </a:extLst>
+          </p:cNvPr>
+          <p:cNvPicPr>
+            <a:picLocks noChangeAspect="1"/>
+          </p:cNvPicPr>
+          <p:nvPr/>
+        </p:nvPicPr>
+        <p:blipFill>
+          <a:blip r:embed="rId3">
+            <a:extLst>
+              <a:ext uri="{28A0092B-C50C-407E-A947-70E740481C1C}">
+                <a14:useLocalDpi xmlns:a14="http://schemas.microsoft.com/office/drawing/2010/main" val="0"/>
+              </a:ext>
+            </a:extLst>
+          </a:blip>
+          <a:stretch>
+            <a:fillRect/>
+          </a:stretch>
+        </p:blipFill>
+        <p:spPr>
+          <a:xfrm>
+            <a:off x="410963" y="1387154"/>
+            <a:ext cx="11159849" cy="5114694"/>
+          </a:xfrm>
+          <a:prstGeom prst="rect">
+            <a:avLst/>
+          </a:prstGeom>
+        </p:spPr>
+      </p:pic>
+    </p:spTree>
+    <p:extLst>
+      <p:ext uri="{BB962C8B-B14F-4D97-AF65-F5344CB8AC3E}">
+        <p14:creationId xmlns:p14="http://schemas.microsoft.com/office/powerpoint/2010/main" val="167068080"/>
+      </p:ext>
+    </p:extLst>
+  </p:cSld>
+  <p:clrMapOvr>
+    <a:masterClrMapping/>
+  </p:clrMapOvr>
+  <mc:AlternateContent xmlns:mc="http://schemas.openxmlformats.org/markup-compatibility/2006">
+    <mc:Choice xmlns:p14="http://schemas.microsoft.com/office/powerpoint/2010/main" Requires="p14">
+      <p:transition spd="med" p14:dur="700">
+        <p:fade/>
+      </p:transition>
+    </mc:Choice>
+    <mc:Fallback>
+      <p:transition spd="med">
+        <p:fade/>
+      </p:transition>
+    </mc:Fallback>
+  </mc:AlternateContent>
+  <p:timing>
+    <p:tnLst>
+      <p:par>
+        <p:cTn id="1" dur="indefinite" restart="never" nodeType="tmRoot">
+          <p:childTnLst>
+            <p:seq concurrent="1" nextAc="seek">
+              <p:cTn id="2" dur="indefinite" nodeType="mainSeq">
+                <p:childTnLst>
+                  <p:par>
+                    <p:cTn id="3" fill="hold">
+                      <p:stCondLst>
+                        <p:cond delay="indefinite"/>
+                        <p:cond evt="onBegin" delay="0">
+                          <p:tn val="2"/>
+                        </p:cond>
+                      </p:stCondLst>
+                      <p:childTnLst>
+                        <p:par>
+                          <p:cTn id="4" fill="hold">
+                            <p:stCondLst>
+                              <p:cond delay="0"/>
+                            </p:stCondLst>
+                            <p:childTnLst>
+                              <p:par>
+                                <p:cTn id="5" presetID="10" presetClass="entr" presetSubtype="0" fill="hold" grpId="0" nodeType="afterEffect">
+                                  <p:stCondLst>
+                                    <p:cond delay="0"/>
+                                  </p:stCondLst>
+                                  <p:childTnLst>
+                                    <p:set>
+                                      <p:cBhvr>
+                                        <p:cTn id="6" dur="1" fill="hold">
+                                          <p:stCondLst>
+                                            <p:cond delay="0"/>
+                                          </p:stCondLst>
+                                        </p:cTn>
+                                        <p:tgtEl>
+                                          <p:spTgt spid="16"/>
+                                        </p:tgtEl>
+                                        <p:attrNameLst>
+                                          <p:attrName>style.visibility</p:attrName>
+                                        </p:attrNameLst>
+                                      </p:cBhvr>
+                                      <p:to>
+                                        <p:strVal val="visible"/>
+                                      </p:to>
+                                    </p:set>
+                                    <p:animEffect transition="in" filter="fade">
+                                      <p:cBhvr>
+                                        <p:cTn id="7" dur="500"/>
+                                        <p:tgtEl>
+                                          <p:spTgt spid="16"/>
+                                        </p:tgtEl>
+                                      </p:cBhvr>
+                                    </p:animEffect>
+                                  </p:childTnLst>
+                                </p:cTn>
+                              </p:par>
+                            </p:childTnLst>
+                          </p:cTn>
+                        </p:par>
+                      </p:childTnLst>
+                    </p:cTn>
+                  </p:par>
+                  <p:par>
+                    <p:cTn id="8" fill="hold">
+                      <p:stCondLst>
+                        <p:cond delay="indefinite"/>
+                      </p:stCondLst>
+                      <p:childTnLst>
+                        <p:par>
+                          <p:cTn id="9" fill="hold">
+                            <p:stCondLst>
+                              <p:cond delay="0"/>
+                            </p:stCondLst>
+                            <p:childTnLst>
+                              <p:par>
+                                <p:cTn id="10" presetID="10" presetClass="entr" presetSubtype="0" fill="hold" nodeType="clickEffect">
+                                  <p:stCondLst>
+                                    <p:cond delay="0"/>
+                                  </p:stCondLst>
+                                  <p:childTnLst>
+                                    <p:set>
+                                      <p:cBhvr>
+                                        <p:cTn id="11" dur="1" fill="hold">
+                                          <p:stCondLst>
+                                            <p:cond delay="0"/>
+                                          </p:stCondLst>
+                                        </p:cTn>
+                                        <p:tgtEl>
+                                          <p:spTgt spid="3"/>
+                                        </p:tgtEl>
+                                        <p:attrNameLst>
+                                          <p:attrName>style.visibility</p:attrName>
+                                        </p:attrNameLst>
+                                      </p:cBhvr>
+                                      <p:to>
+                                        <p:strVal val="visible"/>
+                                      </p:to>
+                                    </p:set>
+                                    <p:animEffect transition="in" filter="fade">
+                                      <p:cBhvr>
+                                        <p:cTn id="12" dur="500"/>
+                                        <p:tgtEl>
+                                          <p:spTgt spid="3"/>
+                                        </p:tgtEl>
+                                      </p:cBhvr>
+                                    </p:animEffect>
+                                  </p:childTnLst>
+                                </p:cTn>
+                              </p:par>
+                            </p:childTnLst>
+                          </p:cTn>
+                        </p:par>
+                      </p:childTnLst>
+                    </p:cTn>
+                  </p:par>
+                  <p:par>
+                    <p:cTn id="13" fill="hold">
+                      <p:stCondLst>
+                        <p:cond delay="indefinite"/>
+                      </p:stCondLst>
+                      <p:childTnLst>
+                        <p:par>
+                          <p:cTn id="14" fill="hold">
+                            <p:stCondLst>
+                              <p:cond delay="0"/>
+                            </p:stCondLst>
+                            <p:childTnLst>
+                              <p:par>
+                                <p:cTn id="15" presetID="10" presetClass="exit" presetSubtype="0" fill="hold" grpId="1" nodeType="clickEffect">
+                                  <p:stCondLst>
+                                    <p:cond delay="0"/>
+                                  </p:stCondLst>
+                                  <p:childTnLst>
+                                    <p:animEffect transition="out" filter="fade">
+                                      <p:cBhvr>
+                                        <p:cTn id="16" dur="500"/>
+                                        <p:tgtEl>
+                                          <p:spTgt spid="16"/>
+                                        </p:tgtEl>
+                                      </p:cBhvr>
+                                    </p:animEffect>
+                                    <p:set>
+                                      <p:cBhvr>
+                                        <p:cTn id="17" dur="1" fill="hold">
+                                          <p:stCondLst>
+                                            <p:cond delay="499"/>
+                                          </p:stCondLst>
+                                        </p:cTn>
+                                        <p:tgtEl>
+                                          <p:spTgt spid="16"/>
+                                        </p:tgtEl>
+                                        <p:attrNameLst>
+                                          <p:attrName>style.visibility</p:attrName>
+                                        </p:attrNameLst>
+                                      </p:cBhvr>
+                                      <p:to>
+                                        <p:strVal val="hidden"/>
+                                      </p:to>
+                                    </p:set>
+                                  </p:childTnLst>
+                                </p:cTn>
+                              </p:par>
+                              <p:par>
+                                <p:cTn id="18" presetID="10" presetClass="exit" presetSubtype="0" fill="hold" nodeType="withEffect">
+                                  <p:stCondLst>
+                                    <p:cond delay="0"/>
+                                  </p:stCondLst>
+                                  <p:childTnLst>
+                                    <p:animEffect transition="out" filter="fade">
+                                      <p:cBhvr>
+                                        <p:cTn id="19" dur="500"/>
+                                        <p:tgtEl>
+                                          <p:spTgt spid="3"/>
+                                        </p:tgtEl>
+                                      </p:cBhvr>
+                                    </p:animEffect>
+                                    <p:set>
+                                      <p:cBhvr>
+                                        <p:cTn id="20" dur="1" fill="hold">
+                                          <p:stCondLst>
+                                            <p:cond delay="499"/>
+                                          </p:stCondLst>
+                                        </p:cTn>
+                                        <p:tgtEl>
+                                          <p:spTgt spid="3"/>
+                                        </p:tgtEl>
+                                        <p:attrNameLst>
+                                          <p:attrName>style.visibility</p:attrName>
+                                        </p:attrNameLst>
+                                      </p:cBhvr>
+                                      <p:to>
+                                        <p:strVal val="hidden"/>
+                                      </p:to>
+                                    </p:set>
+                                  </p:childTnLst>
+                                </p:cTn>
+                              </p:par>
+                            </p:childTnLst>
+                          </p:cTn>
+                        </p:par>
+                        <p:par>
+                          <p:cTn id="21" fill="hold">
+                            <p:stCondLst>
+                              <p:cond delay="500"/>
+                            </p:stCondLst>
+                            <p:childTnLst>
+                              <p:par>
+                                <p:cTn id="22" presetID="10" presetClass="entr" presetSubtype="0" fill="hold" grpId="0" nodeType="afterEffect">
+                                  <p:stCondLst>
+                                    <p:cond delay="0"/>
+                                  </p:stCondLst>
+                                  <p:childTnLst>
+                                    <p:set>
+                                      <p:cBhvr>
+                                        <p:cTn id="23" dur="1" fill="hold">
+                                          <p:stCondLst>
+                                            <p:cond delay="0"/>
+                                          </p:stCondLst>
+                                        </p:cTn>
+                                        <p:tgtEl>
+                                          <p:spTgt spid="13"/>
+                                        </p:tgtEl>
+                                        <p:attrNameLst>
+                                          <p:attrName>style.visibility</p:attrName>
+                                        </p:attrNameLst>
+                                      </p:cBhvr>
+                                      <p:to>
+                                        <p:strVal val="visible"/>
+                                      </p:to>
+                                    </p:set>
+                                    <p:animEffect transition="in" filter="fade">
+                                      <p:cBhvr>
+                                        <p:cTn id="24" dur="500"/>
+                                        <p:tgtEl>
+                                          <p:spTgt spid="13"/>
+                                        </p:tgtEl>
+                                      </p:cBhvr>
+                                    </p:animEffect>
+                                  </p:childTnLst>
+                                </p:cTn>
+                              </p:par>
+                            </p:childTnLst>
+                          </p:cTn>
+                        </p:par>
+                        <p:par>
+                          <p:cTn id="25" fill="hold">
+                            <p:stCondLst>
+                              <p:cond delay="1000"/>
+                            </p:stCondLst>
+                            <p:childTnLst>
+                              <p:par>
+                                <p:cTn id="26" presetID="10" presetClass="entr" presetSubtype="0" fill="hold" nodeType="afterEffect">
+                                  <p:stCondLst>
+                                    <p:cond delay="0"/>
+                                  </p:stCondLst>
+                                  <p:childTnLst>
+                                    <p:set>
+                                      <p:cBhvr>
+                                        <p:cTn id="27" dur="1" fill="hold">
+                                          <p:stCondLst>
+                                            <p:cond delay="0"/>
+                                          </p:stCondLst>
+                                        </p:cTn>
+                                        <p:tgtEl>
+                                          <p:spTgt spid="6"/>
+                                        </p:tgtEl>
+                                        <p:attrNameLst>
+                                          <p:attrName>style.visibility</p:attrName>
+                                        </p:attrNameLst>
+                                      </p:cBhvr>
+                                      <p:to>
+                                        <p:strVal val="visible"/>
+                                      </p:to>
+                                    </p:set>
+                                    <p:animEffect transition="in" filter="fade">
+                                      <p:cBhvr>
+                                        <p:cTn id="28" dur="500"/>
+                                        <p:tgtEl>
+                                          <p:spTgt spid="6"/>
+                                        </p:tgtEl>
+                                      </p:cBhvr>
+                                    </p:animEffect>
+                                  </p:childTnLst>
+                                </p:cTn>
+                              </p:par>
+                            </p:childTnLst>
+                          </p:cTn>
+                        </p:par>
+                      </p:childTnLst>
+                    </p:cTn>
+                  </p:par>
+                </p:childTnLst>
+              </p:cTn>
+              <p:prevCondLst>
+                <p:cond evt="onPrev" delay="0">
+                  <p:tgtEl>
+                    <p:sldTgt/>
+                  </p:tgtEl>
+                </p:cond>
+              </p:prevCondLst>
+              <p:nextCondLst>
+                <p:cond evt="onNext" delay="0">
+                  <p:tgtEl>
+                    <p:sldTgt/>
+                  </p:tgtEl>
+                </p:cond>
+              </p:nextCondLst>
+            </p:seq>
+          </p:childTnLst>
+        </p:cTn>
+      </p:par>
+    </p:tnLst>
+    <p:bldLst>
+      <p:bldP spid="16" grpId="0"/>
+      <p:bldP spid="16" grpId="1"/>
+      <p:bldP spid="13" grpId="0"/>
+    </p:bldLst>
+  </p:timing>
+</p:sld>
+</file>
+
+<file path=ppt/slides/slide24.xml><?xml version="1.0" encoding="utf-8"?>
+<p:sld xmlns:a="http://schemas.openxmlformats.org/drawingml/2006/main" xmlns:r="http://schemas.openxmlformats.org/officeDocument/2006/relationships" xmlns:p="http://schemas.openxmlformats.org/presentationml/2006/main">
+  <p:cSld>
+    <p:spTree>
+      <p:nvGrpSpPr>
+        <p:cNvPr id="1" name=""/>
+        <p:cNvGrpSpPr/>
+        <p:nvPr/>
+      </p:nvGrpSpPr>
+      <p:grpSpPr>
+        <a:xfrm>
+          <a:off x="0" y="0"/>
+          <a:ext cx="0" cy="0"/>
+          <a:chOff x="0" y="0"/>
+          <a:chExt cx="0" cy="0"/>
+        </a:xfrm>
+      </p:grpSpPr>
+      <p:sp>
+        <p:nvSpPr>
+          <p:cNvPr id="8" name="Rectangle 7"/>
+          <p:cNvSpPr/>
+          <p:nvPr/>
+        </p:nvSpPr>
+        <p:spPr>
+          <a:xfrm>
+            <a:off x="0" y="0"/>
+            <a:ext cx="12192000" cy="6857999"/>
+          </a:xfrm>
+          <a:prstGeom prst="rect">
+            <a:avLst/>
+          </a:prstGeom>
+          <a:solidFill>
+            <a:schemeClr val="tx1">
+              <a:lumMod val="75000"/>
+            </a:schemeClr>
+          </a:solidFill>
+          <a:ln>
+            <a:noFill/>
+          </a:ln>
+        </p:spPr>
+        <p:style>
+          <a:lnRef idx="2">
+            <a:schemeClr val="accent1">
+              <a:shade val="50000"/>
+            </a:schemeClr>
+          </a:lnRef>
+          <a:fillRef idx="1">
+            <a:schemeClr val="accent1"/>
+          </a:fillRef>
+          <a:effectRef idx="0">
+            <a:schemeClr val="accent1"/>
+          </a:effectRef>
+          <a:fontRef idx="minor">
+            <a:schemeClr val="lt1"/>
+          </a:fontRef>
+        </p:style>
+        <p:txBody>
+          <a:bodyPr rtlCol="0" anchor="ctr"/>
+          <a:lstStyle/>
+          <a:p>
+            <a:pPr algn="ctr"/>
+            <a:endParaRPr lang="en-GB"/>
+          </a:p>
+        </p:txBody>
+      </p:sp>
+      <p:sp>
+        <p:nvSpPr>
+          <p:cNvPr id="9" name="Rectangle 8"/>
+          <p:cNvSpPr/>
+          <p:nvPr/>
+        </p:nvSpPr>
+        <p:spPr>
+          <a:xfrm>
+            <a:off x="0" y="329650"/>
+            <a:ext cx="12192000" cy="6172198"/>
+          </a:xfrm>
+          <a:prstGeom prst="rect">
+            <a:avLst/>
+          </a:prstGeom>
+          <a:solidFill>
+            <a:schemeClr val="accent1">
+              <a:lumMod val="50000"/>
+              <a:alpha val="70000"/>
+            </a:schemeClr>
+          </a:solidFill>
+          <a:ln>
+            <a:noFill/>
+          </a:ln>
+        </p:spPr>
+        <p:style>
+          <a:lnRef idx="2">
+            <a:schemeClr val="accent1">
+              <a:shade val="50000"/>
+            </a:schemeClr>
+          </a:lnRef>
+          <a:fillRef idx="1">
+            <a:schemeClr val="accent1"/>
+          </a:fillRef>
+          <a:effectRef idx="0">
+            <a:schemeClr val="accent1"/>
+          </a:effectRef>
+          <a:fontRef idx="minor">
+            <a:schemeClr val="lt1"/>
+          </a:fontRef>
+        </p:style>
+        <p:txBody>
+          <a:bodyPr rtlCol="0" anchor="ctr"/>
+          <a:lstStyle/>
+          <a:p>
+            <a:pPr algn="ctr"/>
+            <a:endParaRPr lang="en-GB"/>
+          </a:p>
+        </p:txBody>
+      </p:sp>
+      <p:sp>
+        <p:nvSpPr>
+          <p:cNvPr id="49" name="TextBox 48">
+            <a:extLst>
+              <a:ext uri="{FF2B5EF4-FFF2-40B4-BE49-F238E27FC236}">
+                <a16:creationId xmlns:a16="http://schemas.microsoft.com/office/drawing/2014/main" id="{EF4DB629-BA9A-4201-A455-B0458C585E1F}"/>
+              </a:ext>
+            </a:extLst>
+          </p:cNvPr>
+          <p:cNvSpPr txBox="1"/>
+          <p:nvPr/>
+        </p:nvSpPr>
+        <p:spPr>
+          <a:xfrm>
+            <a:off x="410964" y="342900"/>
+            <a:ext cx="8878809" cy="523220"/>
+          </a:xfrm>
+          <a:prstGeom prst="rect">
+            <a:avLst/>
+          </a:prstGeom>
+          <a:noFill/>
+          <a:ln>
+            <a:solidFill>
+              <a:srgbClr val="163755"/>
+            </a:solidFill>
+          </a:ln>
+        </p:spPr>
+        <p:txBody>
+          <a:bodyPr wrap="square" rtlCol="0">
+            <a:spAutoFit/>
+          </a:bodyPr>
+          <a:lstStyle/>
+          <a:p>
+            <a:r>
+              <a:rPr lang="en-US" sz="2800">
+                <a:solidFill>
+                  <a:schemeClr val="bg1"/>
+                </a:solidFill>
+                <a:latin typeface="Lato" panose="020F0502020204030203" pitchFamily="34" charset="0"/>
+              </a:rPr>
+              <a:t>4. Thực thi script</a:t>
+            </a:r>
+            <a:endParaRPr lang="en-GB" sz="2800">
+              <a:solidFill>
+                <a:schemeClr val="bg1"/>
+              </a:solidFill>
+              <a:latin typeface="Lato" panose="020F0502020204030203" pitchFamily="34" charset="0"/>
+            </a:endParaRPr>
+          </a:p>
+        </p:txBody>
+      </p:sp>
+      <p:cxnSp>
+        <p:nvCxnSpPr>
+          <p:cNvPr id="4" name="Straight Connector 3">
+            <a:extLst>
+              <a:ext uri="{FF2B5EF4-FFF2-40B4-BE49-F238E27FC236}">
+                <a16:creationId xmlns:a16="http://schemas.microsoft.com/office/drawing/2014/main" id="{76AC370D-754E-45CF-B5E9-44869AF3FC5C}"/>
+              </a:ext>
+            </a:extLst>
+          </p:cNvPr>
+          <p:cNvCxnSpPr/>
+          <p:nvPr/>
+        </p:nvCxnSpPr>
+        <p:spPr>
+          <a:xfrm>
+            <a:off x="410965" y="866120"/>
+            <a:ext cx="11159849" cy="0"/>
+          </a:xfrm>
+          <a:prstGeom prst="line">
+            <a:avLst/>
+          </a:prstGeom>
+        </p:spPr>
+        <p:style>
+          <a:lnRef idx="1">
+            <a:schemeClr val="accent1"/>
+          </a:lnRef>
+          <a:fillRef idx="0">
+            <a:schemeClr val="accent1"/>
+          </a:fillRef>
+          <a:effectRef idx="0">
+            <a:schemeClr val="accent1"/>
+          </a:effectRef>
+          <a:fontRef idx="minor">
+            <a:schemeClr val="tx1"/>
+          </a:fontRef>
+        </p:style>
+      </p:cxnSp>
+      <p:sp>
+        <p:nvSpPr>
+          <p:cNvPr id="7" name="Rectangle 6">
+            <a:extLst>
+              <a:ext uri="{FF2B5EF4-FFF2-40B4-BE49-F238E27FC236}">
+                <a16:creationId xmlns:a16="http://schemas.microsoft.com/office/drawing/2014/main" id="{5078B5CA-F84A-40A2-BE71-8BAB249CEBD5}"/>
+              </a:ext>
+            </a:extLst>
+          </p:cNvPr>
+          <p:cNvSpPr/>
+          <p:nvPr/>
+        </p:nvSpPr>
+        <p:spPr>
+          <a:xfrm>
+            <a:off x="410964" y="973841"/>
+            <a:ext cx="4386322" cy="461665"/>
+          </a:xfrm>
+          <a:prstGeom prst="rect">
+            <a:avLst/>
+          </a:prstGeom>
+        </p:spPr>
+        <p:txBody>
+          <a:bodyPr wrap="square">
+            <a:spAutoFit/>
+          </a:bodyPr>
+          <a:lstStyle/>
+          <a:p>
+            <a:pPr indent="457200"/>
+            <a:endParaRPr lang="en-GB" sz="2400">
+              <a:solidFill>
+                <a:schemeClr val="bg1"/>
+              </a:solidFill>
+            </a:endParaRPr>
+          </a:p>
+        </p:txBody>
+      </p:sp>
+      <p:sp>
+        <p:nvSpPr>
+          <p:cNvPr id="11" name="Rectangle 10">
+            <a:extLst>
+              <a:ext uri="{FF2B5EF4-FFF2-40B4-BE49-F238E27FC236}">
+                <a16:creationId xmlns:a16="http://schemas.microsoft.com/office/drawing/2014/main" id="{7411345E-C26A-4C86-AA1F-ED336CC6547E}"/>
+              </a:ext>
+            </a:extLst>
+          </p:cNvPr>
+          <p:cNvSpPr/>
+          <p:nvPr/>
+        </p:nvSpPr>
+        <p:spPr>
+          <a:xfrm>
+            <a:off x="740457" y="4153638"/>
+            <a:ext cx="3646014" cy="461665"/>
+          </a:xfrm>
+          <a:prstGeom prst="rect">
+            <a:avLst/>
+          </a:prstGeom>
+        </p:spPr>
+        <p:txBody>
+          <a:bodyPr wrap="square">
+            <a:spAutoFit/>
+          </a:bodyPr>
+          <a:lstStyle/>
+          <a:p>
+            <a:pPr indent="457200"/>
+            <a:endParaRPr lang="en-GB" sz="2400"/>
+          </a:p>
+        </p:txBody>
+      </p:sp>
+      <p:sp>
+        <p:nvSpPr>
+          <p:cNvPr id="16" name="Rectangle 15">
+            <a:extLst>
+              <a:ext uri="{FF2B5EF4-FFF2-40B4-BE49-F238E27FC236}">
+                <a16:creationId xmlns:a16="http://schemas.microsoft.com/office/drawing/2014/main" id="{12EF737A-15CC-45B7-AB68-0C3373DCBB25}"/>
+              </a:ext>
+            </a:extLst>
+          </p:cNvPr>
+          <p:cNvSpPr/>
+          <p:nvPr/>
+        </p:nvSpPr>
+        <p:spPr>
+          <a:xfrm>
+            <a:off x="410964" y="918597"/>
+            <a:ext cx="11159849" cy="461665"/>
+          </a:xfrm>
+          <a:prstGeom prst="rect">
+            <a:avLst/>
+          </a:prstGeom>
+        </p:spPr>
+        <p:txBody>
+          <a:bodyPr wrap="square">
+            <a:spAutoFit/>
+          </a:bodyPr>
+          <a:lstStyle/>
+          <a:p>
+            <a:pPr algn="just"/>
+            <a:r>
+              <a:rPr lang="en-GB" sz="2400">
+                <a:solidFill>
+                  <a:schemeClr val="bg1"/>
+                </a:solidFill>
+              </a:rPr>
+              <a:t>Giao diện màn hình thực thi:</a:t>
+            </a:r>
+          </a:p>
+        </p:txBody>
+      </p:sp>
+      <p:pic>
+        <p:nvPicPr>
+          <p:cNvPr id="3" name="Picture 2" descr="Text&#10;&#10;Description automatically generated with medium confidence">
+            <a:extLst>
+              <a:ext uri="{FF2B5EF4-FFF2-40B4-BE49-F238E27FC236}">
+                <a16:creationId xmlns:a16="http://schemas.microsoft.com/office/drawing/2014/main" id="{651EF985-9656-4DCB-8391-A4D0E152FC9B}"/>
+              </a:ext>
+            </a:extLst>
+          </p:cNvPr>
+          <p:cNvPicPr>
+            <a:picLocks noChangeAspect="1"/>
+          </p:cNvPicPr>
+          <p:nvPr/>
+        </p:nvPicPr>
+        <p:blipFill>
+          <a:blip r:embed="rId2">
+            <a:extLst>
+              <a:ext uri="{28A0092B-C50C-407E-A947-70E740481C1C}">
+                <a14:useLocalDpi xmlns:a14="http://schemas.microsoft.com/office/drawing/2010/main" val="0"/>
+              </a:ext>
+            </a:extLst>
+          </a:blip>
+          <a:stretch>
+            <a:fillRect/>
+          </a:stretch>
+        </p:blipFill>
+        <p:spPr>
+          <a:xfrm>
+            <a:off x="410964" y="1380262"/>
+            <a:ext cx="11159849" cy="5121586"/>
+          </a:xfrm>
+          <a:prstGeom prst="rect">
+            <a:avLst/>
+          </a:prstGeom>
+        </p:spPr>
+      </p:pic>
+    </p:spTree>
+    <p:extLst>
+      <p:ext uri="{BB962C8B-B14F-4D97-AF65-F5344CB8AC3E}">
+        <p14:creationId xmlns:p14="http://schemas.microsoft.com/office/powerpoint/2010/main" val="1941349732"/>
+      </p:ext>
+    </p:extLst>
+  </p:cSld>
+  <p:clrMapOvr>
+    <a:masterClrMapping/>
+  </p:clrMapOvr>
+  <mc:AlternateContent xmlns:mc="http://schemas.openxmlformats.org/markup-compatibility/2006">
+    <mc:Choice xmlns:p14="http://schemas.microsoft.com/office/powerpoint/2010/main" Requires="p14">
+      <p:transition spd="med" p14:dur="700">
+        <p:fade/>
+      </p:transition>
+    </mc:Choice>
+    <mc:Fallback>
+      <p:transition spd="med">
+        <p:fade/>
+      </p:transition>
+    </mc:Fallback>
+  </mc:AlternateContent>
+  <p:timing>
+    <p:tnLst>
+      <p:par>
+        <p:cTn id="1" dur="indefinite" restart="never" nodeType="tmRoot">
+          <p:childTnLst>
+            <p:seq concurrent="1" nextAc="seek">
+              <p:cTn id="2" dur="indefinite" nodeType="mainSeq">
+                <p:childTnLst>
+                  <p:par>
+                    <p:cTn id="3" fill="hold">
+                      <p:stCondLst>
+                        <p:cond delay="indefinite"/>
+                        <p:cond evt="onBegin" delay="0">
+                          <p:tn val="2"/>
+                        </p:cond>
+                      </p:stCondLst>
+                      <p:childTnLst>
+                        <p:par>
+                          <p:cTn id="4" fill="hold">
+                            <p:stCondLst>
+                              <p:cond delay="0"/>
+                            </p:stCondLst>
+                            <p:childTnLst>
+                              <p:par>
+                                <p:cTn id="5" presetID="10" presetClass="entr" presetSubtype="0" fill="hold" grpId="0" nodeType="afterEffect">
+                                  <p:stCondLst>
+                                    <p:cond delay="0"/>
+                                  </p:stCondLst>
+                                  <p:childTnLst>
+                                    <p:set>
+                                      <p:cBhvr>
+                                        <p:cTn id="6" dur="1" fill="hold">
+                                          <p:stCondLst>
+                                            <p:cond delay="0"/>
+                                          </p:stCondLst>
+                                        </p:cTn>
+                                        <p:tgtEl>
+                                          <p:spTgt spid="16"/>
+                                        </p:tgtEl>
+                                        <p:attrNameLst>
+                                          <p:attrName>style.visibility</p:attrName>
+                                        </p:attrNameLst>
+                                      </p:cBhvr>
+                                      <p:to>
+                                        <p:strVal val="visible"/>
+                                      </p:to>
+                                    </p:set>
+                                    <p:animEffect transition="in" filter="fade">
+                                      <p:cBhvr>
+                                        <p:cTn id="7" dur="500"/>
+                                        <p:tgtEl>
+                                          <p:spTgt spid="16"/>
+                                        </p:tgtEl>
+                                      </p:cBhvr>
+                                    </p:animEffect>
+                                  </p:childTnLst>
+                                </p:cTn>
+                              </p:par>
+                            </p:childTnLst>
+                          </p:cTn>
+                        </p:par>
+                      </p:childTnLst>
+                    </p:cTn>
+                  </p:par>
+                  <p:par>
+                    <p:cTn id="8" fill="hold">
+                      <p:stCondLst>
+                        <p:cond delay="indefinite"/>
+                      </p:stCondLst>
+                      <p:childTnLst>
+                        <p:par>
+                          <p:cTn id="9" fill="hold">
+                            <p:stCondLst>
+                              <p:cond delay="0"/>
+                            </p:stCondLst>
+                            <p:childTnLst>
+                              <p:par>
+                                <p:cTn id="10" presetID="10" presetClass="entr" presetSubtype="0" fill="hold" nodeType="clickEffect">
+                                  <p:stCondLst>
+                                    <p:cond delay="0"/>
+                                  </p:stCondLst>
+                                  <p:childTnLst>
+                                    <p:set>
+                                      <p:cBhvr>
+                                        <p:cTn id="11" dur="1" fill="hold">
+                                          <p:stCondLst>
+                                            <p:cond delay="0"/>
+                                          </p:stCondLst>
+                                        </p:cTn>
+                                        <p:tgtEl>
+                                          <p:spTgt spid="3"/>
+                                        </p:tgtEl>
+                                        <p:attrNameLst>
+                                          <p:attrName>style.visibility</p:attrName>
+                                        </p:attrNameLst>
+                                      </p:cBhvr>
+                                      <p:to>
+                                        <p:strVal val="visible"/>
+                                      </p:to>
+                                    </p:set>
+                                    <p:animEffect transition="in" filter="fade">
+                                      <p:cBhvr>
+                                        <p:cTn id="12" dur="500"/>
+                                        <p:tgtEl>
+                                          <p:spTgt spid="3"/>
+                                        </p:tgtEl>
+                                      </p:cBhvr>
+                                    </p:animEffect>
+                                  </p:childTnLst>
+                                </p:cTn>
+                              </p:par>
+                            </p:childTnLst>
+                          </p:cTn>
+                        </p:par>
+                      </p:childTnLst>
+                    </p:cTn>
+                  </p:par>
+                </p:childTnLst>
+              </p:cTn>
+              <p:prevCondLst>
+                <p:cond evt="onPrev" delay="0">
+                  <p:tgtEl>
+                    <p:sldTgt/>
+                  </p:tgtEl>
+                </p:cond>
+              </p:prevCondLst>
+              <p:nextCondLst>
+                <p:cond evt="onNext" delay="0">
+                  <p:tgtEl>
+                    <p:sldTgt/>
+                  </p:tgtEl>
+                </p:cond>
+              </p:nextCondLst>
+            </p:seq>
+          </p:childTnLst>
+        </p:cTn>
+      </p:par>
+    </p:tnLst>
+    <p:bldLst>
+      <p:bldP spid="16" grpId="0"/>
+    </p:bldLst>
+  </p:timing>
+</p:sld>
+</file>
+
+<file path=ppt/slides/slide25.xml><?xml version="1.0" encoding="utf-8"?>
+<p:sld xmlns:a="http://schemas.openxmlformats.org/drawingml/2006/main" xmlns:r="http://schemas.openxmlformats.org/officeDocument/2006/relationships" xmlns:p="http://schemas.openxmlformats.org/presentationml/2006/main">
+  <p:cSld>
+    <p:spTree>
+      <p:nvGrpSpPr>
+        <p:cNvPr id="1" name=""/>
+        <p:cNvGrpSpPr/>
+        <p:nvPr/>
+      </p:nvGrpSpPr>
+      <p:grpSpPr>
+        <a:xfrm>
+          <a:off x="0" y="0"/>
+          <a:ext cx="0" cy="0"/>
+          <a:chOff x="0" y="0"/>
+          <a:chExt cx="0" cy="0"/>
+        </a:xfrm>
+      </p:grpSpPr>
+      <p:sp>
+        <p:nvSpPr>
+          <p:cNvPr id="8" name="Rectangle 7"/>
+          <p:cNvSpPr/>
+          <p:nvPr/>
+        </p:nvSpPr>
+        <p:spPr>
+          <a:xfrm>
+            <a:off x="0" y="0"/>
+            <a:ext cx="12192000" cy="6857999"/>
+          </a:xfrm>
+          <a:prstGeom prst="rect">
+            <a:avLst/>
+          </a:prstGeom>
+          <a:solidFill>
+            <a:schemeClr val="tx1">
+              <a:lumMod val="75000"/>
+            </a:schemeClr>
+          </a:solidFill>
+          <a:ln>
+            <a:noFill/>
+          </a:ln>
+        </p:spPr>
+        <p:style>
+          <a:lnRef idx="2">
+            <a:schemeClr val="accent1">
+              <a:shade val="50000"/>
+            </a:schemeClr>
+          </a:lnRef>
+          <a:fillRef idx="1">
+            <a:schemeClr val="accent1"/>
+          </a:fillRef>
+          <a:effectRef idx="0">
+            <a:schemeClr val="accent1"/>
+          </a:effectRef>
+          <a:fontRef idx="minor">
+            <a:schemeClr val="lt1"/>
+          </a:fontRef>
+        </p:style>
+        <p:txBody>
+          <a:bodyPr rtlCol="0" anchor="ctr"/>
+          <a:lstStyle/>
+          <a:p>
+            <a:pPr algn="ctr"/>
+            <a:endParaRPr lang="en-GB"/>
+          </a:p>
+        </p:txBody>
+      </p:sp>
+      <p:sp>
+        <p:nvSpPr>
+          <p:cNvPr id="9" name="Rectangle 8"/>
+          <p:cNvSpPr/>
+          <p:nvPr/>
+        </p:nvSpPr>
+        <p:spPr>
+          <a:xfrm>
+            <a:off x="0" y="329650"/>
+            <a:ext cx="12192000" cy="6172198"/>
+          </a:xfrm>
+          <a:prstGeom prst="rect">
+            <a:avLst/>
+          </a:prstGeom>
+          <a:solidFill>
+            <a:schemeClr val="accent1">
+              <a:lumMod val="50000"/>
+              <a:alpha val="70000"/>
+            </a:schemeClr>
+          </a:solidFill>
+          <a:ln>
+            <a:noFill/>
+          </a:ln>
+        </p:spPr>
+        <p:style>
+          <a:lnRef idx="2">
+            <a:schemeClr val="accent1">
+              <a:shade val="50000"/>
+            </a:schemeClr>
+          </a:lnRef>
+          <a:fillRef idx="1">
+            <a:schemeClr val="accent1"/>
+          </a:fillRef>
+          <a:effectRef idx="0">
+            <a:schemeClr val="accent1"/>
+          </a:effectRef>
+          <a:fontRef idx="minor">
+            <a:schemeClr val="lt1"/>
+          </a:fontRef>
+        </p:style>
+        <p:txBody>
+          <a:bodyPr rtlCol="0" anchor="ctr"/>
+          <a:lstStyle/>
+          <a:p>
+            <a:pPr algn="ctr"/>
+            <a:endParaRPr lang="en-GB"/>
+          </a:p>
+        </p:txBody>
+      </p:sp>
+      <p:sp>
+        <p:nvSpPr>
+          <p:cNvPr id="49" name="TextBox 48">
+            <a:extLst>
+              <a:ext uri="{FF2B5EF4-FFF2-40B4-BE49-F238E27FC236}">
+                <a16:creationId xmlns:a16="http://schemas.microsoft.com/office/drawing/2014/main" id="{EF4DB629-BA9A-4201-A455-B0458C585E1F}"/>
+              </a:ext>
+            </a:extLst>
+          </p:cNvPr>
+          <p:cNvSpPr txBox="1"/>
+          <p:nvPr/>
+        </p:nvSpPr>
+        <p:spPr>
+          <a:xfrm>
+            <a:off x="410964" y="342900"/>
+            <a:ext cx="8878809" cy="523220"/>
+          </a:xfrm>
+          <a:prstGeom prst="rect">
+            <a:avLst/>
+          </a:prstGeom>
+          <a:noFill/>
+          <a:ln>
+            <a:solidFill>
+              <a:srgbClr val="163755"/>
+            </a:solidFill>
+          </a:ln>
+        </p:spPr>
+        <p:txBody>
+          <a:bodyPr wrap="square" rtlCol="0">
+            <a:spAutoFit/>
+          </a:bodyPr>
+          <a:lstStyle/>
+          <a:p>
+            <a:r>
+              <a:rPr lang="en-US" sz="2800">
+                <a:solidFill>
+                  <a:schemeClr val="bg1"/>
+                </a:solidFill>
+                <a:latin typeface="Lato" panose="020F0502020204030203" pitchFamily="34" charset="0"/>
+              </a:rPr>
+              <a:t>4. Thực thi ứng dụng</a:t>
+            </a:r>
+            <a:endParaRPr lang="en-GB" sz="2800">
+              <a:solidFill>
+                <a:schemeClr val="bg1"/>
+              </a:solidFill>
+              <a:latin typeface="Lato" panose="020F0502020204030203" pitchFamily="34" charset="0"/>
+            </a:endParaRPr>
+          </a:p>
+        </p:txBody>
+      </p:sp>
+      <p:cxnSp>
+        <p:nvCxnSpPr>
+          <p:cNvPr id="4" name="Straight Connector 3">
+            <a:extLst>
+              <a:ext uri="{FF2B5EF4-FFF2-40B4-BE49-F238E27FC236}">
+                <a16:creationId xmlns:a16="http://schemas.microsoft.com/office/drawing/2014/main" id="{76AC370D-754E-45CF-B5E9-44869AF3FC5C}"/>
+              </a:ext>
+            </a:extLst>
+          </p:cNvPr>
+          <p:cNvCxnSpPr/>
+          <p:nvPr/>
+        </p:nvCxnSpPr>
+        <p:spPr>
+          <a:xfrm>
+            <a:off x="410965" y="866120"/>
+            <a:ext cx="11159849" cy="0"/>
+          </a:xfrm>
+          <a:prstGeom prst="line">
+            <a:avLst/>
+          </a:prstGeom>
+        </p:spPr>
+        <p:style>
+          <a:lnRef idx="1">
+            <a:schemeClr val="accent1"/>
+          </a:lnRef>
+          <a:fillRef idx="0">
+            <a:schemeClr val="accent1"/>
+          </a:fillRef>
+          <a:effectRef idx="0">
+            <a:schemeClr val="accent1"/>
+          </a:effectRef>
+          <a:fontRef idx="minor">
+            <a:schemeClr val="tx1"/>
+          </a:fontRef>
+        </p:style>
+      </p:cxnSp>
+      <p:sp>
+        <p:nvSpPr>
+          <p:cNvPr id="7" name="Rectangle 6">
+            <a:extLst>
+              <a:ext uri="{FF2B5EF4-FFF2-40B4-BE49-F238E27FC236}">
+                <a16:creationId xmlns:a16="http://schemas.microsoft.com/office/drawing/2014/main" id="{5078B5CA-F84A-40A2-BE71-8BAB249CEBD5}"/>
+              </a:ext>
+            </a:extLst>
+          </p:cNvPr>
+          <p:cNvSpPr/>
+          <p:nvPr/>
+        </p:nvSpPr>
+        <p:spPr>
+          <a:xfrm>
+            <a:off x="410964" y="973841"/>
+            <a:ext cx="4386322" cy="461665"/>
+          </a:xfrm>
+          <a:prstGeom prst="rect">
+            <a:avLst/>
+          </a:prstGeom>
+        </p:spPr>
+        <p:txBody>
+          <a:bodyPr wrap="square">
+            <a:spAutoFit/>
+          </a:bodyPr>
+          <a:lstStyle/>
+          <a:p>
+            <a:pPr indent="457200"/>
+            <a:endParaRPr lang="en-GB" sz="2400">
+              <a:solidFill>
+                <a:schemeClr val="bg1"/>
+              </a:solidFill>
+            </a:endParaRPr>
+          </a:p>
+        </p:txBody>
+      </p:sp>
+      <p:sp>
+        <p:nvSpPr>
+          <p:cNvPr id="11" name="Rectangle 10">
+            <a:extLst>
+              <a:ext uri="{FF2B5EF4-FFF2-40B4-BE49-F238E27FC236}">
+                <a16:creationId xmlns:a16="http://schemas.microsoft.com/office/drawing/2014/main" id="{7411345E-C26A-4C86-AA1F-ED336CC6547E}"/>
+              </a:ext>
+            </a:extLst>
+          </p:cNvPr>
+          <p:cNvSpPr/>
+          <p:nvPr/>
+        </p:nvSpPr>
+        <p:spPr>
+          <a:xfrm>
+            <a:off x="740457" y="4153638"/>
+            <a:ext cx="3646014" cy="461665"/>
+          </a:xfrm>
+          <a:prstGeom prst="rect">
+            <a:avLst/>
+          </a:prstGeom>
+        </p:spPr>
+        <p:txBody>
+          <a:bodyPr wrap="square">
+            <a:spAutoFit/>
+          </a:bodyPr>
+          <a:lstStyle/>
+          <a:p>
+            <a:pPr indent="457200"/>
+            <a:endParaRPr lang="en-GB" sz="2400"/>
+          </a:p>
+        </p:txBody>
+      </p:sp>
+      <p:pic>
+        <p:nvPicPr>
+          <p:cNvPr id="10" name="Picture 9" descr="Diagram&#10;&#10;Description automatically generated with medium confidence">
+            <a:extLst>
+              <a:ext uri="{FF2B5EF4-FFF2-40B4-BE49-F238E27FC236}">
+                <a16:creationId xmlns:a16="http://schemas.microsoft.com/office/drawing/2014/main" id="{8F13CEC5-245A-4A3A-9C29-D67EC4636DAE}"/>
+              </a:ext>
+            </a:extLst>
+          </p:cNvPr>
+          <p:cNvPicPr>
+            <a:picLocks noChangeAspect="1"/>
+          </p:cNvPicPr>
+          <p:nvPr/>
+        </p:nvPicPr>
+        <p:blipFill>
+          <a:blip r:embed="rId2">
+            <a:extLst>
+              <a:ext uri="{28A0092B-C50C-407E-A947-70E740481C1C}">
+                <a14:useLocalDpi xmlns:a14="http://schemas.microsoft.com/office/drawing/2010/main" val="0"/>
+              </a:ext>
+            </a:extLst>
+          </a:blip>
+          <a:stretch>
+            <a:fillRect/>
+          </a:stretch>
+        </p:blipFill>
+        <p:spPr>
+          <a:xfrm>
+            <a:off x="410964" y="879370"/>
+            <a:ext cx="11159849" cy="5622475"/>
+          </a:xfrm>
+          <a:prstGeom prst="rect">
+            <a:avLst/>
+          </a:prstGeom>
+        </p:spPr>
+      </p:pic>
+      <p:pic>
+        <p:nvPicPr>
+          <p:cNvPr id="13" name="Picture 12" descr="Table&#10;&#10;Description automatically generated">
+            <a:extLst>
+              <a:ext uri="{FF2B5EF4-FFF2-40B4-BE49-F238E27FC236}">
+                <a16:creationId xmlns:a16="http://schemas.microsoft.com/office/drawing/2014/main" id="{F96BD339-2003-4A09-9C54-F8B45C9FE9BE}"/>
+              </a:ext>
+            </a:extLst>
+          </p:cNvPr>
+          <p:cNvPicPr>
+            <a:picLocks noChangeAspect="1"/>
+          </p:cNvPicPr>
+          <p:nvPr/>
+        </p:nvPicPr>
+        <p:blipFill>
+          <a:blip r:embed="rId3">
+            <a:extLst>
+              <a:ext uri="{28A0092B-C50C-407E-A947-70E740481C1C}">
+                <a14:useLocalDpi xmlns:a14="http://schemas.microsoft.com/office/drawing/2010/main" val="0"/>
+              </a:ext>
+            </a:extLst>
+          </a:blip>
+          <a:stretch>
+            <a:fillRect/>
+          </a:stretch>
+        </p:blipFill>
+        <p:spPr>
+          <a:xfrm>
+            <a:off x="410964" y="909641"/>
+            <a:ext cx="11159849" cy="5592203"/>
+          </a:xfrm>
+          <a:prstGeom prst="rect">
+            <a:avLst/>
+          </a:prstGeom>
+        </p:spPr>
+      </p:pic>
+    </p:spTree>
+    <p:extLst>
+      <p:ext uri="{BB962C8B-B14F-4D97-AF65-F5344CB8AC3E}">
+        <p14:creationId xmlns:p14="http://schemas.microsoft.com/office/powerpoint/2010/main" val="2384766090"/>
+      </p:ext>
+    </p:extLst>
+  </p:cSld>
+  <p:clrMapOvr>
+    <a:masterClrMapping/>
+  </p:clrMapOvr>
+  <mc:AlternateContent xmlns:mc="http://schemas.openxmlformats.org/markup-compatibility/2006">
+    <mc:Choice xmlns:p14="http://schemas.microsoft.com/office/powerpoint/2010/main" Requires="p14">
+      <p:transition spd="med" p14:dur="700">
+        <p:fade/>
+      </p:transition>
+    </mc:Choice>
+    <mc:Fallback>
+      <p:transition spd="med">
+        <p:fade/>
+      </p:transition>
+    </mc:Fallback>
+  </mc:AlternateContent>
+</p:sld>
+</file>
+
+<file path=ppt/slides/slide26.xml><?xml version="1.0" encoding="utf-8"?>
+<p:sld xmlns:a="http://schemas.openxmlformats.org/drawingml/2006/main" xmlns:r="http://schemas.openxmlformats.org/officeDocument/2006/relationships" xmlns:p="http://schemas.openxmlformats.org/presentationml/2006/main">
+  <p:cSld>
+    <p:spTree>
+      <p:nvGrpSpPr>
+        <p:cNvPr id="1" name=""/>
+        <p:cNvGrpSpPr/>
+        <p:nvPr/>
+      </p:nvGrpSpPr>
+      <p:grpSpPr>
+        <a:xfrm>
+          <a:off x="0" y="0"/>
+          <a:ext cx="0" cy="0"/>
+          <a:chOff x="0" y="0"/>
+          <a:chExt cx="0" cy="0"/>
+        </a:xfrm>
+      </p:grpSpPr>
+      <p:sp>
+        <p:nvSpPr>
+          <p:cNvPr id="4" name="Rectangle 3">
+            <a:extLst>
+              <a:ext uri="{FF2B5EF4-FFF2-40B4-BE49-F238E27FC236}">
+                <a16:creationId xmlns:a16="http://schemas.microsoft.com/office/drawing/2014/main" id="{3F850CE1-ED2C-4784-BA9E-E42BA8F08671}"/>
+              </a:ext>
+            </a:extLst>
+          </p:cNvPr>
+          <p:cNvSpPr/>
+          <p:nvPr/>
+        </p:nvSpPr>
+        <p:spPr>
+          <a:xfrm>
+            <a:off x="8086725" y="0"/>
+            <a:ext cx="2958758" cy="6858000"/>
+          </a:xfrm>
+          <a:prstGeom prst="rect">
+            <a:avLst/>
+          </a:prstGeom>
+          <a:solidFill>
+            <a:schemeClr val="tx1">
+              <a:lumMod val="75000"/>
+            </a:schemeClr>
+          </a:solidFill>
+          <a:ln>
+            <a:noFill/>
+          </a:ln>
+        </p:spPr>
+        <p:style>
+          <a:lnRef idx="2">
+            <a:schemeClr val="accent1">
+              <a:shade val="50000"/>
+            </a:schemeClr>
+          </a:lnRef>
+          <a:fillRef idx="1">
+            <a:schemeClr val="accent1"/>
+          </a:fillRef>
+          <a:effectRef idx="0">
+            <a:schemeClr val="accent1"/>
+          </a:effectRef>
+          <a:fontRef idx="minor">
+            <a:schemeClr val="lt1"/>
+          </a:fontRef>
+        </p:style>
+        <p:txBody>
+          <a:bodyPr rtlCol="0" anchor="ctr"/>
+          <a:lstStyle/>
+          <a:p>
+            <a:pPr marL="0" marR="0" lvl="0" indent="0" algn="ctr" defTabSz="914400" rtl="0" eaLnBrk="1" fontAlgn="auto" latinLnBrk="0" hangingPunct="1">
+              <a:lnSpc>
+                <a:spcPct val="100000"/>
+              </a:lnSpc>
+              <a:spcBef>
+                <a:spcPts val="0"/>
+              </a:spcBef>
+              <a:spcAft>
+                <a:spcPts val="0"/>
+              </a:spcAft>
+              <a:buClrTx/>
+              <a:buSzTx/>
+              <a:buFontTx/>
+              <a:buNone/>
+              <a:tabLst/>
+              <a:defRPr/>
+            </a:pPr>
+            <a:endParaRPr kumimoji="0" lang="en-GB" sz="1800" b="0" i="0" u="none" strike="noStrike" kern="1200" cap="none" spc="0" normalizeH="0" baseline="0" noProof="0">
+              <a:ln>
+                <a:noFill/>
+              </a:ln>
+              <a:solidFill>
+                <a:prstClr val="white"/>
+              </a:solidFill>
+              <a:effectLst/>
+              <a:uLnTx/>
+              <a:uFillTx/>
+              <a:latin typeface="Calibri Light"/>
+              <a:ea typeface="+mn-ea"/>
+              <a:cs typeface="+mn-cs"/>
+            </a:endParaRPr>
+          </a:p>
+        </p:txBody>
+      </p:sp>
+      <p:sp>
+        <p:nvSpPr>
+          <p:cNvPr id="5" name="Rectangle 4">
+            <a:extLst>
+              <a:ext uri="{FF2B5EF4-FFF2-40B4-BE49-F238E27FC236}">
+                <a16:creationId xmlns:a16="http://schemas.microsoft.com/office/drawing/2014/main" id="{D3695E95-7EB7-4409-A91A-FD2244F10924}"/>
+              </a:ext>
+            </a:extLst>
+          </p:cNvPr>
+          <p:cNvSpPr/>
+          <p:nvPr/>
+        </p:nvSpPr>
+        <p:spPr>
+          <a:xfrm>
+            <a:off x="0" y="436098"/>
+            <a:ext cx="8086725" cy="914400"/>
+          </a:xfrm>
+          <a:prstGeom prst="rect">
+            <a:avLst/>
+          </a:prstGeom>
+          <a:solidFill>
+            <a:schemeClr val="accent1">
+              <a:lumMod val="50000"/>
+            </a:schemeClr>
+          </a:solidFill>
+          <a:ln>
+            <a:noFill/>
+          </a:ln>
+          <a:effectLst>
+            <a:outerShdw blurRad="50800" dist="38100" dir="5400000" algn="t" rotWithShape="0">
+              <a:prstClr val="black">
+                <a:alpha val="40000"/>
+              </a:prstClr>
+            </a:outerShdw>
+          </a:effectLst>
+        </p:spPr>
+        <p:style>
+          <a:lnRef idx="2">
+            <a:schemeClr val="accent1">
+              <a:shade val="50000"/>
+            </a:schemeClr>
+          </a:lnRef>
+          <a:fillRef idx="1">
+            <a:schemeClr val="accent1"/>
+          </a:fillRef>
+          <a:effectRef idx="0">
+            <a:schemeClr val="accent1"/>
+          </a:effectRef>
+          <a:fontRef idx="minor">
+            <a:schemeClr val="lt1"/>
+          </a:fontRef>
+        </p:style>
+        <p:txBody>
+          <a:bodyPr rtlCol="0" anchor="ctr"/>
+          <a:lstStyle/>
+          <a:p>
+            <a:pPr marL="0" marR="0" lvl="0" indent="0" algn="ctr" defTabSz="914400" rtl="0" eaLnBrk="1" fontAlgn="auto" latinLnBrk="0" hangingPunct="1">
+              <a:lnSpc>
+                <a:spcPct val="100000"/>
+              </a:lnSpc>
+              <a:spcBef>
+                <a:spcPts val="0"/>
+              </a:spcBef>
+              <a:spcAft>
+                <a:spcPts val="0"/>
+              </a:spcAft>
+              <a:buClrTx/>
+              <a:buSzTx/>
+              <a:buFontTx/>
+              <a:buNone/>
+              <a:tabLst/>
+              <a:defRPr/>
+            </a:pPr>
+            <a:endParaRPr kumimoji="0" lang="en-GB" sz="1800" b="0" i="0" u="none" strike="noStrike" kern="1200" cap="none" spc="0" normalizeH="0" baseline="0" noProof="0">
+              <a:ln>
+                <a:noFill/>
+              </a:ln>
+              <a:solidFill>
+                <a:prstClr val="white"/>
+              </a:solidFill>
+              <a:effectLst/>
+              <a:uLnTx/>
+              <a:uFillTx/>
+              <a:latin typeface="Calibri Light"/>
+              <a:ea typeface="+mn-ea"/>
+              <a:cs typeface="+mn-cs"/>
+            </a:endParaRPr>
+          </a:p>
+        </p:txBody>
+      </p:sp>
+      <p:sp>
+        <p:nvSpPr>
+          <p:cNvPr id="6" name="TextBox 5">
+            <a:extLst>
+              <a:ext uri="{FF2B5EF4-FFF2-40B4-BE49-F238E27FC236}">
+                <a16:creationId xmlns:a16="http://schemas.microsoft.com/office/drawing/2014/main" id="{C97ADF64-6C0E-450E-8ECC-3F84A7171C98}"/>
+              </a:ext>
+            </a:extLst>
+          </p:cNvPr>
+          <p:cNvSpPr txBox="1"/>
+          <p:nvPr/>
+        </p:nvSpPr>
+        <p:spPr>
+          <a:xfrm>
+            <a:off x="608458" y="565727"/>
+            <a:ext cx="2611612" cy="646331"/>
+          </a:xfrm>
+          <a:prstGeom prst="rect">
+            <a:avLst/>
+          </a:prstGeom>
+          <a:noFill/>
+        </p:spPr>
+        <p:txBody>
+          <a:bodyPr wrap="none" rtlCol="0">
+            <a:spAutoFit/>
+          </a:bodyPr>
+          <a:lstStyle/>
+          <a:p>
+            <a:pPr marR="0" lvl="0" algn="l" defTabSz="914400" rtl="0" eaLnBrk="1" fontAlgn="auto" latinLnBrk="0" hangingPunct="1">
+              <a:lnSpc>
+                <a:spcPct val="100000"/>
+              </a:lnSpc>
+              <a:spcBef>
+                <a:spcPts val="0"/>
+              </a:spcBef>
+              <a:spcAft>
+                <a:spcPts val="0"/>
+              </a:spcAft>
+              <a:buClrTx/>
+              <a:buSzTx/>
+              <a:tabLst/>
+              <a:defRPr/>
+            </a:pPr>
+            <a:r>
+              <a:rPr lang="en-GB" sz="3600" b="1">
+                <a:solidFill>
+                  <a:srgbClr val="E7E6E6"/>
+                </a:solidFill>
+                <a:latin typeface="Lato" panose="020F0502020204030203"/>
+              </a:rPr>
+              <a:t>V.	DEMO </a:t>
+            </a:r>
+            <a:endParaRPr lang="en-GB" sz="3600" b="1" noProof="0">
+              <a:solidFill>
+                <a:srgbClr val="E7E6E6"/>
+              </a:solidFill>
+              <a:latin typeface="Lato" panose="020F0502020204030203"/>
+            </a:endParaRPr>
+          </a:p>
+        </p:txBody>
+      </p:sp>
+      <p:sp>
+        <p:nvSpPr>
+          <p:cNvPr id="7" name="Parallelogram 6">
+            <a:extLst>
+              <a:ext uri="{FF2B5EF4-FFF2-40B4-BE49-F238E27FC236}">
+                <a16:creationId xmlns:a16="http://schemas.microsoft.com/office/drawing/2014/main" id="{1FF5AB25-162F-4738-8E27-56C5A83CAA90}"/>
+              </a:ext>
+            </a:extLst>
+          </p:cNvPr>
+          <p:cNvSpPr/>
+          <p:nvPr/>
+        </p:nvSpPr>
+        <p:spPr>
+          <a:xfrm>
+            <a:off x="8086725" y="0"/>
+            <a:ext cx="2958758" cy="6858000"/>
+          </a:xfrm>
+          <a:prstGeom prst="parallelogram">
+            <a:avLst>
+              <a:gd name="adj" fmla="val 42065"/>
+            </a:avLst>
+          </a:prstGeom>
+          <a:solidFill>
+            <a:schemeClr val="accent5">
+              <a:alpha val="50000"/>
+            </a:schemeClr>
+          </a:solidFill>
+          <a:ln>
+            <a:noFill/>
+          </a:ln>
+        </p:spPr>
+        <p:style>
+          <a:lnRef idx="2">
+            <a:schemeClr val="accent1">
+              <a:shade val="50000"/>
+            </a:schemeClr>
+          </a:lnRef>
+          <a:fillRef idx="1">
+            <a:schemeClr val="accent1"/>
+          </a:fillRef>
+          <a:effectRef idx="0">
+            <a:schemeClr val="accent1"/>
+          </a:effectRef>
+          <a:fontRef idx="minor">
+            <a:schemeClr val="lt1"/>
+          </a:fontRef>
+        </p:style>
+        <p:txBody>
+          <a:bodyPr rtlCol="0" anchor="ctr"/>
+          <a:lstStyle/>
+          <a:p>
+            <a:pPr marL="0" marR="0" lvl="0" indent="0" algn="ctr" defTabSz="914400" rtl="0" eaLnBrk="1" fontAlgn="auto" latinLnBrk="0" hangingPunct="1">
+              <a:lnSpc>
+                <a:spcPct val="100000"/>
+              </a:lnSpc>
+              <a:spcBef>
+                <a:spcPts val="0"/>
+              </a:spcBef>
+              <a:spcAft>
+                <a:spcPts val="0"/>
+              </a:spcAft>
+              <a:buClrTx/>
+              <a:buSzTx/>
+              <a:buFontTx/>
+              <a:buNone/>
+              <a:tabLst/>
+              <a:defRPr/>
+            </a:pPr>
+            <a:endParaRPr kumimoji="0" lang="en-GB" sz="1800" b="0" i="0" u="none" strike="noStrike" kern="1200" cap="none" spc="0" normalizeH="0" baseline="0" noProof="0">
+              <a:ln>
+                <a:noFill/>
+              </a:ln>
+              <a:solidFill>
+                <a:prstClr val="white"/>
+              </a:solidFill>
+              <a:effectLst/>
+              <a:uLnTx/>
+              <a:uFillTx/>
+              <a:latin typeface="Calibri Light"/>
+              <a:ea typeface="+mn-ea"/>
+              <a:cs typeface="+mn-cs"/>
+            </a:endParaRPr>
+          </a:p>
+        </p:txBody>
+      </p:sp>
+    </p:spTree>
+    <p:extLst>
+      <p:ext uri="{BB962C8B-B14F-4D97-AF65-F5344CB8AC3E}">
+        <p14:creationId xmlns:p14="http://schemas.microsoft.com/office/powerpoint/2010/main" val="64422643"/>
+      </p:ext>
+    </p:extLst>
+  </p:cSld>
+  <p:clrMapOvr>
+    <a:masterClrMapping/>
+  </p:clrMapOvr>
+  <mc:AlternateContent xmlns:mc="http://schemas.openxmlformats.org/markup-compatibility/2006">
+    <mc:Choice xmlns:p14="http://schemas.microsoft.com/office/powerpoint/2010/main" Requires="p14">
+      <p:transition spd="med" p14:dur="700">
+        <p:fade/>
+      </p:transition>
+    </mc:Choice>
+    <mc:Fallback>
+      <p:transition spd="med">
+        <p:fade/>
+      </p:transition>
+    </mc:Fallback>
+  </mc:AlternateContent>
+  <p:timing>
+    <p:tnLst>
+      <p:par>
+        <p:cTn id="1" dur="indefinite" restart="never" nodeType="tmRoot">
+          <p:childTnLst>
+            <p:seq concurrent="1" nextAc="seek">
+              <p:cTn id="2" dur="indefinite" nodeType="mainSeq">
+                <p:childTnLst>
+                  <p:par>
+                    <p:cTn id="3" fill="hold">
+                      <p:stCondLst>
+                        <p:cond delay="indefinite"/>
+                        <p:cond evt="onBegin" delay="0">
+                          <p:tn val="2"/>
+                        </p:cond>
+                      </p:stCondLst>
+                      <p:childTnLst>
+                        <p:par>
+                          <p:cTn id="4" fill="hold">
+                            <p:stCondLst>
+                              <p:cond delay="0"/>
+                            </p:stCondLst>
+                            <p:childTnLst>
+                              <p:par>
+                                <p:cTn id="5" presetID="2" presetClass="entr" presetSubtype="8" fill="hold" grpId="0" nodeType="afterEffect">
+                                  <p:stCondLst>
+                                    <p:cond delay="0"/>
+                                  </p:stCondLst>
+                                  <p:childTnLst>
+                                    <p:set>
+                                      <p:cBhvr>
+                                        <p:cTn id="6" dur="1" fill="hold">
+                                          <p:stCondLst>
+                                            <p:cond delay="0"/>
+                                          </p:stCondLst>
+                                        </p:cTn>
+                                        <p:tgtEl>
+                                          <p:spTgt spid="5"/>
+                                        </p:tgtEl>
+                                        <p:attrNameLst>
+                                          <p:attrName>style.visibility</p:attrName>
+                                        </p:attrNameLst>
+                                      </p:cBhvr>
+                                      <p:to>
+                                        <p:strVal val="visible"/>
+                                      </p:to>
+                                    </p:set>
+                                    <p:anim calcmode="lin" valueType="num">
+                                      <p:cBhvr additive="base">
+                                        <p:cTn id="7" dur="500" fill="hold"/>
+                                        <p:tgtEl>
+                                          <p:spTgt spid="5"/>
+                                        </p:tgtEl>
+                                        <p:attrNameLst>
+                                          <p:attrName>ppt_x</p:attrName>
+                                        </p:attrNameLst>
+                                      </p:cBhvr>
+                                      <p:tavLst>
+                                        <p:tav tm="0">
+                                          <p:val>
+                                            <p:strVal val="0-#ppt_w/2"/>
+                                          </p:val>
+                                        </p:tav>
+                                        <p:tav tm="100000">
+                                          <p:val>
+                                            <p:strVal val="#ppt_x"/>
+                                          </p:val>
+                                        </p:tav>
+                                      </p:tavLst>
+                                    </p:anim>
+                                    <p:anim calcmode="lin" valueType="num">
+                                      <p:cBhvr additive="base">
+                                        <p:cTn id="8" dur="500" fill="hold"/>
+                                        <p:tgtEl>
+                                          <p:spTgt spid="5"/>
+                                        </p:tgtEl>
+                                        <p:attrNameLst>
+                                          <p:attrName>ppt_y</p:attrName>
+                                        </p:attrNameLst>
+                                      </p:cBhvr>
+                                      <p:tavLst>
+                                        <p:tav tm="0">
+                                          <p:val>
+                                            <p:strVal val="#ppt_y"/>
+                                          </p:val>
+                                        </p:tav>
+                                        <p:tav tm="100000">
+                                          <p:val>
+                                            <p:strVal val="#ppt_y"/>
+                                          </p:val>
+                                        </p:tav>
+                                      </p:tavLst>
+                                    </p:anim>
+                                  </p:childTnLst>
+                                </p:cTn>
+                              </p:par>
+                            </p:childTnLst>
+                          </p:cTn>
+                        </p:par>
+                        <p:par>
+                          <p:cTn id="9" fill="hold">
+                            <p:stCondLst>
+                              <p:cond delay="500"/>
+                            </p:stCondLst>
+                            <p:childTnLst>
+                              <p:par>
+                                <p:cTn id="10" presetID="2" presetClass="entr" presetSubtype="8" fill="hold" grpId="0" nodeType="afterEffect">
+                                  <p:stCondLst>
+                                    <p:cond delay="0"/>
+                                  </p:stCondLst>
+                                  <p:childTnLst>
+                                    <p:set>
+                                      <p:cBhvr>
+                                        <p:cTn id="11" dur="1" fill="hold">
+                                          <p:stCondLst>
+                                            <p:cond delay="0"/>
+                                          </p:stCondLst>
+                                        </p:cTn>
+                                        <p:tgtEl>
+                                          <p:spTgt spid="6"/>
+                                        </p:tgtEl>
+                                        <p:attrNameLst>
+                                          <p:attrName>style.visibility</p:attrName>
+                                        </p:attrNameLst>
+                                      </p:cBhvr>
+                                      <p:to>
+                                        <p:strVal val="visible"/>
+                                      </p:to>
+                                    </p:set>
+                                    <p:anim calcmode="lin" valueType="num">
+                                      <p:cBhvr additive="base">
+                                        <p:cTn id="12" dur="500" fill="hold"/>
+                                        <p:tgtEl>
+                                          <p:spTgt spid="6"/>
+                                        </p:tgtEl>
+                                        <p:attrNameLst>
+                                          <p:attrName>ppt_x</p:attrName>
+                                        </p:attrNameLst>
+                                      </p:cBhvr>
+                                      <p:tavLst>
+                                        <p:tav tm="0">
+                                          <p:val>
+                                            <p:strVal val="0-#ppt_w/2"/>
+                                          </p:val>
+                                        </p:tav>
+                                        <p:tav tm="100000">
+                                          <p:val>
+                                            <p:strVal val="#ppt_x"/>
+                                          </p:val>
+                                        </p:tav>
+                                      </p:tavLst>
+                                    </p:anim>
+                                    <p:anim calcmode="lin" valueType="num">
+                                      <p:cBhvr additive="base">
+                                        <p:cTn id="13" dur="500" fill="hold"/>
+                                        <p:tgtEl>
+                                          <p:spTgt spid="6"/>
+                                        </p:tgtEl>
+                                        <p:attrNameLst>
+                                          <p:attrName>ppt_y</p:attrName>
+                                        </p:attrNameLst>
+                                      </p:cBhvr>
+                                      <p:tavLst>
+                                        <p:tav tm="0">
+                                          <p:val>
+                                            <p:strVal val="#ppt_y"/>
+                                          </p:val>
+                                        </p:tav>
+                                        <p:tav tm="100000">
+                                          <p:val>
+                                            <p:strVal val="#ppt_y"/>
+                                          </p:val>
+                                        </p:tav>
+                                      </p:tavLst>
+                                    </p:anim>
+                                  </p:childTnLst>
+                                </p:cTn>
+                              </p:par>
+                            </p:childTnLst>
+                          </p:cTn>
+                        </p:par>
+                      </p:childTnLst>
+                    </p:cTn>
+                  </p:par>
+                </p:childTnLst>
+              </p:cTn>
+              <p:prevCondLst>
+                <p:cond evt="onPrev" delay="0">
+                  <p:tgtEl>
+                    <p:sldTgt/>
+                  </p:tgtEl>
+                </p:cond>
+              </p:prevCondLst>
+              <p:nextCondLst>
+                <p:cond evt="onNext" delay="0">
+                  <p:tgtEl>
+                    <p:sldTgt/>
+                  </p:tgtEl>
+                </p:cond>
+              </p:nextCondLst>
+            </p:seq>
+          </p:childTnLst>
+        </p:cTn>
+      </p:par>
+    </p:tnLst>
+    <p:bldLst>
+      <p:bldP spid="5" grpId="0" animBg="1"/>
+      <p:bldP spid="6" grpId="0"/>
+    </p:bldLst>
+  </p:timing>
+</p:sld>
+</file>
+
+<file path=ppt/slides/slide27.xml><?xml version="1.0" encoding="utf-8"?>
+<p:sld xmlns:a="http://schemas.openxmlformats.org/drawingml/2006/main" xmlns:r="http://schemas.openxmlformats.org/officeDocument/2006/relationships" xmlns:p="http://schemas.openxmlformats.org/presentationml/2006/main">
+  <p:cSld>
+    <p:spTree>
+      <p:nvGrpSpPr>
+        <p:cNvPr id="1" name=""/>
+        <p:cNvGrpSpPr/>
+        <p:nvPr/>
+      </p:nvGrpSpPr>
+      <p:grpSpPr>
+        <a:xfrm>
+          <a:off x="0" y="0"/>
+          <a:ext cx="0" cy="0"/>
+          <a:chOff x="0" y="0"/>
+          <a:chExt cx="0" cy="0"/>
+        </a:xfrm>
+      </p:grpSpPr>
+      <p:sp>
+        <p:nvSpPr>
+          <p:cNvPr id="4" name="Rectangle 3">
+            <a:extLst>
+              <a:ext uri="{FF2B5EF4-FFF2-40B4-BE49-F238E27FC236}">
+                <a16:creationId xmlns:a16="http://schemas.microsoft.com/office/drawing/2014/main" id="{3F850CE1-ED2C-4784-BA9E-E42BA8F08671}"/>
+              </a:ext>
+            </a:extLst>
+          </p:cNvPr>
+          <p:cNvSpPr/>
+          <p:nvPr/>
+        </p:nvSpPr>
+        <p:spPr>
+          <a:xfrm>
+            <a:off x="8086725" y="0"/>
+            <a:ext cx="2958758" cy="6858000"/>
+          </a:xfrm>
+          <a:prstGeom prst="rect">
+            <a:avLst/>
+          </a:prstGeom>
+          <a:solidFill>
+            <a:schemeClr val="tx1">
+              <a:lumMod val="75000"/>
+            </a:schemeClr>
+          </a:solidFill>
+          <a:ln>
+            <a:noFill/>
+          </a:ln>
+        </p:spPr>
+        <p:style>
+          <a:lnRef idx="2">
+            <a:schemeClr val="accent1">
+              <a:shade val="50000"/>
+            </a:schemeClr>
+          </a:lnRef>
+          <a:fillRef idx="1">
+            <a:schemeClr val="accent1"/>
+          </a:fillRef>
+          <a:effectRef idx="0">
+            <a:schemeClr val="accent1"/>
+          </a:effectRef>
+          <a:fontRef idx="minor">
+            <a:schemeClr val="lt1"/>
+          </a:fontRef>
+        </p:style>
+        <p:txBody>
+          <a:bodyPr rtlCol="0" anchor="ctr"/>
+          <a:lstStyle/>
+          <a:p>
+            <a:pPr marL="0" marR="0" lvl="0" indent="0" algn="ctr" defTabSz="914400" rtl="0" eaLnBrk="1" fontAlgn="auto" latinLnBrk="0" hangingPunct="1">
+              <a:lnSpc>
+                <a:spcPct val="100000"/>
+              </a:lnSpc>
+              <a:spcBef>
+                <a:spcPts val="0"/>
+              </a:spcBef>
+              <a:spcAft>
+                <a:spcPts val="0"/>
+              </a:spcAft>
+              <a:buClrTx/>
+              <a:buSzTx/>
+              <a:buFontTx/>
+              <a:buNone/>
+              <a:tabLst/>
+              <a:defRPr/>
+            </a:pPr>
+            <a:endParaRPr kumimoji="0" lang="en-GB" sz="1800" b="0" i="0" u="none" strike="noStrike" kern="1200" cap="none" spc="0" normalizeH="0" baseline="0" noProof="0">
+              <a:ln>
+                <a:noFill/>
+              </a:ln>
+              <a:solidFill>
+                <a:prstClr val="white"/>
+              </a:solidFill>
+              <a:effectLst/>
+              <a:uLnTx/>
+              <a:uFillTx/>
+              <a:latin typeface="Calibri Light"/>
+              <a:ea typeface="+mn-ea"/>
+              <a:cs typeface="+mn-cs"/>
+            </a:endParaRPr>
+          </a:p>
+        </p:txBody>
+      </p:sp>
+      <p:sp>
+        <p:nvSpPr>
+          <p:cNvPr id="5" name="Rectangle 4">
+            <a:extLst>
+              <a:ext uri="{FF2B5EF4-FFF2-40B4-BE49-F238E27FC236}">
+                <a16:creationId xmlns:a16="http://schemas.microsoft.com/office/drawing/2014/main" id="{D3695E95-7EB7-4409-A91A-FD2244F10924}"/>
+              </a:ext>
+            </a:extLst>
+          </p:cNvPr>
+          <p:cNvSpPr/>
+          <p:nvPr/>
+        </p:nvSpPr>
+        <p:spPr>
+          <a:xfrm>
+            <a:off x="0" y="436098"/>
+            <a:ext cx="8086725" cy="914400"/>
+          </a:xfrm>
+          <a:prstGeom prst="rect">
+            <a:avLst/>
+          </a:prstGeom>
+          <a:solidFill>
+            <a:schemeClr val="accent1">
+              <a:lumMod val="50000"/>
+            </a:schemeClr>
+          </a:solidFill>
+          <a:ln>
+            <a:noFill/>
+          </a:ln>
+          <a:effectLst>
+            <a:outerShdw blurRad="50800" dist="38100" dir="5400000" algn="t" rotWithShape="0">
+              <a:prstClr val="black">
+                <a:alpha val="40000"/>
+              </a:prstClr>
+            </a:outerShdw>
+          </a:effectLst>
+        </p:spPr>
+        <p:style>
+          <a:lnRef idx="2">
+            <a:schemeClr val="accent1">
+              <a:shade val="50000"/>
+            </a:schemeClr>
+          </a:lnRef>
+          <a:fillRef idx="1">
+            <a:schemeClr val="accent1"/>
+          </a:fillRef>
+          <a:effectRef idx="0">
+            <a:schemeClr val="accent1"/>
+          </a:effectRef>
+          <a:fontRef idx="minor">
+            <a:schemeClr val="lt1"/>
+          </a:fontRef>
+        </p:style>
+        <p:txBody>
+          <a:bodyPr rtlCol="0" anchor="ctr"/>
+          <a:lstStyle/>
+          <a:p>
+            <a:pPr marL="0" marR="0" lvl="0" indent="0" algn="ctr" defTabSz="914400" rtl="0" eaLnBrk="1" fontAlgn="auto" latinLnBrk="0" hangingPunct="1">
+              <a:lnSpc>
+                <a:spcPct val="100000"/>
+              </a:lnSpc>
+              <a:spcBef>
+                <a:spcPts val="0"/>
+              </a:spcBef>
+              <a:spcAft>
+                <a:spcPts val="0"/>
+              </a:spcAft>
+              <a:buClrTx/>
+              <a:buSzTx/>
+              <a:buFontTx/>
+              <a:buNone/>
+              <a:tabLst/>
+              <a:defRPr/>
+            </a:pPr>
+            <a:endParaRPr kumimoji="0" lang="en-GB" sz="1800" b="0" i="0" u="none" strike="noStrike" kern="1200" cap="none" spc="0" normalizeH="0" baseline="0" noProof="0">
+              <a:ln>
+                <a:noFill/>
+              </a:ln>
+              <a:solidFill>
+                <a:prstClr val="white"/>
+              </a:solidFill>
+              <a:effectLst/>
+              <a:uLnTx/>
+              <a:uFillTx/>
+              <a:latin typeface="Calibri Light"/>
+              <a:ea typeface="+mn-ea"/>
+              <a:cs typeface="+mn-cs"/>
+            </a:endParaRPr>
+          </a:p>
+        </p:txBody>
+      </p:sp>
+      <p:sp>
+        <p:nvSpPr>
+          <p:cNvPr id="6" name="TextBox 5">
+            <a:extLst>
+              <a:ext uri="{FF2B5EF4-FFF2-40B4-BE49-F238E27FC236}">
+                <a16:creationId xmlns:a16="http://schemas.microsoft.com/office/drawing/2014/main" id="{C97ADF64-6C0E-450E-8ECC-3F84A7171C98}"/>
+              </a:ext>
+            </a:extLst>
+          </p:cNvPr>
+          <p:cNvSpPr txBox="1"/>
+          <p:nvPr/>
+        </p:nvSpPr>
+        <p:spPr>
+          <a:xfrm>
+            <a:off x="608458" y="565727"/>
+            <a:ext cx="3427926" cy="646331"/>
+          </a:xfrm>
+          <a:prstGeom prst="rect">
+            <a:avLst/>
+          </a:prstGeom>
+          <a:noFill/>
+        </p:spPr>
+        <p:txBody>
+          <a:bodyPr wrap="none" rtlCol="0">
+            <a:spAutoFit/>
+          </a:bodyPr>
+          <a:lstStyle/>
+          <a:p>
+            <a:pPr marR="0" lvl="0" algn="l" defTabSz="914400" rtl="0" eaLnBrk="1" fontAlgn="auto" latinLnBrk="0" hangingPunct="1">
+              <a:lnSpc>
+                <a:spcPct val="100000"/>
+              </a:lnSpc>
+              <a:spcBef>
+                <a:spcPts val="0"/>
+              </a:spcBef>
+              <a:spcAft>
+                <a:spcPts val="0"/>
+              </a:spcAft>
+              <a:buClrTx/>
+              <a:buSzTx/>
+              <a:tabLst/>
+              <a:defRPr/>
+            </a:pPr>
+            <a:r>
+              <a:rPr lang="en-GB" sz="3600" b="1">
+                <a:solidFill>
+                  <a:srgbClr val="E7E6E6"/>
+                </a:solidFill>
+                <a:latin typeface="Lato" panose="020F0502020204030203"/>
+              </a:rPr>
+              <a:t>VI.	KẾT LUẬN</a:t>
+            </a:r>
+            <a:endParaRPr lang="en-GB" sz="3600" b="1" noProof="0">
+              <a:solidFill>
+                <a:srgbClr val="E7E6E6"/>
+              </a:solidFill>
+              <a:latin typeface="Lato" panose="020F0502020204030203"/>
+            </a:endParaRPr>
+          </a:p>
+        </p:txBody>
+      </p:sp>
+      <p:sp>
+        <p:nvSpPr>
+          <p:cNvPr id="7" name="Parallelogram 6">
+            <a:extLst>
+              <a:ext uri="{FF2B5EF4-FFF2-40B4-BE49-F238E27FC236}">
+                <a16:creationId xmlns:a16="http://schemas.microsoft.com/office/drawing/2014/main" id="{1FF5AB25-162F-4738-8E27-56C5A83CAA90}"/>
+              </a:ext>
+            </a:extLst>
+          </p:cNvPr>
+          <p:cNvSpPr/>
+          <p:nvPr/>
+        </p:nvSpPr>
+        <p:spPr>
+          <a:xfrm>
+            <a:off x="8086725" y="0"/>
+            <a:ext cx="2958758" cy="6858000"/>
+          </a:xfrm>
+          <a:prstGeom prst="parallelogram">
+            <a:avLst>
+              <a:gd name="adj" fmla="val 42065"/>
+            </a:avLst>
+          </a:prstGeom>
+          <a:solidFill>
+            <a:schemeClr val="accent5">
+              <a:alpha val="50000"/>
+            </a:schemeClr>
+          </a:solidFill>
+          <a:ln>
+            <a:noFill/>
+          </a:ln>
+        </p:spPr>
+        <p:style>
+          <a:lnRef idx="2">
+            <a:schemeClr val="accent1">
+              <a:shade val="50000"/>
+            </a:schemeClr>
+          </a:lnRef>
+          <a:fillRef idx="1">
+            <a:schemeClr val="accent1"/>
+          </a:fillRef>
+          <a:effectRef idx="0">
+            <a:schemeClr val="accent1"/>
+          </a:effectRef>
+          <a:fontRef idx="minor">
+            <a:schemeClr val="lt1"/>
+          </a:fontRef>
+        </p:style>
+        <p:txBody>
+          <a:bodyPr rtlCol="0" anchor="ctr"/>
+          <a:lstStyle/>
+          <a:p>
+            <a:pPr marL="0" marR="0" lvl="0" indent="0" algn="ctr" defTabSz="914400" rtl="0" eaLnBrk="1" fontAlgn="auto" latinLnBrk="0" hangingPunct="1">
+              <a:lnSpc>
+                <a:spcPct val="100000"/>
+              </a:lnSpc>
+              <a:spcBef>
+                <a:spcPts val="0"/>
+              </a:spcBef>
+              <a:spcAft>
+                <a:spcPts val="0"/>
+              </a:spcAft>
+              <a:buClrTx/>
+              <a:buSzTx/>
+              <a:buFontTx/>
+              <a:buNone/>
+              <a:tabLst/>
+              <a:defRPr/>
+            </a:pPr>
+            <a:endParaRPr kumimoji="0" lang="en-GB" sz="1800" b="0" i="0" u="none" strike="noStrike" kern="1200" cap="none" spc="0" normalizeH="0" baseline="0" noProof="0">
+              <a:ln>
+                <a:noFill/>
+              </a:ln>
+              <a:solidFill>
+                <a:prstClr val="white"/>
+              </a:solidFill>
+              <a:effectLst/>
+              <a:uLnTx/>
+              <a:uFillTx/>
+              <a:latin typeface="Calibri Light"/>
+              <a:ea typeface="+mn-ea"/>
+              <a:cs typeface="+mn-cs"/>
+            </a:endParaRPr>
+          </a:p>
+        </p:txBody>
+      </p:sp>
+    </p:spTree>
+    <p:extLst>
+      <p:ext uri="{BB962C8B-B14F-4D97-AF65-F5344CB8AC3E}">
+        <p14:creationId xmlns:p14="http://schemas.microsoft.com/office/powerpoint/2010/main" val="3382650442"/>
+      </p:ext>
+    </p:extLst>
+  </p:cSld>
+  <p:clrMapOvr>
+    <a:masterClrMapping/>
+  </p:clrMapOvr>
+  <mc:AlternateContent xmlns:mc="http://schemas.openxmlformats.org/markup-compatibility/2006">
+    <mc:Choice xmlns:p14="http://schemas.microsoft.com/office/powerpoint/2010/main" Requires="p14">
+      <p:transition spd="med" p14:dur="700">
+        <p:fade/>
+      </p:transition>
+    </mc:Choice>
+    <mc:Fallback>
+      <p:transition spd="med">
+        <p:fade/>
+      </p:transition>
+    </mc:Fallback>
+  </mc:AlternateContent>
+  <p:timing>
+    <p:tnLst>
+      <p:par>
+        <p:cTn id="1" dur="indefinite" restart="never" nodeType="tmRoot">
+          <p:childTnLst>
+            <p:seq concurrent="1" nextAc="seek">
+              <p:cTn id="2" dur="indefinite" nodeType="mainSeq">
+                <p:childTnLst>
+                  <p:par>
+                    <p:cTn id="3" fill="hold">
+                      <p:stCondLst>
+                        <p:cond delay="indefinite"/>
+                        <p:cond evt="onBegin" delay="0">
+                          <p:tn val="2"/>
+                        </p:cond>
+                      </p:stCondLst>
+                      <p:childTnLst>
+                        <p:par>
+                          <p:cTn id="4" fill="hold">
+                            <p:stCondLst>
+                              <p:cond delay="0"/>
+                            </p:stCondLst>
+                            <p:childTnLst>
+                              <p:par>
+                                <p:cTn id="5" presetID="2" presetClass="entr" presetSubtype="8" fill="hold" grpId="0" nodeType="afterEffect">
+                                  <p:stCondLst>
+                                    <p:cond delay="0"/>
+                                  </p:stCondLst>
+                                  <p:childTnLst>
+                                    <p:set>
+                                      <p:cBhvr>
+                                        <p:cTn id="6" dur="1" fill="hold">
+                                          <p:stCondLst>
+                                            <p:cond delay="0"/>
+                                          </p:stCondLst>
+                                        </p:cTn>
+                                        <p:tgtEl>
+                                          <p:spTgt spid="5"/>
+                                        </p:tgtEl>
+                                        <p:attrNameLst>
+                                          <p:attrName>style.visibility</p:attrName>
+                                        </p:attrNameLst>
+                                      </p:cBhvr>
+                                      <p:to>
+                                        <p:strVal val="visible"/>
+                                      </p:to>
+                                    </p:set>
+                                    <p:anim calcmode="lin" valueType="num">
+                                      <p:cBhvr additive="base">
+                                        <p:cTn id="7" dur="500" fill="hold"/>
+                                        <p:tgtEl>
+                                          <p:spTgt spid="5"/>
+                                        </p:tgtEl>
+                                        <p:attrNameLst>
+                                          <p:attrName>ppt_x</p:attrName>
+                                        </p:attrNameLst>
+                                      </p:cBhvr>
+                                      <p:tavLst>
+                                        <p:tav tm="0">
+                                          <p:val>
+                                            <p:strVal val="0-#ppt_w/2"/>
+                                          </p:val>
+                                        </p:tav>
+                                        <p:tav tm="100000">
+                                          <p:val>
+                                            <p:strVal val="#ppt_x"/>
+                                          </p:val>
+                                        </p:tav>
+                                      </p:tavLst>
+                                    </p:anim>
+                                    <p:anim calcmode="lin" valueType="num">
+                                      <p:cBhvr additive="base">
+                                        <p:cTn id="8" dur="500" fill="hold"/>
+                                        <p:tgtEl>
+                                          <p:spTgt spid="5"/>
+                                        </p:tgtEl>
+                                        <p:attrNameLst>
+                                          <p:attrName>ppt_y</p:attrName>
+                                        </p:attrNameLst>
+                                      </p:cBhvr>
+                                      <p:tavLst>
+                                        <p:tav tm="0">
+                                          <p:val>
+                                            <p:strVal val="#ppt_y"/>
+                                          </p:val>
+                                        </p:tav>
+                                        <p:tav tm="100000">
+                                          <p:val>
+                                            <p:strVal val="#ppt_y"/>
+                                          </p:val>
+                                        </p:tav>
+                                      </p:tavLst>
+                                    </p:anim>
+                                  </p:childTnLst>
+                                </p:cTn>
+                              </p:par>
+                            </p:childTnLst>
+                          </p:cTn>
+                        </p:par>
+                        <p:par>
+                          <p:cTn id="9" fill="hold">
+                            <p:stCondLst>
+                              <p:cond delay="500"/>
+                            </p:stCondLst>
+                            <p:childTnLst>
+                              <p:par>
+                                <p:cTn id="10" presetID="2" presetClass="entr" presetSubtype="8" fill="hold" grpId="0" nodeType="afterEffect">
+                                  <p:stCondLst>
+                                    <p:cond delay="0"/>
+                                  </p:stCondLst>
+                                  <p:childTnLst>
+                                    <p:set>
+                                      <p:cBhvr>
+                                        <p:cTn id="11" dur="1" fill="hold">
+                                          <p:stCondLst>
+                                            <p:cond delay="0"/>
+                                          </p:stCondLst>
+                                        </p:cTn>
+                                        <p:tgtEl>
+                                          <p:spTgt spid="6"/>
+                                        </p:tgtEl>
+                                        <p:attrNameLst>
+                                          <p:attrName>style.visibility</p:attrName>
+                                        </p:attrNameLst>
+                                      </p:cBhvr>
+                                      <p:to>
+                                        <p:strVal val="visible"/>
+                                      </p:to>
+                                    </p:set>
+                                    <p:anim calcmode="lin" valueType="num">
+                                      <p:cBhvr additive="base">
+                                        <p:cTn id="12" dur="500" fill="hold"/>
+                                        <p:tgtEl>
+                                          <p:spTgt spid="6"/>
+                                        </p:tgtEl>
+                                        <p:attrNameLst>
+                                          <p:attrName>ppt_x</p:attrName>
+                                        </p:attrNameLst>
+                                      </p:cBhvr>
+                                      <p:tavLst>
+                                        <p:tav tm="0">
+                                          <p:val>
+                                            <p:strVal val="0-#ppt_w/2"/>
+                                          </p:val>
+                                        </p:tav>
+                                        <p:tav tm="100000">
+                                          <p:val>
+                                            <p:strVal val="#ppt_x"/>
+                                          </p:val>
+                                        </p:tav>
+                                      </p:tavLst>
+                                    </p:anim>
+                                    <p:anim calcmode="lin" valueType="num">
+                                      <p:cBhvr additive="base">
+                                        <p:cTn id="13" dur="500" fill="hold"/>
+                                        <p:tgtEl>
+                                          <p:spTgt spid="6"/>
+                                        </p:tgtEl>
+                                        <p:attrNameLst>
+                                          <p:attrName>ppt_y</p:attrName>
+                                        </p:attrNameLst>
+                                      </p:cBhvr>
+                                      <p:tavLst>
+                                        <p:tav tm="0">
+                                          <p:val>
+                                            <p:strVal val="#ppt_y"/>
+                                          </p:val>
+                                        </p:tav>
+                                        <p:tav tm="100000">
+                                          <p:val>
+                                            <p:strVal val="#ppt_y"/>
+                                          </p:val>
+                                        </p:tav>
+                                      </p:tavLst>
+                                    </p:anim>
+                                  </p:childTnLst>
+                                </p:cTn>
+                              </p:par>
+                            </p:childTnLst>
+                          </p:cTn>
+                        </p:par>
+                      </p:childTnLst>
+                    </p:cTn>
+                  </p:par>
+                </p:childTnLst>
+              </p:cTn>
+              <p:prevCondLst>
+                <p:cond evt="onPrev" delay="0">
+                  <p:tgtEl>
+                    <p:sldTgt/>
+                  </p:tgtEl>
+                </p:cond>
+              </p:prevCondLst>
+              <p:nextCondLst>
+                <p:cond evt="onNext" delay="0">
+                  <p:tgtEl>
+                    <p:sldTgt/>
+                  </p:tgtEl>
+                </p:cond>
+              </p:nextCondLst>
+            </p:seq>
+          </p:childTnLst>
+        </p:cTn>
+      </p:par>
+    </p:tnLst>
+    <p:bldLst>
+      <p:bldP spid="5" grpId="0" animBg="1"/>
+      <p:bldP spid="6" grpId="0"/>
+    </p:bldLst>
+  </p:timing>
+</p:sld>
+</file>
+
+<file path=ppt/slides/slide28.xml><?xml version="1.0" encoding="utf-8"?>
+<p:sld xmlns:a="http://schemas.openxmlformats.org/drawingml/2006/main" xmlns:r="http://schemas.openxmlformats.org/officeDocument/2006/relationships" xmlns:p="http://schemas.openxmlformats.org/presentationml/2006/main">
+  <p:cSld>
+    <p:spTree>
+      <p:nvGrpSpPr>
+        <p:cNvPr id="1" name=""/>
+        <p:cNvGrpSpPr/>
+        <p:nvPr/>
+      </p:nvGrpSpPr>
+      <p:grpSpPr>
+        <a:xfrm>
+          <a:off x="0" y="0"/>
+          <a:ext cx="0" cy="0"/>
+          <a:chOff x="0" y="0"/>
+          <a:chExt cx="0" cy="0"/>
+        </a:xfrm>
+      </p:grpSpPr>
+      <p:sp>
+        <p:nvSpPr>
+          <p:cNvPr id="8" name="Rectangle 7"/>
+          <p:cNvSpPr/>
+          <p:nvPr/>
+        </p:nvSpPr>
+        <p:spPr>
+          <a:xfrm>
+            <a:off x="0" y="-275771"/>
+            <a:ext cx="12192000" cy="7133771"/>
+          </a:xfrm>
+          <a:prstGeom prst="rect">
+            <a:avLst/>
+          </a:prstGeom>
+          <a:solidFill>
+            <a:schemeClr val="tx1">
+              <a:lumMod val="75000"/>
+            </a:schemeClr>
+          </a:solidFill>
+          <a:ln>
+            <a:noFill/>
+          </a:ln>
+        </p:spPr>
+        <p:style>
+          <a:lnRef idx="2">
+            <a:schemeClr val="accent1">
+              <a:shade val="50000"/>
+            </a:schemeClr>
+          </a:lnRef>
+          <a:fillRef idx="1">
+            <a:schemeClr val="accent1"/>
+          </a:fillRef>
+          <a:effectRef idx="0">
+            <a:schemeClr val="accent1"/>
+          </a:effectRef>
+          <a:fontRef idx="minor">
+            <a:schemeClr val="lt1"/>
+          </a:fontRef>
+        </p:style>
+        <p:txBody>
+          <a:bodyPr rtlCol="0" anchor="ctr"/>
+          <a:lstStyle/>
+          <a:p>
+            <a:pPr algn="ctr"/>
+            <a:endParaRPr lang="en-GB"/>
+          </a:p>
+        </p:txBody>
+      </p:sp>
+      <p:sp>
+        <p:nvSpPr>
+          <p:cNvPr id="9" name="Rectangle 8"/>
+          <p:cNvSpPr/>
+          <p:nvPr/>
+        </p:nvSpPr>
+        <p:spPr>
+          <a:xfrm>
+            <a:off x="0" y="1711277"/>
+            <a:ext cx="12192000" cy="3063923"/>
+          </a:xfrm>
+          <a:prstGeom prst="rect">
+            <a:avLst/>
+          </a:prstGeom>
+          <a:solidFill>
+            <a:schemeClr val="accent1">
+              <a:lumMod val="50000"/>
+              <a:alpha val="70000"/>
+            </a:schemeClr>
+          </a:solidFill>
+          <a:ln>
+            <a:noFill/>
+          </a:ln>
+        </p:spPr>
+        <p:style>
+          <a:lnRef idx="2">
+            <a:schemeClr val="accent1">
+              <a:shade val="50000"/>
+            </a:schemeClr>
+          </a:lnRef>
+          <a:fillRef idx="1">
+            <a:schemeClr val="accent1"/>
+          </a:fillRef>
+          <a:effectRef idx="0">
+            <a:schemeClr val="accent1"/>
+          </a:effectRef>
+          <a:fontRef idx="minor">
+            <a:schemeClr val="lt1"/>
+          </a:fontRef>
+        </p:style>
+        <p:txBody>
+          <a:bodyPr rtlCol="0" anchor="ctr"/>
+          <a:lstStyle/>
+          <a:p>
+            <a:pPr algn="ctr"/>
+            <a:endParaRPr lang="en-GB"/>
+          </a:p>
+        </p:txBody>
+      </p:sp>
+      <p:sp>
+        <p:nvSpPr>
+          <p:cNvPr id="7" name="Rectangle 6">
+            <a:extLst>
+              <a:ext uri="{FF2B5EF4-FFF2-40B4-BE49-F238E27FC236}">
+                <a16:creationId xmlns:a16="http://schemas.microsoft.com/office/drawing/2014/main" id="{5078B5CA-F84A-40A2-BE71-8BAB249CEBD5}"/>
+              </a:ext>
+            </a:extLst>
+          </p:cNvPr>
+          <p:cNvSpPr/>
+          <p:nvPr/>
+        </p:nvSpPr>
+        <p:spPr>
+          <a:xfrm>
+            <a:off x="410964" y="973841"/>
+            <a:ext cx="4386322" cy="461665"/>
+          </a:xfrm>
+          <a:prstGeom prst="rect">
+            <a:avLst/>
+          </a:prstGeom>
+        </p:spPr>
+        <p:txBody>
+          <a:bodyPr wrap="square">
+            <a:spAutoFit/>
+          </a:bodyPr>
+          <a:lstStyle/>
+          <a:p>
+            <a:pPr indent="457200"/>
+            <a:endParaRPr lang="en-GB" sz="2400">
+              <a:solidFill>
+                <a:schemeClr val="bg1"/>
+              </a:solidFill>
+            </a:endParaRPr>
+          </a:p>
+        </p:txBody>
+      </p:sp>
+      <p:sp>
+        <p:nvSpPr>
+          <p:cNvPr id="11" name="Rectangle 10">
+            <a:extLst>
+              <a:ext uri="{FF2B5EF4-FFF2-40B4-BE49-F238E27FC236}">
+                <a16:creationId xmlns:a16="http://schemas.microsoft.com/office/drawing/2014/main" id="{7411345E-C26A-4C86-AA1F-ED336CC6547E}"/>
+              </a:ext>
+            </a:extLst>
+          </p:cNvPr>
+          <p:cNvSpPr/>
+          <p:nvPr/>
+        </p:nvSpPr>
+        <p:spPr>
+          <a:xfrm>
+            <a:off x="740457" y="4153638"/>
+            <a:ext cx="3646014" cy="461665"/>
+          </a:xfrm>
+          <a:prstGeom prst="rect">
+            <a:avLst/>
+          </a:prstGeom>
+        </p:spPr>
+        <p:txBody>
+          <a:bodyPr wrap="square">
+            <a:spAutoFit/>
+          </a:bodyPr>
+          <a:lstStyle/>
+          <a:p>
+            <a:pPr indent="457200"/>
+            <a:endParaRPr lang="en-GB" sz="2400"/>
+          </a:p>
+        </p:txBody>
+      </p:sp>
+      <p:sp>
+        <p:nvSpPr>
+          <p:cNvPr id="10" name="TextBox 9">
+            <a:extLst>
+              <a:ext uri="{FF2B5EF4-FFF2-40B4-BE49-F238E27FC236}">
+                <a16:creationId xmlns:a16="http://schemas.microsoft.com/office/drawing/2014/main" id="{FF2C331B-B617-40C1-B419-7D03A2130C90}"/>
+              </a:ext>
+            </a:extLst>
+          </p:cNvPr>
+          <p:cNvSpPr txBox="1"/>
+          <p:nvPr/>
+        </p:nvSpPr>
+        <p:spPr>
+          <a:xfrm>
+            <a:off x="2514742" y="2092233"/>
+            <a:ext cx="7162537" cy="1754326"/>
+          </a:xfrm>
+          <a:prstGeom prst="rect">
+            <a:avLst/>
+          </a:prstGeom>
+          <a:noFill/>
+        </p:spPr>
+        <p:txBody>
+          <a:bodyPr wrap="none" rtlCol="0">
+            <a:spAutoFit/>
+          </a:bodyPr>
+          <a:lstStyle/>
+          <a:p>
+            <a:pPr algn="ctr"/>
+            <a:r>
+              <a:rPr lang="en-US" sz="5400" b="1">
+                <a:solidFill>
+                  <a:schemeClr val="bg1"/>
+                </a:solidFill>
+                <a:latin typeface="+mj-lt"/>
+              </a:rPr>
+              <a:t>Cảm ơn quý thầy cô đã </a:t>
+            </a:r>
+          </a:p>
+          <a:p>
+            <a:pPr algn="ctr"/>
+            <a:r>
+              <a:rPr lang="en-US" sz="5400" b="1">
+                <a:solidFill>
+                  <a:schemeClr val="bg1"/>
+                </a:solidFill>
+                <a:latin typeface="+mj-lt"/>
+              </a:rPr>
+              <a:t>lắng nghe!</a:t>
+            </a:r>
+          </a:p>
+        </p:txBody>
+      </p:sp>
+    </p:spTree>
+    <p:extLst>
+      <p:ext uri="{BB962C8B-B14F-4D97-AF65-F5344CB8AC3E}">
+        <p14:creationId xmlns:p14="http://schemas.microsoft.com/office/powerpoint/2010/main" val="242135113"/>
+      </p:ext>
+    </p:extLst>
+  </p:cSld>
+  <p:clrMapOvr>
+    <a:masterClrMapping/>
+  </p:clrMapOvr>
+  <mc:AlternateContent xmlns:mc="http://schemas.openxmlformats.org/markup-compatibility/2006">
+    <mc:Choice xmlns:p14="http://schemas.microsoft.com/office/powerpoint/2010/main" Requires="p14">
+      <p:transition spd="med" p14:dur="700">
+        <p:fade/>
+      </p:transition>
+    </mc:Choice>
+    <mc:Fallback>
+      <p:transition spd="med">
+        <p:fade/>
+      </p:transition>
+    </mc:Fallback>
+  </mc:AlternateContent>
 </p:sld>
 </file>
 

--- a/documents/implementations/slide.pptx
+++ b/documents/implementations/slide.pptx
@@ -6,10 +6,10 @@
     <p:sldMasterId id="2147483660" r:id="rId2"/>
   </p:sldMasterIdLst>
   <p:notesMasterIdLst>
-    <p:notesMasterId r:id="rId31"/>
+    <p:notesMasterId r:id="rId30"/>
   </p:notesMasterIdLst>
   <p:handoutMasterIdLst>
-    <p:handoutMasterId r:id="rId32"/>
+    <p:handoutMasterId r:id="rId31"/>
   </p:handoutMasterIdLst>
   <p:sldIdLst>
     <p:sldId id="643" r:id="rId3"/>
@@ -26,20 +26,19 @@
     <p:sldId id="653" r:id="rId14"/>
     <p:sldId id="654" r:id="rId15"/>
     <p:sldId id="655" r:id="rId16"/>
-    <p:sldId id="656" r:id="rId17"/>
-    <p:sldId id="657" r:id="rId18"/>
-    <p:sldId id="658" r:id="rId19"/>
-    <p:sldId id="659" r:id="rId20"/>
-    <p:sldId id="660" r:id="rId21"/>
-    <p:sldId id="661" r:id="rId22"/>
-    <p:sldId id="662" r:id="rId23"/>
-    <p:sldId id="663" r:id="rId24"/>
-    <p:sldId id="664" r:id="rId25"/>
-    <p:sldId id="665" r:id="rId26"/>
-    <p:sldId id="666" r:id="rId27"/>
-    <p:sldId id="667" r:id="rId28"/>
-    <p:sldId id="668" r:id="rId29"/>
-    <p:sldId id="669" r:id="rId30"/>
+    <p:sldId id="657" r:id="rId17"/>
+    <p:sldId id="658" r:id="rId18"/>
+    <p:sldId id="659" r:id="rId19"/>
+    <p:sldId id="660" r:id="rId20"/>
+    <p:sldId id="661" r:id="rId21"/>
+    <p:sldId id="662" r:id="rId22"/>
+    <p:sldId id="663" r:id="rId23"/>
+    <p:sldId id="664" r:id="rId24"/>
+    <p:sldId id="665" r:id="rId25"/>
+    <p:sldId id="666" r:id="rId26"/>
+    <p:sldId id="667" r:id="rId27"/>
+    <p:sldId id="668" r:id="rId28"/>
+    <p:sldId id="669" r:id="rId29"/>
   </p:sldIdLst>
   <p:sldSz cx="12192000" cy="6858000"/>
   <p:notesSz cx="6858000" cy="9144000"/>
@@ -247,7 +246,7 @@
           <a:p>
             <a:fld id="{B2C7E6CC-5E4C-41B2-A18A-C409A4EF0C6D}" type="datetimeFigureOut">
               <a:rPr lang="en-GB" smtClean="0"/>
-              <a:t>21/07/2021</a:t>
+              <a:t>28/07/2021</a:t>
             </a:fld>
             <a:endParaRPr lang="en-GB"/>
           </a:p>
@@ -412,7 +411,7 @@
           <a:p>
             <a:fld id="{E55DBDE7-167E-4028-A642-6B042A3B7493}" type="datetimeFigureOut">
               <a:rPr lang="en-GB" smtClean="0"/>
-              <a:t>21/07/2021</a:t>
+              <a:t>28/07/2021</a:t>
             </a:fld>
             <a:endParaRPr lang="en-GB"/>
           </a:p>
@@ -811,7 +810,7 @@
           <a:p>
             <a:fld id="{0D3A64B9-43C6-4740-9233-25FE31C93551}" type="datetime1">
               <a:rPr lang="en-GB" smtClean="0"/>
-              <a:t>21/07/2021</a:t>
+              <a:t>28/07/2021</a:t>
             </a:fld>
             <a:endParaRPr lang="en-GB"/>
           </a:p>
@@ -951,7 +950,7 @@
           <a:p>
             <a:fld id="{2991C76E-95A4-481C-B644-60C17165748C}" type="datetime1">
               <a:rPr lang="en-GB" smtClean="0"/>
-              <a:t>21/07/2021</a:t>
+              <a:t>28/07/2021</a:t>
             </a:fld>
             <a:endParaRPr lang="en-GB"/>
           </a:p>
@@ -1146,7 +1145,7 @@
           <a:p>
             <a:fld id="{DE9E49AE-0BAD-4977-890B-E9293724A2C9}" type="datetime1">
               <a:rPr lang="en-GB" smtClean="0"/>
-              <a:t>21/07/2021</a:t>
+              <a:t>28/07/2021</a:t>
             </a:fld>
             <a:endParaRPr lang="en-GB"/>
           </a:p>
@@ -2300,7 +2299,7 @@
           <a:p>
             <a:fld id="{0893F22B-7419-4E9E-BCAE-3AB991D34267}" type="datetime1">
               <a:rPr lang="en-GB" smtClean="0"/>
-              <a:t>21/07/2021</a:t>
+              <a:t>28/07/2021</a:t>
             </a:fld>
             <a:endParaRPr lang="en-GB"/>
           </a:p>
@@ -2759,7 +2758,7 @@
           <a:p>
             <a:fld id="{42C7AB29-8774-4541-AF25-26699B336B1B}" type="datetime1">
               <a:rPr lang="en-GB" smtClean="0"/>
-              <a:t>21/07/2021</a:t>
+              <a:t>28/07/2021</a:t>
             </a:fld>
             <a:endParaRPr lang="en-GB"/>
           </a:p>
@@ -3006,7 +3005,7 @@
           <a:p>
             <a:fld id="{51612E1E-7F9C-4990-86A0-C51623A594BB}" type="datetime1">
               <a:rPr lang="en-GB" smtClean="0"/>
-              <a:t>21/07/2021</a:t>
+              <a:t>28/07/2021</a:t>
             </a:fld>
             <a:endParaRPr lang="en-GB"/>
           </a:p>
@@ -4260,7 +4259,7 @@
           <a:p>
             <a:fld id="{C33BF2D8-D421-4A3E-B93F-18FE5B4B2913}" type="datetime1">
               <a:rPr lang="en-GB" smtClean="0"/>
-              <a:t>21/07/2021</a:t>
+              <a:t>28/07/2021</a:t>
             </a:fld>
             <a:endParaRPr lang="en-GB"/>
           </a:p>
@@ -4483,7 +4482,7 @@
           <a:p>
             <a:fld id="{93C39E0A-C4A0-4F06-A140-84534E6236ED}" type="datetime1">
               <a:rPr lang="en-GB" smtClean="0"/>
-              <a:t>21/07/2021</a:t>
+              <a:t>28/07/2021</a:t>
             </a:fld>
             <a:endParaRPr lang="en-GB"/>
           </a:p>
@@ -4680,7 +4679,7 @@
           <a:p>
             <a:fld id="{0C05F4B1-4D31-4E3A-ACB2-82E0718073DD}" type="datetime1">
               <a:rPr lang="en-GB" smtClean="0"/>
-              <a:t>21/07/2021</a:t>
+              <a:t>28/07/2021</a:t>
             </a:fld>
             <a:endParaRPr lang="en-GB"/>
           </a:p>
@@ -5739,7 +5738,7 @@
             </a:ln>
             <a:extLst>
               <a:ext uri="{91240B29-F687-4f45-9708-019B960494DF}">
-                <a14:hiddenLine xmlns="" xmlns:a14="http://schemas.microsoft.com/office/drawing/2010/main" w="9525">
+                <a14:hiddenLine xmlns:a14="http://schemas.microsoft.com/office/drawing/2010/main" xmlns="" w="9525">
                   <a:solidFill>
                     <a:srgbClr val="000000"/>
                   </a:solidFill>
@@ -6537,7 +6536,7 @@
               </a:ln>
               <a:extLst>
                 <a:ext uri="{91240B29-F687-4f45-9708-019B960494DF}">
-                  <a14:hiddenLine xmlns="" xmlns:a14="http://schemas.microsoft.com/office/drawing/2010/main" w="9525">
+                  <a14:hiddenLine xmlns:a14="http://schemas.microsoft.com/office/drawing/2010/main" xmlns="" w="9525">
                     <a:solidFill>
                       <a:srgbClr val="000000"/>
                     </a:solidFill>
@@ -6707,7 +6706,7 @@
               </a:ln>
               <a:extLst>
                 <a:ext uri="{91240B29-F687-4f45-9708-019B960494DF}">
-                  <a14:hiddenLine xmlns="" xmlns:a14="http://schemas.microsoft.com/office/drawing/2010/main" w="9525">
+                  <a14:hiddenLine xmlns:a14="http://schemas.microsoft.com/office/drawing/2010/main" xmlns="" w="9525">
                     <a:solidFill>
                       <a:srgbClr val="000000"/>
                     </a:solidFill>
@@ -7024,7 +7023,7 @@
               </a:ln>
               <a:extLst>
                 <a:ext uri="{91240B29-F687-4f45-9708-019B960494DF}">
-                  <a14:hiddenLine xmlns="" xmlns:a14="http://schemas.microsoft.com/office/drawing/2010/main" w="9525">
+                  <a14:hiddenLine xmlns:a14="http://schemas.microsoft.com/office/drawing/2010/main" xmlns="" w="9525">
                     <a:solidFill>
                       <a:srgbClr val="000000"/>
                     </a:solidFill>
@@ -7252,7 +7251,7 @@
               </a:ln>
               <a:extLst>
                 <a:ext uri="{91240B29-F687-4f45-9708-019B960494DF}">
-                  <a14:hiddenLine xmlns="" xmlns:a14="http://schemas.microsoft.com/office/drawing/2010/main" w="9525">
+                  <a14:hiddenLine xmlns:a14="http://schemas.microsoft.com/office/drawing/2010/main" xmlns="" w="9525">
                     <a:solidFill>
                       <a:srgbClr val="000000"/>
                     </a:solidFill>
@@ -7830,7 +7829,7 @@
               </a:ln>
               <a:extLst>
                 <a:ext uri="{91240B29-F687-4f45-9708-019B960494DF}">
-                  <a14:hiddenLine xmlns="" xmlns:a14="http://schemas.microsoft.com/office/drawing/2010/main" w="9525">
+                  <a14:hiddenLine xmlns:a14="http://schemas.microsoft.com/office/drawing/2010/main" xmlns="" w="9525">
                     <a:solidFill>
                       <a:srgbClr val="000000"/>
                     </a:solidFill>
@@ -8167,7 +8166,7 @@
               </a:ln>
               <a:extLst>
                 <a:ext uri="{91240B29-F687-4f45-9708-019B960494DF}">
-                  <a14:hiddenLine xmlns="" xmlns:a14="http://schemas.microsoft.com/office/drawing/2010/main" w="9525">
+                  <a14:hiddenLine xmlns:a14="http://schemas.microsoft.com/office/drawing/2010/main" xmlns="" w="9525">
                     <a:solidFill>
                       <a:srgbClr val="000000"/>
                     </a:solidFill>
@@ -9152,7 +9151,7 @@
             </a:ln>
             <a:extLst>
               <a:ext uri="{91240B29-F687-4f45-9708-019B960494DF}">
-                <a14:hiddenLine xmlns="" xmlns:a14="http://schemas.microsoft.com/office/drawing/2010/main" w="9525">
+                <a14:hiddenLine xmlns:a14="http://schemas.microsoft.com/office/drawing/2010/main" xmlns="" w="9525">
                   <a:solidFill>
                     <a:srgbClr val="000000"/>
                   </a:solidFill>
@@ -9482,7 +9481,7 @@
             </a:ln>
             <a:extLst>
               <a:ext uri="{91240B29-F687-4f45-9708-019B960494DF}">
-                <a14:hiddenLine xmlns="" xmlns:a14="http://schemas.microsoft.com/office/drawing/2010/main" w="9525">
+                <a14:hiddenLine xmlns:a14="http://schemas.microsoft.com/office/drawing/2010/main" xmlns="" w="9525">
                   <a:solidFill>
                     <a:srgbClr val="000000"/>
                   </a:solidFill>
@@ -9905,7 +9904,7 @@
             </a:ln>
             <a:extLst>
               <a:ext uri="{91240B29-F687-4f45-9708-019B960494DF}">
-                <a14:hiddenLine xmlns="" xmlns:a14="http://schemas.microsoft.com/office/drawing/2010/main" w="9525">
+                <a14:hiddenLine xmlns:a14="http://schemas.microsoft.com/office/drawing/2010/main" xmlns="" w="9525">
                   <a:solidFill>
                     <a:srgbClr val="000000"/>
                   </a:solidFill>
@@ -10130,7 +10129,7 @@
               </a:ln>
               <a:extLst>
                 <a:ext uri="{91240B29-F687-4f45-9708-019B960494DF}">
-                  <a14:hiddenLine xmlns="" xmlns:a14="http://schemas.microsoft.com/office/drawing/2010/main" w="9525">
+                  <a14:hiddenLine xmlns:a14="http://schemas.microsoft.com/office/drawing/2010/main" xmlns="" w="9525">
                     <a:solidFill>
                       <a:srgbClr val="000000"/>
                     </a:solidFill>
@@ -10181,7 +10180,7 @@
               </a:ln>
               <a:extLst>
                 <a:ext uri="{91240B29-F687-4f45-9708-019B960494DF}">
-                  <a14:hiddenLine xmlns="" xmlns:a14="http://schemas.microsoft.com/office/drawing/2010/main" w="9525">
+                  <a14:hiddenLine xmlns:a14="http://schemas.microsoft.com/office/drawing/2010/main" xmlns="" w="9525">
                     <a:solidFill>
                       <a:srgbClr val="000000"/>
                     </a:solidFill>
@@ -10477,7 +10476,7 @@
               </a:ln>
               <a:extLst>
                 <a:ext uri="{91240B29-F687-4f45-9708-019B960494DF}">
-                  <a14:hiddenLine xmlns="" xmlns:a14="http://schemas.microsoft.com/office/drawing/2010/main" w="9525">
+                  <a14:hiddenLine xmlns:a14="http://schemas.microsoft.com/office/drawing/2010/main" xmlns="" w="9525">
                     <a:solidFill>
                       <a:srgbClr val="000000"/>
                     </a:solidFill>
@@ -10579,7 +10578,7 @@
               </a:ln>
               <a:extLst>
                 <a:ext uri="{91240B29-F687-4f45-9708-019B960494DF}">
-                  <a14:hiddenLine xmlns="" xmlns:a14="http://schemas.microsoft.com/office/drawing/2010/main" w="9525">
+                  <a14:hiddenLine xmlns:a14="http://schemas.microsoft.com/office/drawing/2010/main" xmlns="" w="9525">
                     <a:solidFill>
                       <a:srgbClr val="000000"/>
                     </a:solidFill>
@@ -10917,7 +10916,7 @@
               </a:ln>
               <a:extLst>
                 <a:ext uri="{91240B29-F687-4f45-9708-019B960494DF}">
-                  <a14:hiddenLine xmlns="" xmlns:a14="http://schemas.microsoft.com/office/drawing/2010/main" w="9525">
+                  <a14:hiddenLine xmlns:a14="http://schemas.microsoft.com/office/drawing/2010/main" xmlns="" w="9525">
                     <a:solidFill>
                       <a:srgbClr val="000000"/>
                     </a:solidFill>
@@ -11298,7 +11297,7 @@
             </a:ln>
             <a:extLst>
               <a:ext uri="{91240B29-F687-4f45-9708-019B960494DF}">
-                <a14:hiddenLine xmlns="" xmlns:a14="http://schemas.microsoft.com/office/drawing/2010/main" w="9525">
+                <a14:hiddenLine xmlns:a14="http://schemas.microsoft.com/office/drawing/2010/main" xmlns="" w="9525">
                   <a:solidFill>
                     <a:srgbClr val="000000"/>
                   </a:solidFill>
@@ -11678,7 +11677,7 @@
             </a:ln>
             <a:extLst>
               <a:ext uri="{91240B29-F687-4f45-9708-019B960494DF}">
-                <a14:hiddenLine xmlns="" xmlns:a14="http://schemas.microsoft.com/office/drawing/2010/main" w="9525">
+                <a14:hiddenLine xmlns:a14="http://schemas.microsoft.com/office/drawing/2010/main" xmlns="" w="9525">
                   <a:solidFill>
                     <a:srgbClr val="000000"/>
                   </a:solidFill>
@@ -13385,7 +13384,7 @@
               </a:ln>
               <a:extLst>
                 <a:ext uri="{91240B29-F687-4f45-9708-019B960494DF}">
-                  <a14:hiddenLine xmlns="" xmlns:a14="http://schemas.microsoft.com/office/drawing/2010/main" w="9525">
+                  <a14:hiddenLine xmlns:a14="http://schemas.microsoft.com/office/drawing/2010/main" xmlns="" w="9525">
                     <a:solidFill>
                       <a:srgbClr val="000000"/>
                     </a:solidFill>
@@ -13615,7 +13614,7 @@
               </a:ln>
               <a:extLst>
                 <a:ext uri="{91240B29-F687-4f45-9708-019B960494DF}">
-                  <a14:hiddenLine xmlns="" xmlns:a14="http://schemas.microsoft.com/office/drawing/2010/main" w="9525">
+                  <a14:hiddenLine xmlns:a14="http://schemas.microsoft.com/office/drawing/2010/main" xmlns="" w="9525">
                     <a:solidFill>
                       <a:srgbClr val="000000"/>
                     </a:solidFill>
@@ -15718,7 +15717,7 @@
               <a:effectLst/>
               <a:extLst>
                 <a:ext uri="{91240B29-F687-4f45-9708-019B960494DF}">
-                  <a14:hiddenLine xmlns="" xmlns:a14="http://schemas.microsoft.com/office/drawing/2010/main" w="9525" cap="flat">
+                  <a14:hiddenLine xmlns:a14="http://schemas.microsoft.com/office/drawing/2010/main" xmlns="" w="9525" cap="flat">
                     <a:solidFill>
                       <a:srgbClr val="808080"/>
                     </a:solidFill>
@@ -15728,7 +15727,7 @@
                   </a14:hiddenLine>
                 </a:ext>
                 <a:ext uri="{AF507438-7753-43e0-B8FC-AC1667EBCBE1}">
-                  <a14:hiddenEffects xmlns="" xmlns:a14="http://schemas.microsoft.com/office/drawing/2010/main">
+                  <a14:hiddenEffects xmlns:a14="http://schemas.microsoft.com/office/drawing/2010/main" xmlns="">
                     <a:effectLst>
                       <a:outerShdw blurRad="63500" dist="38099" dir="2700000" algn="ctr" rotWithShape="0">
                         <a:srgbClr val="000000">
@@ -15856,7 +15855,7 @@
               <a:effectLst/>
               <a:extLst>
                 <a:ext uri="{91240B29-F687-4f45-9708-019B960494DF}">
-                  <a14:hiddenLine xmlns="" xmlns:a14="http://schemas.microsoft.com/office/drawing/2010/main" w="9525" cap="flat">
+                  <a14:hiddenLine xmlns:a14="http://schemas.microsoft.com/office/drawing/2010/main" xmlns="" w="9525" cap="flat">
                     <a:solidFill>
                       <a:srgbClr val="808080"/>
                     </a:solidFill>
@@ -15866,7 +15865,7 @@
                   </a14:hiddenLine>
                 </a:ext>
                 <a:ext uri="{AF507438-7753-43e0-B8FC-AC1667EBCBE1}">
-                  <a14:hiddenEffects xmlns="" xmlns:a14="http://schemas.microsoft.com/office/drawing/2010/main">
+                  <a14:hiddenEffects xmlns:a14="http://schemas.microsoft.com/office/drawing/2010/main" xmlns="">
                     <a:effectLst>
                       <a:outerShdw blurRad="63500" dist="38099" dir="2700000" algn="ctr" rotWithShape="0">
                         <a:srgbClr val="000000">
@@ -18152,6 +18151,45 @@
           </a:p>
         </p:txBody>
       </p:sp>
+      <p:sp>
+        <p:nvSpPr>
+          <p:cNvPr id="10" name="Rectangle 9">
+            <a:extLst>
+              <a:ext uri="{FF2B5EF4-FFF2-40B4-BE49-F238E27FC236}">
+                <a16:creationId xmlns:a16="http://schemas.microsoft.com/office/drawing/2014/main" id="{7DE6BCE1-AC40-4091-94B5-3B29A88F89DA}"/>
+              </a:ext>
+            </a:extLst>
+          </p:cNvPr>
+          <p:cNvSpPr/>
+          <p:nvPr/>
+        </p:nvSpPr>
+        <p:spPr>
+          <a:xfrm>
+            <a:off x="410965" y="1002332"/>
+            <a:ext cx="11159849" cy="830997"/>
+          </a:xfrm>
+          <a:prstGeom prst="rect">
+            <a:avLst/>
+          </a:prstGeom>
+        </p:spPr>
+        <p:txBody>
+          <a:bodyPr wrap="square">
+            <a:spAutoFit/>
+          </a:bodyPr>
+          <a:lstStyle/>
+          <a:p>
+            <a:pPr indent="457200"/>
+            <a:r>
+              <a:rPr lang="en-GB" sz="2400">
+                <a:solidFill>
+                  <a:schemeClr val="bg2"/>
+                </a:solidFill>
+              </a:rPr>
+              <a:t>SignalR có vai trò giữ kết nối và trao đổi thông điệp giữa các máy client với hệ thống quản lý trạng thái ứng dụng. </a:t>
+            </a:r>
+          </a:p>
+        </p:txBody>
+      </p:sp>
     </p:spTree>
     <p:extLst>
       <p:ext uri="{BB962C8B-B14F-4D97-AF65-F5344CB8AC3E}">
@@ -18282,6 +18320,173 @@
                       </p:childTnLst>
                     </p:cTn>
                   </p:par>
+                  <p:par>
+                    <p:cTn id="12" fill="hold">
+                      <p:stCondLst>
+                        <p:cond delay="indefinite"/>
+                      </p:stCondLst>
+                      <p:childTnLst>
+                        <p:par>
+                          <p:cTn id="13" fill="hold">
+                            <p:stCondLst>
+                              <p:cond delay="0"/>
+                            </p:stCondLst>
+                            <p:childTnLst>
+                              <p:par>
+                                <p:cTn id="14" presetID="10" presetClass="exit" presetSubtype="0" fill="hold" grpId="1" nodeType="clickEffect">
+                                  <p:stCondLst>
+                                    <p:cond delay="0"/>
+                                  </p:stCondLst>
+                                  <p:childTnLst>
+                                    <p:animEffect transition="out" filter="fade">
+                                      <p:cBhvr>
+                                        <p:cTn id="15" dur="500"/>
+                                        <p:tgtEl>
+                                          <p:spTgt spid="7"/>
+                                        </p:tgtEl>
+                                      </p:cBhvr>
+                                    </p:animEffect>
+                                    <p:set>
+                                      <p:cBhvr>
+                                        <p:cTn id="16" dur="1" fill="hold">
+                                          <p:stCondLst>
+                                            <p:cond delay="499"/>
+                                          </p:stCondLst>
+                                        </p:cTn>
+                                        <p:tgtEl>
+                                          <p:spTgt spid="7"/>
+                                        </p:tgtEl>
+                                        <p:attrNameLst>
+                                          <p:attrName>style.visibility</p:attrName>
+                                        </p:attrNameLst>
+                                      </p:cBhvr>
+                                      <p:to>
+                                        <p:strVal val="hidden"/>
+                                      </p:to>
+                                    </p:set>
+                                  </p:childTnLst>
+                                </p:cTn>
+                              </p:par>
+                              <p:par>
+                                <p:cTn id="17" presetID="10" presetClass="exit" presetSubtype="0" fill="hold" grpId="1" nodeType="withEffect">
+                                  <p:stCondLst>
+                                    <p:cond delay="0"/>
+                                  </p:stCondLst>
+                                  <p:childTnLst>
+                                    <p:animEffect transition="out" filter="fade">
+                                      <p:cBhvr>
+                                        <p:cTn id="18" dur="500"/>
+                                        <p:tgtEl>
+                                          <p:spTgt spid="16"/>
+                                        </p:tgtEl>
+                                      </p:cBhvr>
+                                    </p:animEffect>
+                                    <p:set>
+                                      <p:cBhvr>
+                                        <p:cTn id="19" dur="1" fill="hold">
+                                          <p:stCondLst>
+                                            <p:cond delay="499"/>
+                                          </p:stCondLst>
+                                        </p:cTn>
+                                        <p:tgtEl>
+                                          <p:spTgt spid="16"/>
+                                        </p:tgtEl>
+                                        <p:attrNameLst>
+                                          <p:attrName>style.visibility</p:attrName>
+                                        </p:attrNameLst>
+                                      </p:cBhvr>
+                                      <p:to>
+                                        <p:strVal val="hidden"/>
+                                      </p:to>
+                                    </p:set>
+                                  </p:childTnLst>
+                                </p:cTn>
+                              </p:par>
+                              <p:par>
+                                <p:cTn id="20" presetID="10" presetClass="exit" presetSubtype="0" fill="hold" nodeType="withEffect">
+                                  <p:stCondLst>
+                                    <p:cond delay="0"/>
+                                  </p:stCondLst>
+                                  <p:childTnLst>
+                                    <p:animEffect transition="out" filter="fade">
+                                      <p:cBhvr>
+                                        <p:cTn id="21" dur="500"/>
+                                        <p:tgtEl>
+                                          <p:spTgt spid="1026"/>
+                                        </p:tgtEl>
+                                      </p:cBhvr>
+                                    </p:animEffect>
+                                    <p:set>
+                                      <p:cBhvr>
+                                        <p:cTn id="22" dur="1" fill="hold">
+                                          <p:stCondLst>
+                                            <p:cond delay="499"/>
+                                          </p:stCondLst>
+                                        </p:cTn>
+                                        <p:tgtEl>
+                                          <p:spTgt spid="1026"/>
+                                        </p:tgtEl>
+                                        <p:attrNameLst>
+                                          <p:attrName>style.visibility</p:attrName>
+                                        </p:attrNameLst>
+                                      </p:cBhvr>
+                                      <p:to>
+                                        <p:strVal val="hidden"/>
+                                      </p:to>
+                                    </p:set>
+                                  </p:childTnLst>
+                                </p:cTn>
+                              </p:par>
+                            </p:childTnLst>
+                          </p:cTn>
+                        </p:par>
+                        <p:par>
+                          <p:cTn id="23" fill="hold">
+                            <p:stCondLst>
+                              <p:cond delay="500"/>
+                            </p:stCondLst>
+                            <p:childTnLst>
+                              <p:par>
+                                <p:cTn id="24" presetID="10" presetClass="entr" presetSubtype="0" fill="hold" grpId="0" nodeType="afterEffect">
+                                  <p:stCondLst>
+                                    <p:cond delay="0"/>
+                                  </p:stCondLst>
+                                  <p:childTnLst>
+                                    <p:set>
+                                      <p:cBhvr>
+                                        <p:cTn id="25" dur="1" fill="hold">
+                                          <p:stCondLst>
+                                            <p:cond delay="0"/>
+                                          </p:stCondLst>
+                                        </p:cTn>
+                                        <p:tgtEl>
+                                          <p:spTgt spid="10"/>
+                                        </p:tgtEl>
+                                        <p:attrNameLst>
+                                          <p:attrName>style.visibility</p:attrName>
+                                        </p:attrNameLst>
+                                      </p:cBhvr>
+                                      <p:to>
+                                        <p:strVal val="visible"/>
+                                      </p:to>
+                                    </p:set>
+                                    <p:animEffect transition="in" filter="fade">
+                                      <p:cBhvr>
+                                        <p:cTn id="26" dur="500"/>
+                                        <p:tgtEl>
+                                          <p:spTgt spid="10"/>
+                                        </p:tgtEl>
+                                      </p:cBhvr>
+                                    </p:animEffect>
+                                  </p:childTnLst>
+                                </p:cTn>
+                              </p:par>
+                            </p:childTnLst>
+                          </p:cTn>
+                        </p:par>
+                      </p:childTnLst>
+                    </p:cTn>
+                  </p:par>
                 </p:childTnLst>
               </p:cTn>
               <p:prevCondLst>
@@ -18305,7 +18510,10 @@
     </p:tnLst>
     <p:bldLst>
       <p:bldP spid="7" grpId="0"/>
+      <p:bldP spid="7" grpId="1"/>
       <p:bldP spid="16" grpId="0"/>
+      <p:bldP spid="16" grpId="1"/>
+      <p:bldP spid="10" grpId="0"/>
     </p:bldLst>
   </p:timing>
 </p:sld>
@@ -18527,7 +18735,7 @@
         <p:spPr>
           <a:xfrm>
             <a:off x="410965" y="1002662"/>
-            <a:ext cx="5433244" cy="830997"/>
+            <a:ext cx="5433244" cy="1569660"/>
           </a:xfrm>
           <a:prstGeom prst="rect">
             <a:avLst/>
@@ -18546,7 +18754,7 @@
                   <a:schemeClr val="bg2"/>
                 </a:solidFill>
               </a:rPr>
-              <a:t>ClearScript là một thư viện cho phép thêm các tập lệnh vào ứng dụng .NET. </a:t>
+              <a:t>ClearScript là một thư viện cho phép thêm các tập lệnh vào ứng dụng .NET. ClearScript sẽ biên dịch và thực thi mã Javascript</a:t>
             </a:r>
             <a:endParaRPr lang="en-GB" sz="2400">
               <a:solidFill>
@@ -18603,7 +18811,7 @@
         <p:spPr>
           <a:xfrm>
             <a:off x="393999" y="1970200"/>
-            <a:ext cx="5433244" cy="1200329"/>
+            <a:ext cx="5433244" cy="461665"/>
           </a:xfrm>
           <a:prstGeom prst="rect">
             <a:avLst/>
@@ -18622,7 +18830,7 @@
                   <a:schemeClr val="bg2"/>
                 </a:solidFill>
               </a:rPr>
-              <a:t>ClearScript hỗ trợ V8 – JavaScript Engine, V8 sẽ biên dịch và thực mã Javascript.</a:t>
+              <a:t>.</a:t>
             </a:r>
             <a:endParaRPr lang="en-GB" sz="2400">
               <a:solidFill>
@@ -18634,57 +18842,40 @@
       </p:sp>
       <p:pic>
         <p:nvPicPr>
-          <p:cNvPr id="2050" name="Picture 2" descr="Cutting Edge - A Look at ClearScript | Microsoft Docs">
+          <p:cNvPr id="3" name="Picture 2">
             <a:extLst>
               <a:ext uri="{FF2B5EF4-FFF2-40B4-BE49-F238E27FC236}">
-                <a16:creationId xmlns:a16="http://schemas.microsoft.com/office/drawing/2014/main" id="{B3AB0351-4E90-43FA-B379-8AB00E453855}"/>
+                <a16:creationId xmlns:a16="http://schemas.microsoft.com/office/drawing/2014/main" id="{E7885687-765F-49C5-87FF-0260901792C9}"/>
               </a:ext>
             </a:extLst>
           </p:cNvPr>
           <p:cNvPicPr>
-            <a:picLocks noChangeAspect="1" noChangeArrowheads="1"/>
+            <a:picLocks noChangeAspect="1"/>
           </p:cNvPicPr>
           <p:nvPr/>
         </p:nvPicPr>
         <p:blipFill>
-          <a:blip r:embed="rId2">
-            <a:extLst>
-              <a:ext uri="{28A0092B-C50C-407E-A947-70E740481C1C}">
-                <a14:useLocalDpi xmlns:a14="http://schemas.microsoft.com/office/drawing/2010/main" val="0"/>
-              </a:ext>
-            </a:extLst>
-          </a:blip>
-          <a:srcRect/>
+          <a:blip r:embed="rId2"/>
           <a:stretch>
             <a:fillRect/>
           </a:stretch>
         </p:blipFill>
-        <p:spPr bwMode="auto">
+        <p:spPr>
           <a:xfrm>
-            <a:off x="6088717" y="1141481"/>
-            <a:ext cx="5527469" cy="3939577"/>
+            <a:off x="5984316" y="1002662"/>
+            <a:ext cx="5586498" cy="3501098"/>
           </a:xfrm>
           <a:prstGeom prst="rect">
             <a:avLst/>
           </a:prstGeom>
-          <a:noFill/>
-          <a:extLst>
-            <a:ext uri="{909E8E84-426E-40DD-AFC4-6F175D3DCCD1}">
-              <a14:hiddenFill xmlns:a14="http://schemas.microsoft.com/office/drawing/2010/main">
-                <a:solidFill>
-                  <a:srgbClr val="FFFFFF"/>
-                </a:solidFill>
-              </a14:hiddenFill>
-            </a:ext>
-          </a:extLst>
         </p:spPr>
       </p:pic>
       <p:sp>
         <p:nvSpPr>
-          <p:cNvPr id="13" name="Rectangle 12">
+          <p:cNvPr id="14" name="Rectangle 13">
             <a:extLst>
               <a:ext uri="{FF2B5EF4-FFF2-40B4-BE49-F238E27FC236}">
-                <a16:creationId xmlns:a16="http://schemas.microsoft.com/office/drawing/2014/main" id="{16959285-1490-465D-9DE5-02FDAA1EBA3F}"/>
+                <a16:creationId xmlns:a16="http://schemas.microsoft.com/office/drawing/2014/main" id="{799982C7-A097-4E96-912C-2EB83F82B808}"/>
               </a:ext>
             </a:extLst>
           </p:cNvPr>
@@ -18693,7 +18884,7 @@
         </p:nvSpPr>
         <p:spPr>
           <a:xfrm>
-            <a:off x="390967" y="3305112"/>
+            <a:off x="410965" y="2761515"/>
             <a:ext cx="5433244" cy="1569660"/>
           </a:xfrm>
           <a:prstGeom prst="rect">
@@ -18710,16 +18901,27 @@
             <a:r>
               <a:rPr lang="en-GB" sz="2400">
                 <a:solidFill>
-                  <a:schemeClr val="bg2"/>
+                  <a:schemeClr val="bg1"/>
                 </a:solidFill>
               </a:rPr>
-              <a:t>Mã script có thể truy cập vào các tính năng của .NET – contructors, methods, properties,… Ngoài ra, ClearScript hỗ trợ gỡ lỗi trong quá trình thực thi.</a:t>
+              <a:t>Thư viện ClearScript được </a:t>
             </a:r>
-            <a:endParaRPr lang="en-GB" sz="2400">
-              <a:solidFill>
-                <a:schemeClr val="bg1"/>
-              </a:solidFill>
-            </a:endParaRPr>
+            <a:r>
+              <a:rPr lang="en-GB" sz="2400" b="1">
+                <a:solidFill>
+                  <a:schemeClr val="bg1"/>
+                </a:solidFill>
+              </a:rPr>
+              <a:t>sử dụng trên ứng dụng biên dịch </a:t>
+            </a:r>
+            <a:r>
+              <a:rPr lang="en-GB" sz="2400">
+                <a:solidFill>
+                  <a:schemeClr val="bg1"/>
+                </a:solidFill>
+              </a:rPr>
+              <a:t>để thực thi các script được gửi từ hệ thống quản lý trạng thái ứng dụng.</a:t>
+            </a:r>
           </a:p>
         </p:txBody>
       </p:sp>
@@ -18888,7 +19090,7 @@
                                           </p:stCondLst>
                                         </p:cTn>
                                         <p:tgtEl>
-                                          <p:spTgt spid="13"/>
+                                          <p:spTgt spid="14"/>
                                         </p:tgtEl>
                                         <p:attrNameLst>
                                           <p:attrName>style.visibility</p:attrName>
@@ -18902,7 +19104,7 @@
                                       <p:cBhvr>
                                         <p:cTn id="17" dur="500"/>
                                         <p:tgtEl>
-                                          <p:spTgt spid="13"/>
+                                          <p:spTgt spid="14"/>
                                         </p:tgtEl>
                                       </p:cBhvr>
                                     </p:animEffect>
@@ -18939,7 +19141,7 @@
     <p:bldLst>
       <p:bldP spid="7" grpId="0"/>
       <p:bldP spid="10" grpId="0"/>
-      <p:bldP spid="13" grpId="0"/>
+      <p:bldP spid="14" grpId="0"/>
     </p:bldLst>
   </p:timing>
 </p:sld>
@@ -19392,6 +19594,48 @@
           </a:p>
         </p:txBody>
       </p:sp>
+      <p:sp>
+        <p:nvSpPr>
+          <p:cNvPr id="12" name="Rectangle 11">
+            <a:extLst>
+              <a:ext uri="{FF2B5EF4-FFF2-40B4-BE49-F238E27FC236}">
+                <a16:creationId xmlns:a16="http://schemas.microsoft.com/office/drawing/2014/main" id="{4382A3A2-0023-42D3-969A-4F24CE1C0159}"/>
+              </a:ext>
+            </a:extLst>
+          </p:cNvPr>
+          <p:cNvSpPr/>
+          <p:nvPr/>
+        </p:nvSpPr>
+        <p:spPr>
+          <a:xfrm>
+            <a:off x="410964" y="5474204"/>
+            <a:ext cx="11159848" cy="461665"/>
+          </a:xfrm>
+          <a:prstGeom prst="rect">
+            <a:avLst/>
+          </a:prstGeom>
+        </p:spPr>
+        <p:txBody>
+          <a:bodyPr wrap="square">
+            <a:spAutoFit/>
+          </a:bodyPr>
+          <a:lstStyle/>
+          <a:p>
+            <a:pPr marL="342900" indent="-342900" algn="just">
+              <a:buFont typeface="Wingdings" panose="05000000000000000000" pitchFamily="2" charset="2"/>
+              <a:buChar char="Ø"/>
+            </a:pPr>
+            <a:r>
+              <a:rPr lang="en-GB" sz="2400">
+                <a:solidFill>
+                  <a:schemeClr val="bg1"/>
+                </a:solidFill>
+              </a:rPr>
+              <a:t>ABP Framework được áp dụng để xây dựng hế thống quản lý trạng thái ứng dụng.</a:t>
+            </a:r>
+          </a:p>
+        </p:txBody>
+      </p:sp>
     </p:spTree>
     <p:extLst>
       <p:ext uri="{BB962C8B-B14F-4D97-AF65-F5344CB8AC3E}">
@@ -19541,30 +19785,21 @@
                             </p:childTnLst>
                           </p:cTn>
                         </p:par>
-                      </p:childTnLst>
-                    </p:cTn>
-                  </p:par>
-                  <p:par>
-                    <p:cTn id="13" fill="hold">
-                      <p:stCondLst>
-                        <p:cond delay="indefinite"/>
-                      </p:stCondLst>
-                      <p:childTnLst>
                         <p:par>
-                          <p:cTn id="14" fill="hold">
+                          <p:cTn id="13" fill="hold">
                             <p:stCondLst>
-                              <p:cond delay="0"/>
+                              <p:cond delay="500"/>
                             </p:stCondLst>
                             <p:childTnLst>
                               <p:par>
-                                <p:cTn id="15" presetID="10" presetClass="entr" presetSubtype="0" fill="hold" nodeType="clickEffect">
+                                <p:cTn id="14" presetID="10" presetClass="entr" presetSubtype="0" fill="hold" nodeType="afterEffect">
                                   <p:stCondLst>
                                     <p:cond delay="0"/>
                                   </p:stCondLst>
                                   <p:childTnLst>
                                     <p:set>
                                       <p:cBhvr>
-                                        <p:cTn id="16" dur="1" fill="hold">
+                                        <p:cTn id="15" dur="1" fill="hold">
                                           <p:stCondLst>
                                             <p:cond delay="0"/>
                                           </p:stCondLst>
@@ -19586,7 +19821,7 @@
                                     </p:set>
                                     <p:animEffect transition="in" filter="fade">
                                       <p:cBhvr>
-                                        <p:cTn id="17" dur="500"/>
+                                        <p:cTn id="16" dur="500"/>
                                         <p:tgtEl>
                                           <p:spTgt spid="14">
                                             <p:txEl>
@@ -19602,30 +19837,21 @@
                             </p:childTnLst>
                           </p:cTn>
                         </p:par>
-                      </p:childTnLst>
-                    </p:cTn>
-                  </p:par>
-                  <p:par>
-                    <p:cTn id="18" fill="hold">
-                      <p:stCondLst>
-                        <p:cond delay="indefinite"/>
-                      </p:stCondLst>
-                      <p:childTnLst>
                         <p:par>
-                          <p:cTn id="19" fill="hold">
+                          <p:cTn id="17" fill="hold">
                             <p:stCondLst>
-                              <p:cond delay="0"/>
+                              <p:cond delay="1000"/>
                             </p:stCondLst>
                             <p:childTnLst>
                               <p:par>
-                                <p:cTn id="20" presetID="10" presetClass="entr" presetSubtype="0" fill="hold" nodeType="clickEffect">
+                                <p:cTn id="18" presetID="10" presetClass="entr" presetSubtype="0" fill="hold" nodeType="afterEffect">
                                   <p:stCondLst>
                                     <p:cond delay="0"/>
                                   </p:stCondLst>
                                   <p:childTnLst>
                                     <p:set>
                                       <p:cBhvr>
-                                        <p:cTn id="21" dur="1" fill="hold">
+                                        <p:cTn id="19" dur="1" fill="hold">
                                           <p:stCondLst>
                                             <p:cond delay="0"/>
                                           </p:stCondLst>
@@ -19647,7 +19873,7 @@
                                     </p:set>
                                     <p:animEffect transition="in" filter="fade">
                                       <p:cBhvr>
-                                        <p:cTn id="22" dur="500"/>
+                                        <p:cTn id="20" dur="500"/>
                                         <p:tgtEl>
                                           <p:spTgt spid="14">
                                             <p:txEl>
@@ -19667,26 +19893,26 @@
                     </p:cTn>
                   </p:par>
                   <p:par>
-                    <p:cTn id="23" fill="hold">
+                    <p:cTn id="21" fill="hold">
                       <p:stCondLst>
                         <p:cond delay="indefinite"/>
                       </p:stCondLst>
                       <p:childTnLst>
                         <p:par>
-                          <p:cTn id="24" fill="hold">
+                          <p:cTn id="22" fill="hold">
                             <p:stCondLst>
                               <p:cond delay="0"/>
                             </p:stCondLst>
                             <p:childTnLst>
                               <p:par>
-                                <p:cTn id="25" presetID="10" presetClass="entr" presetSubtype="0" fill="hold" nodeType="clickEffect">
+                                <p:cTn id="23" presetID="10" presetClass="entr" presetSubtype="0" fill="hold" nodeType="clickEffect">
                                   <p:stCondLst>
                                     <p:cond delay="0"/>
                                   </p:stCondLst>
                                   <p:childTnLst>
                                     <p:set>
                                       <p:cBhvr>
-                                        <p:cTn id="26" dur="1" fill="hold">
+                                        <p:cTn id="24" dur="1" fill="hold">
                                           <p:stCondLst>
                                             <p:cond delay="0"/>
                                           </p:stCondLst>
@@ -19708,13 +19934,57 @@
                                     </p:set>
                                     <p:animEffect transition="in" filter="fade">
                                       <p:cBhvr>
-                                        <p:cTn id="27" dur="500"/>
+                                        <p:cTn id="25" dur="500"/>
                                         <p:tgtEl>
                                           <p:spTgt spid="15">
                                             <p:txEl>
                                               <p:pRg st="0" end="0"/>
                                             </p:txEl>
                                           </p:spTgt>
+                                        </p:tgtEl>
+                                      </p:cBhvr>
+                                    </p:animEffect>
+                                  </p:childTnLst>
+                                </p:cTn>
+                              </p:par>
+                            </p:childTnLst>
+                          </p:cTn>
+                        </p:par>
+                        <p:par>
+                          <p:cTn id="26" fill="hold">
+                            <p:stCondLst>
+                              <p:cond delay="500"/>
+                            </p:stCondLst>
+                            <p:childTnLst>
+                              <p:par>
+                                <p:cTn id="27" presetID="10" presetClass="entr" presetSubtype="0" fill="hold" grpId="0" nodeType="afterEffect">
+                                  <p:stCondLst>
+                                    <p:cond delay="0"/>
+                                  </p:stCondLst>
+                                  <p:childTnLst>
+                                    <p:set>
+                                      <p:cBhvr>
+                                        <p:cTn id="28" dur="1" fill="hold">
+                                          <p:stCondLst>
+                                            <p:cond delay="0"/>
+                                          </p:stCondLst>
+                                        </p:cTn>
+                                        <p:tgtEl>
+                                          <p:spTgt spid="12"/>
+                                        </p:tgtEl>
+                                        <p:attrNameLst>
+                                          <p:attrName>style.visibility</p:attrName>
+                                        </p:attrNameLst>
+                                      </p:cBhvr>
+                                      <p:to>
+                                        <p:strVal val="visible"/>
+                                      </p:to>
+                                    </p:set>
+                                    <p:animEffect transition="in" filter="fade">
+                                      <p:cBhvr>
+                                        <p:cTn id="29" dur="500"/>
+                                        <p:tgtEl>
+                                          <p:spTgt spid="12"/>
                                         </p:tgtEl>
                                       </p:cBhvr>
                                     </p:animEffect>
@@ -19750,6 +20020,7 @@
     </p:tnLst>
     <p:bldLst>
       <p:bldP spid="7" grpId="0"/>
+      <p:bldP spid="12" grpId="0"/>
     </p:bldLst>
   </p:timing>
 </p:sld>
@@ -20091,6 +20362,52 @@
           </a:p>
         </p:txBody>
       </p:sp>
+      <p:pic>
+        <p:nvPicPr>
+          <p:cNvPr id="9" name="Picture 8" descr="Diagram&#10;&#10;Description automatically generated">
+            <a:extLst>
+              <a:ext uri="{FF2B5EF4-FFF2-40B4-BE49-F238E27FC236}">
+                <a16:creationId xmlns:a16="http://schemas.microsoft.com/office/drawing/2014/main" id="{43737AAE-BADC-4FCD-81E2-C153444E704D}"/>
+              </a:ext>
+            </a:extLst>
+          </p:cNvPr>
+          <p:cNvPicPr>
+            <a:picLocks noChangeAspect="1"/>
+          </p:cNvPicPr>
+          <p:nvPr/>
+        </p:nvPicPr>
+        <p:blipFill>
+          <a:blip r:embed="rId2">
+            <a:extLst>
+              <a:ext uri="{28A0092B-C50C-407E-A947-70E740481C1C}">
+                <a14:useLocalDpi xmlns:a14="http://schemas.microsoft.com/office/drawing/2010/main" val="0"/>
+              </a:ext>
+            </a:extLst>
+          </a:blip>
+          <a:stretch>
+            <a:fillRect/>
+          </a:stretch>
+        </p:blipFill>
+        <p:spPr>
+          <a:xfrm>
+            <a:off x="308208" y="1745127"/>
+            <a:ext cx="7430073" cy="4676775"/>
+          </a:xfrm>
+          <a:prstGeom prst="rect">
+            <a:avLst/>
+          </a:prstGeom>
+          <a:ln>
+            <a:noFill/>
+          </a:ln>
+          <a:effectLst>
+            <a:outerShdw blurRad="190500" algn="tl" rotWithShape="0">
+              <a:srgbClr val="000000">
+                <a:alpha val="70000"/>
+              </a:srgbClr>
+            </a:outerShdw>
+          </a:effectLst>
+        </p:spPr>
+      </p:pic>
     </p:spTree>
     <p:extLst>
       <p:ext uri="{BB962C8B-B14F-4D97-AF65-F5344CB8AC3E}">
@@ -20294,6 +20611,50 @@
                             </p:childTnLst>
                           </p:cTn>
                         </p:par>
+                        <p:par>
+                          <p:cTn id="14" fill="hold">
+                            <p:stCondLst>
+                              <p:cond delay="1000"/>
+                            </p:stCondLst>
+                            <p:childTnLst>
+                              <p:par>
+                                <p:cTn id="15" presetID="10" presetClass="entr" presetSubtype="0" fill="hold" nodeType="afterEffect">
+                                  <p:stCondLst>
+                                    <p:cond delay="0"/>
+                                  </p:stCondLst>
+                                  <p:childTnLst>
+                                    <p:set>
+                                      <p:cBhvr>
+                                        <p:cTn id="16" dur="1" fill="hold">
+                                          <p:stCondLst>
+                                            <p:cond delay="0"/>
+                                          </p:stCondLst>
+                                        </p:cTn>
+                                        <p:tgtEl>
+                                          <p:spTgt spid="9"/>
+                                        </p:tgtEl>
+                                        <p:attrNameLst>
+                                          <p:attrName>style.visibility</p:attrName>
+                                        </p:attrNameLst>
+                                      </p:cBhvr>
+                                      <p:to>
+                                        <p:strVal val="visible"/>
+                                      </p:to>
+                                    </p:set>
+                                    <p:animEffect transition="in" filter="fade">
+                                      <p:cBhvr>
+                                        <p:cTn id="17" dur="500"/>
+                                        <p:tgtEl>
+                                          <p:spTgt spid="9"/>
+                                        </p:tgtEl>
+                                      </p:cBhvr>
+                                    </p:animEffect>
+                                  </p:childTnLst>
+                                </p:cTn>
+                              </p:par>
+                            </p:childTnLst>
+                          </p:cTn>
+                        </p:par>
                       </p:childTnLst>
                     </p:cTn>
                   </p:par>
@@ -20480,523 +20841,7 @@
                 </a:solidFill>
                 <a:latin typeface="Lato" panose="020F0502020204030203" pitchFamily="34" charset="0"/>
               </a:rPr>
-              <a:t>1. Mô tả tổng quan</a:t>
-            </a:r>
-            <a:endParaRPr lang="en-GB" sz="2800">
-              <a:solidFill>
-                <a:schemeClr val="bg1"/>
-              </a:solidFill>
-              <a:latin typeface="Lato" panose="020F0502020204030203" pitchFamily="34" charset="0"/>
-            </a:endParaRPr>
-          </a:p>
-        </p:txBody>
-      </p:sp>
-      <p:cxnSp>
-        <p:nvCxnSpPr>
-          <p:cNvPr id="4" name="Straight Connector 3">
-            <a:extLst>
-              <a:ext uri="{FF2B5EF4-FFF2-40B4-BE49-F238E27FC236}">
-                <a16:creationId xmlns:a16="http://schemas.microsoft.com/office/drawing/2014/main" id="{76AC370D-754E-45CF-B5E9-44869AF3FC5C}"/>
-              </a:ext>
-            </a:extLst>
-          </p:cNvPr>
-          <p:cNvCxnSpPr/>
-          <p:nvPr/>
-        </p:nvCxnSpPr>
-        <p:spPr>
-          <a:xfrm>
-            <a:off x="410965" y="866120"/>
-            <a:ext cx="11159849" cy="0"/>
-          </a:xfrm>
-          <a:prstGeom prst="line">
-            <a:avLst/>
-          </a:prstGeom>
-        </p:spPr>
-        <p:style>
-          <a:lnRef idx="1">
-            <a:schemeClr val="accent1"/>
-          </a:lnRef>
-          <a:fillRef idx="0">
-            <a:schemeClr val="accent1"/>
-          </a:fillRef>
-          <a:effectRef idx="0">
-            <a:schemeClr val="accent1"/>
-          </a:effectRef>
-          <a:fontRef idx="minor">
-            <a:schemeClr val="tx1"/>
-          </a:fontRef>
-        </p:style>
-      </p:cxnSp>
-      <p:sp>
-        <p:nvSpPr>
-          <p:cNvPr id="7" name="Rectangle 6">
-            <a:extLst>
-              <a:ext uri="{FF2B5EF4-FFF2-40B4-BE49-F238E27FC236}">
-                <a16:creationId xmlns:a16="http://schemas.microsoft.com/office/drawing/2014/main" id="{5078B5CA-F84A-40A2-BE71-8BAB249CEBD5}"/>
-              </a:ext>
-            </a:extLst>
-          </p:cNvPr>
-          <p:cNvSpPr/>
-          <p:nvPr/>
-        </p:nvSpPr>
-        <p:spPr>
-          <a:xfrm>
-            <a:off x="410964" y="973841"/>
-            <a:ext cx="4386322" cy="461665"/>
-          </a:xfrm>
-          <a:prstGeom prst="rect">
-            <a:avLst/>
-          </a:prstGeom>
-        </p:spPr>
-        <p:txBody>
-          <a:bodyPr wrap="square">
-            <a:spAutoFit/>
-          </a:bodyPr>
-          <a:lstStyle/>
-          <a:p>
-            <a:pPr indent="457200"/>
-            <a:endParaRPr lang="en-GB" sz="2400">
-              <a:solidFill>
-                <a:schemeClr val="bg1"/>
-              </a:solidFill>
-            </a:endParaRPr>
-          </a:p>
-        </p:txBody>
-      </p:sp>
-      <p:sp>
-        <p:nvSpPr>
-          <p:cNvPr id="11" name="Rectangle 10">
-            <a:extLst>
-              <a:ext uri="{FF2B5EF4-FFF2-40B4-BE49-F238E27FC236}">
-                <a16:creationId xmlns:a16="http://schemas.microsoft.com/office/drawing/2014/main" id="{7411345E-C26A-4C86-AA1F-ED336CC6547E}"/>
-              </a:ext>
-            </a:extLst>
-          </p:cNvPr>
-          <p:cNvSpPr/>
-          <p:nvPr/>
-        </p:nvSpPr>
-        <p:spPr>
-          <a:xfrm>
-            <a:off x="740457" y="4153638"/>
-            <a:ext cx="3646014" cy="461665"/>
-          </a:xfrm>
-          <a:prstGeom prst="rect">
-            <a:avLst/>
-          </a:prstGeom>
-        </p:spPr>
-        <p:txBody>
-          <a:bodyPr wrap="square">
-            <a:spAutoFit/>
-          </a:bodyPr>
-          <a:lstStyle/>
-          <a:p>
-            <a:pPr indent="457200"/>
-            <a:endParaRPr lang="en-GB" sz="2400"/>
-          </a:p>
-        </p:txBody>
-      </p:sp>
-      <p:pic>
-        <p:nvPicPr>
-          <p:cNvPr id="12" name="Picture 11" descr="Diagram&#10;&#10;Description automatically generated">
-            <a:extLst>
-              <a:ext uri="{FF2B5EF4-FFF2-40B4-BE49-F238E27FC236}">
-                <a16:creationId xmlns:a16="http://schemas.microsoft.com/office/drawing/2014/main" id="{7FE21470-1F54-47BA-BA61-7E95E487A933}"/>
-              </a:ext>
-            </a:extLst>
-          </p:cNvPr>
-          <p:cNvPicPr/>
-          <p:nvPr/>
-        </p:nvPicPr>
-        <p:blipFill>
-          <a:blip r:embed="rId2">
-            <a:extLst>
-              <a:ext uri="{28A0092B-C50C-407E-A947-70E740481C1C}">
-                <a14:useLocalDpi xmlns:a14="http://schemas.microsoft.com/office/drawing/2010/main" val="0"/>
-              </a:ext>
-            </a:extLst>
-          </a:blip>
-          <a:stretch>
-            <a:fillRect/>
-          </a:stretch>
-        </p:blipFill>
-        <p:spPr>
-          <a:xfrm>
-            <a:off x="1727248" y="1645143"/>
-            <a:ext cx="8737504" cy="4538653"/>
-          </a:xfrm>
-          <a:prstGeom prst="rect">
-            <a:avLst/>
-          </a:prstGeom>
-          <a:ln>
-            <a:noFill/>
-          </a:ln>
-          <a:effectLst>
-            <a:outerShdw blurRad="190500" algn="tl" rotWithShape="0">
-              <a:srgbClr val="000000">
-                <a:alpha val="70000"/>
-              </a:srgbClr>
-            </a:outerShdw>
-          </a:effectLst>
-        </p:spPr>
-      </p:pic>
-      <p:sp>
-        <p:nvSpPr>
-          <p:cNvPr id="13" name="Rectangle 12">
-            <a:extLst>
-              <a:ext uri="{FF2B5EF4-FFF2-40B4-BE49-F238E27FC236}">
-                <a16:creationId xmlns:a16="http://schemas.microsoft.com/office/drawing/2014/main" id="{B791F502-76BE-48A8-94D2-1F39D66200D1}"/>
-              </a:ext>
-            </a:extLst>
-          </p:cNvPr>
-          <p:cNvSpPr/>
-          <p:nvPr/>
-        </p:nvSpPr>
-        <p:spPr>
-          <a:xfrm>
-            <a:off x="-105871" y="1018653"/>
-            <a:ext cx="6347645" cy="461665"/>
-          </a:xfrm>
-          <a:prstGeom prst="rect">
-            <a:avLst/>
-          </a:prstGeom>
-        </p:spPr>
-        <p:txBody>
-          <a:bodyPr wrap="square">
-            <a:spAutoFit/>
-          </a:bodyPr>
-          <a:lstStyle/>
-          <a:p>
-            <a:pPr indent="457200" algn="just"/>
-            <a:r>
-              <a:rPr lang="en-GB" sz="2400">
-                <a:solidFill>
-                  <a:schemeClr val="bg1"/>
-                </a:solidFill>
-              </a:rPr>
-              <a:t>Sơ đồ trạng thái sự tương tác của hệ thống:</a:t>
-            </a:r>
-          </a:p>
-        </p:txBody>
-      </p:sp>
-    </p:spTree>
-    <p:extLst>
-      <p:ext uri="{BB962C8B-B14F-4D97-AF65-F5344CB8AC3E}">
-        <p14:creationId xmlns:p14="http://schemas.microsoft.com/office/powerpoint/2010/main" val="145112974"/>
-      </p:ext>
-    </p:extLst>
-  </p:cSld>
-  <p:clrMapOvr>
-    <a:masterClrMapping/>
-  </p:clrMapOvr>
-  <mc:AlternateContent xmlns:mc="http://schemas.openxmlformats.org/markup-compatibility/2006" xmlns:p14="http://schemas.microsoft.com/office/powerpoint/2010/main">
-    <mc:Choice Requires="p14">
-      <p:transition spd="med" p14:dur="700">
-        <p:fade/>
-      </p:transition>
-    </mc:Choice>
-    <mc:Fallback xmlns="">
-      <p:transition spd="med">
-        <p:fade/>
-      </p:transition>
-    </mc:Fallback>
-  </mc:AlternateContent>
-  <p:timing>
-    <p:tnLst>
-      <p:par>
-        <p:cTn id="1" dur="indefinite" restart="never" nodeType="tmRoot">
-          <p:childTnLst>
-            <p:seq concurrent="1" nextAc="seek">
-              <p:cTn id="2" dur="indefinite" nodeType="mainSeq">
-                <p:childTnLst>
-                  <p:par>
-                    <p:cTn id="3" fill="hold">
-                      <p:stCondLst>
-                        <p:cond delay="indefinite"/>
-                        <p:cond evt="onBegin" delay="0">
-                          <p:tn val="2"/>
-                        </p:cond>
-                      </p:stCondLst>
-                      <p:childTnLst>
-                        <p:par>
-                          <p:cTn id="4" fill="hold">
-                            <p:stCondLst>
-                              <p:cond delay="0"/>
-                            </p:stCondLst>
-                            <p:childTnLst>
-                              <p:par>
-                                <p:cTn id="5" presetID="10" presetClass="entr" presetSubtype="0" fill="hold" grpId="0" nodeType="afterEffect" nodePh="1">
-                                  <p:stCondLst>
-                                    <p:cond delay="0"/>
-                                  </p:stCondLst>
-                                  <p:endCondLst>
-                                    <p:cond evt="begin" delay="0">
-                                      <p:tn val="5"/>
-                                    </p:cond>
-                                  </p:endCondLst>
-                                  <p:childTnLst>
-                                    <p:set>
-                                      <p:cBhvr>
-                                        <p:cTn id="6" dur="1" fill="hold">
-                                          <p:stCondLst>
-                                            <p:cond delay="0"/>
-                                          </p:stCondLst>
-                                        </p:cTn>
-                                        <p:tgtEl>
-                                          <p:spTgt spid="7"/>
-                                        </p:tgtEl>
-                                        <p:attrNameLst>
-                                          <p:attrName>style.visibility</p:attrName>
-                                        </p:attrNameLst>
-                                      </p:cBhvr>
-                                      <p:to>
-                                        <p:strVal val="visible"/>
-                                      </p:to>
-                                    </p:set>
-                                    <p:animEffect transition="in" filter="fade">
-                                      <p:cBhvr>
-                                        <p:cTn id="7" dur="500"/>
-                                        <p:tgtEl>
-                                          <p:spTgt spid="7"/>
-                                        </p:tgtEl>
-                                      </p:cBhvr>
-                                    </p:animEffect>
-                                  </p:childTnLst>
-                                </p:cTn>
-                              </p:par>
-                            </p:childTnLst>
-                          </p:cTn>
-                        </p:par>
-                        <p:par>
-                          <p:cTn id="8" fill="hold">
-                            <p:stCondLst>
-                              <p:cond delay="500"/>
-                            </p:stCondLst>
-                            <p:childTnLst>
-                              <p:par>
-                                <p:cTn id="9" presetID="10" presetClass="entr" presetSubtype="0" fill="hold" grpId="0" nodeType="afterEffect">
-                                  <p:stCondLst>
-                                    <p:cond delay="0"/>
-                                  </p:stCondLst>
-                                  <p:childTnLst>
-                                    <p:set>
-                                      <p:cBhvr>
-                                        <p:cTn id="10" dur="1" fill="hold">
-                                          <p:stCondLst>
-                                            <p:cond delay="0"/>
-                                          </p:stCondLst>
-                                        </p:cTn>
-                                        <p:tgtEl>
-                                          <p:spTgt spid="13"/>
-                                        </p:tgtEl>
-                                        <p:attrNameLst>
-                                          <p:attrName>style.visibility</p:attrName>
-                                        </p:attrNameLst>
-                                      </p:cBhvr>
-                                      <p:to>
-                                        <p:strVal val="visible"/>
-                                      </p:to>
-                                    </p:set>
-                                    <p:animEffect transition="in" filter="fade">
-                                      <p:cBhvr>
-                                        <p:cTn id="11" dur="500"/>
-                                        <p:tgtEl>
-                                          <p:spTgt spid="13"/>
-                                        </p:tgtEl>
-                                      </p:cBhvr>
-                                    </p:animEffect>
-                                  </p:childTnLst>
-                                </p:cTn>
-                              </p:par>
-                            </p:childTnLst>
-                          </p:cTn>
-                        </p:par>
-                      </p:childTnLst>
-                    </p:cTn>
-                  </p:par>
-                </p:childTnLst>
-              </p:cTn>
-              <p:prevCondLst>
-                <p:cond evt="onPrev" delay="0">
-                  <p:tgtEl>
-                    <p:sldTgt/>
-                  </p:tgtEl>
-                </p:cond>
-              </p:prevCondLst>
-              <p:nextCondLst>
-                <p:cond evt="onNext" delay="0">
-                  <p:tgtEl>
-                    <p:sldTgt/>
-                  </p:tgtEl>
-                </p:cond>
-              </p:nextCondLst>
-            </p:seq>
-          </p:childTnLst>
-        </p:cTn>
-      </p:par>
-    </p:tnLst>
-    <p:bldLst>
-      <p:bldP spid="7" grpId="0"/>
-      <p:bldP spid="13" grpId="0"/>
-    </p:bldLst>
-  </p:timing>
-</p:sld>
-</file>
-
-<file path=ppt/slides/slide16.xml><?xml version="1.0" encoding="utf-8"?>
-<p:sld xmlns:a="http://schemas.openxmlformats.org/drawingml/2006/main" xmlns:r="http://schemas.openxmlformats.org/officeDocument/2006/relationships" xmlns:p="http://schemas.openxmlformats.org/presentationml/2006/main">
-  <p:cSld>
-    <p:spTree>
-      <p:nvGrpSpPr>
-        <p:cNvPr id="1" name=""/>
-        <p:cNvGrpSpPr/>
-        <p:nvPr/>
-      </p:nvGrpSpPr>
-      <p:grpSpPr>
-        <a:xfrm>
-          <a:off x="0" y="0"/>
-          <a:ext cx="0" cy="0"/>
-          <a:chOff x="0" y="0"/>
-          <a:chExt cx="0" cy="0"/>
-        </a:xfrm>
-      </p:grpSpPr>
-      <p:sp>
-        <p:nvSpPr>
-          <p:cNvPr id="8" name="Rectangle 7"/>
-          <p:cNvSpPr/>
-          <p:nvPr/>
-        </p:nvSpPr>
-        <p:spPr>
-          <a:xfrm>
-            <a:off x="0" y="0"/>
-            <a:ext cx="12192000" cy="6857999"/>
-          </a:xfrm>
-          <a:prstGeom prst="rect">
-            <a:avLst/>
-          </a:prstGeom>
-          <a:solidFill>
-            <a:schemeClr val="tx1">
-              <a:lumMod val="75000"/>
-            </a:schemeClr>
-          </a:solidFill>
-          <a:ln>
-            <a:noFill/>
-          </a:ln>
-        </p:spPr>
-        <p:style>
-          <a:lnRef idx="2">
-            <a:schemeClr val="accent1">
-              <a:shade val="50000"/>
-            </a:schemeClr>
-          </a:lnRef>
-          <a:fillRef idx="1">
-            <a:schemeClr val="accent1"/>
-          </a:fillRef>
-          <a:effectRef idx="0">
-            <a:schemeClr val="accent1"/>
-          </a:effectRef>
-          <a:fontRef idx="minor">
-            <a:schemeClr val="lt1"/>
-          </a:fontRef>
-        </p:style>
-        <p:txBody>
-          <a:bodyPr rtlCol="0" anchor="ctr"/>
-          <a:lstStyle/>
-          <a:p>
-            <a:pPr algn="ctr"/>
-            <a:endParaRPr lang="en-GB"/>
-          </a:p>
-        </p:txBody>
-      </p:sp>
-      <p:sp>
-        <p:nvSpPr>
-          <p:cNvPr id="9" name="Rectangle 8"/>
-          <p:cNvSpPr/>
-          <p:nvPr/>
-        </p:nvSpPr>
-        <p:spPr>
-          <a:xfrm>
-            <a:off x="0" y="329650"/>
-            <a:ext cx="12192000" cy="6172198"/>
-          </a:xfrm>
-          <a:prstGeom prst="rect">
-            <a:avLst/>
-          </a:prstGeom>
-          <a:solidFill>
-            <a:schemeClr val="accent1">
-              <a:lumMod val="50000"/>
-              <a:alpha val="70000"/>
-            </a:schemeClr>
-          </a:solidFill>
-          <a:ln>
-            <a:noFill/>
-          </a:ln>
-        </p:spPr>
-        <p:style>
-          <a:lnRef idx="2">
-            <a:schemeClr val="accent1">
-              <a:shade val="50000"/>
-            </a:schemeClr>
-          </a:lnRef>
-          <a:fillRef idx="1">
-            <a:schemeClr val="accent1"/>
-          </a:fillRef>
-          <a:effectRef idx="0">
-            <a:schemeClr val="accent1"/>
-          </a:effectRef>
-          <a:fontRef idx="minor">
-            <a:schemeClr val="lt1"/>
-          </a:fontRef>
-        </p:style>
-        <p:txBody>
-          <a:bodyPr rtlCol="0" anchor="ctr"/>
-          <a:lstStyle/>
-          <a:p>
-            <a:pPr algn="ctr"/>
-            <a:endParaRPr lang="en-GB"/>
-          </a:p>
-        </p:txBody>
-      </p:sp>
-      <p:sp>
-        <p:nvSpPr>
-          <p:cNvPr id="49" name="TextBox 48">
-            <a:extLst>
-              <a:ext uri="{FF2B5EF4-FFF2-40B4-BE49-F238E27FC236}">
-                <a16:creationId xmlns:a16="http://schemas.microsoft.com/office/drawing/2014/main" id="{EF4DB629-BA9A-4201-A455-B0458C585E1F}"/>
-              </a:ext>
-            </a:extLst>
-          </p:cNvPr>
-          <p:cNvSpPr txBox="1"/>
-          <p:nvPr/>
-        </p:nvSpPr>
-        <p:spPr>
-          <a:xfrm>
-            <a:off x="410964" y="342900"/>
-            <a:ext cx="8878809" cy="523220"/>
-          </a:xfrm>
-          <a:prstGeom prst="rect">
-            <a:avLst/>
-          </a:prstGeom>
-          <a:noFill/>
-          <a:ln>
-            <a:solidFill>
-              <a:srgbClr val="163755"/>
-            </a:solidFill>
-          </a:ln>
-        </p:spPr>
-        <p:txBody>
-          <a:bodyPr wrap="square" rtlCol="0">
-            <a:spAutoFit/>
-          </a:bodyPr>
-          <a:lstStyle/>
-          <a:p>
-            <a:r>
-              <a:rPr lang="en-US" sz="2800">
-                <a:solidFill>
-                  <a:schemeClr val="bg1"/>
-                </a:solidFill>
-                <a:latin typeface="Lato" panose="020F0502020204030203" pitchFamily="34" charset="0"/>
-              </a:rPr>
-              <a:t>2. Domain Driven Design</a:t>
+              <a:t>1. Domain Driven Design</a:t>
             </a:r>
             <a:endParaRPr lang="en-GB" sz="2800">
               <a:solidFill>
@@ -21126,7 +20971,7 @@
         <p:spPr>
           <a:xfrm>
             <a:off x="410964" y="1034984"/>
-            <a:ext cx="11159849" cy="1938992"/>
+            <a:ext cx="11159849" cy="1569660"/>
           </a:xfrm>
           <a:prstGeom prst="rect">
             <a:avLst/>
@@ -21145,7 +20990,7 @@
                   <a:schemeClr val="bg1"/>
                 </a:solidFill>
               </a:rPr>
-              <a:t>Domain Driven Design là một cách tiếp cận cho phát triển phần mềm giúp giải quyết vấn đề xây dựng các hệ thống phức tạp.</a:t>
+              <a:t>Domain Driven Design là một cách tiếp cận cho phát triển phần mềm giúp giải quyết vấn đề xây dựng các hệ thống phức tạp. DDD tập trung vào các khái niệm nghiệp vụ và bóc tách bài toán dựa trên nghiệp vụ của nó.</a:t>
             </a:r>
           </a:p>
           <a:p>
@@ -21156,11 +21001,67 @@
                   <a:schemeClr val="bg1"/>
                 </a:solidFill>
               </a:rPr>
-              <a:t>DDD tập trung vào các khái niệm nghiệp vụ và bóc tách bài toán dựa trên nghiệp vụ của nó.</a:t>
+              <a:t>Kiến trúc layer Domain Driven Design:</a:t>
             </a:r>
           </a:p>
+        </p:txBody>
+      </p:sp>
+      <p:pic>
+        <p:nvPicPr>
+          <p:cNvPr id="10" name="Picture 9" descr="A picture containing timeline&#10;&#10;Description automatically generated">
+            <a:extLst>
+              <a:ext uri="{FF2B5EF4-FFF2-40B4-BE49-F238E27FC236}">
+                <a16:creationId xmlns:a16="http://schemas.microsoft.com/office/drawing/2014/main" id="{0A67C34E-F510-4A79-9078-61330B1E5072}"/>
+              </a:ext>
+            </a:extLst>
+          </p:cNvPr>
+          <p:cNvPicPr/>
+          <p:nvPr/>
+        </p:nvPicPr>
+        <p:blipFill>
+          <a:blip r:embed="rId2"/>
+          <a:stretch>
+            <a:fillRect/>
+          </a:stretch>
+        </p:blipFill>
+        <p:spPr bwMode="auto">
+          <a:xfrm>
+            <a:off x="2396180" y="2665787"/>
+            <a:ext cx="7189415" cy="3587240"/>
+          </a:xfrm>
+          <a:prstGeom prst="rect">
+            <a:avLst/>
+          </a:prstGeom>
+        </p:spPr>
+      </p:pic>
+      <p:sp>
+        <p:nvSpPr>
+          <p:cNvPr id="12" name="Rectangle 11">
+            <a:extLst>
+              <a:ext uri="{FF2B5EF4-FFF2-40B4-BE49-F238E27FC236}">
+                <a16:creationId xmlns:a16="http://schemas.microsoft.com/office/drawing/2014/main" id="{5D5356AA-ECB9-48F7-871A-0833AC32ABB5}"/>
+              </a:ext>
+            </a:extLst>
+          </p:cNvPr>
+          <p:cNvSpPr/>
+          <p:nvPr/>
+        </p:nvSpPr>
+        <p:spPr>
+          <a:xfrm>
+            <a:off x="304947" y="3303626"/>
+            <a:ext cx="11159849" cy="461665"/>
+          </a:xfrm>
+          <a:prstGeom prst="rect">
+            <a:avLst/>
+          </a:prstGeom>
+        </p:spPr>
+        <p:txBody>
+          <a:bodyPr wrap="square">
+            <a:spAutoFit/>
+          </a:bodyPr>
+          <a:lstStyle/>
           <a:p>
-            <a:pPr indent="457200" algn="just"/>
+            <a:pPr algn="just"/>
             <a:endParaRPr lang="en-GB" sz="2400">
               <a:solidFill>
                 <a:schemeClr val="bg1"/>
@@ -21334,88 +21235,37 @@
                             </p:stCondLst>
                             <p:childTnLst>
                               <p:par>
-                                <p:cTn id="15" presetID="10" presetClass="exit" presetSubtype="0" fill="hold" grpId="0" nodeType="clickEffect">
+                                <p:cTn id="15" presetID="10" presetClass="entr" presetSubtype="0" fill="hold" nodeType="clickEffect">
                                   <p:stCondLst>
                                     <p:cond delay="0"/>
                                   </p:stCondLst>
                                   <p:childTnLst>
-                                    <p:animEffect transition="out" filter="fade">
-                                      <p:cBhvr>
-                                        <p:cTn id="16" dur="500"/>
-                                        <p:tgtEl>
-                                          <p:spTgt spid="13">
-                                            <p:txEl>
-                                              <p:pRg st="0" end="0"/>
-                                            </p:txEl>
-                                          </p:spTgt>
-                                        </p:tgtEl>
-                                      </p:cBhvr>
-                                    </p:animEffect>
                                     <p:set>
                                       <p:cBhvr>
-                                        <p:cTn id="17" dur="1" fill="hold">
+                                        <p:cTn id="16" dur="1" fill="hold">
                                           <p:stCondLst>
-                                            <p:cond delay="499"/>
+                                            <p:cond delay="0"/>
                                           </p:stCondLst>
                                         </p:cTn>
                                         <p:tgtEl>
-                                          <p:spTgt spid="13">
-                                            <p:txEl>
-                                              <p:pRg st="0" end="0"/>
-                                            </p:txEl>
-                                          </p:spTgt>
+                                          <p:spTgt spid="10"/>
                                         </p:tgtEl>
                                         <p:attrNameLst>
                                           <p:attrName>style.visibility</p:attrName>
                                         </p:attrNameLst>
                                       </p:cBhvr>
                                       <p:to>
-                                        <p:strVal val="hidden"/>
+                                        <p:strVal val="visible"/>
                                       </p:to>
                                     </p:set>
-                                  </p:childTnLst>
-                                </p:cTn>
-                              </p:par>
-                              <p:par>
-                                <p:cTn id="18" presetID="10" presetClass="exit" presetSubtype="0" fill="hold" grpId="0" nodeType="withEffect">
-                                  <p:stCondLst>
-                                    <p:cond delay="0"/>
-                                  </p:stCondLst>
-                                  <p:childTnLst>
-                                    <p:animEffect transition="out" filter="fade">
+                                    <p:animEffect transition="in" filter="fade">
                                       <p:cBhvr>
-                                        <p:cTn id="19" dur="500"/>
+                                        <p:cTn id="17" dur="500"/>
                                         <p:tgtEl>
-                                          <p:spTgt spid="13">
-                                            <p:txEl>
-                                              <p:pRg st="1" end="1"/>
-                                            </p:txEl>
-                                          </p:spTgt>
+                                          <p:spTgt spid="10"/>
                                         </p:tgtEl>
                                       </p:cBhvr>
                                     </p:animEffect>
-                                    <p:set>
-                                      <p:cBhvr>
-                                        <p:cTn id="20" dur="1" fill="hold">
-                                          <p:stCondLst>
-                                            <p:cond delay="499"/>
-                                          </p:stCondLst>
-                                        </p:cTn>
-                                        <p:tgtEl>
-                                          <p:spTgt spid="13">
-                                            <p:txEl>
-                                              <p:pRg st="1" end="1"/>
-                                            </p:txEl>
-                                          </p:spTgt>
-                                        </p:tgtEl>
-                                        <p:attrNameLst>
-                                          <p:attrName>style.visibility</p:attrName>
-                                        </p:attrNameLst>
-                                      </p:cBhvr>
-                                      <p:to>
-                                        <p:strVal val="hidden"/>
-                                      </p:to>
-                                    </p:set>
                                   </p:childTnLst>
                                 </p:cTn>
                               </p:par>
@@ -21446,14 +21296,11 @@
         </p:cTn>
       </p:par>
     </p:tnLst>
-    <p:bldLst>
-      <p:bldP spid="13" grpId="0" build="allAtOnce"/>
-    </p:bldLst>
   </p:timing>
 </p:sld>
 </file>
 
-<file path=ppt/slides/slide17.xml><?xml version="1.0" encoding="utf-8"?>
+<file path=ppt/slides/slide16.xml><?xml version="1.0" encoding="utf-8"?>
 <p:sld xmlns:a="http://schemas.openxmlformats.org/drawingml/2006/main" xmlns:r="http://schemas.openxmlformats.org/officeDocument/2006/relationships" xmlns:p="http://schemas.openxmlformats.org/presentationml/2006/main">
   <p:cSld>
     <p:spTree>
@@ -21607,7 +21454,7 @@
                 </a:solidFill>
                 <a:latin typeface="Lato" panose="020F0502020204030203" pitchFamily="34" charset="0"/>
               </a:rPr>
-              <a:t>3. Kiến trúc hệ thống theo DDD</a:t>
+              <a:t>2. Kiến trúc hệ thống theo Domain Driven Design</a:t>
             </a:r>
             <a:endParaRPr lang="en-GB" sz="2800">
               <a:solidFill>
@@ -21724,73 +21571,6 @@
       </p:sp>
       <p:sp>
         <p:nvSpPr>
-          <p:cNvPr id="10" name="Rectangle 9">
-            <a:extLst>
-              <a:ext uri="{FF2B5EF4-FFF2-40B4-BE49-F238E27FC236}">
-                <a16:creationId xmlns:a16="http://schemas.microsoft.com/office/drawing/2014/main" id="{7BD603B8-9380-4495-874F-3243919CFC17}"/>
-              </a:ext>
-            </a:extLst>
-          </p:cNvPr>
-          <p:cNvSpPr/>
-          <p:nvPr/>
-        </p:nvSpPr>
-        <p:spPr>
-          <a:xfrm>
-            <a:off x="410964" y="1034984"/>
-            <a:ext cx="11159849" cy="461665"/>
-          </a:xfrm>
-          <a:prstGeom prst="rect">
-            <a:avLst/>
-          </a:prstGeom>
-        </p:spPr>
-        <p:txBody>
-          <a:bodyPr wrap="square">
-            <a:spAutoFit/>
-          </a:bodyPr>
-          <a:lstStyle/>
-          <a:p>
-            <a:pPr algn="just"/>
-            <a:r>
-              <a:rPr lang="en-GB" sz="2400">
-                <a:solidFill>
-                  <a:schemeClr val="bg1"/>
-                </a:solidFill>
-              </a:rPr>
-              <a:t>Kiến trúc layer theo hướng tiếp cận Domain Driven Design:</a:t>
-            </a:r>
-          </a:p>
-        </p:txBody>
-      </p:sp>
-      <p:pic>
-        <p:nvPicPr>
-          <p:cNvPr id="12" name="Picture 11" descr="A picture containing timeline&#10;&#10;Description automatically generated">
-            <a:extLst>
-              <a:ext uri="{FF2B5EF4-FFF2-40B4-BE49-F238E27FC236}">
-                <a16:creationId xmlns:a16="http://schemas.microsoft.com/office/drawing/2014/main" id="{6B6C9B51-641B-4D84-AD57-EF7371655FF3}"/>
-              </a:ext>
-            </a:extLst>
-          </p:cNvPr>
-          <p:cNvPicPr/>
-          <p:nvPr/>
-        </p:nvPicPr>
-        <p:blipFill>
-          <a:blip r:embed="rId2"/>
-          <a:stretch>
-            <a:fillRect/>
-          </a:stretch>
-        </p:blipFill>
-        <p:spPr bwMode="auto">
-          <a:xfrm>
-            <a:off x="520146" y="1495919"/>
-            <a:ext cx="7189415" cy="4347460"/>
-          </a:xfrm>
-          <a:prstGeom prst="rect">
-            <a:avLst/>
-          </a:prstGeom>
-        </p:spPr>
-      </p:pic>
-      <p:sp>
-        <p:nvSpPr>
           <p:cNvPr id="14" name="Rectangle 13">
             <a:extLst>
               <a:ext uri="{FF2B5EF4-FFF2-40B4-BE49-F238E27FC236}">
@@ -21803,7 +21583,7 @@
         </p:nvSpPr>
         <p:spPr>
           <a:xfrm>
-            <a:off x="410964" y="1034983"/>
+            <a:off x="410965" y="927675"/>
             <a:ext cx="11159849" cy="461665"/>
           </a:xfrm>
           <a:prstGeom prst="rect">
@@ -21841,15 +21621,15 @@
           <p:nvPr/>
         </p:nvPicPr>
         <p:blipFill>
-          <a:blip r:embed="rId3"/>
+          <a:blip r:embed="rId2"/>
           <a:stretch>
             <a:fillRect/>
           </a:stretch>
         </p:blipFill>
         <p:spPr bwMode="auto">
           <a:xfrm>
-            <a:off x="528211" y="1495918"/>
-            <a:ext cx="7189415" cy="4340933"/>
+            <a:off x="517354" y="1402590"/>
+            <a:ext cx="10810288" cy="4943619"/>
           </a:xfrm>
           <a:prstGeom prst="rect">
             <a:avLst/>
@@ -21890,6 +21670,9 @@
                     <p:cTn id="3" fill="hold">
                       <p:stCondLst>
                         <p:cond delay="indefinite"/>
+                        <p:cond evt="onBegin" delay="0">
+                          <p:tn val="2"/>
+                        </p:cond>
                       </p:stCondLst>
                       <p:childTnLst>
                         <p:par>
@@ -21899,7 +21682,7 @@
                             </p:stCondLst>
                             <p:childTnLst>
                               <p:par>
-                                <p:cTn id="5" presetID="10" presetClass="entr" presetSubtype="0" fill="hold" nodeType="clickEffect">
+                                <p:cTn id="5" presetID="10" presetClass="entr" presetSubtype="0" fill="hold" nodeType="afterEffect">
                                   <p:stCondLst>
                                     <p:cond delay="0"/>
                                   </p:stCondLst>
@@ -21907,173 +21690,6 @@
                                     <p:set>
                                       <p:cBhvr>
                                         <p:cTn id="6" dur="1" fill="hold">
-                                          <p:stCondLst>
-                                            <p:cond delay="0"/>
-                                          </p:stCondLst>
-                                        </p:cTn>
-                                        <p:tgtEl>
-                                          <p:spTgt spid="12"/>
-                                        </p:tgtEl>
-                                        <p:attrNameLst>
-                                          <p:attrName>style.visibility</p:attrName>
-                                        </p:attrNameLst>
-                                      </p:cBhvr>
-                                      <p:to>
-                                        <p:strVal val="visible"/>
-                                      </p:to>
-                                    </p:set>
-                                    <p:animEffect transition="in" filter="fade">
-                                      <p:cBhvr>
-                                        <p:cTn id="7" dur="500"/>
-                                        <p:tgtEl>
-                                          <p:spTgt spid="12"/>
-                                        </p:tgtEl>
-                                      </p:cBhvr>
-                                    </p:animEffect>
-                                  </p:childTnLst>
-                                </p:cTn>
-                              </p:par>
-                              <p:par>
-                                <p:cTn id="8" presetID="10" presetClass="entr" presetSubtype="0" fill="hold" grpId="0" nodeType="withEffect">
-                                  <p:stCondLst>
-                                    <p:cond delay="0"/>
-                                  </p:stCondLst>
-                                  <p:childTnLst>
-                                    <p:set>
-                                      <p:cBhvr>
-                                        <p:cTn id="9" dur="1" fill="hold">
-                                          <p:stCondLst>
-                                            <p:cond delay="0"/>
-                                          </p:stCondLst>
-                                        </p:cTn>
-                                        <p:tgtEl>
-                                          <p:spTgt spid="10"/>
-                                        </p:tgtEl>
-                                        <p:attrNameLst>
-                                          <p:attrName>style.visibility</p:attrName>
-                                        </p:attrNameLst>
-                                      </p:cBhvr>
-                                      <p:to>
-                                        <p:strVal val="visible"/>
-                                      </p:to>
-                                    </p:set>
-                                    <p:animEffect transition="in" filter="fade">
-                                      <p:cBhvr>
-                                        <p:cTn id="10" dur="500"/>
-                                        <p:tgtEl>
-                                          <p:spTgt spid="10"/>
-                                        </p:tgtEl>
-                                      </p:cBhvr>
-                                    </p:animEffect>
-                                  </p:childTnLst>
-                                </p:cTn>
-                              </p:par>
-                            </p:childTnLst>
-                          </p:cTn>
-                        </p:par>
-                      </p:childTnLst>
-                    </p:cTn>
-                  </p:par>
-                  <p:par>
-                    <p:cTn id="11" fill="hold">
-                      <p:stCondLst>
-                        <p:cond delay="indefinite"/>
-                      </p:stCondLst>
-                      <p:childTnLst>
-                        <p:par>
-                          <p:cTn id="12" fill="hold">
-                            <p:stCondLst>
-                              <p:cond delay="0"/>
-                            </p:stCondLst>
-                            <p:childTnLst>
-                              <p:par>
-                                <p:cTn id="13" presetID="10" presetClass="exit" presetSubtype="0" fill="hold" nodeType="clickEffect">
-                                  <p:stCondLst>
-                                    <p:cond delay="0"/>
-                                  </p:stCondLst>
-                                  <p:childTnLst>
-                                    <p:animEffect transition="out" filter="fade">
-                                      <p:cBhvr>
-                                        <p:cTn id="14" dur="500"/>
-                                        <p:tgtEl>
-                                          <p:spTgt spid="12"/>
-                                        </p:tgtEl>
-                                      </p:cBhvr>
-                                    </p:animEffect>
-                                    <p:set>
-                                      <p:cBhvr>
-                                        <p:cTn id="15" dur="1" fill="hold">
-                                          <p:stCondLst>
-                                            <p:cond delay="499"/>
-                                          </p:stCondLst>
-                                        </p:cTn>
-                                        <p:tgtEl>
-                                          <p:spTgt spid="12"/>
-                                        </p:tgtEl>
-                                        <p:attrNameLst>
-                                          <p:attrName>style.visibility</p:attrName>
-                                        </p:attrNameLst>
-                                      </p:cBhvr>
-                                      <p:to>
-                                        <p:strVal val="hidden"/>
-                                      </p:to>
-                                    </p:set>
-                                  </p:childTnLst>
-                                </p:cTn>
-                              </p:par>
-                              <p:par>
-                                <p:cTn id="16" presetID="10" presetClass="exit" presetSubtype="0" fill="hold" grpId="1" nodeType="withEffect">
-                                  <p:stCondLst>
-                                    <p:cond delay="0"/>
-                                  </p:stCondLst>
-                                  <p:childTnLst>
-                                    <p:animEffect transition="out" filter="fade">
-                                      <p:cBhvr>
-                                        <p:cTn id="17" dur="500"/>
-                                        <p:tgtEl>
-                                          <p:spTgt spid="10"/>
-                                        </p:tgtEl>
-                                      </p:cBhvr>
-                                    </p:animEffect>
-                                    <p:set>
-                                      <p:cBhvr>
-                                        <p:cTn id="18" dur="1" fill="hold">
-                                          <p:stCondLst>
-                                            <p:cond delay="499"/>
-                                          </p:stCondLst>
-                                        </p:cTn>
-                                        <p:tgtEl>
-                                          <p:spTgt spid="10"/>
-                                        </p:tgtEl>
-                                        <p:attrNameLst>
-                                          <p:attrName>style.visibility</p:attrName>
-                                        </p:attrNameLst>
-                                      </p:cBhvr>
-                                      <p:to>
-                                        <p:strVal val="hidden"/>
-                                      </p:to>
-                                    </p:set>
-                                  </p:childTnLst>
-                                </p:cTn>
-                              </p:par>
-                            </p:childTnLst>
-                          </p:cTn>
-                        </p:par>
-                        <p:par>
-                          <p:cTn id="19" fill="hold">
-                            <p:stCondLst>
-                              <p:cond delay="500"/>
-                            </p:stCondLst>
-                            <p:childTnLst>
-                              <p:par>
-                                <p:cTn id="20" presetID="10" presetClass="entr" presetSubtype="0" fill="hold" nodeType="afterEffect">
-                                  <p:stCondLst>
-                                    <p:cond delay="0"/>
-                                  </p:stCondLst>
-                                  <p:childTnLst>
-                                    <p:set>
-                                      <p:cBhvr>
-                                        <p:cTn id="21" dur="1" fill="hold">
                                           <p:stCondLst>
                                             <p:cond delay="0"/>
                                           </p:stCondLst>
@@ -22091,7 +21707,7 @@
                                     </p:set>
                                     <p:animEffect transition="in" filter="fade">
                                       <p:cBhvr>
-                                        <p:cTn id="22" dur="500"/>
+                                        <p:cTn id="7" dur="500"/>
                                         <p:tgtEl>
                                           <p:spTgt spid="15"/>
                                         </p:tgtEl>
@@ -22104,20 +21720,20 @@
                           </p:cTn>
                         </p:par>
                         <p:par>
-                          <p:cTn id="23" fill="hold">
+                          <p:cTn id="8" fill="hold">
                             <p:stCondLst>
-                              <p:cond delay="1000"/>
+                              <p:cond delay="500"/>
                             </p:stCondLst>
                             <p:childTnLst>
                               <p:par>
-                                <p:cTn id="24" presetID="10" presetClass="entr" presetSubtype="0" fill="hold" grpId="0" nodeType="afterEffect">
+                                <p:cTn id="9" presetID="10" presetClass="entr" presetSubtype="0" fill="hold" grpId="0" nodeType="afterEffect">
                                   <p:stCondLst>
                                     <p:cond delay="0"/>
                                   </p:stCondLst>
                                   <p:childTnLst>
                                     <p:set>
                                       <p:cBhvr>
-                                        <p:cTn id="25" dur="1" fill="hold">
+                                        <p:cTn id="10" dur="1" fill="hold">
                                           <p:stCondLst>
                                             <p:cond delay="0"/>
                                           </p:stCondLst>
@@ -22135,7 +21751,7 @@
                                     </p:set>
                                     <p:animEffect transition="in" filter="fade">
                                       <p:cBhvr>
-                                        <p:cTn id="26" dur="500"/>
+                                        <p:cTn id="11" dur="500"/>
                                         <p:tgtEl>
                                           <p:spTgt spid="14"/>
                                         </p:tgtEl>
@@ -22172,15 +21788,13 @@
       </p:par>
     </p:tnLst>
     <p:bldLst>
-      <p:bldP spid="10" grpId="0"/>
-      <p:bldP spid="10" grpId="1"/>
       <p:bldP spid="14" grpId="0"/>
     </p:bldLst>
   </p:timing>
 </p:sld>
 </file>
 
-<file path=ppt/slides/slide18.xml><?xml version="1.0" encoding="utf-8"?>
+<file path=ppt/slides/slide17.xml><?xml version="1.0" encoding="utf-8"?>
 <p:sld xmlns:a="http://schemas.openxmlformats.org/drawingml/2006/main" xmlns:r="http://schemas.openxmlformats.org/officeDocument/2006/relationships" xmlns:p="http://schemas.openxmlformats.org/presentationml/2006/main">
   <p:cSld>
     <p:spTree>
@@ -22516,6 +22130,46 @@
           </a:p>
         </p:txBody>
       </p:sp>
+      <p:pic>
+        <p:nvPicPr>
+          <p:cNvPr id="8" name="Picture 7">
+            <a:extLst>
+              <a:ext uri="{FF2B5EF4-FFF2-40B4-BE49-F238E27FC236}">
+                <a16:creationId xmlns:a16="http://schemas.microsoft.com/office/drawing/2014/main" id="{36ACA91F-63D9-4579-9FA7-8A0EE92E719D}"/>
+              </a:ext>
+            </a:extLst>
+          </p:cNvPr>
+          <p:cNvPicPr>
+            <a:picLocks noChangeAspect="1"/>
+          </p:cNvPicPr>
+          <p:nvPr/>
+        </p:nvPicPr>
+        <p:blipFill>
+          <a:blip r:embed="rId2"/>
+          <a:stretch>
+            <a:fillRect/>
+          </a:stretch>
+        </p:blipFill>
+        <p:spPr>
+          <a:xfrm>
+            <a:off x="292403" y="1777381"/>
+            <a:ext cx="7501917" cy="4514892"/>
+          </a:xfrm>
+          <a:prstGeom prst="rect">
+            <a:avLst/>
+          </a:prstGeom>
+          <a:ln>
+            <a:noFill/>
+          </a:ln>
+          <a:effectLst>
+            <a:outerShdw blurRad="292100" dist="139700" dir="2700000" algn="tl" rotWithShape="0">
+              <a:srgbClr val="333333">
+                <a:alpha val="65000"/>
+              </a:srgbClr>
+            </a:outerShdw>
+          </a:effectLst>
+        </p:spPr>
+      </p:pic>
     </p:spTree>
     <p:extLst>
       <p:ext uri="{BB962C8B-B14F-4D97-AF65-F5344CB8AC3E}">
@@ -22719,6 +22373,50 @@
                             </p:childTnLst>
                           </p:cTn>
                         </p:par>
+                        <p:par>
+                          <p:cTn id="14" fill="hold">
+                            <p:stCondLst>
+                              <p:cond delay="1000"/>
+                            </p:stCondLst>
+                            <p:childTnLst>
+                              <p:par>
+                                <p:cTn id="15" presetID="10" presetClass="entr" presetSubtype="0" fill="hold" nodeType="afterEffect">
+                                  <p:stCondLst>
+                                    <p:cond delay="0"/>
+                                  </p:stCondLst>
+                                  <p:childTnLst>
+                                    <p:set>
+                                      <p:cBhvr>
+                                        <p:cTn id="16" dur="1" fill="hold">
+                                          <p:stCondLst>
+                                            <p:cond delay="0"/>
+                                          </p:stCondLst>
+                                        </p:cTn>
+                                        <p:tgtEl>
+                                          <p:spTgt spid="8"/>
+                                        </p:tgtEl>
+                                        <p:attrNameLst>
+                                          <p:attrName>style.visibility</p:attrName>
+                                        </p:attrNameLst>
+                                      </p:cBhvr>
+                                      <p:to>
+                                        <p:strVal val="visible"/>
+                                      </p:to>
+                                    </p:set>
+                                    <p:animEffect transition="in" filter="fade">
+                                      <p:cBhvr>
+                                        <p:cTn id="17" dur="500"/>
+                                        <p:tgtEl>
+                                          <p:spTgt spid="8"/>
+                                        </p:tgtEl>
+                                      </p:cBhvr>
+                                    </p:animEffect>
+                                  </p:childTnLst>
+                                </p:cTn>
+                              </p:par>
+                            </p:childTnLst>
+                          </p:cTn>
+                        </p:par>
                       </p:childTnLst>
                     </p:cTn>
                   </p:par>
@@ -22751,7 +22449,7 @@
 </p:sld>
 </file>
 
-<file path=ppt/slides/slide19.xml><?xml version="1.0" encoding="utf-8"?>
+<file path=ppt/slides/slide18.xml><?xml version="1.0" encoding="utf-8"?>
 <p:sld xmlns:a="http://schemas.openxmlformats.org/drawingml/2006/main" xmlns:r="http://schemas.openxmlformats.org/officeDocument/2006/relationships" xmlns:p="http://schemas.openxmlformats.org/presentationml/2006/main">
   <p:cSld>
     <p:spTree>
@@ -23144,13 +22842,13 @@
   <p:clrMapOvr>
     <a:masterClrMapping/>
   </p:clrMapOvr>
-  <mc:AlternateContent xmlns:mc="http://schemas.openxmlformats.org/markup-compatibility/2006">
-    <mc:Choice xmlns:p14="http://schemas.microsoft.com/office/powerpoint/2010/main" Requires="p14">
+  <mc:AlternateContent xmlns:mc="http://schemas.openxmlformats.org/markup-compatibility/2006" xmlns:p14="http://schemas.microsoft.com/office/powerpoint/2010/main">
+    <mc:Choice Requires="p14">
       <p:transition spd="med" p14:dur="700">
         <p:fade/>
       </p:transition>
     </mc:Choice>
-    <mc:Fallback>
+    <mc:Fallback xmlns="">
       <p:transition spd="med">
         <p:fade/>
       </p:transition>
@@ -23308,27 +23006,658 @@
                       </p:childTnLst>
                     </p:cTn>
                   </p:par>
+                </p:childTnLst>
+              </p:cTn>
+              <p:prevCondLst>
+                <p:cond evt="onPrev" delay="0">
+                  <p:tgtEl>
+                    <p:sldTgt/>
+                  </p:tgtEl>
+                </p:cond>
+              </p:prevCondLst>
+              <p:nextCondLst>
+                <p:cond evt="onNext" delay="0">
+                  <p:tgtEl>
+                    <p:sldTgt/>
+                  </p:tgtEl>
+                </p:cond>
+              </p:nextCondLst>
+            </p:seq>
+          </p:childTnLst>
+        </p:cTn>
+      </p:par>
+    </p:tnLst>
+    <p:bldLst>
+      <p:bldP spid="16" grpId="0"/>
+      <p:bldP spid="17" grpId="0"/>
+    </p:bldLst>
+  </p:timing>
+</p:sld>
+</file>
+
+<file path=ppt/slides/slide19.xml><?xml version="1.0" encoding="utf-8"?>
+<p:sld xmlns:a="http://schemas.openxmlformats.org/drawingml/2006/main" xmlns:r="http://schemas.openxmlformats.org/officeDocument/2006/relationships" xmlns:p="http://schemas.openxmlformats.org/presentationml/2006/main">
+  <p:cSld>
+    <p:spTree>
+      <p:nvGrpSpPr>
+        <p:cNvPr id="1" name=""/>
+        <p:cNvGrpSpPr/>
+        <p:nvPr/>
+      </p:nvGrpSpPr>
+      <p:grpSpPr>
+        <a:xfrm>
+          <a:off x="0" y="0"/>
+          <a:ext cx="0" cy="0"/>
+          <a:chOff x="0" y="0"/>
+          <a:chExt cx="0" cy="0"/>
+        </a:xfrm>
+      </p:grpSpPr>
+      <p:sp>
+        <p:nvSpPr>
+          <p:cNvPr id="8" name="Rectangle 7"/>
+          <p:cNvSpPr/>
+          <p:nvPr/>
+        </p:nvSpPr>
+        <p:spPr>
+          <a:xfrm>
+            <a:off x="0" y="0"/>
+            <a:ext cx="12192000" cy="6857999"/>
+          </a:xfrm>
+          <a:prstGeom prst="rect">
+            <a:avLst/>
+          </a:prstGeom>
+          <a:solidFill>
+            <a:schemeClr val="tx1">
+              <a:lumMod val="75000"/>
+            </a:schemeClr>
+          </a:solidFill>
+          <a:ln>
+            <a:noFill/>
+          </a:ln>
+        </p:spPr>
+        <p:style>
+          <a:lnRef idx="2">
+            <a:schemeClr val="accent1">
+              <a:shade val="50000"/>
+            </a:schemeClr>
+          </a:lnRef>
+          <a:fillRef idx="1">
+            <a:schemeClr val="accent1"/>
+          </a:fillRef>
+          <a:effectRef idx="0">
+            <a:schemeClr val="accent1"/>
+          </a:effectRef>
+          <a:fontRef idx="minor">
+            <a:schemeClr val="lt1"/>
+          </a:fontRef>
+        </p:style>
+        <p:txBody>
+          <a:bodyPr rtlCol="0" anchor="ctr"/>
+          <a:lstStyle/>
+          <a:p>
+            <a:pPr algn="ctr"/>
+            <a:endParaRPr lang="en-GB"/>
+          </a:p>
+        </p:txBody>
+      </p:sp>
+      <p:sp>
+        <p:nvSpPr>
+          <p:cNvPr id="9" name="Rectangle 8"/>
+          <p:cNvSpPr/>
+          <p:nvPr/>
+        </p:nvSpPr>
+        <p:spPr>
+          <a:xfrm>
+            <a:off x="0" y="329650"/>
+            <a:ext cx="12192000" cy="6172198"/>
+          </a:xfrm>
+          <a:prstGeom prst="rect">
+            <a:avLst/>
+          </a:prstGeom>
+          <a:solidFill>
+            <a:schemeClr val="accent1">
+              <a:lumMod val="50000"/>
+              <a:alpha val="70000"/>
+            </a:schemeClr>
+          </a:solidFill>
+          <a:ln>
+            <a:noFill/>
+          </a:ln>
+        </p:spPr>
+        <p:style>
+          <a:lnRef idx="2">
+            <a:schemeClr val="accent1">
+              <a:shade val="50000"/>
+            </a:schemeClr>
+          </a:lnRef>
+          <a:fillRef idx="1">
+            <a:schemeClr val="accent1"/>
+          </a:fillRef>
+          <a:effectRef idx="0">
+            <a:schemeClr val="accent1"/>
+          </a:effectRef>
+          <a:fontRef idx="minor">
+            <a:schemeClr val="lt1"/>
+          </a:fontRef>
+        </p:style>
+        <p:txBody>
+          <a:bodyPr rtlCol="0" anchor="ctr"/>
+          <a:lstStyle/>
+          <a:p>
+            <a:pPr algn="ctr"/>
+            <a:endParaRPr lang="en-GB"/>
+          </a:p>
+        </p:txBody>
+      </p:sp>
+      <p:sp>
+        <p:nvSpPr>
+          <p:cNvPr id="49" name="TextBox 48">
+            <a:extLst>
+              <a:ext uri="{FF2B5EF4-FFF2-40B4-BE49-F238E27FC236}">
+                <a16:creationId xmlns:a16="http://schemas.microsoft.com/office/drawing/2014/main" id="{EF4DB629-BA9A-4201-A455-B0458C585E1F}"/>
+              </a:ext>
+            </a:extLst>
+          </p:cNvPr>
+          <p:cNvSpPr txBox="1"/>
+          <p:nvPr/>
+        </p:nvSpPr>
+        <p:spPr>
+          <a:xfrm>
+            <a:off x="410964" y="342900"/>
+            <a:ext cx="8878809" cy="523220"/>
+          </a:xfrm>
+          <a:prstGeom prst="rect">
+            <a:avLst/>
+          </a:prstGeom>
+          <a:noFill/>
+          <a:ln>
+            <a:solidFill>
+              <a:srgbClr val="163755"/>
+            </a:solidFill>
+          </a:ln>
+        </p:spPr>
+        <p:txBody>
+          <a:bodyPr wrap="square" rtlCol="0">
+            <a:spAutoFit/>
+          </a:bodyPr>
+          <a:lstStyle/>
+          <a:p>
+            <a:r>
+              <a:rPr lang="en-US" sz="2800">
+                <a:solidFill>
+                  <a:schemeClr val="bg1"/>
+                </a:solidFill>
+                <a:latin typeface="Lato" panose="020F0502020204030203" pitchFamily="34" charset="0"/>
+              </a:rPr>
+              <a:t>1. Quản lý ứng dụng</a:t>
+            </a:r>
+            <a:endParaRPr lang="en-GB" sz="2800">
+              <a:solidFill>
+                <a:schemeClr val="bg1"/>
+              </a:solidFill>
+              <a:latin typeface="Lato" panose="020F0502020204030203" pitchFamily="34" charset="0"/>
+            </a:endParaRPr>
+          </a:p>
+        </p:txBody>
+      </p:sp>
+      <p:cxnSp>
+        <p:nvCxnSpPr>
+          <p:cNvPr id="4" name="Straight Connector 3">
+            <a:extLst>
+              <a:ext uri="{FF2B5EF4-FFF2-40B4-BE49-F238E27FC236}">
+                <a16:creationId xmlns:a16="http://schemas.microsoft.com/office/drawing/2014/main" id="{76AC370D-754E-45CF-B5E9-44869AF3FC5C}"/>
+              </a:ext>
+            </a:extLst>
+          </p:cNvPr>
+          <p:cNvCxnSpPr/>
+          <p:nvPr/>
+        </p:nvCxnSpPr>
+        <p:spPr>
+          <a:xfrm>
+            <a:off x="410965" y="866120"/>
+            <a:ext cx="11159849" cy="0"/>
+          </a:xfrm>
+          <a:prstGeom prst="line">
+            <a:avLst/>
+          </a:prstGeom>
+        </p:spPr>
+        <p:style>
+          <a:lnRef idx="1">
+            <a:schemeClr val="accent1"/>
+          </a:lnRef>
+          <a:fillRef idx="0">
+            <a:schemeClr val="accent1"/>
+          </a:fillRef>
+          <a:effectRef idx="0">
+            <a:schemeClr val="accent1"/>
+          </a:effectRef>
+          <a:fontRef idx="minor">
+            <a:schemeClr val="tx1"/>
+          </a:fontRef>
+        </p:style>
+      </p:cxnSp>
+      <p:sp>
+        <p:nvSpPr>
+          <p:cNvPr id="7" name="Rectangle 6">
+            <a:extLst>
+              <a:ext uri="{FF2B5EF4-FFF2-40B4-BE49-F238E27FC236}">
+                <a16:creationId xmlns:a16="http://schemas.microsoft.com/office/drawing/2014/main" id="{5078B5CA-F84A-40A2-BE71-8BAB249CEBD5}"/>
+              </a:ext>
+            </a:extLst>
+          </p:cNvPr>
+          <p:cNvSpPr/>
+          <p:nvPr/>
+        </p:nvSpPr>
+        <p:spPr>
+          <a:xfrm>
+            <a:off x="410964" y="973841"/>
+            <a:ext cx="4386322" cy="461665"/>
+          </a:xfrm>
+          <a:prstGeom prst="rect">
+            <a:avLst/>
+          </a:prstGeom>
+        </p:spPr>
+        <p:txBody>
+          <a:bodyPr wrap="square">
+            <a:spAutoFit/>
+          </a:bodyPr>
+          <a:lstStyle/>
+          <a:p>
+            <a:pPr indent="457200"/>
+            <a:endParaRPr lang="en-GB" sz="2400">
+              <a:solidFill>
+                <a:schemeClr val="bg1"/>
+              </a:solidFill>
+            </a:endParaRPr>
+          </a:p>
+        </p:txBody>
+      </p:sp>
+      <p:sp>
+        <p:nvSpPr>
+          <p:cNvPr id="11" name="Rectangle 10">
+            <a:extLst>
+              <a:ext uri="{FF2B5EF4-FFF2-40B4-BE49-F238E27FC236}">
+                <a16:creationId xmlns:a16="http://schemas.microsoft.com/office/drawing/2014/main" id="{7411345E-C26A-4C86-AA1F-ED336CC6547E}"/>
+              </a:ext>
+            </a:extLst>
+          </p:cNvPr>
+          <p:cNvSpPr/>
+          <p:nvPr/>
+        </p:nvSpPr>
+        <p:spPr>
+          <a:xfrm>
+            <a:off x="740457" y="4153638"/>
+            <a:ext cx="3646014" cy="461665"/>
+          </a:xfrm>
+          <a:prstGeom prst="rect">
+            <a:avLst/>
+          </a:prstGeom>
+        </p:spPr>
+        <p:txBody>
+          <a:bodyPr wrap="square">
+            <a:spAutoFit/>
+          </a:bodyPr>
+          <a:lstStyle/>
+          <a:p>
+            <a:pPr indent="457200"/>
+            <a:endParaRPr lang="en-GB" sz="2400"/>
+          </a:p>
+        </p:txBody>
+      </p:sp>
+      <p:sp>
+        <p:nvSpPr>
+          <p:cNvPr id="16" name="Rectangle 15">
+            <a:extLst>
+              <a:ext uri="{FF2B5EF4-FFF2-40B4-BE49-F238E27FC236}">
+                <a16:creationId xmlns:a16="http://schemas.microsoft.com/office/drawing/2014/main" id="{12EF737A-15CC-45B7-AB68-0C3373DCBB25}"/>
+              </a:ext>
+            </a:extLst>
+          </p:cNvPr>
+          <p:cNvSpPr/>
+          <p:nvPr/>
+        </p:nvSpPr>
+        <p:spPr>
+          <a:xfrm>
+            <a:off x="410964" y="918597"/>
+            <a:ext cx="11159849" cy="461665"/>
+          </a:xfrm>
+          <a:prstGeom prst="rect">
+            <a:avLst/>
+          </a:prstGeom>
+        </p:spPr>
+        <p:txBody>
+          <a:bodyPr wrap="square">
+            <a:spAutoFit/>
+          </a:bodyPr>
+          <a:lstStyle/>
+          <a:p>
+            <a:pPr algn="just"/>
+            <a:r>
+              <a:rPr lang="en-GB" sz="2400">
+                <a:solidFill>
+                  <a:schemeClr val="bg1"/>
+                </a:solidFill>
+              </a:rPr>
+              <a:t>Sơ đồ trình tự của sự kiện hiển thị ban đầu, thay đổi điều kiện tìm kiếm, click nút Delete:</a:t>
+            </a:r>
+          </a:p>
+        </p:txBody>
+      </p:sp>
+      <p:pic>
+        <p:nvPicPr>
+          <p:cNvPr id="13" name="Picture 12" descr="Table&#10;&#10;Description automatically generated">
+            <a:extLst>
+              <a:ext uri="{FF2B5EF4-FFF2-40B4-BE49-F238E27FC236}">
+                <a16:creationId xmlns:a16="http://schemas.microsoft.com/office/drawing/2014/main" id="{4CE9A001-C716-4791-B915-E92E3F34CC7C}"/>
+              </a:ext>
+            </a:extLst>
+          </p:cNvPr>
+          <p:cNvPicPr>
+            <a:picLocks noChangeAspect="1"/>
+          </p:cNvPicPr>
+          <p:nvPr/>
+        </p:nvPicPr>
+        <p:blipFill>
+          <a:blip r:embed="rId2">
+            <a:extLst>
+              <a:ext uri="{28A0092B-C50C-407E-A947-70E740481C1C}">
+                <a14:useLocalDpi xmlns:a14="http://schemas.microsoft.com/office/drawing/2010/main" val="0"/>
+              </a:ext>
+            </a:extLst>
+          </a:blip>
+          <a:stretch>
+            <a:fillRect/>
+          </a:stretch>
+        </p:blipFill>
+        <p:spPr>
+          <a:xfrm>
+            <a:off x="410964" y="1432738"/>
+            <a:ext cx="11159849" cy="5051113"/>
+          </a:xfrm>
+          <a:prstGeom prst="rect">
+            <a:avLst/>
+          </a:prstGeom>
+        </p:spPr>
+      </p:pic>
+      <p:sp>
+        <p:nvSpPr>
+          <p:cNvPr id="18" name="Rectangle 17">
+            <a:extLst>
+              <a:ext uri="{FF2B5EF4-FFF2-40B4-BE49-F238E27FC236}">
+                <a16:creationId xmlns:a16="http://schemas.microsoft.com/office/drawing/2014/main" id="{56F8030A-96EF-44F2-A810-8639A211A3AF}"/>
+              </a:ext>
+            </a:extLst>
+          </p:cNvPr>
+          <p:cNvSpPr/>
+          <p:nvPr/>
+        </p:nvSpPr>
+        <p:spPr>
+          <a:xfrm>
+            <a:off x="410963" y="902005"/>
+            <a:ext cx="11159849" cy="461665"/>
+          </a:xfrm>
+          <a:prstGeom prst="rect">
+            <a:avLst/>
+          </a:prstGeom>
+        </p:spPr>
+        <p:txBody>
+          <a:bodyPr wrap="square">
+            <a:spAutoFit/>
+          </a:bodyPr>
+          <a:lstStyle/>
+          <a:p>
+            <a:pPr algn="just"/>
+            <a:r>
+              <a:rPr lang="en-GB" sz="2400">
+                <a:solidFill>
+                  <a:schemeClr val="bg1"/>
+                </a:solidFill>
+              </a:rPr>
+              <a:t>Sơ đồ trình tự của sự kiện click nút On, click nút Off:</a:t>
+            </a:r>
+          </a:p>
+        </p:txBody>
+      </p:sp>
+      <p:pic>
+        <p:nvPicPr>
+          <p:cNvPr id="15" name="Picture 14" descr="Diagram&#10;&#10;Description automatically generated">
+            <a:extLst>
+              <a:ext uri="{FF2B5EF4-FFF2-40B4-BE49-F238E27FC236}">
+                <a16:creationId xmlns:a16="http://schemas.microsoft.com/office/drawing/2014/main" id="{3DD58DE9-52FC-45B0-9F35-976E91B9F024}"/>
+              </a:ext>
+            </a:extLst>
+          </p:cNvPr>
+          <p:cNvPicPr>
+            <a:picLocks noChangeAspect="1"/>
+          </p:cNvPicPr>
+          <p:nvPr/>
+        </p:nvPicPr>
+        <p:blipFill>
+          <a:blip r:embed="rId3">
+            <a:extLst>
+              <a:ext uri="{28A0092B-C50C-407E-A947-70E740481C1C}">
+                <a14:useLocalDpi xmlns:a14="http://schemas.microsoft.com/office/drawing/2010/main" val="0"/>
+              </a:ext>
+            </a:extLst>
+          </a:blip>
+          <a:stretch>
+            <a:fillRect/>
+          </a:stretch>
+        </p:blipFill>
+        <p:spPr>
+          <a:xfrm>
+            <a:off x="410962" y="1432738"/>
+            <a:ext cx="11159849" cy="5042029"/>
+          </a:xfrm>
+          <a:prstGeom prst="rect">
+            <a:avLst/>
+          </a:prstGeom>
+        </p:spPr>
+      </p:pic>
+    </p:spTree>
+    <p:extLst>
+      <p:ext uri="{BB962C8B-B14F-4D97-AF65-F5344CB8AC3E}">
+        <p14:creationId xmlns:p14="http://schemas.microsoft.com/office/powerpoint/2010/main" val="1748727900"/>
+      </p:ext>
+    </p:extLst>
+  </p:cSld>
+  <p:clrMapOvr>
+    <a:masterClrMapping/>
+  </p:clrMapOvr>
+  <mc:AlternateContent xmlns:mc="http://schemas.openxmlformats.org/markup-compatibility/2006" xmlns:p14="http://schemas.microsoft.com/office/powerpoint/2010/main">
+    <mc:Choice Requires="p14">
+      <p:transition spd="med" p14:dur="700">
+        <p:fade/>
+      </p:transition>
+    </mc:Choice>
+    <mc:Fallback xmlns="">
+      <p:transition spd="med">
+        <p:fade/>
+      </p:transition>
+    </mc:Fallback>
+  </mc:AlternateContent>
+  <p:timing>
+    <p:tnLst>
+      <p:par>
+        <p:cTn id="1" dur="indefinite" restart="never" nodeType="tmRoot">
+          <p:childTnLst>
+            <p:seq concurrent="1" nextAc="seek">
+              <p:cTn id="2" dur="indefinite" nodeType="mainSeq">
+                <p:childTnLst>
                   <p:par>
-                    <p:cTn id="16" fill="hold">
+                    <p:cTn id="3" fill="hold">
+                      <p:stCondLst>
+                        <p:cond delay="indefinite"/>
+                        <p:cond evt="onBegin" delay="0">
+                          <p:tn val="2"/>
+                        </p:cond>
+                      </p:stCondLst>
+                      <p:childTnLst>
+                        <p:par>
+                          <p:cTn id="4" fill="hold">
+                            <p:stCondLst>
+                              <p:cond delay="0"/>
+                            </p:stCondLst>
+                            <p:childTnLst>
+                              <p:par>
+                                <p:cTn id="5" presetID="10" presetClass="entr" presetSubtype="0" fill="hold" grpId="0" nodeType="afterEffect">
+                                  <p:stCondLst>
+                                    <p:cond delay="0"/>
+                                  </p:stCondLst>
+                                  <p:childTnLst>
+                                    <p:set>
+                                      <p:cBhvr>
+                                        <p:cTn id="6" dur="1" fill="hold">
+                                          <p:stCondLst>
+                                            <p:cond delay="0"/>
+                                          </p:stCondLst>
+                                        </p:cTn>
+                                        <p:tgtEl>
+                                          <p:spTgt spid="16"/>
+                                        </p:tgtEl>
+                                        <p:attrNameLst>
+                                          <p:attrName>style.visibility</p:attrName>
+                                        </p:attrNameLst>
+                                      </p:cBhvr>
+                                      <p:to>
+                                        <p:strVal val="visible"/>
+                                      </p:to>
+                                    </p:set>
+                                    <p:animEffect transition="in" filter="fade">
+                                      <p:cBhvr>
+                                        <p:cTn id="7" dur="500"/>
+                                        <p:tgtEl>
+                                          <p:spTgt spid="16"/>
+                                        </p:tgtEl>
+                                      </p:cBhvr>
+                                    </p:animEffect>
+                                  </p:childTnLst>
+                                </p:cTn>
+                              </p:par>
+                            </p:childTnLst>
+                          </p:cTn>
+                        </p:par>
+                      </p:childTnLst>
+                    </p:cTn>
+                  </p:par>
+                  <p:par>
+                    <p:cTn id="8" fill="hold">
                       <p:stCondLst>
                         <p:cond delay="indefinite"/>
                       </p:stCondLst>
                       <p:childTnLst>
                         <p:par>
-                          <p:cTn id="17" fill="hold">
+                          <p:cTn id="9" fill="hold">
                             <p:stCondLst>
                               <p:cond delay="0"/>
                             </p:stCondLst>
                             <p:childTnLst>
                               <p:par>
-                                <p:cTn id="18" presetID="10" presetClass="exit" presetSubtype="0" fill="hold" grpId="1" nodeType="clickEffect">
+                                <p:cTn id="10" presetID="10" presetClass="entr" presetSubtype="0" fill="hold" nodeType="clickEffect">
+                                  <p:stCondLst>
+                                    <p:cond delay="0"/>
+                                  </p:stCondLst>
+                                  <p:childTnLst>
+                                    <p:set>
+                                      <p:cBhvr>
+                                        <p:cTn id="11" dur="1" fill="hold">
+                                          <p:stCondLst>
+                                            <p:cond delay="0"/>
+                                          </p:stCondLst>
+                                        </p:cTn>
+                                        <p:tgtEl>
+                                          <p:spTgt spid="13"/>
+                                        </p:tgtEl>
+                                        <p:attrNameLst>
+                                          <p:attrName>style.visibility</p:attrName>
+                                        </p:attrNameLst>
+                                      </p:cBhvr>
+                                      <p:to>
+                                        <p:strVal val="visible"/>
+                                      </p:to>
+                                    </p:set>
+                                    <p:animEffect transition="in" filter="fade">
+                                      <p:cBhvr>
+                                        <p:cTn id="12" dur="500"/>
+                                        <p:tgtEl>
+                                          <p:spTgt spid="13"/>
+                                        </p:tgtEl>
+                                      </p:cBhvr>
+                                    </p:animEffect>
+                                  </p:childTnLst>
+                                </p:cTn>
+                              </p:par>
+                            </p:childTnLst>
+                          </p:cTn>
+                        </p:par>
+                      </p:childTnLst>
+                    </p:cTn>
+                  </p:par>
+                  <p:par>
+                    <p:cTn id="13" fill="hold">
+                      <p:stCondLst>
+                        <p:cond delay="indefinite"/>
+                      </p:stCondLst>
+                      <p:childTnLst>
+                        <p:par>
+                          <p:cTn id="14" fill="hold">
+                            <p:stCondLst>
+                              <p:cond delay="0"/>
+                            </p:stCondLst>
+                            <p:childTnLst>
+                              <p:par>
+                                <p:cTn id="15" presetID="10" presetClass="exit" presetSubtype="0" fill="hold" nodeType="clickEffect">
                                   <p:stCondLst>
                                     <p:cond delay="0"/>
                                   </p:stCondLst>
                                   <p:childTnLst>
                                     <p:animEffect transition="out" filter="fade">
                                       <p:cBhvr>
-                                        <p:cTn id="19" dur="500"/>
+                                        <p:cTn id="16" dur="500"/>
+                                        <p:tgtEl>
+                                          <p:spTgt spid="13"/>
+                                        </p:tgtEl>
+                                      </p:cBhvr>
+                                    </p:animEffect>
+                                    <p:set>
+                                      <p:cBhvr>
+                                        <p:cTn id="17" dur="1" fill="hold">
+                                          <p:stCondLst>
+                                            <p:cond delay="499"/>
+                                          </p:stCondLst>
+                                        </p:cTn>
+                                        <p:tgtEl>
+                                          <p:spTgt spid="13"/>
+                                        </p:tgtEl>
+                                        <p:attrNameLst>
+                                          <p:attrName>style.visibility</p:attrName>
+                                        </p:attrNameLst>
+                                      </p:cBhvr>
+                                      <p:to>
+                                        <p:strVal val="hidden"/>
+                                      </p:to>
+                                    </p:set>
+                                  </p:childTnLst>
+                                </p:cTn>
+                              </p:par>
+                            </p:childTnLst>
+                          </p:cTn>
+                        </p:par>
+                        <p:par>
+                          <p:cTn id="18" fill="hold">
+                            <p:stCondLst>
+                              <p:cond delay="500"/>
+                            </p:stCondLst>
+                            <p:childTnLst>
+                              <p:par>
+                                <p:cTn id="19" presetID="10" presetClass="exit" presetSubtype="0" fill="hold" grpId="1" nodeType="afterEffect">
+                                  <p:stCondLst>
+                                    <p:cond delay="0"/>
+                                  </p:stCondLst>
+                                  <p:childTnLst>
+                                    <p:animEffect transition="out" filter="fade">
+                                      <p:cBhvr>
+                                        <p:cTn id="20" dur="500"/>
                                         <p:tgtEl>
                                           <p:spTgt spid="16"/>
                                         </p:tgtEl>
@@ -23336,7 +23665,7 @@
                                     </p:animEffect>
                                     <p:set>
                                       <p:cBhvr>
-                                        <p:cTn id="20" dur="1" fill="hold">
+                                        <p:cTn id="21" dur="1" fill="hold">
                                           <p:stCondLst>
                                             <p:cond delay="499"/>
                                           </p:stCondLst>
@@ -23355,38 +23684,56 @@
                                   </p:childTnLst>
                                 </p:cTn>
                               </p:par>
+                            </p:childTnLst>
+                          </p:cTn>
+                        </p:par>
+                      </p:childTnLst>
+                    </p:cTn>
+                  </p:par>
+                  <p:par>
+                    <p:cTn id="22" fill="hold">
+                      <p:stCondLst>
+                        <p:cond delay="indefinite"/>
+                      </p:stCondLst>
+                      <p:childTnLst>
+                        <p:par>
+                          <p:cTn id="23" fill="hold">
+                            <p:stCondLst>
+                              <p:cond delay="0"/>
+                            </p:stCondLst>
+                            <p:childTnLst>
                               <p:par>
-                                <p:cTn id="21" presetID="10" presetClass="exit" presetSubtype="0" fill="hold" nodeType="withEffect">
+                                <p:cTn id="24" presetID="10" presetClass="entr" presetSubtype="0" fill="hold" grpId="0" nodeType="clickEffect">
                                   <p:stCondLst>
                                     <p:cond delay="0"/>
                                   </p:stCondLst>
                                   <p:childTnLst>
-                                    <p:animEffect transition="out" filter="fade">
-                                      <p:cBhvr>
-                                        <p:cTn id="22" dur="500"/>
-                                        <p:tgtEl>
-                                          <p:spTgt spid="3"/>
-                                        </p:tgtEl>
-                                      </p:cBhvr>
-                                    </p:animEffect>
                                     <p:set>
                                       <p:cBhvr>
-                                        <p:cTn id="23" dur="1" fill="hold">
+                                        <p:cTn id="25" dur="1" fill="hold">
                                           <p:stCondLst>
-                                            <p:cond delay="499"/>
+                                            <p:cond delay="0"/>
                                           </p:stCondLst>
                                         </p:cTn>
                                         <p:tgtEl>
-                                          <p:spTgt spid="3"/>
+                                          <p:spTgt spid="18"/>
                                         </p:tgtEl>
                                         <p:attrNameLst>
                                           <p:attrName>style.visibility</p:attrName>
                                         </p:attrNameLst>
                                       </p:cBhvr>
                                       <p:to>
-                                        <p:strVal val="hidden"/>
+                                        <p:strVal val="visible"/>
                                       </p:to>
                                     </p:set>
+                                    <p:animEffect transition="in" filter="fade">
+                                      <p:cBhvr>
+                                        <p:cTn id="26" dur="500"/>
+                                        <p:tgtEl>
+                                          <p:spTgt spid="18"/>
+                                        </p:tgtEl>
+                                      </p:cBhvr>
+                                    </p:animEffect>
                                   </p:childTnLst>
                                 </p:cTn>
                               </p:par>
@@ -23394,43 +23741,43 @@
                           </p:cTn>
                         </p:par>
                         <p:par>
-                          <p:cTn id="24" fill="hold">
+                          <p:cTn id="27" fill="hold">
                             <p:stCondLst>
                               <p:cond delay="500"/>
                             </p:stCondLst>
                             <p:childTnLst>
                               <p:par>
-                                <p:cTn id="25" presetID="10" presetClass="exit" presetSubtype="0" fill="hold" grpId="1" nodeType="afterEffect">
+                                <p:cTn id="28" presetID="10" presetClass="entr" presetSubtype="0" fill="hold" nodeType="afterEffect">
                                   <p:stCondLst>
                                     <p:cond delay="0"/>
                                   </p:stCondLst>
                                   <p:childTnLst>
-                                    <p:animEffect transition="out" filter="fade">
-                                      <p:cBhvr>
-                                        <p:cTn id="26" dur="500"/>
-                                        <p:tgtEl>
-                                          <p:spTgt spid="17"/>
-                                        </p:tgtEl>
-                                      </p:cBhvr>
-                                    </p:animEffect>
                                     <p:set>
                                       <p:cBhvr>
-                                        <p:cTn id="27" dur="1" fill="hold">
+                                        <p:cTn id="29" dur="1" fill="hold">
                                           <p:stCondLst>
-                                            <p:cond delay="499"/>
+                                            <p:cond delay="0"/>
                                           </p:stCondLst>
                                         </p:cTn>
                                         <p:tgtEl>
-                                          <p:spTgt spid="17"/>
+                                          <p:spTgt spid="15"/>
                                         </p:tgtEl>
                                         <p:attrNameLst>
                                           <p:attrName>style.visibility</p:attrName>
                                         </p:attrNameLst>
                                       </p:cBhvr>
                                       <p:to>
-                                        <p:strVal val="hidden"/>
+                                        <p:strVal val="visible"/>
                                       </p:to>
                                     </p:set>
+                                    <p:animEffect transition="in" filter="fade">
+                                      <p:cBhvr>
+                                        <p:cTn id="30" dur="500"/>
+                                        <p:tgtEl>
+                                          <p:spTgt spid="15"/>
+                                        </p:tgtEl>
+                                      </p:cBhvr>
+                                    </p:animEffect>
                                   </p:childTnLst>
                                 </p:cTn>
                               </p:par>
@@ -23464,8 +23811,7 @@
     <p:bldLst>
       <p:bldP spid="16" grpId="0"/>
       <p:bldP spid="16" grpId="1"/>
-      <p:bldP spid="17" grpId="0"/>
-      <p:bldP spid="17" grpId="1"/>
+      <p:bldP spid="18" grpId="0"/>
     </p:bldLst>
   </p:timing>
 </p:sld>
@@ -24650,788 +24996,6 @@
                 </a:solidFill>
                 <a:latin typeface="Lato" panose="020F0502020204030203" pitchFamily="34" charset="0"/>
               </a:rPr>
-              <a:t>1. Quản lý ứng dụng</a:t>
-            </a:r>
-            <a:endParaRPr lang="en-GB" sz="2800">
-              <a:solidFill>
-                <a:schemeClr val="bg1"/>
-              </a:solidFill>
-              <a:latin typeface="Lato" panose="020F0502020204030203" pitchFamily="34" charset="0"/>
-            </a:endParaRPr>
-          </a:p>
-        </p:txBody>
-      </p:sp>
-      <p:cxnSp>
-        <p:nvCxnSpPr>
-          <p:cNvPr id="4" name="Straight Connector 3">
-            <a:extLst>
-              <a:ext uri="{FF2B5EF4-FFF2-40B4-BE49-F238E27FC236}">
-                <a16:creationId xmlns:a16="http://schemas.microsoft.com/office/drawing/2014/main" id="{76AC370D-754E-45CF-B5E9-44869AF3FC5C}"/>
-              </a:ext>
-            </a:extLst>
-          </p:cNvPr>
-          <p:cNvCxnSpPr/>
-          <p:nvPr/>
-        </p:nvCxnSpPr>
-        <p:spPr>
-          <a:xfrm>
-            <a:off x="410965" y="866120"/>
-            <a:ext cx="11159849" cy="0"/>
-          </a:xfrm>
-          <a:prstGeom prst="line">
-            <a:avLst/>
-          </a:prstGeom>
-        </p:spPr>
-        <p:style>
-          <a:lnRef idx="1">
-            <a:schemeClr val="accent1"/>
-          </a:lnRef>
-          <a:fillRef idx="0">
-            <a:schemeClr val="accent1"/>
-          </a:fillRef>
-          <a:effectRef idx="0">
-            <a:schemeClr val="accent1"/>
-          </a:effectRef>
-          <a:fontRef idx="minor">
-            <a:schemeClr val="tx1"/>
-          </a:fontRef>
-        </p:style>
-      </p:cxnSp>
-      <p:sp>
-        <p:nvSpPr>
-          <p:cNvPr id="7" name="Rectangle 6">
-            <a:extLst>
-              <a:ext uri="{FF2B5EF4-FFF2-40B4-BE49-F238E27FC236}">
-                <a16:creationId xmlns:a16="http://schemas.microsoft.com/office/drawing/2014/main" id="{5078B5CA-F84A-40A2-BE71-8BAB249CEBD5}"/>
-              </a:ext>
-            </a:extLst>
-          </p:cNvPr>
-          <p:cNvSpPr/>
-          <p:nvPr/>
-        </p:nvSpPr>
-        <p:spPr>
-          <a:xfrm>
-            <a:off x="410964" y="973841"/>
-            <a:ext cx="4386322" cy="461665"/>
-          </a:xfrm>
-          <a:prstGeom prst="rect">
-            <a:avLst/>
-          </a:prstGeom>
-        </p:spPr>
-        <p:txBody>
-          <a:bodyPr wrap="square">
-            <a:spAutoFit/>
-          </a:bodyPr>
-          <a:lstStyle/>
-          <a:p>
-            <a:pPr indent="457200"/>
-            <a:endParaRPr lang="en-GB" sz="2400">
-              <a:solidFill>
-                <a:schemeClr val="bg1"/>
-              </a:solidFill>
-            </a:endParaRPr>
-          </a:p>
-        </p:txBody>
-      </p:sp>
-      <p:sp>
-        <p:nvSpPr>
-          <p:cNvPr id="11" name="Rectangle 10">
-            <a:extLst>
-              <a:ext uri="{FF2B5EF4-FFF2-40B4-BE49-F238E27FC236}">
-                <a16:creationId xmlns:a16="http://schemas.microsoft.com/office/drawing/2014/main" id="{7411345E-C26A-4C86-AA1F-ED336CC6547E}"/>
-              </a:ext>
-            </a:extLst>
-          </p:cNvPr>
-          <p:cNvSpPr/>
-          <p:nvPr/>
-        </p:nvSpPr>
-        <p:spPr>
-          <a:xfrm>
-            <a:off x="740457" y="4153638"/>
-            <a:ext cx="3646014" cy="461665"/>
-          </a:xfrm>
-          <a:prstGeom prst="rect">
-            <a:avLst/>
-          </a:prstGeom>
-        </p:spPr>
-        <p:txBody>
-          <a:bodyPr wrap="square">
-            <a:spAutoFit/>
-          </a:bodyPr>
-          <a:lstStyle/>
-          <a:p>
-            <a:pPr indent="457200"/>
-            <a:endParaRPr lang="en-GB" sz="2400"/>
-          </a:p>
-        </p:txBody>
-      </p:sp>
-      <p:sp>
-        <p:nvSpPr>
-          <p:cNvPr id="16" name="Rectangle 15">
-            <a:extLst>
-              <a:ext uri="{FF2B5EF4-FFF2-40B4-BE49-F238E27FC236}">
-                <a16:creationId xmlns:a16="http://schemas.microsoft.com/office/drawing/2014/main" id="{12EF737A-15CC-45B7-AB68-0C3373DCBB25}"/>
-              </a:ext>
-            </a:extLst>
-          </p:cNvPr>
-          <p:cNvSpPr/>
-          <p:nvPr/>
-        </p:nvSpPr>
-        <p:spPr>
-          <a:xfrm>
-            <a:off x="410964" y="918597"/>
-            <a:ext cx="11159849" cy="461665"/>
-          </a:xfrm>
-          <a:prstGeom prst="rect">
-            <a:avLst/>
-          </a:prstGeom>
-        </p:spPr>
-        <p:txBody>
-          <a:bodyPr wrap="square">
-            <a:spAutoFit/>
-          </a:bodyPr>
-          <a:lstStyle/>
-          <a:p>
-            <a:pPr algn="just"/>
-            <a:r>
-              <a:rPr lang="en-GB" sz="2400">
-                <a:solidFill>
-                  <a:schemeClr val="bg1"/>
-                </a:solidFill>
-              </a:rPr>
-              <a:t>Sơ đồ trình tự của sự kiện hiển thị ban đầu, thay đổi điều kiện tìm kiếm, click nút Delete:</a:t>
-            </a:r>
-          </a:p>
-        </p:txBody>
-      </p:sp>
-      <p:pic>
-        <p:nvPicPr>
-          <p:cNvPr id="13" name="Picture 12" descr="Table&#10;&#10;Description automatically generated">
-            <a:extLst>
-              <a:ext uri="{FF2B5EF4-FFF2-40B4-BE49-F238E27FC236}">
-                <a16:creationId xmlns:a16="http://schemas.microsoft.com/office/drawing/2014/main" id="{4CE9A001-C716-4791-B915-E92E3F34CC7C}"/>
-              </a:ext>
-            </a:extLst>
-          </p:cNvPr>
-          <p:cNvPicPr>
-            <a:picLocks noChangeAspect="1"/>
-          </p:cNvPicPr>
-          <p:nvPr/>
-        </p:nvPicPr>
-        <p:blipFill>
-          <a:blip r:embed="rId2">
-            <a:extLst>
-              <a:ext uri="{28A0092B-C50C-407E-A947-70E740481C1C}">
-                <a14:useLocalDpi xmlns:a14="http://schemas.microsoft.com/office/drawing/2010/main" val="0"/>
-              </a:ext>
-            </a:extLst>
-          </a:blip>
-          <a:stretch>
-            <a:fillRect/>
-          </a:stretch>
-        </p:blipFill>
-        <p:spPr>
-          <a:xfrm>
-            <a:off x="410964" y="1432738"/>
-            <a:ext cx="11159849" cy="5051113"/>
-          </a:xfrm>
-          <a:prstGeom prst="rect">
-            <a:avLst/>
-          </a:prstGeom>
-        </p:spPr>
-      </p:pic>
-      <p:sp>
-        <p:nvSpPr>
-          <p:cNvPr id="18" name="Rectangle 17">
-            <a:extLst>
-              <a:ext uri="{FF2B5EF4-FFF2-40B4-BE49-F238E27FC236}">
-                <a16:creationId xmlns:a16="http://schemas.microsoft.com/office/drawing/2014/main" id="{56F8030A-96EF-44F2-A810-8639A211A3AF}"/>
-              </a:ext>
-            </a:extLst>
-          </p:cNvPr>
-          <p:cNvSpPr/>
-          <p:nvPr/>
-        </p:nvSpPr>
-        <p:spPr>
-          <a:xfrm>
-            <a:off x="410963" y="902005"/>
-            <a:ext cx="11159849" cy="461665"/>
-          </a:xfrm>
-          <a:prstGeom prst="rect">
-            <a:avLst/>
-          </a:prstGeom>
-        </p:spPr>
-        <p:txBody>
-          <a:bodyPr wrap="square">
-            <a:spAutoFit/>
-          </a:bodyPr>
-          <a:lstStyle/>
-          <a:p>
-            <a:pPr algn="just"/>
-            <a:r>
-              <a:rPr lang="en-GB" sz="2400">
-                <a:solidFill>
-                  <a:schemeClr val="bg1"/>
-                </a:solidFill>
-              </a:rPr>
-              <a:t>Sơ đồ trình tự của sự kiện click nút On, click nút Off:</a:t>
-            </a:r>
-          </a:p>
-        </p:txBody>
-      </p:sp>
-      <p:pic>
-        <p:nvPicPr>
-          <p:cNvPr id="15" name="Picture 14" descr="Diagram&#10;&#10;Description automatically generated">
-            <a:extLst>
-              <a:ext uri="{FF2B5EF4-FFF2-40B4-BE49-F238E27FC236}">
-                <a16:creationId xmlns:a16="http://schemas.microsoft.com/office/drawing/2014/main" id="{3DD58DE9-52FC-45B0-9F35-976E91B9F024}"/>
-              </a:ext>
-            </a:extLst>
-          </p:cNvPr>
-          <p:cNvPicPr>
-            <a:picLocks noChangeAspect="1"/>
-          </p:cNvPicPr>
-          <p:nvPr/>
-        </p:nvPicPr>
-        <p:blipFill>
-          <a:blip r:embed="rId3">
-            <a:extLst>
-              <a:ext uri="{28A0092B-C50C-407E-A947-70E740481C1C}">
-                <a14:useLocalDpi xmlns:a14="http://schemas.microsoft.com/office/drawing/2010/main" val="0"/>
-              </a:ext>
-            </a:extLst>
-          </a:blip>
-          <a:stretch>
-            <a:fillRect/>
-          </a:stretch>
-        </p:blipFill>
-        <p:spPr>
-          <a:xfrm>
-            <a:off x="410962" y="1432738"/>
-            <a:ext cx="11159849" cy="5042029"/>
-          </a:xfrm>
-          <a:prstGeom prst="rect">
-            <a:avLst/>
-          </a:prstGeom>
-        </p:spPr>
-      </p:pic>
-    </p:spTree>
-    <p:extLst>
-      <p:ext uri="{BB962C8B-B14F-4D97-AF65-F5344CB8AC3E}">
-        <p14:creationId xmlns:p14="http://schemas.microsoft.com/office/powerpoint/2010/main" val="1748727900"/>
-      </p:ext>
-    </p:extLst>
-  </p:cSld>
-  <p:clrMapOvr>
-    <a:masterClrMapping/>
-  </p:clrMapOvr>
-  <mc:AlternateContent xmlns:mc="http://schemas.openxmlformats.org/markup-compatibility/2006">
-    <mc:Choice xmlns:p14="http://schemas.microsoft.com/office/powerpoint/2010/main" Requires="p14">
-      <p:transition spd="med" p14:dur="700">
-        <p:fade/>
-      </p:transition>
-    </mc:Choice>
-    <mc:Fallback>
-      <p:transition spd="med">
-        <p:fade/>
-      </p:transition>
-    </mc:Fallback>
-  </mc:AlternateContent>
-  <p:timing>
-    <p:tnLst>
-      <p:par>
-        <p:cTn id="1" dur="indefinite" restart="never" nodeType="tmRoot">
-          <p:childTnLst>
-            <p:seq concurrent="1" nextAc="seek">
-              <p:cTn id="2" dur="indefinite" nodeType="mainSeq">
-                <p:childTnLst>
-                  <p:par>
-                    <p:cTn id="3" fill="hold">
-                      <p:stCondLst>
-                        <p:cond delay="indefinite"/>
-                        <p:cond evt="onBegin" delay="0">
-                          <p:tn val="2"/>
-                        </p:cond>
-                      </p:stCondLst>
-                      <p:childTnLst>
-                        <p:par>
-                          <p:cTn id="4" fill="hold">
-                            <p:stCondLst>
-                              <p:cond delay="0"/>
-                            </p:stCondLst>
-                            <p:childTnLst>
-                              <p:par>
-                                <p:cTn id="5" presetID="10" presetClass="entr" presetSubtype="0" fill="hold" grpId="0" nodeType="afterEffect">
-                                  <p:stCondLst>
-                                    <p:cond delay="0"/>
-                                  </p:stCondLst>
-                                  <p:childTnLst>
-                                    <p:set>
-                                      <p:cBhvr>
-                                        <p:cTn id="6" dur="1" fill="hold">
-                                          <p:stCondLst>
-                                            <p:cond delay="0"/>
-                                          </p:stCondLst>
-                                        </p:cTn>
-                                        <p:tgtEl>
-                                          <p:spTgt spid="16"/>
-                                        </p:tgtEl>
-                                        <p:attrNameLst>
-                                          <p:attrName>style.visibility</p:attrName>
-                                        </p:attrNameLst>
-                                      </p:cBhvr>
-                                      <p:to>
-                                        <p:strVal val="visible"/>
-                                      </p:to>
-                                    </p:set>
-                                    <p:animEffect transition="in" filter="fade">
-                                      <p:cBhvr>
-                                        <p:cTn id="7" dur="500"/>
-                                        <p:tgtEl>
-                                          <p:spTgt spid="16"/>
-                                        </p:tgtEl>
-                                      </p:cBhvr>
-                                    </p:animEffect>
-                                  </p:childTnLst>
-                                </p:cTn>
-                              </p:par>
-                            </p:childTnLst>
-                          </p:cTn>
-                        </p:par>
-                      </p:childTnLst>
-                    </p:cTn>
-                  </p:par>
-                  <p:par>
-                    <p:cTn id="8" fill="hold">
-                      <p:stCondLst>
-                        <p:cond delay="indefinite"/>
-                      </p:stCondLst>
-                      <p:childTnLst>
-                        <p:par>
-                          <p:cTn id="9" fill="hold">
-                            <p:stCondLst>
-                              <p:cond delay="0"/>
-                            </p:stCondLst>
-                            <p:childTnLst>
-                              <p:par>
-                                <p:cTn id="10" presetID="10" presetClass="entr" presetSubtype="0" fill="hold" nodeType="clickEffect">
-                                  <p:stCondLst>
-                                    <p:cond delay="0"/>
-                                  </p:stCondLst>
-                                  <p:childTnLst>
-                                    <p:set>
-                                      <p:cBhvr>
-                                        <p:cTn id="11" dur="1" fill="hold">
-                                          <p:stCondLst>
-                                            <p:cond delay="0"/>
-                                          </p:stCondLst>
-                                        </p:cTn>
-                                        <p:tgtEl>
-                                          <p:spTgt spid="13"/>
-                                        </p:tgtEl>
-                                        <p:attrNameLst>
-                                          <p:attrName>style.visibility</p:attrName>
-                                        </p:attrNameLst>
-                                      </p:cBhvr>
-                                      <p:to>
-                                        <p:strVal val="visible"/>
-                                      </p:to>
-                                    </p:set>
-                                    <p:animEffect transition="in" filter="fade">
-                                      <p:cBhvr>
-                                        <p:cTn id="12" dur="500"/>
-                                        <p:tgtEl>
-                                          <p:spTgt spid="13"/>
-                                        </p:tgtEl>
-                                      </p:cBhvr>
-                                    </p:animEffect>
-                                  </p:childTnLst>
-                                </p:cTn>
-                              </p:par>
-                            </p:childTnLst>
-                          </p:cTn>
-                        </p:par>
-                      </p:childTnLst>
-                    </p:cTn>
-                  </p:par>
-                  <p:par>
-                    <p:cTn id="13" fill="hold">
-                      <p:stCondLst>
-                        <p:cond delay="indefinite"/>
-                      </p:stCondLst>
-                      <p:childTnLst>
-                        <p:par>
-                          <p:cTn id="14" fill="hold">
-                            <p:stCondLst>
-                              <p:cond delay="0"/>
-                            </p:stCondLst>
-                            <p:childTnLst>
-                              <p:par>
-                                <p:cTn id="15" presetID="10" presetClass="exit" presetSubtype="0" fill="hold" nodeType="clickEffect">
-                                  <p:stCondLst>
-                                    <p:cond delay="0"/>
-                                  </p:stCondLst>
-                                  <p:childTnLst>
-                                    <p:animEffect transition="out" filter="fade">
-                                      <p:cBhvr>
-                                        <p:cTn id="16" dur="500"/>
-                                        <p:tgtEl>
-                                          <p:spTgt spid="13"/>
-                                        </p:tgtEl>
-                                      </p:cBhvr>
-                                    </p:animEffect>
-                                    <p:set>
-                                      <p:cBhvr>
-                                        <p:cTn id="17" dur="1" fill="hold">
-                                          <p:stCondLst>
-                                            <p:cond delay="499"/>
-                                          </p:stCondLst>
-                                        </p:cTn>
-                                        <p:tgtEl>
-                                          <p:spTgt spid="13"/>
-                                        </p:tgtEl>
-                                        <p:attrNameLst>
-                                          <p:attrName>style.visibility</p:attrName>
-                                        </p:attrNameLst>
-                                      </p:cBhvr>
-                                      <p:to>
-                                        <p:strVal val="hidden"/>
-                                      </p:to>
-                                    </p:set>
-                                  </p:childTnLst>
-                                </p:cTn>
-                              </p:par>
-                            </p:childTnLst>
-                          </p:cTn>
-                        </p:par>
-                        <p:par>
-                          <p:cTn id="18" fill="hold">
-                            <p:stCondLst>
-                              <p:cond delay="500"/>
-                            </p:stCondLst>
-                            <p:childTnLst>
-                              <p:par>
-                                <p:cTn id="19" presetID="10" presetClass="exit" presetSubtype="0" fill="hold" grpId="1" nodeType="afterEffect">
-                                  <p:stCondLst>
-                                    <p:cond delay="0"/>
-                                  </p:stCondLst>
-                                  <p:childTnLst>
-                                    <p:animEffect transition="out" filter="fade">
-                                      <p:cBhvr>
-                                        <p:cTn id="20" dur="500"/>
-                                        <p:tgtEl>
-                                          <p:spTgt spid="16"/>
-                                        </p:tgtEl>
-                                      </p:cBhvr>
-                                    </p:animEffect>
-                                    <p:set>
-                                      <p:cBhvr>
-                                        <p:cTn id="21" dur="1" fill="hold">
-                                          <p:stCondLst>
-                                            <p:cond delay="499"/>
-                                          </p:stCondLst>
-                                        </p:cTn>
-                                        <p:tgtEl>
-                                          <p:spTgt spid="16"/>
-                                        </p:tgtEl>
-                                        <p:attrNameLst>
-                                          <p:attrName>style.visibility</p:attrName>
-                                        </p:attrNameLst>
-                                      </p:cBhvr>
-                                      <p:to>
-                                        <p:strVal val="hidden"/>
-                                      </p:to>
-                                    </p:set>
-                                  </p:childTnLst>
-                                </p:cTn>
-                              </p:par>
-                            </p:childTnLst>
-                          </p:cTn>
-                        </p:par>
-                      </p:childTnLst>
-                    </p:cTn>
-                  </p:par>
-                  <p:par>
-                    <p:cTn id="22" fill="hold">
-                      <p:stCondLst>
-                        <p:cond delay="indefinite"/>
-                      </p:stCondLst>
-                      <p:childTnLst>
-                        <p:par>
-                          <p:cTn id="23" fill="hold">
-                            <p:stCondLst>
-                              <p:cond delay="0"/>
-                            </p:stCondLst>
-                            <p:childTnLst>
-                              <p:par>
-                                <p:cTn id="24" presetID="10" presetClass="entr" presetSubtype="0" fill="hold" grpId="0" nodeType="clickEffect">
-                                  <p:stCondLst>
-                                    <p:cond delay="0"/>
-                                  </p:stCondLst>
-                                  <p:childTnLst>
-                                    <p:set>
-                                      <p:cBhvr>
-                                        <p:cTn id="25" dur="1" fill="hold">
-                                          <p:stCondLst>
-                                            <p:cond delay="0"/>
-                                          </p:stCondLst>
-                                        </p:cTn>
-                                        <p:tgtEl>
-                                          <p:spTgt spid="18"/>
-                                        </p:tgtEl>
-                                        <p:attrNameLst>
-                                          <p:attrName>style.visibility</p:attrName>
-                                        </p:attrNameLst>
-                                      </p:cBhvr>
-                                      <p:to>
-                                        <p:strVal val="visible"/>
-                                      </p:to>
-                                    </p:set>
-                                    <p:animEffect transition="in" filter="fade">
-                                      <p:cBhvr>
-                                        <p:cTn id="26" dur="500"/>
-                                        <p:tgtEl>
-                                          <p:spTgt spid="18"/>
-                                        </p:tgtEl>
-                                      </p:cBhvr>
-                                    </p:animEffect>
-                                  </p:childTnLst>
-                                </p:cTn>
-                              </p:par>
-                            </p:childTnLst>
-                          </p:cTn>
-                        </p:par>
-                        <p:par>
-                          <p:cTn id="27" fill="hold">
-                            <p:stCondLst>
-                              <p:cond delay="500"/>
-                            </p:stCondLst>
-                            <p:childTnLst>
-                              <p:par>
-                                <p:cTn id="28" presetID="10" presetClass="entr" presetSubtype="0" fill="hold" nodeType="afterEffect">
-                                  <p:stCondLst>
-                                    <p:cond delay="0"/>
-                                  </p:stCondLst>
-                                  <p:childTnLst>
-                                    <p:set>
-                                      <p:cBhvr>
-                                        <p:cTn id="29" dur="1" fill="hold">
-                                          <p:stCondLst>
-                                            <p:cond delay="0"/>
-                                          </p:stCondLst>
-                                        </p:cTn>
-                                        <p:tgtEl>
-                                          <p:spTgt spid="15"/>
-                                        </p:tgtEl>
-                                        <p:attrNameLst>
-                                          <p:attrName>style.visibility</p:attrName>
-                                        </p:attrNameLst>
-                                      </p:cBhvr>
-                                      <p:to>
-                                        <p:strVal val="visible"/>
-                                      </p:to>
-                                    </p:set>
-                                    <p:animEffect transition="in" filter="fade">
-                                      <p:cBhvr>
-                                        <p:cTn id="30" dur="500"/>
-                                        <p:tgtEl>
-                                          <p:spTgt spid="15"/>
-                                        </p:tgtEl>
-                                      </p:cBhvr>
-                                    </p:animEffect>
-                                  </p:childTnLst>
-                                </p:cTn>
-                              </p:par>
-                            </p:childTnLst>
-                          </p:cTn>
-                        </p:par>
-                      </p:childTnLst>
-                    </p:cTn>
-                  </p:par>
-                </p:childTnLst>
-              </p:cTn>
-              <p:prevCondLst>
-                <p:cond evt="onPrev" delay="0">
-                  <p:tgtEl>
-                    <p:sldTgt/>
-                  </p:tgtEl>
-                </p:cond>
-              </p:prevCondLst>
-              <p:nextCondLst>
-                <p:cond evt="onNext" delay="0">
-                  <p:tgtEl>
-                    <p:sldTgt/>
-                  </p:tgtEl>
-                </p:cond>
-              </p:nextCondLst>
-            </p:seq>
-          </p:childTnLst>
-        </p:cTn>
-      </p:par>
-    </p:tnLst>
-    <p:bldLst>
-      <p:bldP spid="16" grpId="0"/>
-      <p:bldP spid="16" grpId="1"/>
-      <p:bldP spid="18" grpId="0"/>
-    </p:bldLst>
-  </p:timing>
-</p:sld>
-</file>
-
-<file path=ppt/slides/slide21.xml><?xml version="1.0" encoding="utf-8"?>
-<p:sld xmlns:a="http://schemas.openxmlformats.org/drawingml/2006/main" xmlns:r="http://schemas.openxmlformats.org/officeDocument/2006/relationships" xmlns:p="http://schemas.openxmlformats.org/presentationml/2006/main">
-  <p:cSld>
-    <p:spTree>
-      <p:nvGrpSpPr>
-        <p:cNvPr id="1" name=""/>
-        <p:cNvGrpSpPr/>
-        <p:nvPr/>
-      </p:nvGrpSpPr>
-      <p:grpSpPr>
-        <a:xfrm>
-          <a:off x="0" y="0"/>
-          <a:ext cx="0" cy="0"/>
-          <a:chOff x="0" y="0"/>
-          <a:chExt cx="0" cy="0"/>
-        </a:xfrm>
-      </p:grpSpPr>
-      <p:sp>
-        <p:nvSpPr>
-          <p:cNvPr id="8" name="Rectangle 7"/>
-          <p:cNvSpPr/>
-          <p:nvPr/>
-        </p:nvSpPr>
-        <p:spPr>
-          <a:xfrm>
-            <a:off x="0" y="0"/>
-            <a:ext cx="12192000" cy="6857999"/>
-          </a:xfrm>
-          <a:prstGeom prst="rect">
-            <a:avLst/>
-          </a:prstGeom>
-          <a:solidFill>
-            <a:schemeClr val="tx1">
-              <a:lumMod val="75000"/>
-            </a:schemeClr>
-          </a:solidFill>
-          <a:ln>
-            <a:noFill/>
-          </a:ln>
-        </p:spPr>
-        <p:style>
-          <a:lnRef idx="2">
-            <a:schemeClr val="accent1">
-              <a:shade val="50000"/>
-            </a:schemeClr>
-          </a:lnRef>
-          <a:fillRef idx="1">
-            <a:schemeClr val="accent1"/>
-          </a:fillRef>
-          <a:effectRef idx="0">
-            <a:schemeClr val="accent1"/>
-          </a:effectRef>
-          <a:fontRef idx="minor">
-            <a:schemeClr val="lt1"/>
-          </a:fontRef>
-        </p:style>
-        <p:txBody>
-          <a:bodyPr rtlCol="0" anchor="ctr"/>
-          <a:lstStyle/>
-          <a:p>
-            <a:pPr algn="ctr"/>
-            <a:endParaRPr lang="en-GB"/>
-          </a:p>
-        </p:txBody>
-      </p:sp>
-      <p:sp>
-        <p:nvSpPr>
-          <p:cNvPr id="9" name="Rectangle 8"/>
-          <p:cNvSpPr/>
-          <p:nvPr/>
-        </p:nvSpPr>
-        <p:spPr>
-          <a:xfrm>
-            <a:off x="0" y="329650"/>
-            <a:ext cx="12192000" cy="6172198"/>
-          </a:xfrm>
-          <a:prstGeom prst="rect">
-            <a:avLst/>
-          </a:prstGeom>
-          <a:solidFill>
-            <a:schemeClr val="accent1">
-              <a:lumMod val="50000"/>
-              <a:alpha val="70000"/>
-            </a:schemeClr>
-          </a:solidFill>
-          <a:ln>
-            <a:noFill/>
-          </a:ln>
-        </p:spPr>
-        <p:style>
-          <a:lnRef idx="2">
-            <a:schemeClr val="accent1">
-              <a:shade val="50000"/>
-            </a:schemeClr>
-          </a:lnRef>
-          <a:fillRef idx="1">
-            <a:schemeClr val="accent1"/>
-          </a:fillRef>
-          <a:effectRef idx="0">
-            <a:schemeClr val="accent1"/>
-          </a:effectRef>
-          <a:fontRef idx="minor">
-            <a:schemeClr val="lt1"/>
-          </a:fontRef>
-        </p:style>
-        <p:txBody>
-          <a:bodyPr rtlCol="0" anchor="ctr"/>
-          <a:lstStyle/>
-          <a:p>
-            <a:pPr algn="ctr"/>
-            <a:endParaRPr lang="en-GB"/>
-          </a:p>
-        </p:txBody>
-      </p:sp>
-      <p:sp>
-        <p:nvSpPr>
-          <p:cNvPr id="49" name="TextBox 48">
-            <a:extLst>
-              <a:ext uri="{FF2B5EF4-FFF2-40B4-BE49-F238E27FC236}">
-                <a16:creationId xmlns:a16="http://schemas.microsoft.com/office/drawing/2014/main" id="{EF4DB629-BA9A-4201-A455-B0458C585E1F}"/>
-              </a:ext>
-            </a:extLst>
-          </p:cNvPr>
-          <p:cNvSpPr txBox="1"/>
-          <p:nvPr/>
-        </p:nvSpPr>
-        <p:spPr>
-          <a:xfrm>
-            <a:off x="410964" y="342900"/>
-            <a:ext cx="8878809" cy="523220"/>
-          </a:xfrm>
-          <a:prstGeom prst="rect">
-            <a:avLst/>
-          </a:prstGeom>
-          <a:noFill/>
-          <a:ln>
-            <a:solidFill>
-              <a:srgbClr val="163755"/>
-            </a:solidFill>
-          </a:ln>
-        </p:spPr>
-        <p:txBody>
-          <a:bodyPr wrap="square" rtlCol="0">
-            <a:spAutoFit/>
-          </a:bodyPr>
-          <a:lstStyle/>
-          <a:p>
-            <a:r>
-              <a:rPr lang="en-US" sz="2800">
-                <a:solidFill>
-                  <a:schemeClr val="bg1"/>
-                </a:solidFill>
-                <a:latin typeface="Lato" panose="020F0502020204030203" pitchFamily="34" charset="0"/>
-              </a:rPr>
               <a:t>2. Cập nhật ứng dụng</a:t>
             </a:r>
             <a:endParaRPr lang="en-GB" sz="2800">
@@ -25593,13 +25157,13 @@
   <p:clrMapOvr>
     <a:masterClrMapping/>
   </p:clrMapOvr>
-  <mc:AlternateContent xmlns:mc="http://schemas.openxmlformats.org/markup-compatibility/2006">
-    <mc:Choice xmlns:p14="http://schemas.microsoft.com/office/powerpoint/2010/main" Requires="p14">
+  <mc:AlternateContent xmlns:mc="http://schemas.openxmlformats.org/markup-compatibility/2006" xmlns:p14="http://schemas.microsoft.com/office/powerpoint/2010/main">
+    <mc:Choice Requires="p14">
       <p:transition spd="med" p14:dur="700">
         <p:fade/>
       </p:transition>
     </mc:Choice>
-    <mc:Fallback>
+    <mc:Fallback xmlns="">
       <p:transition spd="med">
         <p:fade/>
       </p:transition>
@@ -25608,7 +25172,7 @@
 </p:sld>
 </file>
 
-<file path=ppt/slides/slide22.xml><?xml version="1.0" encoding="utf-8"?>
+<file path=ppt/slides/slide21.xml><?xml version="1.0" encoding="utf-8"?>
 <p:sld xmlns:a="http://schemas.openxmlformats.org/drawingml/2006/main" xmlns:r="http://schemas.openxmlformats.org/officeDocument/2006/relationships" xmlns:p="http://schemas.openxmlformats.org/presentationml/2006/main">
   <p:cSld>
     <p:spTree>
@@ -26037,13 +25601,13 @@
   <p:clrMapOvr>
     <a:masterClrMapping/>
   </p:clrMapOvr>
-  <mc:AlternateContent xmlns:mc="http://schemas.openxmlformats.org/markup-compatibility/2006">
-    <mc:Choice xmlns:p14="http://schemas.microsoft.com/office/powerpoint/2010/main" Requires="p14">
+  <mc:AlternateContent xmlns:mc="http://schemas.openxmlformats.org/markup-compatibility/2006" xmlns:p14="http://schemas.microsoft.com/office/powerpoint/2010/main">
+    <mc:Choice Requires="p14">
       <p:transition spd="med" p14:dur="700">
         <p:fade/>
       </p:transition>
     </mc:Choice>
-    <mc:Fallback>
+    <mc:Fallback xmlns="">
       <p:transition spd="med">
         <p:fade/>
       </p:transition>
@@ -26381,7 +25945,7 @@
 </p:sld>
 </file>
 
-<file path=ppt/slides/slide23.xml><?xml version="1.0" encoding="utf-8"?>
+<file path=ppt/slides/slide22.xml><?xml version="1.0" encoding="utf-8"?>
 <p:sld xmlns:a="http://schemas.openxmlformats.org/drawingml/2006/main" xmlns:r="http://schemas.openxmlformats.org/officeDocument/2006/relationships" xmlns:p="http://schemas.openxmlformats.org/presentationml/2006/main">
   <p:cSld>
     <p:spTree>
@@ -26810,13 +26374,13 @@
   <p:clrMapOvr>
     <a:masterClrMapping/>
   </p:clrMapOvr>
-  <mc:AlternateContent xmlns:mc="http://schemas.openxmlformats.org/markup-compatibility/2006">
-    <mc:Choice xmlns:p14="http://schemas.microsoft.com/office/powerpoint/2010/main" Requires="p14">
+  <mc:AlternateContent xmlns:mc="http://schemas.openxmlformats.org/markup-compatibility/2006" xmlns:p14="http://schemas.microsoft.com/office/powerpoint/2010/main">
+    <mc:Choice Requires="p14">
       <p:transition spd="med" p14:dur="700">
         <p:fade/>
       </p:transition>
     </mc:Choice>
-    <mc:Fallback>
+    <mc:Fallback xmlns="">
       <p:transition spd="med">
         <p:fade/>
       </p:transition>
@@ -27145,7 +26709,7 @@
 </p:sld>
 </file>
 
-<file path=ppt/slides/slide24.xml><?xml version="1.0" encoding="utf-8"?>
+<file path=ppt/slides/slide23.xml><?xml version="1.0" encoding="utf-8"?>
 <p:sld xmlns:a="http://schemas.openxmlformats.org/drawingml/2006/main" xmlns:r="http://schemas.openxmlformats.org/officeDocument/2006/relationships" xmlns:p="http://schemas.openxmlformats.org/presentationml/2006/main">
   <p:cSld>
     <p:spTree>
@@ -27499,13 +27063,13 @@
   <p:clrMapOvr>
     <a:masterClrMapping/>
   </p:clrMapOvr>
-  <mc:AlternateContent xmlns:mc="http://schemas.openxmlformats.org/markup-compatibility/2006">
-    <mc:Choice xmlns:p14="http://schemas.microsoft.com/office/powerpoint/2010/main" Requires="p14">
+  <mc:AlternateContent xmlns:mc="http://schemas.openxmlformats.org/markup-compatibility/2006" xmlns:p14="http://schemas.microsoft.com/office/powerpoint/2010/main">
+    <mc:Choice Requires="p14">
       <p:transition spd="med" p14:dur="700">
         <p:fade/>
       </p:transition>
     </mc:Choice>
-    <mc:Fallback>
+    <mc:Fallback xmlns="">
       <p:transition spd="med">
         <p:fade/>
       </p:transition>
@@ -27656,7 +27220,7 @@
 </p:sld>
 </file>
 
-<file path=ppt/slides/slide25.xml><?xml version="1.0" encoding="utf-8"?>
+<file path=ppt/slides/slide24.xml><?xml version="1.0" encoding="utf-8"?>
 <p:sld xmlns:a="http://schemas.openxmlformats.org/drawingml/2006/main" xmlns:r="http://schemas.openxmlformats.org/officeDocument/2006/relationships" xmlns:p="http://schemas.openxmlformats.org/presentationml/2006/main">
   <p:cSld>
     <p:spTree>
@@ -28007,13 +27571,13 @@
   <p:clrMapOvr>
     <a:masterClrMapping/>
   </p:clrMapOvr>
-  <mc:AlternateContent xmlns:mc="http://schemas.openxmlformats.org/markup-compatibility/2006">
-    <mc:Choice xmlns:p14="http://schemas.microsoft.com/office/powerpoint/2010/main" Requires="p14">
+  <mc:AlternateContent xmlns:mc="http://schemas.openxmlformats.org/markup-compatibility/2006" xmlns:p14="http://schemas.microsoft.com/office/powerpoint/2010/main">
+    <mc:Choice Requires="p14">
       <p:transition spd="med" p14:dur="700">
         <p:fade/>
       </p:transition>
     </mc:Choice>
-    <mc:Fallback>
+    <mc:Fallback xmlns="">
       <p:transition spd="med">
         <p:fade/>
       </p:transition>
@@ -28022,7 +27586,7 @@
 </p:sld>
 </file>
 
-<file path=ppt/slides/slide26.xml><?xml version="1.0" encoding="utf-8"?>
+<file path=ppt/slides/slide25.xml><?xml version="1.0" encoding="utf-8"?>
 <p:sld xmlns:a="http://schemas.openxmlformats.org/drawingml/2006/main" xmlns:r="http://schemas.openxmlformats.org/officeDocument/2006/relationships" xmlns:p="http://schemas.openxmlformats.org/presentationml/2006/main">
   <p:cSld>
     <p:spTree>
@@ -28368,13 +27932,13 @@
   <p:clrMapOvr>
     <a:masterClrMapping/>
   </p:clrMapOvr>
-  <mc:AlternateContent xmlns:mc="http://schemas.openxmlformats.org/markup-compatibility/2006">
-    <mc:Choice xmlns:p14="http://schemas.microsoft.com/office/powerpoint/2010/main" Requires="p14">
+  <mc:AlternateContent xmlns:mc="http://schemas.openxmlformats.org/markup-compatibility/2006" xmlns:p14="http://schemas.microsoft.com/office/powerpoint/2010/main">
+    <mc:Choice Requires="p14">
       <p:transition spd="med" p14:dur="700">
         <p:fade/>
       </p:transition>
     </mc:Choice>
-    <mc:Fallback>
+    <mc:Fallback xmlns="">
       <p:transition spd="med">
         <p:fade/>
       </p:transition>
@@ -28593,7 +28157,7 @@
 </p:sld>
 </file>
 
-<file path=ppt/slides/slide27.xml><?xml version="1.0" encoding="utf-8"?>
+<file path=ppt/slides/slide26.xml><?xml version="1.0" encoding="utf-8"?>
 <p:sld xmlns:a="http://schemas.openxmlformats.org/drawingml/2006/main" xmlns:r="http://schemas.openxmlformats.org/officeDocument/2006/relationships" xmlns:p="http://schemas.openxmlformats.org/presentationml/2006/main">
   <p:cSld>
     <p:spTree>
@@ -28939,13 +28503,13 @@
   <p:clrMapOvr>
     <a:masterClrMapping/>
   </p:clrMapOvr>
-  <mc:AlternateContent xmlns:mc="http://schemas.openxmlformats.org/markup-compatibility/2006">
-    <mc:Choice xmlns:p14="http://schemas.microsoft.com/office/powerpoint/2010/main" Requires="p14">
+  <mc:AlternateContent xmlns:mc="http://schemas.openxmlformats.org/markup-compatibility/2006" xmlns:p14="http://schemas.microsoft.com/office/powerpoint/2010/main">
+    <mc:Choice Requires="p14">
       <p:transition spd="med" p14:dur="700">
         <p:fade/>
       </p:transition>
     </mc:Choice>
-    <mc:Fallback>
+    <mc:Fallback xmlns="">
       <p:transition spd="med">
         <p:fade/>
       </p:transition>
@@ -29164,7 +28728,7 @@
 </p:sld>
 </file>
 
-<file path=ppt/slides/slide28.xml><?xml version="1.0" encoding="utf-8"?>
+<file path=ppt/slides/slide27.xml><?xml version="1.0" encoding="utf-8"?>
 <p:sld xmlns:a="http://schemas.openxmlformats.org/drawingml/2006/main" xmlns:r="http://schemas.openxmlformats.org/officeDocument/2006/relationships" xmlns:p="http://schemas.openxmlformats.org/presentationml/2006/main">
   <p:cSld>
     <p:spTree>
@@ -29409,13 +28973,13 @@
   <p:clrMapOvr>
     <a:masterClrMapping/>
   </p:clrMapOvr>
-  <mc:AlternateContent xmlns:mc="http://schemas.openxmlformats.org/markup-compatibility/2006">
-    <mc:Choice xmlns:p14="http://schemas.microsoft.com/office/powerpoint/2010/main" Requires="p14">
+  <mc:AlternateContent xmlns:mc="http://schemas.openxmlformats.org/markup-compatibility/2006" xmlns:p14="http://schemas.microsoft.com/office/powerpoint/2010/main">
+    <mc:Choice Requires="p14">
       <p:transition spd="med" p14:dur="700">
         <p:fade/>
       </p:transition>
     </mc:Choice>
-    <mc:Fallback>
+    <mc:Fallback xmlns="">
       <p:transition spd="med">
         <p:fade/>
       </p:transition>
@@ -30545,7 +30109,39 @@
                   <a:schemeClr val="bg2"/>
                 </a:solidFill>
               </a:rPr>
-              <a:t>Hiện tại, công ty đang chạy rất nhiều ứng dụng trên hệ điều hành windows. Mỗi ứng dụng phục vụ các công việc khác nhau trong lĩnh vực quảng cáo. Các ứng dụng được chạy 24/7 trên máy tính riêng biệt tại công ty.</a:t>
+              <a:t>Hiện tại, công ty đang chạy </a:t>
+            </a:r>
+            <a:r>
+              <a:rPr lang="en-GB" sz="2400" b="1">
+                <a:solidFill>
+                  <a:schemeClr val="bg2"/>
+                </a:solidFill>
+              </a:rPr>
+              <a:t>rất nhiều ứng dụng</a:t>
+            </a:r>
+            <a:r>
+              <a:rPr lang="en-GB" sz="2400">
+                <a:solidFill>
+                  <a:schemeClr val="bg2"/>
+                </a:solidFill>
+              </a:rPr>
+              <a:t> trên hệ điều hành windows. Mỗi ứng dụng phục vụ các công việc khác nhau trong lĩnh vực quảng cáo. Các ứng dụng được </a:t>
+            </a:r>
+            <a:r>
+              <a:rPr lang="en-GB" sz="2400" b="1">
+                <a:solidFill>
+                  <a:schemeClr val="bg2"/>
+                </a:solidFill>
+              </a:rPr>
+              <a:t>chạy 24/7 trên máy tính riêng biệt</a:t>
+            </a:r>
+            <a:r>
+              <a:rPr lang="en-GB" sz="2400">
+                <a:solidFill>
+                  <a:schemeClr val="bg2"/>
+                </a:solidFill>
+              </a:rPr>
+              <a:t> tại công ty.</a:t>
             </a:r>
           </a:p>
         </p:txBody>
@@ -34828,6 +34424,36 @@
           </a:prstGeom>
         </p:spPr>
       </p:pic>
+      <p:pic>
+        <p:nvPicPr>
+          <p:cNvPr id="5" name="Picture 4">
+            <a:extLst>
+              <a:ext uri="{FF2B5EF4-FFF2-40B4-BE49-F238E27FC236}">
+                <a16:creationId xmlns:a16="http://schemas.microsoft.com/office/drawing/2014/main" id="{B5713BF1-C14E-4466-9A60-D6C604845819}"/>
+              </a:ext>
+            </a:extLst>
+          </p:cNvPr>
+          <p:cNvPicPr>
+            <a:picLocks noChangeAspect="1"/>
+          </p:cNvPicPr>
+          <p:nvPr/>
+        </p:nvPicPr>
+        <p:blipFill>
+          <a:blip r:embed="rId7"/>
+          <a:stretch>
+            <a:fillRect/>
+          </a:stretch>
+        </p:blipFill>
+        <p:spPr>
+          <a:xfrm>
+            <a:off x="1765440" y="981863"/>
+            <a:ext cx="8717030" cy="5461432"/>
+          </a:xfrm>
+          <a:prstGeom prst="rect">
+            <a:avLst/>
+          </a:prstGeom>
+        </p:spPr>
+      </p:pic>
     </p:spTree>
     <p:extLst>
       <p:ext uri="{BB962C8B-B14F-4D97-AF65-F5344CB8AC3E}">
@@ -35199,36 +34825,27 @@
                             </p:childTnLst>
                           </p:cTn>
                         </p:par>
-                      </p:childTnLst>
-                    </p:cTn>
-                  </p:par>
-                  <p:par>
-                    <p:cTn id="35" fill="hold">
-                      <p:stCondLst>
-                        <p:cond delay="indefinite"/>
-                      </p:stCondLst>
-                      <p:childTnLst>
                         <p:par>
-                          <p:cTn id="36" fill="hold">
+                          <p:cTn id="35" fill="hold">
                             <p:stCondLst>
-                              <p:cond delay="0"/>
+                              <p:cond delay="1000"/>
                             </p:stCondLst>
                             <p:childTnLst>
                               <p:par>
-                                <p:cTn id="37" presetID="16" presetClass="entr" presetSubtype="21" fill="hold" nodeType="clickEffect">
+                                <p:cTn id="36" presetID="10" presetClass="entr" presetSubtype="0" fill="hold" nodeType="afterEffect">
                                   <p:stCondLst>
                                     <p:cond delay="0"/>
                                   </p:stCondLst>
                                   <p:childTnLst>
                                     <p:set>
                                       <p:cBhvr>
-                                        <p:cTn id="38" dur="1" fill="hold">
+                                        <p:cTn id="37" dur="1" fill="hold">
                                           <p:stCondLst>
                                             <p:cond delay="0"/>
                                           </p:stCondLst>
                                         </p:cTn>
                                         <p:tgtEl>
-                                          <p:spTgt spid="66"/>
+                                          <p:spTgt spid="5"/>
                                         </p:tgtEl>
                                         <p:attrNameLst>
                                           <p:attrName>style.visibility</p:attrName>
@@ -35238,11 +34855,11 @@
                                         <p:strVal val="visible"/>
                                       </p:to>
                                     </p:set>
-                                    <p:animEffect transition="in" filter="barn(inVertical)">
+                                    <p:animEffect transition="in" filter="fade">
                                       <p:cBhvr>
-                                        <p:cTn id="39" dur="500"/>
+                                        <p:cTn id="38" dur="500"/>
                                         <p:tgtEl>
-                                          <p:spTgt spid="66"/>
+                                          <p:spTgt spid="5"/>
                                         </p:tgtEl>
                                       </p:cBhvr>
                                     </p:animEffect>
@@ -35252,44 +34869,53 @@
                             </p:childTnLst>
                           </p:cTn>
                         </p:par>
+                      </p:childTnLst>
+                    </p:cTn>
+                  </p:par>
+                  <p:par>
+                    <p:cTn id="39" fill="hold">
+                      <p:stCondLst>
+                        <p:cond delay="indefinite"/>
+                      </p:stCondLst>
+                      <p:childTnLst>
                         <p:par>
                           <p:cTn id="40" fill="hold">
                             <p:stCondLst>
-                              <p:cond delay="500"/>
+                              <p:cond delay="0"/>
                             </p:stCondLst>
                             <p:childTnLst>
                               <p:par>
-                                <p:cTn id="41" presetID="16" presetClass="entr" presetSubtype="21" fill="hold" grpId="0" nodeType="afterEffect">
+                                <p:cTn id="41" presetID="10" presetClass="exit" presetSubtype="0" fill="hold" nodeType="clickEffect">
                                   <p:stCondLst>
                                     <p:cond delay="0"/>
                                   </p:stCondLst>
                                   <p:childTnLst>
+                                    <p:animEffect transition="out" filter="fade">
+                                      <p:cBhvr>
+                                        <p:cTn id="42" dur="500"/>
+                                        <p:tgtEl>
+                                          <p:spTgt spid="5"/>
+                                        </p:tgtEl>
+                                      </p:cBhvr>
+                                    </p:animEffect>
                                     <p:set>
                                       <p:cBhvr>
-                                        <p:cTn id="42" dur="1" fill="hold">
+                                        <p:cTn id="43" dur="1" fill="hold">
                                           <p:stCondLst>
-                                            <p:cond delay="0"/>
+                                            <p:cond delay="499"/>
                                           </p:stCondLst>
                                         </p:cTn>
                                         <p:tgtEl>
-                                          <p:spTgt spid="57"/>
+                                          <p:spTgt spid="5"/>
                                         </p:tgtEl>
                                         <p:attrNameLst>
                                           <p:attrName>style.visibility</p:attrName>
                                         </p:attrNameLst>
                                       </p:cBhvr>
                                       <p:to>
-                                        <p:strVal val="visible"/>
+                                        <p:strVal val="hidden"/>
                                       </p:to>
                                     </p:set>
-                                    <p:animEffect transition="in" filter="barn(inVertical)">
-                                      <p:cBhvr>
-                                        <p:cTn id="43" dur="500"/>
-                                        <p:tgtEl>
-                                          <p:spTgt spid="57"/>
-                                        </p:tgtEl>
-                                      </p:cBhvr>
-                                    </p:animEffect>
                                   </p:childTnLst>
                                 </p:cTn>
                               </p:par>
@@ -35325,7 +34951,7 @@
                                           </p:stCondLst>
                                         </p:cTn>
                                         <p:tgtEl>
-                                          <p:spTgt spid="68"/>
+                                          <p:spTgt spid="66"/>
                                         </p:tgtEl>
                                         <p:attrNameLst>
                                           <p:attrName>style.visibility</p:attrName>
@@ -35339,7 +34965,7 @@
                                       <p:cBhvr>
                                         <p:cTn id="48" dur="500"/>
                                         <p:tgtEl>
-                                          <p:spTgt spid="68"/>
+                                          <p:spTgt spid="66"/>
                                         </p:tgtEl>
                                       </p:cBhvr>
                                     </p:animEffect>
@@ -35369,6 +34995,103 @@
                                           </p:stCondLst>
                                         </p:cTn>
                                         <p:tgtEl>
+                                          <p:spTgt spid="57"/>
+                                        </p:tgtEl>
+                                        <p:attrNameLst>
+                                          <p:attrName>style.visibility</p:attrName>
+                                        </p:attrNameLst>
+                                      </p:cBhvr>
+                                      <p:to>
+                                        <p:strVal val="visible"/>
+                                      </p:to>
+                                    </p:set>
+                                    <p:animEffect transition="in" filter="barn(inVertical)">
+                                      <p:cBhvr>
+                                        <p:cTn id="52" dur="500"/>
+                                        <p:tgtEl>
+                                          <p:spTgt spid="57"/>
+                                        </p:tgtEl>
+                                      </p:cBhvr>
+                                    </p:animEffect>
+                                  </p:childTnLst>
+                                </p:cTn>
+                              </p:par>
+                            </p:childTnLst>
+                          </p:cTn>
+                        </p:par>
+                      </p:childTnLst>
+                    </p:cTn>
+                  </p:par>
+                  <p:par>
+                    <p:cTn id="53" fill="hold">
+                      <p:stCondLst>
+                        <p:cond delay="indefinite"/>
+                      </p:stCondLst>
+                      <p:childTnLst>
+                        <p:par>
+                          <p:cTn id="54" fill="hold">
+                            <p:stCondLst>
+                              <p:cond delay="0"/>
+                            </p:stCondLst>
+                            <p:childTnLst>
+                              <p:par>
+                                <p:cTn id="55" presetID="16" presetClass="entr" presetSubtype="21" fill="hold" nodeType="clickEffect">
+                                  <p:stCondLst>
+                                    <p:cond delay="0"/>
+                                  </p:stCondLst>
+                                  <p:childTnLst>
+                                    <p:set>
+                                      <p:cBhvr>
+                                        <p:cTn id="56" dur="1" fill="hold">
+                                          <p:stCondLst>
+                                            <p:cond delay="0"/>
+                                          </p:stCondLst>
+                                        </p:cTn>
+                                        <p:tgtEl>
+                                          <p:spTgt spid="68"/>
+                                        </p:tgtEl>
+                                        <p:attrNameLst>
+                                          <p:attrName>style.visibility</p:attrName>
+                                        </p:attrNameLst>
+                                      </p:cBhvr>
+                                      <p:to>
+                                        <p:strVal val="visible"/>
+                                      </p:to>
+                                    </p:set>
+                                    <p:animEffect transition="in" filter="barn(inVertical)">
+                                      <p:cBhvr>
+                                        <p:cTn id="57" dur="500"/>
+                                        <p:tgtEl>
+                                          <p:spTgt spid="68"/>
+                                        </p:tgtEl>
+                                      </p:cBhvr>
+                                    </p:animEffect>
+                                  </p:childTnLst>
+                                </p:cTn>
+                              </p:par>
+                            </p:childTnLst>
+                          </p:cTn>
+                        </p:par>
+                        <p:par>
+                          <p:cTn id="58" fill="hold">
+                            <p:stCondLst>
+                              <p:cond delay="500"/>
+                            </p:stCondLst>
+                            <p:childTnLst>
+                              <p:par>
+                                <p:cTn id="59" presetID="16" presetClass="entr" presetSubtype="21" fill="hold" grpId="0" nodeType="afterEffect">
+                                  <p:stCondLst>
+                                    <p:cond delay="0"/>
+                                  </p:stCondLst>
+                                  <p:childTnLst>
+                                    <p:set>
+                                      <p:cBhvr>
+                                        <p:cTn id="60" dur="1" fill="hold">
+                                          <p:stCondLst>
+                                            <p:cond delay="0"/>
+                                          </p:stCondLst>
+                                        </p:cTn>
+                                        <p:tgtEl>
                                           <p:spTgt spid="59"/>
                                         </p:tgtEl>
                                         <p:attrNameLst>
@@ -35381,7 +35104,7 @@
                                     </p:set>
                                     <p:animEffect transition="in" filter="barn(inVertical)">
                                       <p:cBhvr>
-                                        <p:cTn id="52" dur="500"/>
+                                        <p:cTn id="61" dur="500"/>
                                         <p:tgtEl>
                                           <p:spTgt spid="59"/>
                                         </p:tgtEl>
@@ -35582,7 +35305,7 @@
                 </a:solidFill>
                 <a:latin typeface="Lato" panose="020F0502020204030203" pitchFamily="34" charset="0"/>
               </a:rPr>
-              <a:t>3. Phạm vi hệ thống</a:t>
+              <a:t>3. Hình dung tổng thể</a:t>
             </a:r>
             <a:endParaRPr lang="en-GB" sz="2800">
               <a:solidFill>
@@ -35631,10 +35354,10 @@
       </p:cxnSp>
       <p:sp>
         <p:nvSpPr>
-          <p:cNvPr id="43" name="Rectangle 42">
+          <p:cNvPr id="10" name="Rectangle 9">
             <a:extLst>
               <a:ext uri="{FF2B5EF4-FFF2-40B4-BE49-F238E27FC236}">
-                <a16:creationId xmlns:a16="http://schemas.microsoft.com/office/drawing/2014/main" id="{2839AA47-6FDC-43DE-A9F8-1316A9972A6F}"/>
+                <a16:creationId xmlns:a16="http://schemas.microsoft.com/office/drawing/2014/main" id="{E5AA295F-E16C-4B56-9A03-147BE04A5473}"/>
               </a:ext>
             </a:extLst>
           </p:cNvPr>
@@ -35643,8 +35366,8 @@
         </p:nvSpPr>
         <p:spPr>
           <a:xfrm>
-            <a:off x="410965" y="1002662"/>
-            <a:ext cx="9011331" cy="461665"/>
+            <a:off x="-105871" y="1018653"/>
+            <a:ext cx="6347645" cy="461665"/>
           </a:xfrm>
           <a:prstGeom prst="rect">
             <a:avLst/>
@@ -35656,217 +35379,64 @@
           </a:bodyPr>
           <a:lstStyle/>
           <a:p>
-            <a:r>
-              <a:rPr lang="en-GB" sz="2400" err="1">
-                <a:solidFill>
-                  <a:schemeClr val="bg2"/>
-                </a:solidFill>
-              </a:rPr>
-              <a:t>Hệ</a:t>
-            </a:r>
+            <a:pPr indent="457200" algn="just"/>
             <a:r>
               <a:rPr lang="en-GB" sz="2400">
                 <a:solidFill>
-                  <a:schemeClr val="bg2"/>
+                  <a:schemeClr val="bg1"/>
                 </a:solidFill>
               </a:rPr>
-              <a:t> </a:t>
-            </a:r>
-            <a:r>
-              <a:rPr lang="en-GB" sz="2400" err="1">
-                <a:solidFill>
-                  <a:schemeClr val="bg2"/>
-                </a:solidFill>
-              </a:rPr>
-              <a:t>thống</a:t>
-            </a:r>
-            <a:r>
-              <a:rPr lang="en-GB" sz="2400">
-                <a:solidFill>
-                  <a:schemeClr val="bg2"/>
-                </a:solidFill>
-              </a:rPr>
-              <a:t> </a:t>
-            </a:r>
-            <a:r>
-              <a:rPr lang="en-GB" sz="2400" err="1">
-                <a:solidFill>
-                  <a:schemeClr val="bg2"/>
-                </a:solidFill>
-              </a:rPr>
-              <a:t>đáp</a:t>
-            </a:r>
-            <a:r>
-              <a:rPr lang="en-GB" sz="2400">
-                <a:solidFill>
-                  <a:schemeClr val="bg2"/>
-                </a:solidFill>
-              </a:rPr>
-              <a:t> </a:t>
-            </a:r>
-            <a:r>
-              <a:rPr lang="en-GB" sz="2400" err="1">
-                <a:solidFill>
-                  <a:schemeClr val="bg2"/>
-                </a:solidFill>
-              </a:rPr>
-              <a:t>ứng</a:t>
-            </a:r>
-            <a:r>
-              <a:rPr lang="en-GB" sz="2400">
-                <a:solidFill>
-                  <a:schemeClr val="bg2"/>
-                </a:solidFill>
-              </a:rPr>
-              <a:t> </a:t>
-            </a:r>
-            <a:r>
-              <a:rPr lang="en-GB" sz="2400" err="1">
-                <a:solidFill>
-                  <a:schemeClr val="bg2"/>
-                </a:solidFill>
-              </a:rPr>
-              <a:t>được</a:t>
-            </a:r>
-            <a:r>
-              <a:rPr lang="en-GB" sz="2400">
-                <a:solidFill>
-                  <a:schemeClr val="bg2"/>
-                </a:solidFill>
-              </a:rPr>
-              <a:t> </a:t>
-            </a:r>
-            <a:r>
-              <a:rPr lang="en-GB" sz="2400" err="1">
-                <a:solidFill>
-                  <a:schemeClr val="bg2"/>
-                </a:solidFill>
-              </a:rPr>
-              <a:t>những</a:t>
-            </a:r>
-            <a:r>
-              <a:rPr lang="en-GB" sz="2400">
-                <a:solidFill>
-                  <a:schemeClr val="bg2"/>
-                </a:solidFill>
-              </a:rPr>
-              <a:t> </a:t>
-            </a:r>
-            <a:r>
-              <a:rPr lang="en-GB" sz="2400" err="1">
-                <a:solidFill>
-                  <a:schemeClr val="bg2"/>
-                </a:solidFill>
-              </a:rPr>
-              <a:t>yêu</a:t>
-            </a:r>
-            <a:r>
-              <a:rPr lang="en-GB" sz="2400">
-                <a:solidFill>
-                  <a:schemeClr val="bg2"/>
-                </a:solidFill>
-              </a:rPr>
-              <a:t> </a:t>
-            </a:r>
-            <a:r>
-              <a:rPr lang="en-GB" sz="2400" err="1">
-                <a:solidFill>
-                  <a:schemeClr val="bg2"/>
-                </a:solidFill>
-              </a:rPr>
-              <a:t>cầu</a:t>
-            </a:r>
-            <a:r>
-              <a:rPr lang="en-GB" sz="2400">
-                <a:solidFill>
-                  <a:schemeClr val="bg2"/>
-                </a:solidFill>
-              </a:rPr>
-              <a:t> </a:t>
-            </a:r>
-            <a:r>
-              <a:rPr lang="en-GB" sz="2400" err="1">
-                <a:solidFill>
-                  <a:schemeClr val="bg2"/>
-                </a:solidFill>
-              </a:rPr>
-              <a:t>mà</a:t>
-            </a:r>
-            <a:r>
-              <a:rPr lang="en-GB" sz="2400">
-                <a:solidFill>
-                  <a:schemeClr val="bg2"/>
-                </a:solidFill>
-              </a:rPr>
-              <a:t> </a:t>
-            </a:r>
-            <a:r>
-              <a:rPr lang="en-GB" sz="2400" err="1">
-                <a:solidFill>
-                  <a:schemeClr val="bg2"/>
-                </a:solidFill>
-              </a:rPr>
-              <a:t>Công</a:t>
-            </a:r>
-            <a:r>
-              <a:rPr lang="en-GB" sz="2400">
-                <a:solidFill>
-                  <a:schemeClr val="bg2"/>
-                </a:solidFill>
-              </a:rPr>
-              <a:t> ty </a:t>
-            </a:r>
-            <a:r>
-              <a:rPr lang="en-GB" sz="2400" err="1">
-                <a:solidFill>
-                  <a:schemeClr val="bg2"/>
-                </a:solidFill>
-              </a:rPr>
-              <a:t>Devmoba</a:t>
-            </a:r>
-            <a:r>
-              <a:rPr lang="en-GB" sz="2400">
-                <a:solidFill>
-                  <a:schemeClr val="bg2"/>
-                </a:solidFill>
-              </a:rPr>
-              <a:t> </a:t>
-            </a:r>
-            <a:r>
-              <a:rPr lang="en-GB" sz="2400" err="1">
-                <a:solidFill>
-                  <a:schemeClr val="bg2"/>
-                </a:solidFill>
-              </a:rPr>
-              <a:t>đã</a:t>
-            </a:r>
-            <a:r>
-              <a:rPr lang="en-GB" sz="2400">
-                <a:solidFill>
-                  <a:schemeClr val="bg2"/>
-                </a:solidFill>
-              </a:rPr>
-              <a:t> </a:t>
-            </a:r>
-            <a:r>
-              <a:rPr lang="en-GB" sz="2400" err="1">
-                <a:solidFill>
-                  <a:schemeClr val="bg2"/>
-                </a:solidFill>
-              </a:rPr>
-              <a:t>đề</a:t>
-            </a:r>
-            <a:r>
-              <a:rPr lang="en-GB" sz="2400">
-                <a:solidFill>
-                  <a:schemeClr val="bg2"/>
-                </a:solidFill>
-              </a:rPr>
-              <a:t> ra.</a:t>
+              <a:t>Sơ đồ trạng thái sự tương tác của hệ thống:</a:t>
             </a:r>
           </a:p>
         </p:txBody>
       </p:sp>
+      <p:pic>
+        <p:nvPicPr>
+          <p:cNvPr id="3" name="Picture 2" descr="Diagram&#10;&#10;Description automatically generated">
+            <a:extLst>
+              <a:ext uri="{FF2B5EF4-FFF2-40B4-BE49-F238E27FC236}">
+                <a16:creationId xmlns:a16="http://schemas.microsoft.com/office/drawing/2014/main" id="{629045CE-722A-40F3-B38D-7D0C81F76B5E}"/>
+              </a:ext>
+            </a:extLst>
+          </p:cNvPr>
+          <p:cNvPicPr>
+            <a:picLocks noChangeAspect="1"/>
+          </p:cNvPicPr>
+          <p:nvPr/>
+        </p:nvPicPr>
+        <p:blipFill>
+          <a:blip r:embed="rId2">
+            <a:extLst>
+              <a:ext uri="{28A0092B-C50C-407E-A947-70E740481C1C}">
+                <a14:useLocalDpi xmlns:a14="http://schemas.microsoft.com/office/drawing/2010/main" val="0"/>
+              </a:ext>
+            </a:extLst>
+          </a:blip>
+          <a:stretch>
+            <a:fillRect/>
+          </a:stretch>
+        </p:blipFill>
+        <p:spPr>
+          <a:xfrm>
+            <a:off x="2138362" y="1632850"/>
+            <a:ext cx="7915275" cy="4676775"/>
+          </a:xfrm>
+          <a:prstGeom prst="rect">
+            <a:avLst/>
+          </a:prstGeom>
+          <a:ln>
+            <a:noFill/>
+          </a:ln>
+          <a:effectLst>
+            <a:outerShdw blurRad="190500" algn="tl" rotWithShape="0">
+              <a:srgbClr val="000000">
+                <a:alpha val="70000"/>
+              </a:srgbClr>
+            </a:outerShdw>
+          </a:effectLst>
+        </p:spPr>
+      </p:pic>
     </p:spTree>
     <p:extLst>
       <p:ext uri="{BB962C8B-B14F-4D97-AF65-F5344CB8AC3E}">
@@ -35926,7 +35496,7 @@
                                           </p:stCondLst>
                                         </p:cTn>
                                         <p:tgtEl>
-                                          <p:spTgt spid="43"/>
+                                          <p:spTgt spid="10"/>
                                         </p:tgtEl>
                                         <p:attrNameLst>
                                           <p:attrName>style.visibility</p:attrName>
@@ -35940,7 +35510,51 @@
                                       <p:cBhvr>
                                         <p:cTn id="7" dur="500"/>
                                         <p:tgtEl>
-                                          <p:spTgt spid="43"/>
+                                          <p:spTgt spid="10"/>
+                                        </p:tgtEl>
+                                      </p:cBhvr>
+                                    </p:animEffect>
+                                  </p:childTnLst>
+                                </p:cTn>
+                              </p:par>
+                            </p:childTnLst>
+                          </p:cTn>
+                        </p:par>
+                        <p:par>
+                          <p:cTn id="8" fill="hold">
+                            <p:stCondLst>
+                              <p:cond delay="500"/>
+                            </p:stCondLst>
+                            <p:childTnLst>
+                              <p:par>
+                                <p:cTn id="9" presetID="10" presetClass="entr" presetSubtype="0" fill="hold" nodeType="afterEffect">
+                                  <p:stCondLst>
+                                    <p:cond delay="0"/>
+                                  </p:stCondLst>
+                                  <p:childTnLst>
+                                    <p:set>
+                                      <p:cBhvr>
+                                        <p:cTn id="10" dur="1" fill="hold">
+                                          <p:stCondLst>
+                                            <p:cond delay="0"/>
+                                          </p:stCondLst>
+                                        </p:cTn>
+                                        <p:tgtEl>
+                                          <p:spTgt spid="3"/>
+                                        </p:tgtEl>
+                                        <p:attrNameLst>
+                                          <p:attrName>style.visibility</p:attrName>
+                                        </p:attrNameLst>
+                                      </p:cBhvr>
+                                      <p:to>
+                                        <p:strVal val="visible"/>
+                                      </p:to>
+                                    </p:set>
+                                    <p:animEffect transition="in" filter="fade">
+                                      <p:cBhvr>
+                                        <p:cTn id="11" dur="500"/>
+                                        <p:tgtEl>
+                                          <p:spTgt spid="3"/>
                                         </p:tgtEl>
                                       </p:cBhvr>
                                     </p:animEffect>
@@ -35975,7 +35589,7 @@
       </p:par>
     </p:tnLst>
     <p:bldLst>
-      <p:bldP spid="43" grpId="0"/>
+      <p:bldP spid="10" grpId="0"/>
     </p:bldLst>
   </p:timing>
 </p:sld>

--- a/documents/implementations/slide.pptx
+++ b/documents/implementations/slide.pptx
@@ -246,7 +246,7 @@
           <a:p>
             <a:fld id="{B2C7E6CC-5E4C-41B2-A18A-C409A4EF0C6D}" type="datetimeFigureOut">
               <a:rPr lang="en-GB" smtClean="0"/>
-              <a:t>28/07/2021</a:t>
+              <a:t>30/07/2021</a:t>
             </a:fld>
             <a:endParaRPr lang="en-GB"/>
           </a:p>
@@ -411,7 +411,7 @@
           <a:p>
             <a:fld id="{E55DBDE7-167E-4028-A642-6B042A3B7493}" type="datetimeFigureOut">
               <a:rPr lang="en-GB" smtClean="0"/>
-              <a:t>28/07/2021</a:t>
+              <a:t>30/07/2021</a:t>
             </a:fld>
             <a:endParaRPr lang="en-GB"/>
           </a:p>
@@ -810,7 +810,7 @@
           <a:p>
             <a:fld id="{0D3A64B9-43C6-4740-9233-25FE31C93551}" type="datetime1">
               <a:rPr lang="en-GB" smtClean="0"/>
-              <a:t>28/07/2021</a:t>
+              <a:t>30/07/2021</a:t>
             </a:fld>
             <a:endParaRPr lang="en-GB"/>
           </a:p>
@@ -950,7 +950,7 @@
           <a:p>
             <a:fld id="{2991C76E-95A4-481C-B644-60C17165748C}" type="datetime1">
               <a:rPr lang="en-GB" smtClean="0"/>
-              <a:t>28/07/2021</a:t>
+              <a:t>30/07/2021</a:t>
             </a:fld>
             <a:endParaRPr lang="en-GB"/>
           </a:p>
@@ -1145,7 +1145,7 @@
           <a:p>
             <a:fld id="{DE9E49AE-0BAD-4977-890B-E9293724A2C9}" type="datetime1">
               <a:rPr lang="en-GB" smtClean="0"/>
-              <a:t>28/07/2021</a:t>
+              <a:t>30/07/2021</a:t>
             </a:fld>
             <a:endParaRPr lang="en-GB"/>
           </a:p>
@@ -2299,7 +2299,7 @@
           <a:p>
             <a:fld id="{0893F22B-7419-4E9E-BCAE-3AB991D34267}" type="datetime1">
               <a:rPr lang="en-GB" smtClean="0"/>
-              <a:t>28/07/2021</a:t>
+              <a:t>30/07/2021</a:t>
             </a:fld>
             <a:endParaRPr lang="en-GB"/>
           </a:p>
@@ -2758,7 +2758,7 @@
           <a:p>
             <a:fld id="{42C7AB29-8774-4541-AF25-26699B336B1B}" type="datetime1">
               <a:rPr lang="en-GB" smtClean="0"/>
-              <a:t>28/07/2021</a:t>
+              <a:t>30/07/2021</a:t>
             </a:fld>
             <a:endParaRPr lang="en-GB"/>
           </a:p>
@@ -3005,7 +3005,7 @@
           <a:p>
             <a:fld id="{51612E1E-7F9C-4990-86A0-C51623A594BB}" type="datetime1">
               <a:rPr lang="en-GB" smtClean="0"/>
-              <a:t>28/07/2021</a:t>
+              <a:t>30/07/2021</a:t>
             </a:fld>
             <a:endParaRPr lang="en-GB"/>
           </a:p>
@@ -4259,7 +4259,7 @@
           <a:p>
             <a:fld id="{C33BF2D8-D421-4A3E-B93F-18FE5B4B2913}" type="datetime1">
               <a:rPr lang="en-GB" smtClean="0"/>
-              <a:t>28/07/2021</a:t>
+              <a:t>30/07/2021</a:t>
             </a:fld>
             <a:endParaRPr lang="en-GB"/>
           </a:p>
@@ -4482,7 +4482,7 @@
           <a:p>
             <a:fld id="{93C39E0A-C4A0-4F06-A140-84534E6236ED}" type="datetime1">
               <a:rPr lang="en-GB" smtClean="0"/>
-              <a:t>28/07/2021</a:t>
+              <a:t>30/07/2021</a:t>
             </a:fld>
             <a:endParaRPr lang="en-GB"/>
           </a:p>
@@ -4679,7 +4679,7 @@
           <a:p>
             <a:fld id="{0C05F4B1-4D31-4E3A-ACB2-82E0718073DD}" type="datetime1">
               <a:rPr lang="en-GB" smtClean="0"/>
-              <a:t>28/07/2021</a:t>
+              <a:t>30/07/2021</a:t>
             </a:fld>
             <a:endParaRPr lang="en-GB"/>
           </a:p>
@@ -5738,7 +5738,7 @@
             </a:ln>
             <a:extLst>
               <a:ext uri="{91240B29-F687-4f45-9708-019B960494DF}">
-                <a14:hiddenLine xmlns:a14="http://schemas.microsoft.com/office/drawing/2010/main" xmlns="" w="9525">
+                <a14:hiddenLine xmlns="" xmlns:a14="http://schemas.microsoft.com/office/drawing/2010/main" w="9525">
                   <a:solidFill>
                     <a:srgbClr val="000000"/>
                   </a:solidFill>
@@ -6536,7 +6536,7 @@
               </a:ln>
               <a:extLst>
                 <a:ext uri="{91240B29-F687-4f45-9708-019B960494DF}">
-                  <a14:hiddenLine xmlns:a14="http://schemas.microsoft.com/office/drawing/2010/main" xmlns="" w="9525">
+                  <a14:hiddenLine xmlns="" xmlns:a14="http://schemas.microsoft.com/office/drawing/2010/main" w="9525">
                     <a:solidFill>
                       <a:srgbClr val="000000"/>
                     </a:solidFill>
@@ -6706,7 +6706,7 @@
               </a:ln>
               <a:extLst>
                 <a:ext uri="{91240B29-F687-4f45-9708-019B960494DF}">
-                  <a14:hiddenLine xmlns:a14="http://schemas.microsoft.com/office/drawing/2010/main" xmlns="" w="9525">
+                  <a14:hiddenLine xmlns="" xmlns:a14="http://schemas.microsoft.com/office/drawing/2010/main" w="9525">
                     <a:solidFill>
                       <a:srgbClr val="000000"/>
                     </a:solidFill>
@@ -7023,7 +7023,7 @@
               </a:ln>
               <a:extLst>
                 <a:ext uri="{91240B29-F687-4f45-9708-019B960494DF}">
-                  <a14:hiddenLine xmlns:a14="http://schemas.microsoft.com/office/drawing/2010/main" xmlns="" w="9525">
+                  <a14:hiddenLine xmlns="" xmlns:a14="http://schemas.microsoft.com/office/drawing/2010/main" w="9525">
                     <a:solidFill>
                       <a:srgbClr val="000000"/>
                     </a:solidFill>
@@ -7251,7 +7251,7 @@
               </a:ln>
               <a:extLst>
                 <a:ext uri="{91240B29-F687-4f45-9708-019B960494DF}">
-                  <a14:hiddenLine xmlns:a14="http://schemas.microsoft.com/office/drawing/2010/main" xmlns="" w="9525">
+                  <a14:hiddenLine xmlns="" xmlns:a14="http://schemas.microsoft.com/office/drawing/2010/main" w="9525">
                     <a:solidFill>
                       <a:srgbClr val="000000"/>
                     </a:solidFill>
@@ -7829,7 +7829,7 @@
               </a:ln>
               <a:extLst>
                 <a:ext uri="{91240B29-F687-4f45-9708-019B960494DF}">
-                  <a14:hiddenLine xmlns:a14="http://schemas.microsoft.com/office/drawing/2010/main" xmlns="" w="9525">
+                  <a14:hiddenLine xmlns="" xmlns:a14="http://schemas.microsoft.com/office/drawing/2010/main" w="9525">
                     <a:solidFill>
                       <a:srgbClr val="000000"/>
                     </a:solidFill>
@@ -8166,7 +8166,7 @@
               </a:ln>
               <a:extLst>
                 <a:ext uri="{91240B29-F687-4f45-9708-019B960494DF}">
-                  <a14:hiddenLine xmlns:a14="http://schemas.microsoft.com/office/drawing/2010/main" xmlns="" w="9525">
+                  <a14:hiddenLine xmlns="" xmlns:a14="http://schemas.microsoft.com/office/drawing/2010/main" w="9525">
                     <a:solidFill>
                       <a:srgbClr val="000000"/>
                     </a:solidFill>
@@ -9151,7 +9151,7 @@
             </a:ln>
             <a:extLst>
               <a:ext uri="{91240B29-F687-4f45-9708-019B960494DF}">
-                <a14:hiddenLine xmlns:a14="http://schemas.microsoft.com/office/drawing/2010/main" xmlns="" w="9525">
+                <a14:hiddenLine xmlns="" xmlns:a14="http://schemas.microsoft.com/office/drawing/2010/main" w="9525">
                   <a:solidFill>
                     <a:srgbClr val="000000"/>
                   </a:solidFill>
@@ -9481,7 +9481,7 @@
             </a:ln>
             <a:extLst>
               <a:ext uri="{91240B29-F687-4f45-9708-019B960494DF}">
-                <a14:hiddenLine xmlns:a14="http://schemas.microsoft.com/office/drawing/2010/main" xmlns="" w="9525">
+                <a14:hiddenLine xmlns="" xmlns:a14="http://schemas.microsoft.com/office/drawing/2010/main" w="9525">
                   <a:solidFill>
                     <a:srgbClr val="000000"/>
                   </a:solidFill>
@@ -9904,7 +9904,7 @@
             </a:ln>
             <a:extLst>
               <a:ext uri="{91240B29-F687-4f45-9708-019B960494DF}">
-                <a14:hiddenLine xmlns:a14="http://schemas.microsoft.com/office/drawing/2010/main" xmlns="" w="9525">
+                <a14:hiddenLine xmlns="" xmlns:a14="http://schemas.microsoft.com/office/drawing/2010/main" w="9525">
                   <a:solidFill>
                     <a:srgbClr val="000000"/>
                   </a:solidFill>
@@ -10129,7 +10129,7 @@
               </a:ln>
               <a:extLst>
                 <a:ext uri="{91240B29-F687-4f45-9708-019B960494DF}">
-                  <a14:hiddenLine xmlns:a14="http://schemas.microsoft.com/office/drawing/2010/main" xmlns="" w="9525">
+                  <a14:hiddenLine xmlns="" xmlns:a14="http://schemas.microsoft.com/office/drawing/2010/main" w="9525">
                     <a:solidFill>
                       <a:srgbClr val="000000"/>
                     </a:solidFill>
@@ -10180,7 +10180,7 @@
               </a:ln>
               <a:extLst>
                 <a:ext uri="{91240B29-F687-4f45-9708-019B960494DF}">
-                  <a14:hiddenLine xmlns:a14="http://schemas.microsoft.com/office/drawing/2010/main" xmlns="" w="9525">
+                  <a14:hiddenLine xmlns="" xmlns:a14="http://schemas.microsoft.com/office/drawing/2010/main" w="9525">
                     <a:solidFill>
                       <a:srgbClr val="000000"/>
                     </a:solidFill>
@@ -10476,7 +10476,7 @@
               </a:ln>
               <a:extLst>
                 <a:ext uri="{91240B29-F687-4f45-9708-019B960494DF}">
-                  <a14:hiddenLine xmlns:a14="http://schemas.microsoft.com/office/drawing/2010/main" xmlns="" w="9525">
+                  <a14:hiddenLine xmlns="" xmlns:a14="http://schemas.microsoft.com/office/drawing/2010/main" w="9525">
                     <a:solidFill>
                       <a:srgbClr val="000000"/>
                     </a:solidFill>
@@ -10578,7 +10578,7 @@
               </a:ln>
               <a:extLst>
                 <a:ext uri="{91240B29-F687-4f45-9708-019B960494DF}">
-                  <a14:hiddenLine xmlns:a14="http://schemas.microsoft.com/office/drawing/2010/main" xmlns="" w="9525">
+                  <a14:hiddenLine xmlns="" xmlns:a14="http://schemas.microsoft.com/office/drawing/2010/main" w="9525">
                     <a:solidFill>
                       <a:srgbClr val="000000"/>
                     </a:solidFill>
@@ -10916,7 +10916,7 @@
               </a:ln>
               <a:extLst>
                 <a:ext uri="{91240B29-F687-4f45-9708-019B960494DF}">
-                  <a14:hiddenLine xmlns:a14="http://schemas.microsoft.com/office/drawing/2010/main" xmlns="" w="9525">
+                  <a14:hiddenLine xmlns="" xmlns:a14="http://schemas.microsoft.com/office/drawing/2010/main" w="9525">
                     <a:solidFill>
                       <a:srgbClr val="000000"/>
                     </a:solidFill>
@@ -11297,7 +11297,7 @@
             </a:ln>
             <a:extLst>
               <a:ext uri="{91240B29-F687-4f45-9708-019B960494DF}">
-                <a14:hiddenLine xmlns:a14="http://schemas.microsoft.com/office/drawing/2010/main" xmlns="" w="9525">
+                <a14:hiddenLine xmlns="" xmlns:a14="http://schemas.microsoft.com/office/drawing/2010/main" w="9525">
                   <a:solidFill>
                     <a:srgbClr val="000000"/>
                   </a:solidFill>
@@ -11677,7 +11677,7 @@
             </a:ln>
             <a:extLst>
               <a:ext uri="{91240B29-F687-4f45-9708-019B960494DF}">
-                <a14:hiddenLine xmlns:a14="http://schemas.microsoft.com/office/drawing/2010/main" xmlns="" w="9525">
+                <a14:hiddenLine xmlns="" xmlns:a14="http://schemas.microsoft.com/office/drawing/2010/main" w="9525">
                   <a:solidFill>
                     <a:srgbClr val="000000"/>
                   </a:solidFill>
@@ -13384,7 +13384,7 @@
               </a:ln>
               <a:extLst>
                 <a:ext uri="{91240B29-F687-4f45-9708-019B960494DF}">
-                  <a14:hiddenLine xmlns:a14="http://schemas.microsoft.com/office/drawing/2010/main" xmlns="" w="9525">
+                  <a14:hiddenLine xmlns="" xmlns:a14="http://schemas.microsoft.com/office/drawing/2010/main" w="9525">
                     <a:solidFill>
                       <a:srgbClr val="000000"/>
                     </a:solidFill>
@@ -13614,7 +13614,7 @@
               </a:ln>
               <a:extLst>
                 <a:ext uri="{91240B29-F687-4f45-9708-019B960494DF}">
-                  <a14:hiddenLine xmlns:a14="http://schemas.microsoft.com/office/drawing/2010/main" xmlns="" w="9525">
+                  <a14:hiddenLine xmlns="" xmlns:a14="http://schemas.microsoft.com/office/drawing/2010/main" w="9525">
                     <a:solidFill>
                       <a:srgbClr val="000000"/>
                     </a:solidFill>
@@ -15717,7 +15717,7 @@
               <a:effectLst/>
               <a:extLst>
                 <a:ext uri="{91240B29-F687-4f45-9708-019B960494DF}">
-                  <a14:hiddenLine xmlns:a14="http://schemas.microsoft.com/office/drawing/2010/main" xmlns="" w="9525" cap="flat">
+                  <a14:hiddenLine xmlns="" xmlns:a14="http://schemas.microsoft.com/office/drawing/2010/main" w="9525" cap="flat">
                     <a:solidFill>
                       <a:srgbClr val="808080"/>
                     </a:solidFill>
@@ -15727,7 +15727,7 @@
                   </a14:hiddenLine>
                 </a:ext>
                 <a:ext uri="{AF507438-7753-43e0-B8FC-AC1667EBCBE1}">
-                  <a14:hiddenEffects xmlns:a14="http://schemas.microsoft.com/office/drawing/2010/main" xmlns="">
+                  <a14:hiddenEffects xmlns="" xmlns:a14="http://schemas.microsoft.com/office/drawing/2010/main">
                     <a:effectLst>
                       <a:outerShdw blurRad="63500" dist="38099" dir="2700000" algn="ctr" rotWithShape="0">
                         <a:srgbClr val="000000">
@@ -15855,7 +15855,7 @@
               <a:effectLst/>
               <a:extLst>
                 <a:ext uri="{91240B29-F687-4f45-9708-019B960494DF}">
-                  <a14:hiddenLine xmlns:a14="http://schemas.microsoft.com/office/drawing/2010/main" xmlns="" w="9525" cap="flat">
+                  <a14:hiddenLine xmlns="" xmlns:a14="http://schemas.microsoft.com/office/drawing/2010/main" w="9525" cap="flat">
                     <a:solidFill>
                       <a:srgbClr val="808080"/>
                     </a:solidFill>
@@ -15865,7 +15865,7 @@
                   </a14:hiddenLine>
                 </a:ext>
                 <a:ext uri="{AF507438-7753-43e0-B8FC-AC1667EBCBE1}">
-                  <a14:hiddenEffects xmlns:a14="http://schemas.microsoft.com/office/drawing/2010/main" xmlns="">
+                  <a14:hiddenEffects xmlns="" xmlns:a14="http://schemas.microsoft.com/office/drawing/2010/main">
                     <a:effectLst>
                       <a:outerShdw blurRad="63500" dist="38099" dir="2700000" algn="ctr" rotWithShape="0">
                         <a:srgbClr val="000000">
@@ -17866,7 +17866,7 @@
         </p:nvSpPr>
         <p:spPr>
           <a:xfrm>
-            <a:off x="0" y="329650"/>
+            <a:off x="0" y="316398"/>
             <a:ext cx="12192000" cy="6172198"/>
           </a:xfrm>
           <a:prstGeom prst="rect">
@@ -18165,7 +18165,7 @@
         </p:nvSpPr>
         <p:spPr>
           <a:xfrm>
-            <a:off x="410965" y="1002332"/>
+            <a:off x="410965" y="995211"/>
             <a:ext cx="11159849" cy="830997"/>
           </a:xfrm>
           <a:prstGeom prst="rect">
@@ -18185,7 +18185,7 @@
                   <a:schemeClr val="bg2"/>
                 </a:solidFill>
               </a:rPr>
-              <a:t>SignalR có vai trò giữ kết nối và trao đổi thông điệp giữa các máy client với hệ thống quản lý trạng thái ứng dụng. </a:t>
+              <a:t>SignalR có vai trò giữ kết nối và trao đổi thông điệp giữa các máy client với hệ thống kiểm soát trạng thái ứng dụng. </a:t>
             </a:r>
           </a:p>
         </p:txBody>
@@ -18592,7 +18592,7 @@
         </p:nvSpPr>
         <p:spPr>
           <a:xfrm>
-            <a:off x="0" y="329650"/>
+            <a:off x="0" y="316398"/>
             <a:ext cx="12192000" cy="6172198"/>
           </a:xfrm>
           <a:prstGeom prst="rect">
@@ -18735,7 +18735,7 @@
         <p:spPr>
           <a:xfrm>
             <a:off x="410965" y="1002662"/>
-            <a:ext cx="5433244" cy="1569660"/>
+            <a:ext cx="5433244" cy="830997"/>
           </a:xfrm>
           <a:prstGeom prst="rect">
             <a:avLst/>
@@ -18754,7 +18754,7 @@
                   <a:schemeClr val="bg2"/>
                 </a:solidFill>
               </a:rPr>
-              <a:t>ClearScript là một thư viện cho phép thêm các tập lệnh vào ứng dụng .NET. ClearScript sẽ biên dịch và thực thi mã Javascript</a:t>
+              <a:t>ClearScript sẽ biên dịch và thực thi mã Javascript</a:t>
             </a:r>
             <a:endParaRPr lang="en-GB" sz="2400">
               <a:solidFill>
@@ -18793,50 +18793,6 @@
           <a:p>
             <a:pPr indent="457200"/>
             <a:endParaRPr lang="en-GB" sz="2400"/>
-          </a:p>
-        </p:txBody>
-      </p:sp>
-      <p:sp>
-        <p:nvSpPr>
-          <p:cNvPr id="10" name="Rectangle 9">
-            <a:extLst>
-              <a:ext uri="{FF2B5EF4-FFF2-40B4-BE49-F238E27FC236}">
-                <a16:creationId xmlns:a16="http://schemas.microsoft.com/office/drawing/2014/main" id="{C447FD4C-AEE8-4AF3-8EB5-4571E9B13276}"/>
-              </a:ext>
-            </a:extLst>
-          </p:cNvPr>
-          <p:cNvSpPr/>
-          <p:nvPr/>
-        </p:nvSpPr>
-        <p:spPr>
-          <a:xfrm>
-            <a:off x="393999" y="1970200"/>
-            <a:ext cx="5433244" cy="461665"/>
-          </a:xfrm>
-          <a:prstGeom prst="rect">
-            <a:avLst/>
-          </a:prstGeom>
-        </p:spPr>
-        <p:txBody>
-          <a:bodyPr wrap="square">
-            <a:spAutoFit/>
-          </a:bodyPr>
-          <a:lstStyle/>
-          <a:p>
-            <a:pPr indent="457200" algn="just"/>
-            <a:r>
-              <a:rPr lang="en-GB" sz="2400">
-                <a:solidFill>
-                  <a:schemeClr val="bg2"/>
-                </a:solidFill>
-              </a:rPr>
-              <a:t>.</a:t>
-            </a:r>
-            <a:endParaRPr lang="en-GB" sz="2400">
-              <a:solidFill>
-                <a:schemeClr val="bg1"/>
-              </a:solidFill>
-            </a:endParaRPr>
           </a:p>
         </p:txBody>
       </p:sp>
@@ -18884,7 +18840,7 @@
         </p:nvSpPr>
         <p:spPr>
           <a:xfrm>
-            <a:off x="410965" y="2761515"/>
+            <a:off x="393999" y="1859339"/>
             <a:ext cx="5433244" cy="1569660"/>
           </a:xfrm>
           <a:prstGeom prst="rect">
@@ -18920,7 +18876,7 @@
                   <a:schemeClr val="bg1"/>
                 </a:solidFill>
               </a:rPr>
-              <a:t>để thực thi các script được gửi từ hệ thống quản lý trạng thái ứng dụng.</a:t>
+              <a:t>để thực thi các script được gửi từ hệ thống kiểm soát trạng thái ứng dụng.</a:t>
             </a:r>
           </a:p>
         </p:txBody>
@@ -19037,7 +18993,7 @@
                                           </p:stCondLst>
                                         </p:cTn>
                                         <p:tgtEl>
-                                          <p:spTgt spid="10"/>
+                                          <p:spTgt spid="14"/>
                                         </p:tgtEl>
                                         <p:attrNameLst>
                                           <p:attrName>style.visibility</p:attrName>
@@ -19050,59 +19006,6 @@
                                     <p:animEffect transition="in" filter="fade">
                                       <p:cBhvr>
                                         <p:cTn id="12" dur="500"/>
-                                        <p:tgtEl>
-                                          <p:spTgt spid="10"/>
-                                        </p:tgtEl>
-                                      </p:cBhvr>
-                                    </p:animEffect>
-                                  </p:childTnLst>
-                                </p:cTn>
-                              </p:par>
-                            </p:childTnLst>
-                          </p:cTn>
-                        </p:par>
-                      </p:childTnLst>
-                    </p:cTn>
-                  </p:par>
-                  <p:par>
-                    <p:cTn id="13" fill="hold">
-                      <p:stCondLst>
-                        <p:cond delay="indefinite"/>
-                      </p:stCondLst>
-                      <p:childTnLst>
-                        <p:par>
-                          <p:cTn id="14" fill="hold">
-                            <p:stCondLst>
-                              <p:cond delay="0"/>
-                            </p:stCondLst>
-                            <p:childTnLst>
-                              <p:par>
-                                <p:cTn id="15" presetID="10" presetClass="entr" presetSubtype="0" fill="hold" grpId="0" nodeType="clickEffect">
-                                  <p:stCondLst>
-                                    <p:cond delay="0"/>
-                                  </p:stCondLst>
-                                  <p:childTnLst>
-                                    <p:set>
-                                      <p:cBhvr>
-                                        <p:cTn id="16" dur="1" fill="hold">
-                                          <p:stCondLst>
-                                            <p:cond delay="0"/>
-                                          </p:stCondLst>
-                                        </p:cTn>
-                                        <p:tgtEl>
-                                          <p:spTgt spid="14"/>
-                                        </p:tgtEl>
-                                        <p:attrNameLst>
-                                          <p:attrName>style.visibility</p:attrName>
-                                        </p:attrNameLst>
-                                      </p:cBhvr>
-                                      <p:to>
-                                        <p:strVal val="visible"/>
-                                      </p:to>
-                                    </p:set>
-                                    <p:animEffect transition="in" filter="fade">
-                                      <p:cBhvr>
-                                        <p:cTn id="17" dur="500"/>
                                         <p:tgtEl>
                                           <p:spTgt spid="14"/>
                                         </p:tgtEl>
@@ -19140,7 +19043,6 @@
     </p:tnLst>
     <p:bldLst>
       <p:bldP spid="7" grpId="0"/>
-      <p:bldP spid="10" grpId="0"/>
       <p:bldP spid="14" grpId="0"/>
     </p:bldLst>
   </p:timing>
@@ -19220,7 +19122,7 @@
         </p:nvSpPr>
         <p:spPr>
           <a:xfrm>
-            <a:off x="0" y="329650"/>
+            <a:off x="0" y="316398"/>
             <a:ext cx="12192000" cy="6172198"/>
           </a:xfrm>
           <a:prstGeom prst="rect">
@@ -19533,7 +19435,7 @@
                   <a:schemeClr val="bg1"/>
                 </a:solidFill>
               </a:rPr>
-              <a:t>ABP có thể tích hợp nhiều hệ quản trị CSDL như SQL Server, MongoDB, Dapper;</a:t>
+              <a:t>ABP có thể tích hợp nhiều hệ quản trị CSDL như SQL Server, MongoDB;</a:t>
             </a:r>
           </a:p>
           <a:p>
@@ -19547,7 +19449,7 @@
                   <a:schemeClr val="bg1"/>
                 </a:solidFill>
               </a:rPr>
-              <a:t>Fontend có thể tích hợp Razor Page, Blazor, Angular.</a:t>
+              <a:t>Frontend có thể tích hợp Razor Page, Blazor, Angular.</a:t>
             </a:r>
           </a:p>
         </p:txBody>
@@ -19589,49 +19491,7 @@
                   <a:schemeClr val="bg1"/>
                 </a:solidFill>
               </a:rPr>
-              <a:t>Cơ chế của framework được tách theo từng module dễ quản lý, maintain, code mạch lạc, các chức năng có thể triển khai độc lập; thích hợp cho các dự án vừa và lớn.</a:t>
-            </a:r>
-          </a:p>
-        </p:txBody>
-      </p:sp>
-      <p:sp>
-        <p:nvSpPr>
-          <p:cNvPr id="12" name="Rectangle 11">
-            <a:extLst>
-              <a:ext uri="{FF2B5EF4-FFF2-40B4-BE49-F238E27FC236}">
-                <a16:creationId xmlns:a16="http://schemas.microsoft.com/office/drawing/2014/main" id="{4382A3A2-0023-42D3-969A-4F24CE1C0159}"/>
-              </a:ext>
-            </a:extLst>
-          </p:cNvPr>
-          <p:cNvSpPr/>
-          <p:nvPr/>
-        </p:nvSpPr>
-        <p:spPr>
-          <a:xfrm>
-            <a:off x="410964" y="5474204"/>
-            <a:ext cx="11159848" cy="461665"/>
-          </a:xfrm>
-          <a:prstGeom prst="rect">
-            <a:avLst/>
-          </a:prstGeom>
-        </p:spPr>
-        <p:txBody>
-          <a:bodyPr wrap="square">
-            <a:spAutoFit/>
-          </a:bodyPr>
-          <a:lstStyle/>
-          <a:p>
-            <a:pPr marL="342900" indent="-342900" algn="just">
-              <a:buFont typeface="Wingdings" panose="05000000000000000000" pitchFamily="2" charset="2"/>
-              <a:buChar char="Ø"/>
-            </a:pPr>
-            <a:r>
-              <a:rPr lang="en-GB" sz="2400">
-                <a:solidFill>
-                  <a:schemeClr val="bg1"/>
-                </a:solidFill>
-              </a:rPr>
-              <a:t>ABP Framework được áp dụng để xây dựng hế thống quản lý trạng thái ứng dụng.</a:t>
+              <a:t>Cơ chế của framework được tách theo từng module sẽ dễ dàng quản lý, code mạch lạc, không bị lặp code, các chức năng có thể triển khai độc lập.</a:t>
             </a:r>
           </a:p>
         </p:txBody>
@@ -19950,50 +19810,6 @@
                             </p:childTnLst>
                           </p:cTn>
                         </p:par>
-                        <p:par>
-                          <p:cTn id="26" fill="hold">
-                            <p:stCondLst>
-                              <p:cond delay="500"/>
-                            </p:stCondLst>
-                            <p:childTnLst>
-                              <p:par>
-                                <p:cTn id="27" presetID="10" presetClass="entr" presetSubtype="0" fill="hold" grpId="0" nodeType="afterEffect">
-                                  <p:stCondLst>
-                                    <p:cond delay="0"/>
-                                  </p:stCondLst>
-                                  <p:childTnLst>
-                                    <p:set>
-                                      <p:cBhvr>
-                                        <p:cTn id="28" dur="1" fill="hold">
-                                          <p:stCondLst>
-                                            <p:cond delay="0"/>
-                                          </p:stCondLst>
-                                        </p:cTn>
-                                        <p:tgtEl>
-                                          <p:spTgt spid="12"/>
-                                        </p:tgtEl>
-                                        <p:attrNameLst>
-                                          <p:attrName>style.visibility</p:attrName>
-                                        </p:attrNameLst>
-                                      </p:cBhvr>
-                                      <p:to>
-                                        <p:strVal val="visible"/>
-                                      </p:to>
-                                    </p:set>
-                                    <p:animEffect transition="in" filter="fade">
-                                      <p:cBhvr>
-                                        <p:cTn id="29" dur="500"/>
-                                        <p:tgtEl>
-                                          <p:spTgt spid="12"/>
-                                        </p:tgtEl>
-                                      </p:cBhvr>
-                                    </p:animEffect>
-                                  </p:childTnLst>
-                                </p:cTn>
-                              </p:par>
-                            </p:childTnLst>
-                          </p:cTn>
-                        </p:par>
                       </p:childTnLst>
                     </p:cTn>
                   </p:par>
@@ -20020,7 +19836,6 @@
     </p:tnLst>
     <p:bldLst>
       <p:bldP spid="7" grpId="0"/>
-      <p:bldP spid="12" grpId="0"/>
     </p:bldLst>
   </p:timing>
 </p:sld>
@@ -20364,10 +20179,10 @@
       </p:sp>
       <p:pic>
         <p:nvPicPr>
-          <p:cNvPr id="9" name="Picture 8" descr="Diagram&#10;&#10;Description automatically generated">
+          <p:cNvPr id="8" name="Picture 7" descr="Diagram&#10;&#10;Description automatically generated">
             <a:extLst>
               <a:ext uri="{FF2B5EF4-FFF2-40B4-BE49-F238E27FC236}">
-                <a16:creationId xmlns:a16="http://schemas.microsoft.com/office/drawing/2014/main" id="{43737AAE-BADC-4FCD-81E2-C153444E704D}"/>
+                <a16:creationId xmlns:a16="http://schemas.microsoft.com/office/drawing/2014/main" id="{A8C271FD-BDBE-4761-B78C-AD4F4D0B9B0B}"/>
               </a:ext>
             </a:extLst>
           </p:cNvPr>
@@ -20390,8 +20205,8 @@
         </p:blipFill>
         <p:spPr>
           <a:xfrm>
-            <a:off x="308208" y="1745127"/>
-            <a:ext cx="7430073" cy="4676775"/>
+            <a:off x="283059" y="1615499"/>
+            <a:ext cx="7496884" cy="4149198"/>
           </a:xfrm>
           <a:prstGeom prst="rect">
             <a:avLst/>
@@ -20631,7 +20446,7 @@
                                           </p:stCondLst>
                                         </p:cTn>
                                         <p:tgtEl>
-                                          <p:spTgt spid="9"/>
+                                          <p:spTgt spid="8"/>
                                         </p:tgtEl>
                                         <p:attrNameLst>
                                           <p:attrName>style.visibility</p:attrName>
@@ -20645,7 +20460,7 @@
                                       <p:cBhvr>
                                         <p:cTn id="17" dur="500"/>
                                         <p:tgtEl>
-                                          <p:spTgt spid="9"/>
+                                          <p:spTgt spid="8"/>
                                         </p:tgtEl>
                                       </p:cBhvr>
                                     </p:animEffect>
@@ -20990,7 +20805,7 @@
                   <a:schemeClr val="bg1"/>
                 </a:solidFill>
               </a:rPr>
-              <a:t>Domain Driven Design là một cách tiếp cận cho phát triển phần mềm giúp giải quyết vấn đề xây dựng các hệ thống phức tạp. DDD tập trung vào các khái niệm nghiệp vụ và bóc tách bài toán dựa trên nghiệp vụ của nó.</a:t>
+              <a:t>Domain Driven Design là một hướng tiếp cận cho phát triển phần mềm giúp giải quyết vấn đề xây dựng các hệ thống phức tạp. DDD tập trung vào các khái niệm nghiệp vụ và bóc tách bài toán dựa trên nghiệp vụ của nó.</a:t>
             </a:r>
           </a:p>
           <a:p>
@@ -21629,7 +21444,127 @@
         <p:spPr bwMode="auto">
           <a:xfrm>
             <a:off x="517354" y="1402590"/>
-            <a:ext cx="10810288" cy="4943619"/>
+            <a:ext cx="7193631" cy="4943619"/>
+          </a:xfrm>
+          <a:prstGeom prst="rect">
+            <a:avLst/>
+          </a:prstGeom>
+        </p:spPr>
+      </p:pic>
+      <p:pic>
+        <p:nvPicPr>
+          <p:cNvPr id="6" name="Picture 5">
+            <a:extLst>
+              <a:ext uri="{FF2B5EF4-FFF2-40B4-BE49-F238E27FC236}">
+                <a16:creationId xmlns:a16="http://schemas.microsoft.com/office/drawing/2014/main" id="{A24042E0-F436-49D4-A221-11AA43AFB6EE}"/>
+              </a:ext>
+            </a:extLst>
+          </p:cNvPr>
+          <p:cNvPicPr>
+            <a:picLocks noChangeAspect="1"/>
+          </p:cNvPicPr>
+          <p:nvPr/>
+        </p:nvPicPr>
+        <p:blipFill>
+          <a:blip r:embed="rId3"/>
+          <a:stretch>
+            <a:fillRect/>
+          </a:stretch>
+        </p:blipFill>
+        <p:spPr>
+          <a:xfrm>
+            <a:off x="7883695" y="1402590"/>
+            <a:ext cx="3990995" cy="4943619"/>
+          </a:xfrm>
+          <a:prstGeom prst="rect">
+            <a:avLst/>
+          </a:prstGeom>
+        </p:spPr>
+      </p:pic>
+      <p:pic>
+        <p:nvPicPr>
+          <p:cNvPr id="12" name="Picture 11">
+            <a:extLst>
+              <a:ext uri="{FF2B5EF4-FFF2-40B4-BE49-F238E27FC236}">
+                <a16:creationId xmlns:a16="http://schemas.microsoft.com/office/drawing/2014/main" id="{34286B16-3540-478F-986C-CA606501875D}"/>
+              </a:ext>
+            </a:extLst>
+          </p:cNvPr>
+          <p:cNvPicPr>
+            <a:picLocks noChangeAspect="1"/>
+          </p:cNvPicPr>
+          <p:nvPr/>
+        </p:nvPicPr>
+        <p:blipFill>
+          <a:blip r:embed="rId4"/>
+          <a:stretch>
+            <a:fillRect/>
+          </a:stretch>
+        </p:blipFill>
+        <p:spPr>
+          <a:xfrm>
+            <a:off x="7934088" y="1435505"/>
+            <a:ext cx="3846948" cy="4910703"/>
+          </a:xfrm>
+          <a:prstGeom prst="rect">
+            <a:avLst/>
+          </a:prstGeom>
+        </p:spPr>
+      </p:pic>
+      <p:pic>
+        <p:nvPicPr>
+          <p:cNvPr id="16" name="Picture 15">
+            <a:extLst>
+              <a:ext uri="{FF2B5EF4-FFF2-40B4-BE49-F238E27FC236}">
+                <a16:creationId xmlns:a16="http://schemas.microsoft.com/office/drawing/2014/main" id="{9AEBADC2-5747-46F0-AA39-5DD0809B74B2}"/>
+              </a:ext>
+            </a:extLst>
+          </p:cNvPr>
+          <p:cNvPicPr>
+            <a:picLocks noChangeAspect="1"/>
+          </p:cNvPicPr>
+          <p:nvPr/>
+        </p:nvPicPr>
+        <p:blipFill>
+          <a:blip r:embed="rId5"/>
+          <a:stretch>
+            <a:fillRect/>
+          </a:stretch>
+        </p:blipFill>
+        <p:spPr>
+          <a:xfrm>
+            <a:off x="7934088" y="1440833"/>
+            <a:ext cx="3940602" cy="4915151"/>
+          </a:xfrm>
+          <a:prstGeom prst="rect">
+            <a:avLst/>
+          </a:prstGeom>
+        </p:spPr>
+      </p:pic>
+      <p:pic>
+        <p:nvPicPr>
+          <p:cNvPr id="18" name="Picture 17">
+            <a:extLst>
+              <a:ext uri="{FF2B5EF4-FFF2-40B4-BE49-F238E27FC236}">
+                <a16:creationId xmlns:a16="http://schemas.microsoft.com/office/drawing/2014/main" id="{FA715F7F-CD24-4975-AA65-35A72A0283FD}"/>
+              </a:ext>
+            </a:extLst>
+          </p:cNvPr>
+          <p:cNvPicPr>
+            <a:picLocks noChangeAspect="1"/>
+          </p:cNvPicPr>
+          <p:nvPr/>
+        </p:nvPicPr>
+        <p:blipFill>
+          <a:blip r:embed="rId6"/>
+          <a:stretch>
+            <a:fillRect/>
+          </a:stretch>
+        </p:blipFill>
+        <p:spPr>
+          <a:xfrm>
+            <a:off x="7883695" y="1422255"/>
+            <a:ext cx="3990995" cy="4931229"/>
           </a:xfrm>
           <a:prstGeom prst="rect">
             <a:avLst/>
@@ -21754,6 +21689,218 @@
                                         <p:cTn id="11" dur="500"/>
                                         <p:tgtEl>
                                           <p:spTgt spid="14"/>
+                                        </p:tgtEl>
+                                      </p:cBhvr>
+                                    </p:animEffect>
+                                  </p:childTnLst>
+                                </p:cTn>
+                              </p:par>
+                            </p:childTnLst>
+                          </p:cTn>
+                        </p:par>
+                      </p:childTnLst>
+                    </p:cTn>
+                  </p:par>
+                  <p:par>
+                    <p:cTn id="12" fill="hold">
+                      <p:stCondLst>
+                        <p:cond delay="indefinite"/>
+                      </p:stCondLst>
+                      <p:childTnLst>
+                        <p:par>
+                          <p:cTn id="13" fill="hold">
+                            <p:stCondLst>
+                              <p:cond delay="0"/>
+                            </p:stCondLst>
+                            <p:childTnLst>
+                              <p:par>
+                                <p:cTn id="14" presetID="10" presetClass="entr" presetSubtype="0" fill="hold" nodeType="clickEffect">
+                                  <p:stCondLst>
+                                    <p:cond delay="0"/>
+                                  </p:stCondLst>
+                                  <p:childTnLst>
+                                    <p:set>
+                                      <p:cBhvr>
+                                        <p:cTn id="15" dur="1" fill="hold">
+                                          <p:stCondLst>
+                                            <p:cond delay="0"/>
+                                          </p:stCondLst>
+                                        </p:cTn>
+                                        <p:tgtEl>
+                                          <p:spTgt spid="6"/>
+                                        </p:tgtEl>
+                                        <p:attrNameLst>
+                                          <p:attrName>style.visibility</p:attrName>
+                                        </p:attrNameLst>
+                                      </p:cBhvr>
+                                      <p:to>
+                                        <p:strVal val="visible"/>
+                                      </p:to>
+                                    </p:set>
+                                    <p:animEffect transition="in" filter="fade">
+                                      <p:cBhvr>
+                                        <p:cTn id="16" dur="500"/>
+                                        <p:tgtEl>
+                                          <p:spTgt spid="6"/>
+                                        </p:tgtEl>
+                                      </p:cBhvr>
+                                    </p:animEffect>
+                                  </p:childTnLst>
+                                </p:cTn>
+                              </p:par>
+                            </p:childTnLst>
+                          </p:cTn>
+                        </p:par>
+                      </p:childTnLst>
+                    </p:cTn>
+                  </p:par>
+                  <p:par>
+                    <p:cTn id="17" fill="hold">
+                      <p:stCondLst>
+                        <p:cond delay="indefinite"/>
+                      </p:stCondLst>
+                      <p:childTnLst>
+                        <p:par>
+                          <p:cTn id="18" fill="hold">
+                            <p:stCondLst>
+                              <p:cond delay="0"/>
+                            </p:stCondLst>
+                            <p:childTnLst>
+                              <p:par>
+                                <p:cTn id="19" presetID="10" presetClass="entr" presetSubtype="0" fill="hold" nodeType="clickEffect">
+                                  <p:stCondLst>
+                                    <p:cond delay="0"/>
+                                  </p:stCondLst>
+                                  <p:childTnLst>
+                                    <p:set>
+                                      <p:cBhvr>
+                                        <p:cTn id="20" dur="1" fill="hold">
+                                          <p:stCondLst>
+                                            <p:cond delay="0"/>
+                                          </p:stCondLst>
+                                        </p:cTn>
+                                        <p:tgtEl>
+                                          <p:spTgt spid="12"/>
+                                        </p:tgtEl>
+                                        <p:attrNameLst>
+                                          <p:attrName>style.visibility</p:attrName>
+                                        </p:attrNameLst>
+                                      </p:cBhvr>
+                                      <p:to>
+                                        <p:strVal val="visible"/>
+                                      </p:to>
+                                    </p:set>
+                                    <p:animEffect transition="in" filter="fade">
+                                      <p:cBhvr>
+                                        <p:cTn id="21" dur="500"/>
+                                        <p:tgtEl>
+                                          <p:spTgt spid="12"/>
+                                        </p:tgtEl>
+                                      </p:cBhvr>
+                                    </p:animEffect>
+                                  </p:childTnLst>
+                                </p:cTn>
+                              </p:par>
+                            </p:childTnLst>
+                          </p:cTn>
+                        </p:par>
+                      </p:childTnLst>
+                    </p:cTn>
+                  </p:par>
+                  <p:par>
+                    <p:cTn id="22" fill="hold">
+                      <p:stCondLst>
+                        <p:cond delay="indefinite"/>
+                      </p:stCondLst>
+                      <p:childTnLst>
+                        <p:par>
+                          <p:cTn id="23" fill="hold">
+                            <p:stCondLst>
+                              <p:cond delay="0"/>
+                            </p:stCondLst>
+                            <p:childTnLst>
+                              <p:par>
+                                <p:cTn id="24" presetID="10" presetClass="entr" presetSubtype="0" fill="hold" nodeType="clickEffect">
+                                  <p:stCondLst>
+                                    <p:cond delay="0"/>
+                                  </p:stCondLst>
+                                  <p:childTnLst>
+                                    <p:set>
+                                      <p:cBhvr>
+                                        <p:cTn id="25" dur="1" fill="hold">
+                                          <p:stCondLst>
+                                            <p:cond delay="0"/>
+                                          </p:stCondLst>
+                                        </p:cTn>
+                                        <p:tgtEl>
+                                          <p:spTgt spid="16"/>
+                                        </p:tgtEl>
+                                        <p:attrNameLst>
+                                          <p:attrName>style.visibility</p:attrName>
+                                        </p:attrNameLst>
+                                      </p:cBhvr>
+                                      <p:to>
+                                        <p:strVal val="visible"/>
+                                      </p:to>
+                                    </p:set>
+                                    <p:animEffect transition="in" filter="fade">
+                                      <p:cBhvr>
+                                        <p:cTn id="26" dur="500"/>
+                                        <p:tgtEl>
+                                          <p:spTgt spid="16"/>
+                                        </p:tgtEl>
+                                      </p:cBhvr>
+                                    </p:animEffect>
+                                  </p:childTnLst>
+                                </p:cTn>
+                              </p:par>
+                            </p:childTnLst>
+                          </p:cTn>
+                        </p:par>
+                      </p:childTnLst>
+                    </p:cTn>
+                  </p:par>
+                  <p:par>
+                    <p:cTn id="27" fill="hold">
+                      <p:stCondLst>
+                        <p:cond delay="indefinite"/>
+                      </p:stCondLst>
+                      <p:childTnLst>
+                        <p:par>
+                          <p:cTn id="28" fill="hold">
+                            <p:stCondLst>
+                              <p:cond delay="0"/>
+                            </p:stCondLst>
+                            <p:childTnLst>
+                              <p:par>
+                                <p:cTn id="29" presetID="10" presetClass="entr" presetSubtype="0" fill="hold" nodeType="clickEffect">
+                                  <p:stCondLst>
+                                    <p:cond delay="0"/>
+                                  </p:stCondLst>
+                                  <p:childTnLst>
+                                    <p:set>
+                                      <p:cBhvr>
+                                        <p:cTn id="30" dur="1" fill="hold">
+                                          <p:stCondLst>
+                                            <p:cond delay="0"/>
+                                          </p:stCondLst>
+                                        </p:cTn>
+                                        <p:tgtEl>
+                                          <p:spTgt spid="18"/>
+                                        </p:tgtEl>
+                                        <p:attrNameLst>
+                                          <p:attrName>style.visibility</p:attrName>
+                                        </p:attrNameLst>
+                                      </p:cBhvr>
+                                      <p:to>
+                                        <p:strVal val="visible"/>
+                                      </p:to>
+                                    </p:set>
+                                    <p:animEffect transition="in" filter="fade">
+                                      <p:cBhvr>
+                                        <p:cTn id="31" dur="500"/>
+                                        <p:tgtEl>
+                                          <p:spTgt spid="18"/>
                                         </p:tgtEl>
                                       </p:cBhvr>
                                     </p:animEffect>
@@ -23343,42 +23490,6 @@
           </a:p>
         </p:txBody>
       </p:sp>
-      <p:pic>
-        <p:nvPicPr>
-          <p:cNvPr id="13" name="Picture 12" descr="Table&#10;&#10;Description automatically generated">
-            <a:extLst>
-              <a:ext uri="{FF2B5EF4-FFF2-40B4-BE49-F238E27FC236}">
-                <a16:creationId xmlns:a16="http://schemas.microsoft.com/office/drawing/2014/main" id="{4CE9A001-C716-4791-B915-E92E3F34CC7C}"/>
-              </a:ext>
-            </a:extLst>
-          </p:cNvPr>
-          <p:cNvPicPr>
-            <a:picLocks noChangeAspect="1"/>
-          </p:cNvPicPr>
-          <p:nvPr/>
-        </p:nvPicPr>
-        <p:blipFill>
-          <a:blip r:embed="rId2">
-            <a:extLst>
-              <a:ext uri="{28A0092B-C50C-407E-A947-70E740481C1C}">
-                <a14:useLocalDpi xmlns:a14="http://schemas.microsoft.com/office/drawing/2010/main" val="0"/>
-              </a:ext>
-            </a:extLst>
-          </a:blip>
-          <a:stretch>
-            <a:fillRect/>
-          </a:stretch>
-        </p:blipFill>
-        <p:spPr>
-          <a:xfrm>
-            <a:off x="410964" y="1432738"/>
-            <a:ext cx="11159849" cy="5051113"/>
-          </a:xfrm>
-          <a:prstGeom prst="rect">
-            <a:avLst/>
-          </a:prstGeom>
-        </p:spPr>
-      </p:pic>
       <p:sp>
         <p:nvSpPr>
           <p:cNvPr id="18" name="Rectangle 17">
@@ -23420,6 +23531,42 @@
       </p:sp>
       <p:pic>
         <p:nvPicPr>
+          <p:cNvPr id="6" name="Picture 5" descr="Table&#10;&#10;Description automatically generated with medium confidence">
+            <a:extLst>
+              <a:ext uri="{FF2B5EF4-FFF2-40B4-BE49-F238E27FC236}">
+                <a16:creationId xmlns:a16="http://schemas.microsoft.com/office/drawing/2014/main" id="{95DBB74E-7163-490C-A689-4B1DF2B16040}"/>
+              </a:ext>
+            </a:extLst>
+          </p:cNvPr>
+          <p:cNvPicPr>
+            <a:picLocks noChangeAspect="1"/>
+          </p:cNvPicPr>
+          <p:nvPr/>
+        </p:nvPicPr>
+        <p:blipFill>
+          <a:blip r:embed="rId2">
+            <a:extLst>
+              <a:ext uri="{28A0092B-C50C-407E-A947-70E740481C1C}">
+                <a14:useLocalDpi xmlns:a14="http://schemas.microsoft.com/office/drawing/2010/main" val="0"/>
+              </a:ext>
+            </a:extLst>
+          </a:blip>
+          <a:stretch>
+            <a:fillRect/>
+          </a:stretch>
+        </p:blipFill>
+        <p:spPr>
+          <a:xfrm>
+            <a:off x="410962" y="1490751"/>
+            <a:ext cx="11159849" cy="4984016"/>
+          </a:xfrm>
+          <a:prstGeom prst="rect">
+            <a:avLst/>
+          </a:prstGeom>
+        </p:spPr>
+      </p:pic>
+      <p:pic>
+        <p:nvPicPr>
           <p:cNvPr id="15" name="Picture 14" descr="Diagram&#10;&#10;Description automatically generated">
             <a:extLst>
               <a:ext uri="{FF2B5EF4-FFF2-40B4-BE49-F238E27FC236}">
@@ -23446,8 +23593,8 @@
         </p:blipFill>
         <p:spPr>
           <a:xfrm>
-            <a:off x="410962" y="1432738"/>
-            <a:ext cx="11159849" cy="5042029"/>
+            <a:off x="410962" y="1507343"/>
+            <a:ext cx="11159849" cy="4967424"/>
           </a:xfrm>
           <a:prstGeom prst="rect">
             <a:avLst/>
@@ -23537,36 +23684,27 @@
                             </p:childTnLst>
                           </p:cTn>
                         </p:par>
-                      </p:childTnLst>
-                    </p:cTn>
-                  </p:par>
-                  <p:par>
-                    <p:cTn id="8" fill="hold">
-                      <p:stCondLst>
-                        <p:cond delay="indefinite"/>
-                      </p:stCondLst>
-                      <p:childTnLst>
                         <p:par>
-                          <p:cTn id="9" fill="hold">
+                          <p:cTn id="8" fill="hold">
                             <p:stCondLst>
-                              <p:cond delay="0"/>
+                              <p:cond delay="500"/>
                             </p:stCondLst>
                             <p:childTnLst>
                               <p:par>
-                                <p:cTn id="10" presetID="10" presetClass="entr" presetSubtype="0" fill="hold" nodeType="clickEffect">
+                                <p:cTn id="9" presetID="10" presetClass="entr" presetSubtype="0" fill="hold" nodeType="afterEffect">
                                   <p:stCondLst>
                                     <p:cond delay="0"/>
                                   </p:stCondLst>
                                   <p:childTnLst>
                                     <p:set>
                                       <p:cBhvr>
-                                        <p:cTn id="11" dur="1" fill="hold">
+                                        <p:cTn id="10" dur="1" fill="hold">
                                           <p:stCondLst>
                                             <p:cond delay="0"/>
                                           </p:stCondLst>
                                         </p:cTn>
                                         <p:tgtEl>
-                                          <p:spTgt spid="13"/>
+                                          <p:spTgt spid="6"/>
                                         </p:tgtEl>
                                         <p:attrNameLst>
                                           <p:attrName>style.visibility</p:attrName>
@@ -23578,9 +23716,9 @@
                                     </p:set>
                                     <p:animEffect transition="in" filter="fade">
                                       <p:cBhvr>
-                                        <p:cTn id="12" dur="500"/>
+                                        <p:cTn id="11" dur="500"/>
                                         <p:tgtEl>
-                                          <p:spTgt spid="13"/>
+                                          <p:spTgt spid="6"/>
                                         </p:tgtEl>
                                       </p:cBhvr>
                                     </p:animEffect>
@@ -23594,70 +23732,26 @@
                     </p:cTn>
                   </p:par>
                   <p:par>
-                    <p:cTn id="13" fill="hold">
+                    <p:cTn id="12" fill="hold">
                       <p:stCondLst>
                         <p:cond delay="indefinite"/>
                       </p:stCondLst>
                       <p:childTnLst>
                         <p:par>
-                          <p:cTn id="14" fill="hold">
+                          <p:cTn id="13" fill="hold">
                             <p:stCondLst>
                               <p:cond delay="0"/>
                             </p:stCondLst>
                             <p:childTnLst>
                               <p:par>
-                                <p:cTn id="15" presetID="10" presetClass="exit" presetSubtype="0" fill="hold" nodeType="clickEffect">
+                                <p:cTn id="14" presetID="10" presetClass="exit" presetSubtype="0" fill="hold" grpId="1" nodeType="clickEffect">
                                   <p:stCondLst>
                                     <p:cond delay="0"/>
                                   </p:stCondLst>
                                   <p:childTnLst>
                                     <p:animEffect transition="out" filter="fade">
                                       <p:cBhvr>
-                                        <p:cTn id="16" dur="500"/>
-                                        <p:tgtEl>
-                                          <p:spTgt spid="13"/>
-                                        </p:tgtEl>
-                                      </p:cBhvr>
-                                    </p:animEffect>
-                                    <p:set>
-                                      <p:cBhvr>
-                                        <p:cTn id="17" dur="1" fill="hold">
-                                          <p:stCondLst>
-                                            <p:cond delay="499"/>
-                                          </p:stCondLst>
-                                        </p:cTn>
-                                        <p:tgtEl>
-                                          <p:spTgt spid="13"/>
-                                        </p:tgtEl>
-                                        <p:attrNameLst>
-                                          <p:attrName>style.visibility</p:attrName>
-                                        </p:attrNameLst>
-                                      </p:cBhvr>
-                                      <p:to>
-                                        <p:strVal val="hidden"/>
-                                      </p:to>
-                                    </p:set>
-                                  </p:childTnLst>
-                                </p:cTn>
-                              </p:par>
-                            </p:childTnLst>
-                          </p:cTn>
-                        </p:par>
-                        <p:par>
-                          <p:cTn id="18" fill="hold">
-                            <p:stCondLst>
-                              <p:cond delay="500"/>
-                            </p:stCondLst>
-                            <p:childTnLst>
-                              <p:par>
-                                <p:cTn id="19" presetID="10" presetClass="exit" presetSubtype="0" fill="hold" grpId="1" nodeType="afterEffect">
-                                  <p:stCondLst>
-                                    <p:cond delay="0"/>
-                                  </p:stCondLst>
-                                  <p:childTnLst>
-                                    <p:animEffect transition="out" filter="fade">
-                                      <p:cBhvr>
-                                        <p:cTn id="20" dur="500"/>
+                                        <p:cTn id="15" dur="500"/>
                                         <p:tgtEl>
                                           <p:spTgt spid="16"/>
                                         </p:tgtEl>
@@ -23665,7 +23759,7 @@
                                     </p:animEffect>
                                     <p:set>
                                       <p:cBhvr>
-                                        <p:cTn id="21" dur="1" fill="hold">
+                                        <p:cTn id="16" dur="1" fill="hold">
                                           <p:stCondLst>
                                             <p:cond delay="499"/>
                                           </p:stCondLst>
@@ -23687,30 +23781,21 @@
                             </p:childTnLst>
                           </p:cTn>
                         </p:par>
-                      </p:childTnLst>
-                    </p:cTn>
-                  </p:par>
-                  <p:par>
-                    <p:cTn id="22" fill="hold">
-                      <p:stCondLst>
-                        <p:cond delay="indefinite"/>
-                      </p:stCondLst>
-                      <p:childTnLst>
                         <p:par>
-                          <p:cTn id="23" fill="hold">
+                          <p:cTn id="17" fill="hold">
                             <p:stCondLst>
-                              <p:cond delay="0"/>
+                              <p:cond delay="500"/>
                             </p:stCondLst>
                             <p:childTnLst>
                               <p:par>
-                                <p:cTn id="24" presetID="10" presetClass="entr" presetSubtype="0" fill="hold" grpId="0" nodeType="clickEffect">
+                                <p:cTn id="18" presetID="10" presetClass="entr" presetSubtype="0" fill="hold" grpId="0" nodeType="afterEffect">
                                   <p:stCondLst>
                                     <p:cond delay="0"/>
                                   </p:stCondLst>
                                   <p:childTnLst>
                                     <p:set>
                                       <p:cBhvr>
-                                        <p:cTn id="25" dur="1" fill="hold">
+                                        <p:cTn id="19" dur="1" fill="hold">
                                           <p:stCondLst>
                                             <p:cond delay="0"/>
                                           </p:stCondLst>
@@ -23728,7 +23813,7 @@
                                     </p:set>
                                     <p:animEffect transition="in" filter="fade">
                                       <p:cBhvr>
-                                        <p:cTn id="26" dur="500"/>
+                                        <p:cTn id="20" dur="500"/>
                                         <p:tgtEl>
                                           <p:spTgt spid="18"/>
                                         </p:tgtEl>
@@ -23741,20 +23826,20 @@
                           </p:cTn>
                         </p:par>
                         <p:par>
-                          <p:cTn id="27" fill="hold">
+                          <p:cTn id="21" fill="hold">
                             <p:stCondLst>
-                              <p:cond delay="500"/>
+                              <p:cond delay="1000"/>
                             </p:stCondLst>
                             <p:childTnLst>
                               <p:par>
-                                <p:cTn id="28" presetID="10" presetClass="entr" presetSubtype="0" fill="hold" nodeType="afterEffect">
+                                <p:cTn id="22" presetID="10" presetClass="entr" presetSubtype="0" fill="hold" nodeType="afterEffect">
                                   <p:stCondLst>
                                     <p:cond delay="0"/>
                                   </p:stCondLst>
                                   <p:childTnLst>
                                     <p:set>
                                       <p:cBhvr>
-                                        <p:cTn id="29" dur="1" fill="hold">
+                                        <p:cTn id="23" dur="1" fill="hold">
                                           <p:stCondLst>
                                             <p:cond delay="0"/>
                                           </p:stCondLst>
@@ -23772,7 +23857,7 @@
                                     </p:set>
                                     <p:animEffect transition="in" filter="fade">
                                       <p:cBhvr>
-                                        <p:cTn id="30" dur="500"/>
+                                        <p:cTn id="24" dur="500"/>
                                         <p:tgtEl>
                                           <p:spTgt spid="15"/>
                                         </p:tgtEl>
@@ -27525,42 +27610,6 @@
           </a:prstGeom>
         </p:spPr>
       </p:pic>
-      <p:pic>
-        <p:nvPicPr>
-          <p:cNvPr id="13" name="Picture 12" descr="Table&#10;&#10;Description automatically generated">
-            <a:extLst>
-              <a:ext uri="{FF2B5EF4-FFF2-40B4-BE49-F238E27FC236}">
-                <a16:creationId xmlns:a16="http://schemas.microsoft.com/office/drawing/2014/main" id="{F96BD339-2003-4A09-9C54-F8B45C9FE9BE}"/>
-              </a:ext>
-            </a:extLst>
-          </p:cNvPr>
-          <p:cNvPicPr>
-            <a:picLocks noChangeAspect="1"/>
-          </p:cNvPicPr>
-          <p:nvPr/>
-        </p:nvPicPr>
-        <p:blipFill>
-          <a:blip r:embed="rId3">
-            <a:extLst>
-              <a:ext uri="{28A0092B-C50C-407E-A947-70E740481C1C}">
-                <a14:useLocalDpi xmlns:a14="http://schemas.microsoft.com/office/drawing/2010/main" val="0"/>
-              </a:ext>
-            </a:extLst>
-          </a:blip>
-          <a:stretch>
-            <a:fillRect/>
-          </a:stretch>
-        </p:blipFill>
-        <p:spPr>
-          <a:xfrm>
-            <a:off x="410964" y="909641"/>
-            <a:ext cx="11159849" cy="5592203"/>
-          </a:xfrm>
-          <a:prstGeom prst="rect">
-            <a:avLst/>
-          </a:prstGeom>
-        </p:spPr>
-      </p:pic>
     </p:spTree>
     <p:extLst>
       <p:ext uri="{BB962C8B-B14F-4D97-AF65-F5344CB8AC3E}">
@@ -28493,6 +28542,153 @@
           </a:p>
         </p:txBody>
       </p:sp>
+      <p:sp>
+        <p:nvSpPr>
+          <p:cNvPr id="8" name="Rectangle 7">
+            <a:extLst>
+              <a:ext uri="{FF2B5EF4-FFF2-40B4-BE49-F238E27FC236}">
+                <a16:creationId xmlns:a16="http://schemas.microsoft.com/office/drawing/2014/main" id="{6F4FE1DA-B10A-4063-ABC3-A48EB1653DA9}"/>
+              </a:ext>
+            </a:extLst>
+          </p:cNvPr>
+          <p:cNvSpPr/>
+          <p:nvPr/>
+        </p:nvSpPr>
+        <p:spPr>
+          <a:xfrm>
+            <a:off x="138010" y="1644107"/>
+            <a:ext cx="7818635" cy="3693319"/>
+          </a:xfrm>
+          <a:prstGeom prst="rect">
+            <a:avLst/>
+          </a:prstGeom>
+        </p:spPr>
+        <p:txBody>
+          <a:bodyPr wrap="square">
+            <a:spAutoFit/>
+          </a:bodyPr>
+          <a:lstStyle/>
+          <a:p>
+            <a:pPr indent="457200" algn="just"/>
+            <a:r>
+              <a:rPr lang="en-GB" sz="2600"/>
+              <a:t>Do đề tài mang tích chất hệ thống nên khi thực hiện gặp một số khó khăn về tìm giải pháp phù hợp và giải quyết các vấn đề kỹ thuật chưa rõ ràng.</a:t>
+            </a:r>
+          </a:p>
+          <a:p>
+            <a:pPr indent="457200" algn="just"/>
+            <a:r>
+              <a:rPr lang="en-GB" sz="2600"/>
+              <a:t>Các kiến thức và kỹ năng tích lũy được:</a:t>
+            </a:r>
+          </a:p>
+          <a:p>
+            <a:pPr marL="800100" lvl="1" indent="-342900" algn="just">
+              <a:buFont typeface="Wingdings" panose="05000000000000000000" pitchFamily="2" charset="2"/>
+              <a:buChar char="Ø"/>
+            </a:pPr>
+            <a:r>
+              <a:rPr lang="en-GB" sz="2600"/>
+              <a:t>Phân tích hệ thống theo yêu cầu thực tế;</a:t>
+            </a:r>
+          </a:p>
+          <a:p>
+            <a:pPr marL="800100" lvl="1" indent="-342900" algn="just">
+              <a:buFont typeface="Wingdings" panose="05000000000000000000" pitchFamily="2" charset="2"/>
+              <a:buChar char="Ø"/>
+            </a:pPr>
+            <a:r>
+              <a:rPr lang="en-GB" sz="2600"/>
+              <a:t>Tìm giải pháp phù hợp cho bài toán;</a:t>
+            </a:r>
+          </a:p>
+          <a:p>
+            <a:pPr marL="800100" lvl="1" indent="-342900" algn="just">
+              <a:buFont typeface="Wingdings" panose="05000000000000000000" pitchFamily="2" charset="2"/>
+              <a:buChar char="Ø"/>
+            </a:pPr>
+            <a:r>
+              <a:rPr lang="en-GB" sz="2600"/>
+              <a:t>Lựa chọn công nghệ phù hợp;</a:t>
+            </a:r>
+          </a:p>
+          <a:p>
+            <a:pPr marL="800100" lvl="1" indent="-342900" algn="just">
+              <a:buFont typeface="Wingdings" panose="05000000000000000000" pitchFamily="2" charset="2"/>
+              <a:buChar char="Ø"/>
+            </a:pPr>
+            <a:r>
+              <a:rPr lang="en-GB" sz="2600"/>
+              <a:t>Kỹ năng quản lý tài liệu;</a:t>
+            </a:r>
+          </a:p>
+          <a:p>
+            <a:pPr marL="800100" lvl="1" indent="-342900" algn="just">
+              <a:buFont typeface="Wingdings" panose="05000000000000000000" pitchFamily="2" charset="2"/>
+              <a:buChar char="Ø"/>
+            </a:pPr>
+            <a:r>
+              <a:rPr lang="en-GB" sz="2600"/>
+              <a:t>Kỹ năng quản lý công việc;</a:t>
+            </a:r>
+          </a:p>
+        </p:txBody>
+      </p:sp>
+      <p:sp>
+        <p:nvSpPr>
+          <p:cNvPr id="9" name="Rectangle 8">
+            <a:extLst>
+              <a:ext uri="{FF2B5EF4-FFF2-40B4-BE49-F238E27FC236}">
+                <a16:creationId xmlns:a16="http://schemas.microsoft.com/office/drawing/2014/main" id="{134185DD-4B46-41EF-88CD-5F3FF4D929FE}"/>
+              </a:ext>
+            </a:extLst>
+          </p:cNvPr>
+          <p:cNvSpPr/>
+          <p:nvPr/>
+        </p:nvSpPr>
+        <p:spPr>
+          <a:xfrm>
+            <a:off x="138010" y="1644107"/>
+            <a:ext cx="7818635" cy="1692771"/>
+          </a:xfrm>
+          <a:prstGeom prst="rect">
+            <a:avLst/>
+          </a:prstGeom>
+        </p:spPr>
+        <p:txBody>
+          <a:bodyPr wrap="square">
+            <a:spAutoFit/>
+          </a:bodyPr>
+          <a:lstStyle/>
+          <a:p>
+            <a:pPr indent="457200" algn="just"/>
+            <a:r>
+              <a:rPr lang="en-GB" sz="2600"/>
+              <a:t>Hướng phát triển trong tương lai:</a:t>
+            </a:r>
+          </a:p>
+          <a:p>
+            <a:pPr marL="914400" lvl="1" indent="-457200" algn="just">
+              <a:buFont typeface="Wingdings" panose="05000000000000000000" pitchFamily="2" charset="2"/>
+              <a:buChar char="Ø"/>
+            </a:pPr>
+            <a:r>
+              <a:rPr lang="en-GB" sz="2600"/>
+              <a:t>Nâng cấp chức năng thêm mới và cập nhật script;</a:t>
+            </a:r>
+          </a:p>
+          <a:p>
+            <a:pPr marL="914400" lvl="1" indent="-457200" algn="just">
+              <a:buFont typeface="Wingdings" panose="05000000000000000000" pitchFamily="2" charset="2"/>
+              <a:buChar char="Ø"/>
+            </a:pPr>
+            <a:r>
+              <a:rPr lang="en-GB" sz="2600"/>
+              <a:t>Thêm tính bảo mật đối với chức năng thực thi script.</a:t>
+            </a:r>
+          </a:p>
+        </p:txBody>
+      </p:sp>
     </p:spTree>
     <p:extLst>
       <p:ext uri="{BB962C8B-B14F-4D97-AF65-F5344CB8AC3E}">
@@ -28696,6 +28892,147 @@
                             </p:childTnLst>
                           </p:cTn>
                         </p:par>
+                        <p:par>
+                          <p:cTn id="14" fill="hold">
+                            <p:stCondLst>
+                              <p:cond delay="1000"/>
+                            </p:stCondLst>
+                            <p:childTnLst>
+                              <p:par>
+                                <p:cTn id="15" presetID="10" presetClass="entr" presetSubtype="0" fill="hold" grpId="0" nodeType="afterEffect">
+                                  <p:stCondLst>
+                                    <p:cond delay="0"/>
+                                  </p:stCondLst>
+                                  <p:childTnLst>
+                                    <p:set>
+                                      <p:cBhvr>
+                                        <p:cTn id="16" dur="1" fill="hold">
+                                          <p:stCondLst>
+                                            <p:cond delay="0"/>
+                                          </p:stCondLst>
+                                        </p:cTn>
+                                        <p:tgtEl>
+                                          <p:spTgt spid="8"/>
+                                        </p:tgtEl>
+                                        <p:attrNameLst>
+                                          <p:attrName>style.visibility</p:attrName>
+                                        </p:attrNameLst>
+                                      </p:cBhvr>
+                                      <p:to>
+                                        <p:strVal val="visible"/>
+                                      </p:to>
+                                    </p:set>
+                                    <p:animEffect transition="in" filter="fade">
+                                      <p:cBhvr>
+                                        <p:cTn id="17" dur="500"/>
+                                        <p:tgtEl>
+                                          <p:spTgt spid="8"/>
+                                        </p:tgtEl>
+                                      </p:cBhvr>
+                                    </p:animEffect>
+                                  </p:childTnLst>
+                                </p:cTn>
+                              </p:par>
+                            </p:childTnLst>
+                          </p:cTn>
+                        </p:par>
+                      </p:childTnLst>
+                    </p:cTn>
+                  </p:par>
+                  <p:par>
+                    <p:cTn id="18" fill="hold">
+                      <p:stCondLst>
+                        <p:cond delay="indefinite"/>
+                      </p:stCondLst>
+                      <p:childTnLst>
+                        <p:par>
+                          <p:cTn id="19" fill="hold">
+                            <p:stCondLst>
+                              <p:cond delay="0"/>
+                            </p:stCondLst>
+                            <p:childTnLst>
+                              <p:par>
+                                <p:cTn id="20" presetID="10" presetClass="exit" presetSubtype="0" fill="hold" grpId="1" nodeType="clickEffect">
+                                  <p:stCondLst>
+                                    <p:cond delay="0"/>
+                                  </p:stCondLst>
+                                  <p:childTnLst>
+                                    <p:animEffect transition="out" filter="fade">
+                                      <p:cBhvr>
+                                        <p:cTn id="21" dur="500"/>
+                                        <p:tgtEl>
+                                          <p:spTgt spid="8"/>
+                                        </p:tgtEl>
+                                      </p:cBhvr>
+                                    </p:animEffect>
+                                    <p:set>
+                                      <p:cBhvr>
+                                        <p:cTn id="22" dur="1" fill="hold">
+                                          <p:stCondLst>
+                                            <p:cond delay="499"/>
+                                          </p:stCondLst>
+                                        </p:cTn>
+                                        <p:tgtEl>
+                                          <p:spTgt spid="8"/>
+                                        </p:tgtEl>
+                                        <p:attrNameLst>
+                                          <p:attrName>style.visibility</p:attrName>
+                                        </p:attrNameLst>
+                                      </p:cBhvr>
+                                      <p:to>
+                                        <p:strVal val="hidden"/>
+                                      </p:to>
+                                    </p:set>
+                                  </p:childTnLst>
+                                </p:cTn>
+                              </p:par>
+                            </p:childTnLst>
+                          </p:cTn>
+                        </p:par>
+                        <p:par>
+                          <p:cTn id="23" fill="hold">
+                            <p:stCondLst>
+                              <p:cond delay="500"/>
+                            </p:stCondLst>
+                            <p:childTnLst>
+                              <p:par>
+                                <p:cTn id="24" presetID="10" presetClass="entr" presetSubtype="0" fill="hold" grpId="0" nodeType="afterEffect">
+                                  <p:stCondLst>
+                                    <p:cond delay="0"/>
+                                  </p:stCondLst>
+                                  <p:childTnLst>
+                                    <p:set>
+                                      <p:cBhvr>
+                                        <p:cTn id="25" dur="1" fill="hold">
+                                          <p:stCondLst>
+                                            <p:cond delay="0"/>
+                                          </p:stCondLst>
+                                        </p:cTn>
+                                        <p:tgtEl>
+                                          <p:spTgt spid="9"/>
+                                        </p:tgtEl>
+                                        <p:attrNameLst>
+                                          <p:attrName>style.visibility</p:attrName>
+                                        </p:attrNameLst>
+                                      </p:cBhvr>
+                                      <p:to>
+                                        <p:strVal val="visible"/>
+                                      </p:to>
+                                    </p:set>
+                                    <p:animEffect transition="in" filter="fade">
+                                      <p:cBhvr>
+                                        <p:cTn id="26" dur="500"/>
+                                        <p:tgtEl>
+                                          <p:spTgt spid="9"/>
+                                        </p:tgtEl>
+                                      </p:cBhvr>
+                                    </p:animEffect>
+                                  </p:childTnLst>
+                                </p:cTn>
+                              </p:par>
+                            </p:childTnLst>
+                          </p:cTn>
+                        </p:par>
                       </p:childTnLst>
                     </p:cTn>
                   </p:par>
@@ -28723,6 +29060,9 @@
     <p:bldLst>
       <p:bldP spid="5" grpId="0" animBg="1"/>
       <p:bldP spid="6" grpId="0"/>
+      <p:bldP spid="8" grpId="0"/>
+      <p:bldP spid="8" grpId="1"/>
+      <p:bldP spid="9" grpId="0"/>
     </p:bldLst>
   </p:timing>
 </p:sld>
@@ -35224,7 +35564,7 @@
         </p:nvSpPr>
         <p:spPr>
           <a:xfrm>
-            <a:off x="0" y="329650"/>
+            <a:off x="0" y="316398"/>
             <a:ext cx="12192000" cy="6172198"/>
           </a:xfrm>
           <a:prstGeom prst="rect">
@@ -35393,10 +35733,10 @@
       </p:sp>
       <p:pic>
         <p:nvPicPr>
-          <p:cNvPr id="3" name="Picture 2" descr="Diagram&#10;&#10;Description automatically generated">
+          <p:cNvPr id="5" name="Picture 4" descr="Diagram&#10;&#10;Description automatically generated">
             <a:extLst>
               <a:ext uri="{FF2B5EF4-FFF2-40B4-BE49-F238E27FC236}">
-                <a16:creationId xmlns:a16="http://schemas.microsoft.com/office/drawing/2014/main" id="{629045CE-722A-40F3-B38D-7D0C81F76B5E}"/>
+                <a16:creationId xmlns:a16="http://schemas.microsoft.com/office/drawing/2014/main" id="{D35B34C7-F7F2-413D-B245-2FAB06671F44}"/>
               </a:ext>
             </a:extLst>
           </p:cNvPr>
@@ -35419,8 +35759,8 @@
         </p:blipFill>
         <p:spPr>
           <a:xfrm>
-            <a:off x="2138362" y="1632850"/>
-            <a:ext cx="7915275" cy="4676775"/>
+            <a:off x="1515510" y="1568375"/>
+            <a:ext cx="8450125" cy="4676775"/>
           </a:xfrm>
           <a:prstGeom prst="rect">
             <a:avLst/>
@@ -35540,7 +35880,7 @@
                                           </p:stCondLst>
                                         </p:cTn>
                                         <p:tgtEl>
-                                          <p:spTgt spid="3"/>
+                                          <p:spTgt spid="5"/>
                                         </p:tgtEl>
                                         <p:attrNameLst>
                                           <p:attrName>style.visibility</p:attrName>
@@ -35554,7 +35894,7 @@
                                       <p:cBhvr>
                                         <p:cTn id="11" dur="500"/>
                                         <p:tgtEl>
-                                          <p:spTgt spid="3"/>
+                                          <p:spTgt spid="5"/>
                                         </p:tgtEl>
                                       </p:cBhvr>
                                     </p:animEffect>
